--- a/Doku/Grafiken.pptx
+++ b/Doku/Grafiken.pptx
@@ -13,6 +13,7 @@
     <p:sldId id="261" r:id="rId7"/>
     <p:sldId id="262" r:id="rId8"/>
     <p:sldId id="263" r:id="rId9"/>
+    <p:sldId id="264" r:id="rId10"/>
   </p:sldIdLst>
   <p:sldSz cx="9144000" cy="6858000" type="screen4x3"/>
   <p:notesSz cx="6858000" cy="9144000"/>
@@ -295,7 +296,7 @@
           <a:p>
             <a:fld id="{DE61ADEB-F5B2-4A26-A4D4-37B35CF46446}" type="datetimeFigureOut">
               <a:rPr lang="de-DE" smtClean="0"/>
-              <a:t>10.04.2014</a:t>
+              <a:t>13.04.2014</a:t>
             </a:fld>
             <a:endParaRPr lang="de-DE"/>
           </a:p>
@@ -465,7 +466,7 @@
           <a:p>
             <a:fld id="{DE61ADEB-F5B2-4A26-A4D4-37B35CF46446}" type="datetimeFigureOut">
               <a:rPr lang="de-DE" smtClean="0"/>
-              <a:t>10.04.2014</a:t>
+              <a:t>13.04.2014</a:t>
             </a:fld>
             <a:endParaRPr lang="de-DE"/>
           </a:p>
@@ -645,7 +646,7 @@
           <a:p>
             <a:fld id="{DE61ADEB-F5B2-4A26-A4D4-37B35CF46446}" type="datetimeFigureOut">
               <a:rPr lang="de-DE" smtClean="0"/>
-              <a:t>10.04.2014</a:t>
+              <a:t>13.04.2014</a:t>
             </a:fld>
             <a:endParaRPr lang="de-DE"/>
           </a:p>
@@ -815,7 +816,7 @@
           <a:p>
             <a:fld id="{DE61ADEB-F5B2-4A26-A4D4-37B35CF46446}" type="datetimeFigureOut">
               <a:rPr lang="de-DE" smtClean="0"/>
-              <a:t>10.04.2014</a:t>
+              <a:t>13.04.2014</a:t>
             </a:fld>
             <a:endParaRPr lang="de-DE"/>
           </a:p>
@@ -1061,7 +1062,7 @@
           <a:p>
             <a:fld id="{DE61ADEB-F5B2-4A26-A4D4-37B35CF46446}" type="datetimeFigureOut">
               <a:rPr lang="de-DE" smtClean="0"/>
-              <a:t>10.04.2014</a:t>
+              <a:t>13.04.2014</a:t>
             </a:fld>
             <a:endParaRPr lang="de-DE"/>
           </a:p>
@@ -1349,7 +1350,7 @@
           <a:p>
             <a:fld id="{DE61ADEB-F5B2-4A26-A4D4-37B35CF46446}" type="datetimeFigureOut">
               <a:rPr lang="de-DE" smtClean="0"/>
-              <a:t>10.04.2014</a:t>
+              <a:t>13.04.2014</a:t>
             </a:fld>
             <a:endParaRPr lang="de-DE"/>
           </a:p>
@@ -1771,7 +1772,7 @@
           <a:p>
             <a:fld id="{DE61ADEB-F5B2-4A26-A4D4-37B35CF46446}" type="datetimeFigureOut">
               <a:rPr lang="de-DE" smtClean="0"/>
-              <a:t>10.04.2014</a:t>
+              <a:t>13.04.2014</a:t>
             </a:fld>
             <a:endParaRPr lang="de-DE"/>
           </a:p>
@@ -1889,7 +1890,7 @@
           <a:p>
             <a:fld id="{DE61ADEB-F5B2-4A26-A4D4-37B35CF46446}" type="datetimeFigureOut">
               <a:rPr lang="de-DE" smtClean="0"/>
-              <a:t>10.04.2014</a:t>
+              <a:t>13.04.2014</a:t>
             </a:fld>
             <a:endParaRPr lang="de-DE"/>
           </a:p>
@@ -1984,7 +1985,7 @@
           <a:p>
             <a:fld id="{DE61ADEB-F5B2-4A26-A4D4-37B35CF46446}" type="datetimeFigureOut">
               <a:rPr lang="de-DE" smtClean="0"/>
-              <a:t>10.04.2014</a:t>
+              <a:t>13.04.2014</a:t>
             </a:fld>
             <a:endParaRPr lang="de-DE"/>
           </a:p>
@@ -2261,7 +2262,7 @@
           <a:p>
             <a:fld id="{DE61ADEB-F5B2-4A26-A4D4-37B35CF46446}" type="datetimeFigureOut">
               <a:rPr lang="de-DE" smtClean="0"/>
-              <a:t>10.04.2014</a:t>
+              <a:t>13.04.2014</a:t>
             </a:fld>
             <a:endParaRPr lang="de-DE"/>
           </a:p>
@@ -2514,7 +2515,7 @@
           <a:p>
             <a:fld id="{DE61ADEB-F5B2-4A26-A4D4-37B35CF46446}" type="datetimeFigureOut">
               <a:rPr lang="de-DE" smtClean="0"/>
-              <a:t>10.04.2014</a:t>
+              <a:t>13.04.2014</a:t>
             </a:fld>
             <a:endParaRPr lang="de-DE"/>
           </a:p>
@@ -2727,7 +2728,7 @@
           <a:p>
             <a:fld id="{DE61ADEB-F5B2-4A26-A4D4-37B35CF46446}" type="datetimeFigureOut">
               <a:rPr lang="de-DE" smtClean="0"/>
-              <a:t>10.04.2014</a:t>
+              <a:t>13.04.2014</a:t>
             </a:fld>
             <a:endParaRPr lang="de-DE"/>
           </a:p>
@@ -8926,6 +8927,726 @@
               </a:rPr>
               <a:t>Aufgaben</a:t>
             </a:r>
+          </a:p>
+        </p:txBody>
+      </p:sp>
+      <p:sp>
+        <p:nvSpPr>
+          <p:cNvPr id="4" name="Rectangle 3"/>
+          <p:cNvSpPr/>
+          <p:nvPr/>
+        </p:nvSpPr>
+        <p:spPr>
+          <a:xfrm>
+            <a:off x="2483768" y="764704"/>
+            <a:ext cx="648072" cy="360040"/>
+          </a:xfrm>
+          <a:prstGeom prst="rect">
+            <a:avLst/>
+          </a:prstGeom>
+          <a:noFill/>
+        </p:spPr>
+        <p:style>
+          <a:lnRef idx="2">
+            <a:schemeClr val="accent1">
+              <a:shade val="50000"/>
+            </a:schemeClr>
+          </a:lnRef>
+          <a:fillRef idx="1">
+            <a:schemeClr val="accent1"/>
+          </a:fillRef>
+          <a:effectRef idx="0">
+            <a:schemeClr val="accent1"/>
+          </a:effectRef>
+          <a:fontRef idx="minor">
+            <a:schemeClr val="lt1"/>
+          </a:fontRef>
+        </p:style>
+        <p:txBody>
+          <a:bodyPr rtlCol="0" anchor="ctr"/>
+          <a:lstStyle/>
+          <a:p>
+            <a:pPr algn="ctr"/>
+            <a:r>
+              <a:rPr lang="de-DE" sz="1000" dirty="0" smtClean="0">
+                <a:solidFill>
+                  <a:schemeClr val="tx2"/>
+                </a:solidFill>
+              </a:rPr>
+              <a:t>Über Uns</a:t>
+            </a:r>
+          </a:p>
+        </p:txBody>
+      </p:sp>
+      <p:sp>
+        <p:nvSpPr>
+          <p:cNvPr id="5" name="Rectangle 4"/>
+          <p:cNvSpPr/>
+          <p:nvPr/>
+        </p:nvSpPr>
+        <p:spPr>
+          <a:xfrm>
+            <a:off x="1187624" y="764704"/>
+            <a:ext cx="648072" cy="360040"/>
+          </a:xfrm>
+          <a:prstGeom prst="rect">
+            <a:avLst/>
+          </a:prstGeom>
+          <a:noFill/>
+        </p:spPr>
+        <p:style>
+          <a:lnRef idx="2">
+            <a:schemeClr val="accent1">
+              <a:shade val="50000"/>
+            </a:schemeClr>
+          </a:lnRef>
+          <a:fillRef idx="1">
+            <a:schemeClr val="accent1"/>
+          </a:fillRef>
+          <a:effectRef idx="0">
+            <a:schemeClr val="accent1"/>
+          </a:effectRef>
+          <a:fontRef idx="minor">
+            <a:schemeClr val="lt1"/>
+          </a:fontRef>
+        </p:style>
+        <p:txBody>
+          <a:bodyPr rtlCol="0" anchor="ctr"/>
+          <a:lstStyle/>
+          <a:p>
+            <a:pPr algn="ctr"/>
+            <a:r>
+              <a:rPr lang="de-DE" sz="1000" dirty="0" smtClean="0">
+                <a:solidFill>
+                  <a:schemeClr val="tx2"/>
+                </a:solidFill>
+              </a:rPr>
+              <a:t>Design</a:t>
+            </a:r>
+          </a:p>
+        </p:txBody>
+      </p:sp>
+      <p:sp>
+        <p:nvSpPr>
+          <p:cNvPr id="6" name="Rectangle 5"/>
+          <p:cNvSpPr/>
+          <p:nvPr/>
+        </p:nvSpPr>
+        <p:spPr>
+          <a:xfrm>
+            <a:off x="1835696" y="764704"/>
+            <a:ext cx="648072" cy="360040"/>
+          </a:xfrm>
+          <a:prstGeom prst="rect">
+            <a:avLst/>
+          </a:prstGeom>
+          <a:noFill/>
+        </p:spPr>
+        <p:style>
+          <a:lnRef idx="2">
+            <a:schemeClr val="accent1">
+              <a:shade val="50000"/>
+            </a:schemeClr>
+          </a:lnRef>
+          <a:fillRef idx="1">
+            <a:schemeClr val="accent1"/>
+          </a:fillRef>
+          <a:effectRef idx="0">
+            <a:schemeClr val="accent1"/>
+          </a:effectRef>
+          <a:fontRef idx="minor">
+            <a:schemeClr val="lt1"/>
+          </a:fontRef>
+        </p:style>
+        <p:txBody>
+          <a:bodyPr rtlCol="0" anchor="ctr"/>
+          <a:lstStyle/>
+          <a:p>
+            <a:pPr algn="ctr"/>
+            <a:r>
+              <a:rPr lang="de-DE" sz="1000" dirty="0" smtClean="0">
+                <a:solidFill>
+                  <a:schemeClr val="tx2"/>
+                </a:solidFill>
+              </a:rPr>
+              <a:t>Landing-Pages</a:t>
+            </a:r>
+          </a:p>
+        </p:txBody>
+      </p:sp>
+      <p:sp>
+        <p:nvSpPr>
+          <p:cNvPr id="7" name="Rectangle 6"/>
+          <p:cNvSpPr/>
+          <p:nvPr/>
+        </p:nvSpPr>
+        <p:spPr>
+          <a:xfrm>
+            <a:off x="3779912" y="764704"/>
+            <a:ext cx="648072" cy="360040"/>
+          </a:xfrm>
+          <a:prstGeom prst="rect">
+            <a:avLst/>
+          </a:prstGeom>
+          <a:noFill/>
+        </p:spPr>
+        <p:style>
+          <a:lnRef idx="2">
+            <a:schemeClr val="accent1">
+              <a:shade val="50000"/>
+            </a:schemeClr>
+          </a:lnRef>
+          <a:fillRef idx="1">
+            <a:schemeClr val="accent1"/>
+          </a:fillRef>
+          <a:effectRef idx="0">
+            <a:schemeClr val="accent1"/>
+          </a:effectRef>
+          <a:fontRef idx="minor">
+            <a:schemeClr val="lt1"/>
+          </a:fontRef>
+        </p:style>
+        <p:txBody>
+          <a:bodyPr rtlCol="0" anchor="ctr"/>
+          <a:lstStyle/>
+          <a:p>
+            <a:pPr algn="ctr"/>
+            <a:r>
+              <a:rPr lang="de-DE" sz="1000" dirty="0" smtClean="0">
+                <a:solidFill>
+                  <a:schemeClr val="tx2"/>
+                </a:solidFill>
+              </a:rPr>
+              <a:t>Berichte</a:t>
+            </a:r>
+          </a:p>
+        </p:txBody>
+      </p:sp>
+      <p:sp>
+        <p:nvSpPr>
+          <p:cNvPr id="8" name="Rectangle 7"/>
+          <p:cNvSpPr/>
+          <p:nvPr/>
+        </p:nvSpPr>
+        <p:spPr>
+          <a:xfrm>
+            <a:off x="4427984" y="764704"/>
+            <a:ext cx="648072" cy="360040"/>
+          </a:xfrm>
+          <a:prstGeom prst="rect">
+            <a:avLst/>
+          </a:prstGeom>
+          <a:noFill/>
+        </p:spPr>
+        <p:style>
+          <a:lnRef idx="2">
+            <a:schemeClr val="accent1">
+              <a:shade val="50000"/>
+            </a:schemeClr>
+          </a:lnRef>
+          <a:fillRef idx="1">
+            <a:schemeClr val="accent1"/>
+          </a:fillRef>
+          <a:effectRef idx="0">
+            <a:schemeClr val="accent1"/>
+          </a:effectRef>
+          <a:fontRef idx="minor">
+            <a:schemeClr val="lt1"/>
+          </a:fontRef>
+        </p:style>
+        <p:txBody>
+          <a:bodyPr rtlCol="0" anchor="ctr"/>
+          <a:lstStyle/>
+          <a:p>
+            <a:pPr algn="ctr"/>
+            <a:r>
+              <a:rPr lang="de-DE" sz="1000" dirty="0" smtClean="0">
+                <a:solidFill>
+                  <a:schemeClr val="tx2"/>
+                </a:solidFill>
+              </a:rPr>
+              <a:t>Galerie</a:t>
+            </a:r>
+          </a:p>
+        </p:txBody>
+      </p:sp>
+      <p:sp>
+        <p:nvSpPr>
+          <p:cNvPr id="9" name="Rectangle 8"/>
+          <p:cNvSpPr/>
+          <p:nvPr/>
+        </p:nvSpPr>
+        <p:spPr>
+          <a:xfrm>
+            <a:off x="3131840" y="764704"/>
+            <a:ext cx="648072" cy="360040"/>
+          </a:xfrm>
+          <a:prstGeom prst="rect">
+            <a:avLst/>
+          </a:prstGeom>
+          <a:noFill/>
+        </p:spPr>
+        <p:style>
+          <a:lnRef idx="2">
+            <a:schemeClr val="accent1">
+              <a:shade val="50000"/>
+            </a:schemeClr>
+          </a:lnRef>
+          <a:fillRef idx="1">
+            <a:schemeClr val="accent1"/>
+          </a:fillRef>
+          <a:effectRef idx="0">
+            <a:schemeClr val="accent1"/>
+          </a:effectRef>
+          <a:fontRef idx="minor">
+            <a:schemeClr val="lt1"/>
+          </a:fontRef>
+        </p:style>
+        <p:txBody>
+          <a:bodyPr rtlCol="0" anchor="ctr"/>
+          <a:lstStyle/>
+          <a:p>
+            <a:pPr algn="ctr"/>
+            <a:r>
+              <a:rPr lang="de-DE" sz="1000" dirty="0" smtClean="0">
+                <a:solidFill>
+                  <a:schemeClr val="tx2"/>
+                </a:solidFill>
+              </a:rPr>
+              <a:t>Links</a:t>
+            </a:r>
+          </a:p>
+        </p:txBody>
+      </p:sp>
+      <p:sp>
+        <p:nvSpPr>
+          <p:cNvPr id="10" name="Rectangle 9"/>
+          <p:cNvSpPr/>
+          <p:nvPr/>
+        </p:nvSpPr>
+        <p:spPr>
+          <a:xfrm>
+            <a:off x="5076056" y="764704"/>
+            <a:ext cx="648072" cy="360040"/>
+          </a:xfrm>
+          <a:prstGeom prst="rect">
+            <a:avLst/>
+          </a:prstGeom>
+          <a:noFill/>
+        </p:spPr>
+        <p:style>
+          <a:lnRef idx="2">
+            <a:schemeClr val="accent1">
+              <a:shade val="50000"/>
+            </a:schemeClr>
+          </a:lnRef>
+          <a:fillRef idx="1">
+            <a:schemeClr val="accent1"/>
+          </a:fillRef>
+          <a:effectRef idx="0">
+            <a:schemeClr val="accent1"/>
+          </a:effectRef>
+          <a:fontRef idx="minor">
+            <a:schemeClr val="lt1"/>
+          </a:fontRef>
+        </p:style>
+        <p:txBody>
+          <a:bodyPr rtlCol="0" anchor="ctr"/>
+          <a:lstStyle/>
+          <a:p>
+            <a:pPr algn="ctr"/>
+            <a:r>
+              <a:rPr lang="de-DE" sz="1000" dirty="0" smtClean="0">
+                <a:solidFill>
+                  <a:schemeClr val="tx2"/>
+                </a:solidFill>
+              </a:rPr>
+              <a:t>Forum</a:t>
+            </a:r>
+          </a:p>
+        </p:txBody>
+      </p:sp>
+      <p:sp>
+        <p:nvSpPr>
+          <p:cNvPr id="11" name="Rectangle 10"/>
+          <p:cNvSpPr/>
+          <p:nvPr/>
+        </p:nvSpPr>
+        <p:spPr>
+          <a:xfrm>
+            <a:off x="7020272" y="764704"/>
+            <a:ext cx="648072" cy="360040"/>
+          </a:xfrm>
+          <a:prstGeom prst="rect">
+            <a:avLst/>
+          </a:prstGeom>
+          <a:noFill/>
+        </p:spPr>
+        <p:style>
+          <a:lnRef idx="2">
+            <a:schemeClr val="accent1">
+              <a:shade val="50000"/>
+            </a:schemeClr>
+          </a:lnRef>
+          <a:fillRef idx="1">
+            <a:schemeClr val="accent1"/>
+          </a:fillRef>
+          <a:effectRef idx="0">
+            <a:schemeClr val="accent1"/>
+          </a:effectRef>
+          <a:fontRef idx="minor">
+            <a:schemeClr val="lt1"/>
+          </a:fontRef>
+        </p:style>
+        <p:txBody>
+          <a:bodyPr rtlCol="0" anchor="ctr"/>
+          <a:lstStyle/>
+          <a:p>
+            <a:pPr algn="ctr"/>
+            <a:r>
+              <a:rPr lang="de-DE" sz="1000" dirty="0" smtClean="0">
+                <a:solidFill>
+                  <a:schemeClr val="tx2"/>
+                </a:solidFill>
+              </a:rPr>
+              <a:t>Registrierung</a:t>
+            </a:r>
+          </a:p>
+        </p:txBody>
+      </p:sp>
+      <p:sp>
+        <p:nvSpPr>
+          <p:cNvPr id="12" name="Rectangle 11"/>
+          <p:cNvSpPr/>
+          <p:nvPr/>
+        </p:nvSpPr>
+        <p:spPr>
+          <a:xfrm>
+            <a:off x="6372200" y="764704"/>
+            <a:ext cx="648072" cy="360040"/>
+          </a:xfrm>
+          <a:prstGeom prst="rect">
+            <a:avLst/>
+          </a:prstGeom>
+          <a:noFill/>
+        </p:spPr>
+        <p:style>
+          <a:lnRef idx="2">
+            <a:schemeClr val="accent1">
+              <a:shade val="50000"/>
+            </a:schemeClr>
+          </a:lnRef>
+          <a:fillRef idx="1">
+            <a:schemeClr val="accent1"/>
+          </a:fillRef>
+          <a:effectRef idx="0">
+            <a:schemeClr val="accent1"/>
+          </a:effectRef>
+          <a:fontRef idx="minor">
+            <a:schemeClr val="lt1"/>
+          </a:fontRef>
+        </p:style>
+        <p:txBody>
+          <a:bodyPr rtlCol="0" anchor="ctr"/>
+          <a:lstStyle/>
+          <a:p>
+            <a:pPr algn="ctr"/>
+            <a:r>
+              <a:rPr lang="de-DE" sz="1000" dirty="0" smtClean="0">
+                <a:solidFill>
+                  <a:schemeClr val="tx2"/>
+                </a:solidFill>
+              </a:rPr>
+              <a:t>Termin-planer</a:t>
+            </a:r>
+          </a:p>
+        </p:txBody>
+      </p:sp>
+      <p:sp>
+        <p:nvSpPr>
+          <p:cNvPr id="13" name="Rectangle 12"/>
+          <p:cNvSpPr/>
+          <p:nvPr/>
+        </p:nvSpPr>
+        <p:spPr>
+          <a:xfrm>
+            <a:off x="5724128" y="764704"/>
+            <a:ext cx="648072" cy="360040"/>
+          </a:xfrm>
+          <a:prstGeom prst="rect">
+            <a:avLst/>
+          </a:prstGeom>
+          <a:noFill/>
+        </p:spPr>
+        <p:style>
+          <a:lnRef idx="2">
+            <a:schemeClr val="accent1">
+              <a:shade val="50000"/>
+            </a:schemeClr>
+          </a:lnRef>
+          <a:fillRef idx="1">
+            <a:schemeClr val="accent1"/>
+          </a:fillRef>
+          <a:effectRef idx="0">
+            <a:schemeClr val="accent1"/>
+          </a:effectRef>
+          <a:fontRef idx="minor">
+            <a:schemeClr val="lt1"/>
+          </a:fontRef>
+        </p:style>
+        <p:txBody>
+          <a:bodyPr rtlCol="0" anchor="ctr"/>
+          <a:lstStyle/>
+          <a:p>
+            <a:pPr algn="ctr"/>
+            <a:r>
+              <a:rPr lang="de-DE" sz="1000" dirty="0" smtClean="0">
+                <a:solidFill>
+                  <a:schemeClr val="tx2"/>
+                </a:solidFill>
+              </a:rPr>
+              <a:t>Adress-buch</a:t>
+            </a:r>
+          </a:p>
+        </p:txBody>
+      </p:sp>
+      <p:sp>
+        <p:nvSpPr>
+          <p:cNvPr id="14" name="Rectangle 13"/>
+          <p:cNvSpPr/>
+          <p:nvPr/>
+        </p:nvSpPr>
+        <p:spPr>
+          <a:xfrm>
+            <a:off x="7668344" y="764704"/>
+            <a:ext cx="648072" cy="360040"/>
+          </a:xfrm>
+          <a:prstGeom prst="rect">
+            <a:avLst/>
+          </a:prstGeom>
+          <a:noFill/>
+        </p:spPr>
+        <p:style>
+          <a:lnRef idx="2">
+            <a:schemeClr val="accent1">
+              <a:shade val="50000"/>
+            </a:schemeClr>
+          </a:lnRef>
+          <a:fillRef idx="1">
+            <a:schemeClr val="accent1"/>
+          </a:fillRef>
+          <a:effectRef idx="0">
+            <a:schemeClr val="accent1"/>
+          </a:effectRef>
+          <a:fontRef idx="minor">
+            <a:schemeClr val="lt1"/>
+          </a:fontRef>
+        </p:style>
+        <p:txBody>
+          <a:bodyPr rtlCol="0" anchor="ctr"/>
+          <a:lstStyle/>
+          <a:p>
+            <a:pPr algn="ctr"/>
+            <a:r>
+              <a:rPr lang="de-DE" sz="1000" dirty="0" smtClean="0">
+                <a:solidFill>
+                  <a:schemeClr val="tx2"/>
+                </a:solidFill>
+              </a:rPr>
+              <a:t>Login</a:t>
+            </a:r>
+          </a:p>
+        </p:txBody>
+      </p:sp>
+      <p:sp>
+        <p:nvSpPr>
+          <p:cNvPr id="15" name="Rectangle 14"/>
+          <p:cNvSpPr/>
+          <p:nvPr/>
+        </p:nvSpPr>
+        <p:spPr>
+          <a:xfrm>
+            <a:off x="8316416" y="764704"/>
+            <a:ext cx="648072" cy="360040"/>
+          </a:xfrm>
+          <a:prstGeom prst="rect">
+            <a:avLst/>
+          </a:prstGeom>
+          <a:noFill/>
+        </p:spPr>
+        <p:style>
+          <a:lnRef idx="2">
+            <a:schemeClr val="accent1">
+              <a:shade val="50000"/>
+            </a:schemeClr>
+          </a:lnRef>
+          <a:fillRef idx="1">
+            <a:schemeClr val="accent1"/>
+          </a:fillRef>
+          <a:effectRef idx="0">
+            <a:schemeClr val="accent1"/>
+          </a:effectRef>
+          <a:fontRef idx="minor">
+            <a:schemeClr val="lt1"/>
+          </a:fontRef>
+        </p:style>
+        <p:txBody>
+          <a:bodyPr rtlCol="0" anchor="ctr"/>
+          <a:lstStyle/>
+          <a:p>
+            <a:pPr algn="ctr"/>
+            <a:r>
+              <a:rPr lang="de-DE" sz="1000" dirty="0" smtClean="0">
+                <a:solidFill>
+                  <a:schemeClr val="tx2"/>
+                </a:solidFill>
+              </a:rPr>
+              <a:t>Logout</a:t>
+            </a:r>
+          </a:p>
+        </p:txBody>
+      </p:sp>
+      <p:sp>
+        <p:nvSpPr>
+          <p:cNvPr id="16" name="Rectangle 15"/>
+          <p:cNvSpPr/>
+          <p:nvPr/>
+        </p:nvSpPr>
+        <p:spPr>
+          <a:xfrm>
+            <a:off x="107504" y="1124744"/>
+            <a:ext cx="1080120" cy="288032"/>
+          </a:xfrm>
+          <a:prstGeom prst="rect">
+            <a:avLst/>
+          </a:prstGeom>
+          <a:noFill/>
+        </p:spPr>
+        <p:style>
+          <a:lnRef idx="2">
+            <a:schemeClr val="accent1">
+              <a:shade val="50000"/>
+            </a:schemeClr>
+          </a:lnRef>
+          <a:fillRef idx="1">
+            <a:schemeClr val="accent1"/>
+          </a:fillRef>
+          <a:effectRef idx="0">
+            <a:schemeClr val="accent1"/>
+          </a:effectRef>
+          <a:fontRef idx="minor">
+            <a:schemeClr val="lt1"/>
+          </a:fontRef>
+        </p:style>
+        <p:txBody>
+          <a:bodyPr rtlCol="0" anchor="ctr"/>
+          <a:lstStyle/>
+          <a:p>
+            <a:pPr algn="ctr"/>
+            <a:r>
+              <a:rPr lang="de-DE" sz="1400" dirty="0" smtClean="0">
+                <a:solidFill>
+                  <a:schemeClr val="tx2"/>
+                </a:solidFill>
+              </a:rPr>
+              <a:t>Ellen</a:t>
+            </a:r>
+          </a:p>
+        </p:txBody>
+      </p:sp>
+      <p:sp>
+        <p:nvSpPr>
+          <p:cNvPr id="17" name="Rectangle 16"/>
+          <p:cNvSpPr/>
+          <p:nvPr/>
+        </p:nvSpPr>
+        <p:spPr>
+          <a:xfrm>
+            <a:off x="107504" y="1412776"/>
+            <a:ext cx="1080120" cy="288032"/>
+          </a:xfrm>
+          <a:prstGeom prst="rect">
+            <a:avLst/>
+          </a:prstGeom>
+          <a:noFill/>
+        </p:spPr>
+        <p:style>
+          <a:lnRef idx="2">
+            <a:schemeClr val="accent1">
+              <a:shade val="50000"/>
+            </a:schemeClr>
+          </a:lnRef>
+          <a:fillRef idx="1">
+            <a:schemeClr val="accent1"/>
+          </a:fillRef>
+          <a:effectRef idx="0">
+            <a:schemeClr val="accent1"/>
+          </a:effectRef>
+          <a:fontRef idx="minor">
+            <a:schemeClr val="lt1"/>
+          </a:fontRef>
+        </p:style>
+        <p:txBody>
+          <a:bodyPr rtlCol="0" anchor="ctr"/>
+          <a:lstStyle/>
+          <a:p>
+            <a:pPr algn="ctr"/>
+            <a:r>
+              <a:rPr lang="de-DE" sz="1400" dirty="0" smtClean="0">
+                <a:solidFill>
+                  <a:schemeClr val="tx2"/>
+                </a:solidFill>
+              </a:rPr>
+              <a:t>Julia</a:t>
+            </a:r>
+          </a:p>
+        </p:txBody>
+      </p:sp>
+      <p:sp>
+        <p:nvSpPr>
+          <p:cNvPr id="19" name="Rectangle 18"/>
+          <p:cNvSpPr/>
+          <p:nvPr/>
+        </p:nvSpPr>
+        <p:spPr>
+          <a:xfrm>
+            <a:off x="1187624" y="1124744"/>
+            <a:ext cx="648072" cy="288032"/>
+          </a:xfrm>
+          <a:prstGeom prst="rect">
+            <a:avLst/>
+          </a:prstGeom>
+          <a:noFill/>
+        </p:spPr>
+        <p:style>
+          <a:lnRef idx="2">
+            <a:schemeClr val="accent1">
+              <a:shade val="50000"/>
+            </a:schemeClr>
+          </a:lnRef>
+          <a:fillRef idx="1">
+            <a:schemeClr val="accent1"/>
+          </a:fillRef>
+          <a:effectRef idx="0">
+            <a:schemeClr val="accent1"/>
+          </a:effectRef>
+          <a:fontRef idx="minor">
+            <a:schemeClr val="lt1"/>
+          </a:fontRef>
+        </p:style>
+        <p:txBody>
+          <a:bodyPr rtlCol="0" anchor="ctr"/>
+          <a:lstStyle/>
+          <a:p>
+            <a:pPr algn="ctr"/>
+            <a:r>
+              <a:rPr lang="de-DE" sz="1400" dirty="0">
+                <a:solidFill>
+                  <a:schemeClr val="tx2"/>
+                </a:solidFill>
+              </a:rPr>
+              <a:t>x</a:t>
+            </a:r>
             <a:endParaRPr lang="de-DE" sz="1400" dirty="0" smtClean="0">
               <a:solidFill>
                 <a:schemeClr val="tx2"/>
@@ -8936,14 +9657,14 @@
       </p:sp>
       <p:sp>
         <p:nvSpPr>
-          <p:cNvPr id="4" name="Rectangle 3"/>
-          <p:cNvSpPr/>
-          <p:nvPr/>
-        </p:nvSpPr>
-        <p:spPr>
-          <a:xfrm>
-            <a:off x="2483768" y="764704"/>
-            <a:ext cx="648072" cy="360040"/>
+          <p:cNvPr id="20" name="Rectangle 19"/>
+          <p:cNvSpPr/>
+          <p:nvPr/>
+        </p:nvSpPr>
+        <p:spPr>
+          <a:xfrm>
+            <a:off x="1835696" y="1124744"/>
+            <a:ext cx="648072" cy="288032"/>
           </a:xfrm>
           <a:prstGeom prst="rect">
             <a:avLst/>
@@ -8972,26 +9693,26 @@
           <a:p>
             <a:pPr algn="ctr"/>
             <a:r>
-              <a:rPr lang="de-DE" sz="1000" dirty="0" smtClean="0">
+              <a:rPr lang="de-DE" sz="1400" dirty="0" smtClean="0">
                 <a:solidFill>
                   <a:schemeClr val="tx2"/>
                 </a:solidFill>
               </a:rPr>
-              <a:t>Über Uns</a:t>
-            </a:r>
-          </a:p>
-        </p:txBody>
-      </p:sp>
-      <p:sp>
-        <p:nvSpPr>
-          <p:cNvPr id="5" name="Rectangle 4"/>
-          <p:cNvSpPr/>
-          <p:nvPr/>
-        </p:nvSpPr>
-        <p:spPr>
-          <a:xfrm>
-            <a:off x="1187624" y="764704"/>
-            <a:ext cx="648072" cy="360040"/>
+              <a:t>x</a:t>
+            </a:r>
+          </a:p>
+        </p:txBody>
+      </p:sp>
+      <p:sp>
+        <p:nvSpPr>
+          <p:cNvPr id="21" name="Rectangle 20"/>
+          <p:cNvSpPr/>
+          <p:nvPr/>
+        </p:nvSpPr>
+        <p:spPr>
+          <a:xfrm>
+            <a:off x="2483768" y="1124744"/>
+            <a:ext cx="648072" cy="288032"/>
           </a:xfrm>
           <a:prstGeom prst="rect">
             <a:avLst/>
@@ -9020,550 +9741,12 @@
           <a:p>
             <a:pPr algn="ctr"/>
             <a:r>
-              <a:rPr lang="de-DE" sz="1000" dirty="0" smtClean="0">
+              <a:rPr lang="de-DE" sz="1400" dirty="0">
                 <a:solidFill>
                   <a:schemeClr val="tx2"/>
                 </a:solidFill>
               </a:rPr>
-              <a:t>Design</a:t>
-            </a:r>
-            <a:endParaRPr lang="de-DE" sz="1000" dirty="0" smtClean="0">
-              <a:solidFill>
-                <a:schemeClr val="tx2"/>
-              </a:solidFill>
-            </a:endParaRPr>
-          </a:p>
-        </p:txBody>
-      </p:sp>
-      <p:sp>
-        <p:nvSpPr>
-          <p:cNvPr id="6" name="Rectangle 5"/>
-          <p:cNvSpPr/>
-          <p:nvPr/>
-        </p:nvSpPr>
-        <p:spPr>
-          <a:xfrm>
-            <a:off x="1835696" y="764704"/>
-            <a:ext cx="648072" cy="360040"/>
-          </a:xfrm>
-          <a:prstGeom prst="rect">
-            <a:avLst/>
-          </a:prstGeom>
-          <a:noFill/>
-        </p:spPr>
-        <p:style>
-          <a:lnRef idx="2">
-            <a:schemeClr val="accent1">
-              <a:shade val="50000"/>
-            </a:schemeClr>
-          </a:lnRef>
-          <a:fillRef idx="1">
-            <a:schemeClr val="accent1"/>
-          </a:fillRef>
-          <a:effectRef idx="0">
-            <a:schemeClr val="accent1"/>
-          </a:effectRef>
-          <a:fontRef idx="minor">
-            <a:schemeClr val="lt1"/>
-          </a:fontRef>
-        </p:style>
-        <p:txBody>
-          <a:bodyPr rtlCol="0" anchor="ctr"/>
-          <a:lstStyle/>
-          <a:p>
-            <a:pPr algn="ctr"/>
-            <a:r>
-              <a:rPr lang="de-DE" sz="1000" dirty="0" smtClean="0">
-                <a:solidFill>
-                  <a:schemeClr val="tx2"/>
-                </a:solidFill>
-              </a:rPr>
-              <a:t>Landing-Pages</a:t>
-            </a:r>
-            <a:endParaRPr lang="de-DE" sz="1000" dirty="0" smtClean="0">
-              <a:solidFill>
-                <a:schemeClr val="tx2"/>
-              </a:solidFill>
-            </a:endParaRPr>
-          </a:p>
-        </p:txBody>
-      </p:sp>
-      <p:sp>
-        <p:nvSpPr>
-          <p:cNvPr id="7" name="Rectangle 6"/>
-          <p:cNvSpPr/>
-          <p:nvPr/>
-        </p:nvSpPr>
-        <p:spPr>
-          <a:xfrm>
-            <a:off x="3779912" y="764704"/>
-            <a:ext cx="648072" cy="360040"/>
-          </a:xfrm>
-          <a:prstGeom prst="rect">
-            <a:avLst/>
-          </a:prstGeom>
-          <a:noFill/>
-        </p:spPr>
-        <p:style>
-          <a:lnRef idx="2">
-            <a:schemeClr val="accent1">
-              <a:shade val="50000"/>
-            </a:schemeClr>
-          </a:lnRef>
-          <a:fillRef idx="1">
-            <a:schemeClr val="accent1"/>
-          </a:fillRef>
-          <a:effectRef idx="0">
-            <a:schemeClr val="accent1"/>
-          </a:effectRef>
-          <a:fontRef idx="minor">
-            <a:schemeClr val="lt1"/>
-          </a:fontRef>
-        </p:style>
-        <p:txBody>
-          <a:bodyPr rtlCol="0" anchor="ctr"/>
-          <a:lstStyle/>
-          <a:p>
-            <a:pPr algn="ctr"/>
-            <a:r>
-              <a:rPr lang="de-DE" sz="1000" dirty="0" smtClean="0">
-                <a:solidFill>
-                  <a:schemeClr val="tx2"/>
-                </a:solidFill>
-              </a:rPr>
-              <a:t>Berichte</a:t>
-            </a:r>
-          </a:p>
-        </p:txBody>
-      </p:sp>
-      <p:sp>
-        <p:nvSpPr>
-          <p:cNvPr id="8" name="Rectangle 7"/>
-          <p:cNvSpPr/>
-          <p:nvPr/>
-        </p:nvSpPr>
-        <p:spPr>
-          <a:xfrm>
-            <a:off x="4427984" y="764704"/>
-            <a:ext cx="648072" cy="360040"/>
-          </a:xfrm>
-          <a:prstGeom prst="rect">
-            <a:avLst/>
-          </a:prstGeom>
-          <a:noFill/>
-        </p:spPr>
-        <p:style>
-          <a:lnRef idx="2">
-            <a:schemeClr val="accent1">
-              <a:shade val="50000"/>
-            </a:schemeClr>
-          </a:lnRef>
-          <a:fillRef idx="1">
-            <a:schemeClr val="accent1"/>
-          </a:fillRef>
-          <a:effectRef idx="0">
-            <a:schemeClr val="accent1"/>
-          </a:effectRef>
-          <a:fontRef idx="minor">
-            <a:schemeClr val="lt1"/>
-          </a:fontRef>
-        </p:style>
-        <p:txBody>
-          <a:bodyPr rtlCol="0" anchor="ctr"/>
-          <a:lstStyle/>
-          <a:p>
-            <a:pPr algn="ctr"/>
-            <a:r>
-              <a:rPr lang="de-DE" sz="1000" dirty="0" smtClean="0">
-                <a:solidFill>
-                  <a:schemeClr val="tx2"/>
-                </a:solidFill>
-              </a:rPr>
-              <a:t>Galerie</a:t>
-            </a:r>
-          </a:p>
-        </p:txBody>
-      </p:sp>
-      <p:sp>
-        <p:nvSpPr>
-          <p:cNvPr id="9" name="Rectangle 8"/>
-          <p:cNvSpPr/>
-          <p:nvPr/>
-        </p:nvSpPr>
-        <p:spPr>
-          <a:xfrm>
-            <a:off x="3131840" y="764704"/>
-            <a:ext cx="648072" cy="360040"/>
-          </a:xfrm>
-          <a:prstGeom prst="rect">
-            <a:avLst/>
-          </a:prstGeom>
-          <a:noFill/>
-        </p:spPr>
-        <p:style>
-          <a:lnRef idx="2">
-            <a:schemeClr val="accent1">
-              <a:shade val="50000"/>
-            </a:schemeClr>
-          </a:lnRef>
-          <a:fillRef idx="1">
-            <a:schemeClr val="accent1"/>
-          </a:fillRef>
-          <a:effectRef idx="0">
-            <a:schemeClr val="accent1"/>
-          </a:effectRef>
-          <a:fontRef idx="minor">
-            <a:schemeClr val="lt1"/>
-          </a:fontRef>
-        </p:style>
-        <p:txBody>
-          <a:bodyPr rtlCol="0" anchor="ctr"/>
-          <a:lstStyle/>
-          <a:p>
-            <a:pPr algn="ctr"/>
-            <a:r>
-              <a:rPr lang="de-DE" sz="1000" dirty="0" smtClean="0">
-                <a:solidFill>
-                  <a:schemeClr val="tx2"/>
-                </a:solidFill>
-              </a:rPr>
-              <a:t>Links</a:t>
-            </a:r>
-          </a:p>
-        </p:txBody>
-      </p:sp>
-      <p:sp>
-        <p:nvSpPr>
-          <p:cNvPr id="10" name="Rectangle 9"/>
-          <p:cNvSpPr/>
-          <p:nvPr/>
-        </p:nvSpPr>
-        <p:spPr>
-          <a:xfrm>
-            <a:off x="5076056" y="764704"/>
-            <a:ext cx="648072" cy="360040"/>
-          </a:xfrm>
-          <a:prstGeom prst="rect">
-            <a:avLst/>
-          </a:prstGeom>
-          <a:noFill/>
-        </p:spPr>
-        <p:style>
-          <a:lnRef idx="2">
-            <a:schemeClr val="accent1">
-              <a:shade val="50000"/>
-            </a:schemeClr>
-          </a:lnRef>
-          <a:fillRef idx="1">
-            <a:schemeClr val="accent1"/>
-          </a:fillRef>
-          <a:effectRef idx="0">
-            <a:schemeClr val="accent1"/>
-          </a:effectRef>
-          <a:fontRef idx="minor">
-            <a:schemeClr val="lt1"/>
-          </a:fontRef>
-        </p:style>
-        <p:txBody>
-          <a:bodyPr rtlCol="0" anchor="ctr"/>
-          <a:lstStyle/>
-          <a:p>
-            <a:pPr algn="ctr"/>
-            <a:r>
-              <a:rPr lang="de-DE" sz="1000" dirty="0" smtClean="0">
-                <a:solidFill>
-                  <a:schemeClr val="tx2"/>
-                </a:solidFill>
-              </a:rPr>
-              <a:t>Forum</a:t>
-            </a:r>
-          </a:p>
-        </p:txBody>
-      </p:sp>
-      <p:sp>
-        <p:nvSpPr>
-          <p:cNvPr id="11" name="Rectangle 10"/>
-          <p:cNvSpPr/>
-          <p:nvPr/>
-        </p:nvSpPr>
-        <p:spPr>
-          <a:xfrm>
-            <a:off x="7020272" y="764704"/>
-            <a:ext cx="648072" cy="360040"/>
-          </a:xfrm>
-          <a:prstGeom prst="rect">
-            <a:avLst/>
-          </a:prstGeom>
-          <a:noFill/>
-        </p:spPr>
-        <p:style>
-          <a:lnRef idx="2">
-            <a:schemeClr val="accent1">
-              <a:shade val="50000"/>
-            </a:schemeClr>
-          </a:lnRef>
-          <a:fillRef idx="1">
-            <a:schemeClr val="accent1"/>
-          </a:fillRef>
-          <a:effectRef idx="0">
-            <a:schemeClr val="accent1"/>
-          </a:effectRef>
-          <a:fontRef idx="minor">
-            <a:schemeClr val="lt1"/>
-          </a:fontRef>
-        </p:style>
-        <p:txBody>
-          <a:bodyPr rtlCol="0" anchor="ctr"/>
-          <a:lstStyle/>
-          <a:p>
-            <a:pPr algn="ctr"/>
-            <a:r>
-              <a:rPr lang="de-DE" sz="1000" dirty="0" smtClean="0">
-                <a:solidFill>
-                  <a:schemeClr val="tx2"/>
-                </a:solidFill>
-              </a:rPr>
-              <a:t>Registrierung</a:t>
-            </a:r>
-          </a:p>
-        </p:txBody>
-      </p:sp>
-      <p:sp>
-        <p:nvSpPr>
-          <p:cNvPr id="12" name="Rectangle 11"/>
-          <p:cNvSpPr/>
-          <p:nvPr/>
-        </p:nvSpPr>
-        <p:spPr>
-          <a:xfrm>
-            <a:off x="6372200" y="764704"/>
-            <a:ext cx="648072" cy="360040"/>
-          </a:xfrm>
-          <a:prstGeom prst="rect">
-            <a:avLst/>
-          </a:prstGeom>
-          <a:noFill/>
-        </p:spPr>
-        <p:style>
-          <a:lnRef idx="2">
-            <a:schemeClr val="accent1">
-              <a:shade val="50000"/>
-            </a:schemeClr>
-          </a:lnRef>
-          <a:fillRef idx="1">
-            <a:schemeClr val="accent1"/>
-          </a:fillRef>
-          <a:effectRef idx="0">
-            <a:schemeClr val="accent1"/>
-          </a:effectRef>
-          <a:fontRef idx="minor">
-            <a:schemeClr val="lt1"/>
-          </a:fontRef>
-        </p:style>
-        <p:txBody>
-          <a:bodyPr rtlCol="0" anchor="ctr"/>
-          <a:lstStyle/>
-          <a:p>
-            <a:pPr algn="ctr"/>
-            <a:r>
-              <a:rPr lang="de-DE" sz="1000" dirty="0" smtClean="0">
-                <a:solidFill>
-                  <a:schemeClr val="tx2"/>
-                </a:solidFill>
-              </a:rPr>
-              <a:t>Termin-planer</a:t>
-            </a:r>
-          </a:p>
-        </p:txBody>
-      </p:sp>
-      <p:sp>
-        <p:nvSpPr>
-          <p:cNvPr id="13" name="Rectangle 12"/>
-          <p:cNvSpPr/>
-          <p:nvPr/>
-        </p:nvSpPr>
-        <p:spPr>
-          <a:xfrm>
-            <a:off x="5724128" y="764704"/>
-            <a:ext cx="648072" cy="360040"/>
-          </a:xfrm>
-          <a:prstGeom prst="rect">
-            <a:avLst/>
-          </a:prstGeom>
-          <a:noFill/>
-        </p:spPr>
-        <p:style>
-          <a:lnRef idx="2">
-            <a:schemeClr val="accent1">
-              <a:shade val="50000"/>
-            </a:schemeClr>
-          </a:lnRef>
-          <a:fillRef idx="1">
-            <a:schemeClr val="accent1"/>
-          </a:fillRef>
-          <a:effectRef idx="0">
-            <a:schemeClr val="accent1"/>
-          </a:effectRef>
-          <a:fontRef idx="minor">
-            <a:schemeClr val="lt1"/>
-          </a:fontRef>
-        </p:style>
-        <p:txBody>
-          <a:bodyPr rtlCol="0" anchor="ctr"/>
-          <a:lstStyle/>
-          <a:p>
-            <a:pPr algn="ctr"/>
-            <a:r>
-              <a:rPr lang="de-DE" sz="1000" dirty="0" smtClean="0">
-                <a:solidFill>
-                  <a:schemeClr val="tx2"/>
-                </a:solidFill>
-              </a:rPr>
-              <a:t>Adress-buch</a:t>
-            </a:r>
-          </a:p>
-        </p:txBody>
-      </p:sp>
-      <p:sp>
-        <p:nvSpPr>
-          <p:cNvPr id="14" name="Rectangle 13"/>
-          <p:cNvSpPr/>
-          <p:nvPr/>
-        </p:nvSpPr>
-        <p:spPr>
-          <a:xfrm>
-            <a:off x="7668344" y="764704"/>
-            <a:ext cx="648072" cy="360040"/>
-          </a:xfrm>
-          <a:prstGeom prst="rect">
-            <a:avLst/>
-          </a:prstGeom>
-          <a:noFill/>
-        </p:spPr>
-        <p:style>
-          <a:lnRef idx="2">
-            <a:schemeClr val="accent1">
-              <a:shade val="50000"/>
-            </a:schemeClr>
-          </a:lnRef>
-          <a:fillRef idx="1">
-            <a:schemeClr val="accent1"/>
-          </a:fillRef>
-          <a:effectRef idx="0">
-            <a:schemeClr val="accent1"/>
-          </a:effectRef>
-          <a:fontRef idx="minor">
-            <a:schemeClr val="lt1"/>
-          </a:fontRef>
-        </p:style>
-        <p:txBody>
-          <a:bodyPr rtlCol="0" anchor="ctr"/>
-          <a:lstStyle/>
-          <a:p>
-            <a:pPr algn="ctr"/>
-            <a:r>
-              <a:rPr lang="de-DE" sz="1000" dirty="0" smtClean="0">
-                <a:solidFill>
-                  <a:schemeClr val="tx2"/>
-                </a:solidFill>
-              </a:rPr>
-              <a:t>Login</a:t>
-            </a:r>
-          </a:p>
-        </p:txBody>
-      </p:sp>
-      <p:sp>
-        <p:nvSpPr>
-          <p:cNvPr id="15" name="Rectangle 14"/>
-          <p:cNvSpPr/>
-          <p:nvPr/>
-        </p:nvSpPr>
-        <p:spPr>
-          <a:xfrm>
-            <a:off x="8316416" y="764704"/>
-            <a:ext cx="648072" cy="360040"/>
-          </a:xfrm>
-          <a:prstGeom prst="rect">
-            <a:avLst/>
-          </a:prstGeom>
-          <a:noFill/>
-        </p:spPr>
-        <p:style>
-          <a:lnRef idx="2">
-            <a:schemeClr val="accent1">
-              <a:shade val="50000"/>
-            </a:schemeClr>
-          </a:lnRef>
-          <a:fillRef idx="1">
-            <a:schemeClr val="accent1"/>
-          </a:fillRef>
-          <a:effectRef idx="0">
-            <a:schemeClr val="accent1"/>
-          </a:effectRef>
-          <a:fontRef idx="minor">
-            <a:schemeClr val="lt1"/>
-          </a:fontRef>
-        </p:style>
-        <p:txBody>
-          <a:bodyPr rtlCol="0" anchor="ctr"/>
-          <a:lstStyle/>
-          <a:p>
-            <a:pPr algn="ctr"/>
-            <a:r>
-              <a:rPr lang="de-DE" sz="1000" dirty="0" smtClean="0">
-                <a:solidFill>
-                  <a:schemeClr val="tx2"/>
-                </a:solidFill>
-              </a:rPr>
-              <a:t>Logout</a:t>
-            </a:r>
-          </a:p>
-        </p:txBody>
-      </p:sp>
-      <p:sp>
-        <p:nvSpPr>
-          <p:cNvPr id="16" name="Rectangle 15"/>
-          <p:cNvSpPr/>
-          <p:nvPr/>
-        </p:nvSpPr>
-        <p:spPr>
-          <a:xfrm>
-            <a:off x="107504" y="1124744"/>
-            <a:ext cx="1080120" cy="288032"/>
-          </a:xfrm>
-          <a:prstGeom prst="rect">
-            <a:avLst/>
-          </a:prstGeom>
-          <a:noFill/>
-        </p:spPr>
-        <p:style>
-          <a:lnRef idx="2">
-            <a:schemeClr val="accent1">
-              <a:shade val="50000"/>
-            </a:schemeClr>
-          </a:lnRef>
-          <a:fillRef idx="1">
-            <a:schemeClr val="accent1"/>
-          </a:fillRef>
-          <a:effectRef idx="0">
-            <a:schemeClr val="accent1"/>
-          </a:effectRef>
-          <a:fontRef idx="minor">
-            <a:schemeClr val="lt1"/>
-          </a:fontRef>
-        </p:style>
-        <p:txBody>
-          <a:bodyPr rtlCol="0" anchor="ctr"/>
-          <a:lstStyle/>
-          <a:p>
-            <a:pPr algn="ctr"/>
-            <a:r>
-              <a:rPr lang="de-DE" sz="1400" dirty="0" smtClean="0">
-                <a:solidFill>
-                  <a:schemeClr val="tx2"/>
-                </a:solidFill>
-              </a:rPr>
-              <a:t>Ellen</a:t>
+              <a:t>x</a:t>
             </a:r>
             <a:endParaRPr lang="de-DE" sz="1400" dirty="0" smtClean="0">
               <a:solidFill>
@@ -9575,14 +9758,14 @@
       </p:sp>
       <p:sp>
         <p:nvSpPr>
-          <p:cNvPr id="17" name="Rectangle 16"/>
-          <p:cNvSpPr/>
-          <p:nvPr/>
-        </p:nvSpPr>
-        <p:spPr>
-          <a:xfrm>
-            <a:off x="107504" y="1412776"/>
-            <a:ext cx="1080120" cy="288032"/>
+          <p:cNvPr id="22" name="Rectangle 21"/>
+          <p:cNvSpPr/>
+          <p:nvPr/>
+        </p:nvSpPr>
+        <p:spPr>
+          <a:xfrm>
+            <a:off x="3131840" y="1124744"/>
+            <a:ext cx="648072" cy="288032"/>
           </a:xfrm>
           <a:prstGeom prst="rect">
             <a:avLst/>
@@ -9612,229 +9795,12 @@
             <a:pPr algn="ctr"/>
             <a:r>
               <a:rPr lang="de-DE" sz="1400" dirty="0" smtClean="0">
-                <a:solidFill>
-                  <a:schemeClr val="tx2"/>
-                </a:solidFill>
-              </a:rPr>
-              <a:t>Julia</a:t>
-            </a:r>
-            <a:endParaRPr lang="de-DE" sz="1400" dirty="0" smtClean="0">
-              <a:solidFill>
-                <a:schemeClr val="tx2"/>
-              </a:solidFill>
-            </a:endParaRPr>
-          </a:p>
-        </p:txBody>
-      </p:sp>
-      <p:sp>
-        <p:nvSpPr>
-          <p:cNvPr id="19" name="Rectangle 18"/>
-          <p:cNvSpPr/>
-          <p:nvPr/>
-        </p:nvSpPr>
-        <p:spPr>
-          <a:xfrm>
-            <a:off x="1187624" y="1124744"/>
-            <a:ext cx="648072" cy="288032"/>
-          </a:xfrm>
-          <a:prstGeom prst="rect">
-            <a:avLst/>
-          </a:prstGeom>
-          <a:noFill/>
-        </p:spPr>
-        <p:style>
-          <a:lnRef idx="2">
-            <a:schemeClr val="accent1">
-              <a:shade val="50000"/>
-            </a:schemeClr>
-          </a:lnRef>
-          <a:fillRef idx="1">
-            <a:schemeClr val="accent1"/>
-          </a:fillRef>
-          <a:effectRef idx="0">
-            <a:schemeClr val="accent1"/>
-          </a:effectRef>
-          <a:fontRef idx="minor">
-            <a:schemeClr val="lt1"/>
-          </a:fontRef>
-        </p:style>
-        <p:txBody>
-          <a:bodyPr rtlCol="0" anchor="ctr"/>
-          <a:lstStyle/>
-          <a:p>
-            <a:pPr algn="ctr"/>
-            <a:r>
-              <a:rPr lang="de-DE" sz="1400" dirty="0">
                 <a:solidFill>
                   <a:schemeClr val="tx2"/>
                 </a:solidFill>
               </a:rPr>
               <a:t>x</a:t>
             </a:r>
-            <a:endParaRPr lang="de-DE" sz="1400" dirty="0" smtClean="0">
-              <a:solidFill>
-                <a:schemeClr val="tx2"/>
-              </a:solidFill>
-            </a:endParaRPr>
-          </a:p>
-        </p:txBody>
-      </p:sp>
-      <p:sp>
-        <p:nvSpPr>
-          <p:cNvPr id="20" name="Rectangle 19"/>
-          <p:cNvSpPr/>
-          <p:nvPr/>
-        </p:nvSpPr>
-        <p:spPr>
-          <a:xfrm>
-            <a:off x="1835696" y="1124744"/>
-            <a:ext cx="648072" cy="288032"/>
-          </a:xfrm>
-          <a:prstGeom prst="rect">
-            <a:avLst/>
-          </a:prstGeom>
-          <a:noFill/>
-        </p:spPr>
-        <p:style>
-          <a:lnRef idx="2">
-            <a:schemeClr val="accent1">
-              <a:shade val="50000"/>
-            </a:schemeClr>
-          </a:lnRef>
-          <a:fillRef idx="1">
-            <a:schemeClr val="accent1"/>
-          </a:fillRef>
-          <a:effectRef idx="0">
-            <a:schemeClr val="accent1"/>
-          </a:effectRef>
-          <a:fontRef idx="minor">
-            <a:schemeClr val="lt1"/>
-          </a:fontRef>
-        </p:style>
-        <p:txBody>
-          <a:bodyPr rtlCol="0" anchor="ctr"/>
-          <a:lstStyle/>
-          <a:p>
-            <a:pPr algn="ctr"/>
-            <a:r>
-              <a:rPr lang="de-DE" sz="1400" dirty="0" smtClean="0">
-                <a:solidFill>
-                  <a:schemeClr val="tx2"/>
-                </a:solidFill>
-              </a:rPr>
-              <a:t>x</a:t>
-            </a:r>
-            <a:endParaRPr lang="de-DE" sz="1400" dirty="0" smtClean="0">
-              <a:solidFill>
-                <a:schemeClr val="tx2"/>
-              </a:solidFill>
-            </a:endParaRPr>
-          </a:p>
-        </p:txBody>
-      </p:sp>
-      <p:sp>
-        <p:nvSpPr>
-          <p:cNvPr id="21" name="Rectangle 20"/>
-          <p:cNvSpPr/>
-          <p:nvPr/>
-        </p:nvSpPr>
-        <p:spPr>
-          <a:xfrm>
-            <a:off x="2483768" y="1124744"/>
-            <a:ext cx="648072" cy="288032"/>
-          </a:xfrm>
-          <a:prstGeom prst="rect">
-            <a:avLst/>
-          </a:prstGeom>
-          <a:noFill/>
-        </p:spPr>
-        <p:style>
-          <a:lnRef idx="2">
-            <a:schemeClr val="accent1">
-              <a:shade val="50000"/>
-            </a:schemeClr>
-          </a:lnRef>
-          <a:fillRef idx="1">
-            <a:schemeClr val="accent1"/>
-          </a:fillRef>
-          <a:effectRef idx="0">
-            <a:schemeClr val="accent1"/>
-          </a:effectRef>
-          <a:fontRef idx="minor">
-            <a:schemeClr val="lt1"/>
-          </a:fontRef>
-        </p:style>
-        <p:txBody>
-          <a:bodyPr rtlCol="0" anchor="ctr"/>
-          <a:lstStyle/>
-          <a:p>
-            <a:pPr algn="ctr"/>
-            <a:r>
-              <a:rPr lang="de-DE" sz="1400" dirty="0">
-                <a:solidFill>
-                  <a:schemeClr val="tx2"/>
-                </a:solidFill>
-              </a:rPr>
-              <a:t>x</a:t>
-            </a:r>
-            <a:endParaRPr lang="de-DE" sz="1400" dirty="0" smtClean="0">
-              <a:solidFill>
-                <a:schemeClr val="tx2"/>
-              </a:solidFill>
-            </a:endParaRPr>
-          </a:p>
-        </p:txBody>
-      </p:sp>
-      <p:sp>
-        <p:nvSpPr>
-          <p:cNvPr id="22" name="Rectangle 21"/>
-          <p:cNvSpPr/>
-          <p:nvPr/>
-        </p:nvSpPr>
-        <p:spPr>
-          <a:xfrm>
-            <a:off x="3131840" y="1124744"/>
-            <a:ext cx="648072" cy="288032"/>
-          </a:xfrm>
-          <a:prstGeom prst="rect">
-            <a:avLst/>
-          </a:prstGeom>
-          <a:noFill/>
-        </p:spPr>
-        <p:style>
-          <a:lnRef idx="2">
-            <a:schemeClr val="accent1">
-              <a:shade val="50000"/>
-            </a:schemeClr>
-          </a:lnRef>
-          <a:fillRef idx="1">
-            <a:schemeClr val="accent1"/>
-          </a:fillRef>
-          <a:effectRef idx="0">
-            <a:schemeClr val="accent1"/>
-          </a:effectRef>
-          <a:fontRef idx="minor">
-            <a:schemeClr val="lt1"/>
-          </a:fontRef>
-        </p:style>
-        <p:txBody>
-          <a:bodyPr rtlCol="0" anchor="ctr"/>
-          <a:lstStyle/>
-          <a:p>
-            <a:pPr algn="ctr"/>
-            <a:r>
-              <a:rPr lang="de-DE" sz="1400" dirty="0" smtClean="0">
-                <a:solidFill>
-                  <a:schemeClr val="tx2"/>
-                </a:solidFill>
-              </a:rPr>
-              <a:t>x</a:t>
-            </a:r>
-            <a:endParaRPr lang="de-DE" sz="1400" dirty="0" smtClean="0">
-              <a:solidFill>
-                <a:schemeClr val="tx2"/>
-              </a:solidFill>
-            </a:endParaRPr>
           </a:p>
         </p:txBody>
       </p:sp>
@@ -10614,11 +10580,6 @@
               </a:rPr>
               <a:t>x</a:t>
             </a:r>
-            <a:endParaRPr lang="de-DE" sz="1400" dirty="0" smtClean="0">
-              <a:solidFill>
-                <a:schemeClr val="tx2"/>
-              </a:solidFill>
-            </a:endParaRPr>
           </a:p>
         </p:txBody>
       </p:sp>
@@ -10667,11 +10628,6 @@
               </a:rPr>
               <a:t>x</a:t>
             </a:r>
-            <a:endParaRPr lang="de-DE" sz="1400" dirty="0" smtClean="0">
-              <a:solidFill>
-                <a:schemeClr val="tx2"/>
-              </a:solidFill>
-            </a:endParaRPr>
           </a:p>
         </p:txBody>
       </p:sp>
@@ -10855,11 +10811,6 @@
               </a:rPr>
               <a:t>Doku</a:t>
             </a:r>
-            <a:endParaRPr lang="de-DE" sz="1000" dirty="0" smtClean="0">
-              <a:solidFill>
-                <a:schemeClr val="tx2"/>
-              </a:solidFill>
-            </a:endParaRPr>
           </a:p>
         </p:txBody>
       </p:sp>
@@ -10908,11 +10859,6 @@
               </a:rPr>
               <a:t>DB An-bindung</a:t>
             </a:r>
-            <a:endParaRPr lang="de-DE" sz="1000" dirty="0" smtClean="0">
-              <a:solidFill>
-                <a:schemeClr val="tx2"/>
-              </a:solidFill>
-            </a:endParaRPr>
           </a:p>
         </p:txBody>
       </p:sp>
@@ -10961,11 +10907,6 @@
               </a:rPr>
               <a:t>Excep-tion</a:t>
             </a:r>
-            <a:endParaRPr lang="de-DE" sz="1000" dirty="0" smtClean="0">
-              <a:solidFill>
-                <a:schemeClr val="tx2"/>
-              </a:solidFill>
-            </a:endParaRPr>
           </a:p>
         </p:txBody>
       </p:sp>
@@ -11014,11 +10955,6 @@
               </a:rPr>
               <a:t>Security</a:t>
             </a:r>
-            <a:endParaRPr lang="de-DE" sz="1000" dirty="0" smtClean="0">
-              <a:solidFill>
-                <a:schemeClr val="tx2"/>
-              </a:solidFill>
-            </a:endParaRPr>
           </a:p>
         </p:txBody>
       </p:sp>
@@ -11067,11 +11003,6 @@
               </a:rPr>
               <a:t>Userspezifik</a:t>
             </a:r>
-            <a:endParaRPr lang="de-DE" sz="1000" dirty="0" smtClean="0">
-              <a:solidFill>
-                <a:schemeClr val="tx2"/>
-              </a:solidFill>
-            </a:endParaRPr>
           </a:p>
         </p:txBody>
       </p:sp>
@@ -11120,11 +11051,6 @@
               </a:rPr>
               <a:t>Fehlerbehandl.</a:t>
             </a:r>
-            <a:endParaRPr lang="de-DE" sz="1000" dirty="0" smtClean="0">
-              <a:solidFill>
-                <a:schemeClr val="tx2"/>
-              </a:solidFill>
-            </a:endParaRPr>
           </a:p>
         </p:txBody>
       </p:sp>
@@ -11173,11 +11099,6 @@
               </a:rPr>
               <a:t>JQuery</a:t>
             </a:r>
-            <a:endParaRPr lang="de-DE" sz="1000" dirty="0" smtClean="0">
-              <a:solidFill>
-                <a:schemeClr val="tx2"/>
-              </a:solidFill>
-            </a:endParaRPr>
           </a:p>
         </p:txBody>
       </p:sp>
@@ -11226,11 +11147,6 @@
               </a:rPr>
               <a:t>-</a:t>
             </a:r>
-            <a:endParaRPr lang="de-DE" sz="1000" dirty="0" smtClean="0">
-              <a:solidFill>
-                <a:schemeClr val="tx2"/>
-              </a:solidFill>
-            </a:endParaRPr>
           </a:p>
         </p:txBody>
       </p:sp>
@@ -11279,11 +11195,6 @@
               </a:rPr>
               <a:t>Bearbeitungsschnitt-stelle static Content</a:t>
             </a:r>
-            <a:endParaRPr lang="de-DE" sz="1000" dirty="0" smtClean="0">
-              <a:solidFill>
-                <a:schemeClr val="tx2"/>
-              </a:solidFill>
-            </a:endParaRPr>
           </a:p>
         </p:txBody>
       </p:sp>
@@ -11332,11 +11243,6 @@
               </a:rPr>
               <a:t>-</a:t>
             </a:r>
-            <a:endParaRPr lang="de-DE" sz="1000" dirty="0" smtClean="0">
-              <a:solidFill>
-                <a:schemeClr val="tx2"/>
-              </a:solidFill>
-            </a:endParaRPr>
           </a:p>
         </p:txBody>
       </p:sp>
@@ -11385,11 +11291,6 @@
               </a:rPr>
               <a:t>-</a:t>
             </a:r>
-            <a:endParaRPr lang="de-DE" sz="1000" dirty="0" smtClean="0">
-              <a:solidFill>
-                <a:schemeClr val="tx2"/>
-              </a:solidFill>
-            </a:endParaRPr>
           </a:p>
         </p:txBody>
       </p:sp>
@@ -11437,6 +11338,150 @@
                 </a:solidFill>
               </a:rPr>
               <a:t>Ellen</a:t>
+            </a:r>
+          </a:p>
+        </p:txBody>
+      </p:sp>
+      <p:sp>
+        <p:nvSpPr>
+          <p:cNvPr id="69" name="Rectangle 68"/>
+          <p:cNvSpPr/>
+          <p:nvPr/>
+        </p:nvSpPr>
+        <p:spPr>
+          <a:xfrm>
+            <a:off x="107504" y="2348880"/>
+            <a:ext cx="1080120" cy="288032"/>
+          </a:xfrm>
+          <a:prstGeom prst="rect">
+            <a:avLst/>
+          </a:prstGeom>
+          <a:noFill/>
+        </p:spPr>
+        <p:style>
+          <a:lnRef idx="2">
+            <a:schemeClr val="accent1">
+              <a:shade val="50000"/>
+            </a:schemeClr>
+          </a:lnRef>
+          <a:fillRef idx="1">
+            <a:schemeClr val="accent1"/>
+          </a:fillRef>
+          <a:effectRef idx="0">
+            <a:schemeClr val="accent1"/>
+          </a:effectRef>
+          <a:fontRef idx="minor">
+            <a:schemeClr val="lt1"/>
+          </a:fontRef>
+        </p:style>
+        <p:txBody>
+          <a:bodyPr rtlCol="0" anchor="ctr"/>
+          <a:lstStyle/>
+          <a:p>
+            <a:pPr algn="ctr"/>
+            <a:r>
+              <a:rPr lang="de-DE" sz="1400" dirty="0" smtClean="0">
+                <a:solidFill>
+                  <a:schemeClr val="tx2"/>
+                </a:solidFill>
+              </a:rPr>
+              <a:t>Julia</a:t>
+            </a:r>
+          </a:p>
+        </p:txBody>
+      </p:sp>
+      <p:sp>
+        <p:nvSpPr>
+          <p:cNvPr id="70" name="Rectangle 69"/>
+          <p:cNvSpPr/>
+          <p:nvPr/>
+        </p:nvSpPr>
+        <p:spPr>
+          <a:xfrm>
+            <a:off x="1187624" y="2060848"/>
+            <a:ext cx="648072" cy="288032"/>
+          </a:xfrm>
+          <a:prstGeom prst="rect">
+            <a:avLst/>
+          </a:prstGeom>
+          <a:noFill/>
+        </p:spPr>
+        <p:style>
+          <a:lnRef idx="2">
+            <a:schemeClr val="accent1">
+              <a:shade val="50000"/>
+            </a:schemeClr>
+          </a:lnRef>
+          <a:fillRef idx="1">
+            <a:schemeClr val="accent1"/>
+          </a:fillRef>
+          <a:effectRef idx="0">
+            <a:schemeClr val="accent1"/>
+          </a:effectRef>
+          <a:fontRef idx="minor">
+            <a:schemeClr val="lt1"/>
+          </a:fontRef>
+        </p:style>
+        <p:txBody>
+          <a:bodyPr rtlCol="0" anchor="ctr"/>
+          <a:lstStyle/>
+          <a:p>
+            <a:pPr algn="ctr"/>
+            <a:r>
+              <a:rPr lang="de-DE" sz="1400" dirty="0" smtClean="0">
+                <a:solidFill>
+                  <a:schemeClr val="tx2"/>
+                </a:solidFill>
+              </a:rPr>
+              <a:t>Java</a:t>
+            </a:r>
+          </a:p>
+        </p:txBody>
+      </p:sp>
+      <p:sp>
+        <p:nvSpPr>
+          <p:cNvPr id="71" name="Rectangle 70"/>
+          <p:cNvSpPr/>
+          <p:nvPr/>
+        </p:nvSpPr>
+        <p:spPr>
+          <a:xfrm>
+            <a:off x="1835696" y="2060848"/>
+            <a:ext cx="648072" cy="288032"/>
+          </a:xfrm>
+          <a:prstGeom prst="rect">
+            <a:avLst/>
+          </a:prstGeom>
+          <a:noFill/>
+        </p:spPr>
+        <p:style>
+          <a:lnRef idx="2">
+            <a:schemeClr val="accent1">
+              <a:shade val="50000"/>
+            </a:schemeClr>
+          </a:lnRef>
+          <a:fillRef idx="1">
+            <a:schemeClr val="accent1"/>
+          </a:fillRef>
+          <a:effectRef idx="0">
+            <a:schemeClr val="accent1"/>
+          </a:effectRef>
+          <a:fontRef idx="minor">
+            <a:schemeClr val="lt1"/>
+          </a:fontRef>
+        </p:style>
+        <p:txBody>
+          <a:bodyPr rtlCol="0" anchor="ctr"/>
+          <a:lstStyle/>
+          <a:p>
+            <a:pPr algn="ctr"/>
+            <a:r>
+              <a:rPr lang="de-DE" sz="1400" dirty="0">
+                <a:solidFill>
+                  <a:schemeClr val="tx2"/>
+                </a:solidFill>
+              </a:rPr>
+              <a:t>x</a:t>
             </a:r>
             <a:endParaRPr lang="de-DE" sz="1400" dirty="0" smtClean="0">
               <a:solidFill>
@@ -11448,14 +11493,14 @@
       </p:sp>
       <p:sp>
         <p:nvSpPr>
-          <p:cNvPr id="69" name="Rectangle 68"/>
-          <p:cNvSpPr/>
-          <p:nvPr/>
-        </p:nvSpPr>
-        <p:spPr>
-          <a:xfrm>
-            <a:off x="107504" y="2348880"/>
-            <a:ext cx="1080120" cy="288032"/>
+          <p:cNvPr id="72" name="Rectangle 71"/>
+          <p:cNvSpPr/>
+          <p:nvPr/>
+        </p:nvSpPr>
+        <p:spPr>
+          <a:xfrm>
+            <a:off x="2483768" y="2060848"/>
+            <a:ext cx="648072" cy="288032"/>
           </a:xfrm>
           <a:prstGeom prst="rect">
             <a:avLst/>
@@ -11484,12 +11529,12 @@
           <a:p>
             <a:pPr algn="ctr"/>
             <a:r>
-              <a:rPr lang="de-DE" sz="1400" dirty="0" smtClean="0">
+              <a:rPr lang="de-DE" sz="1400" dirty="0">
                 <a:solidFill>
                   <a:schemeClr val="tx2"/>
                 </a:solidFill>
               </a:rPr>
-              <a:t>Julia</a:t>
+              <a:t>x</a:t>
             </a:r>
             <a:endParaRPr lang="de-DE" sz="1400" dirty="0" smtClean="0">
               <a:solidFill>
@@ -11501,13 +11546,13 @@
       </p:sp>
       <p:sp>
         <p:nvSpPr>
-          <p:cNvPr id="70" name="Rectangle 69"/>
-          <p:cNvSpPr/>
-          <p:nvPr/>
-        </p:nvSpPr>
-        <p:spPr>
-          <a:xfrm>
-            <a:off x="1187624" y="2060848"/>
+          <p:cNvPr id="73" name="Rectangle 72"/>
+          <p:cNvSpPr/>
+          <p:nvPr/>
+        </p:nvSpPr>
+        <p:spPr>
+          <a:xfrm>
+            <a:off x="3131840" y="2060848"/>
             <a:ext cx="648072" cy="288032"/>
           </a:xfrm>
           <a:prstGeom prst="rect">
@@ -11537,12 +11582,12 @@
           <a:p>
             <a:pPr algn="ctr"/>
             <a:r>
-              <a:rPr lang="de-DE" sz="1400" dirty="0" smtClean="0">
+              <a:rPr lang="de-DE" sz="1400" dirty="0">
                 <a:solidFill>
                   <a:schemeClr val="tx2"/>
                 </a:solidFill>
               </a:rPr>
-              <a:t>Java</a:t>
+              <a:t>x</a:t>
             </a:r>
             <a:endParaRPr lang="de-DE" sz="1400" dirty="0" smtClean="0">
               <a:solidFill>
@@ -11554,13 +11599,13 @@
       </p:sp>
       <p:sp>
         <p:nvSpPr>
-          <p:cNvPr id="71" name="Rectangle 70"/>
-          <p:cNvSpPr/>
-          <p:nvPr/>
-        </p:nvSpPr>
-        <p:spPr>
-          <a:xfrm>
-            <a:off x="1835696" y="2060848"/>
+          <p:cNvPr id="74" name="Rectangle 73"/>
+          <p:cNvSpPr/>
+          <p:nvPr/>
+        </p:nvSpPr>
+        <p:spPr>
+          <a:xfrm>
+            <a:off x="3779912" y="2060848"/>
             <a:ext cx="648072" cy="288032"/>
           </a:xfrm>
           <a:prstGeom prst="rect">
@@ -11607,13 +11652,13 @@
       </p:sp>
       <p:sp>
         <p:nvSpPr>
-          <p:cNvPr id="72" name="Rectangle 71"/>
-          <p:cNvSpPr/>
-          <p:nvPr/>
-        </p:nvSpPr>
-        <p:spPr>
-          <a:xfrm>
-            <a:off x="2483768" y="2060848"/>
+          <p:cNvPr id="75" name="Rectangle 74"/>
+          <p:cNvSpPr/>
+          <p:nvPr/>
+        </p:nvSpPr>
+        <p:spPr>
+          <a:xfrm>
+            <a:off x="4427984" y="2060848"/>
             <a:ext cx="648072" cy="288032"/>
           </a:xfrm>
           <a:prstGeom prst="rect">
@@ -11660,13 +11705,13 @@
       </p:sp>
       <p:sp>
         <p:nvSpPr>
-          <p:cNvPr id="73" name="Rectangle 72"/>
-          <p:cNvSpPr/>
-          <p:nvPr/>
-        </p:nvSpPr>
-        <p:spPr>
-          <a:xfrm>
-            <a:off x="3131840" y="2060848"/>
+          <p:cNvPr id="76" name="Rectangle 75"/>
+          <p:cNvSpPr/>
+          <p:nvPr/>
+        </p:nvSpPr>
+        <p:spPr>
+          <a:xfrm>
+            <a:off x="5076056" y="2060848"/>
             <a:ext cx="648072" cy="288032"/>
           </a:xfrm>
           <a:prstGeom prst="rect">
@@ -11696,31 +11741,26 @@
           <a:p>
             <a:pPr algn="ctr"/>
             <a:r>
-              <a:rPr lang="de-DE" sz="1400" dirty="0">
+              <a:rPr lang="de-DE" sz="1400" dirty="0" smtClean="0">
                 <a:solidFill>
                   <a:schemeClr val="tx2"/>
                 </a:solidFill>
               </a:rPr>
               <a:t>x</a:t>
             </a:r>
-            <a:endParaRPr lang="de-DE" sz="1400" dirty="0" smtClean="0">
-              <a:solidFill>
-                <a:schemeClr val="tx2"/>
-              </a:solidFill>
-            </a:endParaRPr>
-          </a:p>
-        </p:txBody>
-      </p:sp>
-      <p:sp>
-        <p:nvSpPr>
-          <p:cNvPr id="74" name="Rectangle 73"/>
-          <p:cNvSpPr/>
-          <p:nvPr/>
-        </p:nvSpPr>
-        <p:spPr>
-          <a:xfrm>
-            <a:off x="3779912" y="2060848"/>
-            <a:ext cx="648072" cy="288032"/>
+          </a:p>
+        </p:txBody>
+      </p:sp>
+      <p:sp>
+        <p:nvSpPr>
+          <p:cNvPr id="77" name="Rectangle 76"/>
+          <p:cNvSpPr/>
+          <p:nvPr/>
+        </p:nvSpPr>
+        <p:spPr>
+          <a:xfrm>
+            <a:off x="5724128" y="2060848"/>
+            <a:ext cx="1296144" cy="288032"/>
           </a:xfrm>
           <a:prstGeom prst="rect">
             <a:avLst/>
@@ -11749,177 +11789,13 @@
           <a:p>
             <a:pPr algn="ctr"/>
             <a:r>
-              <a:rPr lang="de-DE" sz="1400" dirty="0">
+              <a:rPr lang="de-DE" sz="1400" dirty="0" smtClean="0">
                 <a:solidFill>
                   <a:schemeClr val="tx2"/>
                 </a:solidFill>
               </a:rPr>
               <a:t>x</a:t>
             </a:r>
-            <a:endParaRPr lang="de-DE" sz="1400" dirty="0" smtClean="0">
-              <a:solidFill>
-                <a:schemeClr val="tx2"/>
-              </a:solidFill>
-            </a:endParaRPr>
-          </a:p>
-        </p:txBody>
-      </p:sp>
-      <p:sp>
-        <p:nvSpPr>
-          <p:cNvPr id="75" name="Rectangle 74"/>
-          <p:cNvSpPr/>
-          <p:nvPr/>
-        </p:nvSpPr>
-        <p:spPr>
-          <a:xfrm>
-            <a:off x="4427984" y="2060848"/>
-            <a:ext cx="648072" cy="288032"/>
-          </a:xfrm>
-          <a:prstGeom prst="rect">
-            <a:avLst/>
-          </a:prstGeom>
-          <a:noFill/>
-        </p:spPr>
-        <p:style>
-          <a:lnRef idx="2">
-            <a:schemeClr val="accent1">
-              <a:shade val="50000"/>
-            </a:schemeClr>
-          </a:lnRef>
-          <a:fillRef idx="1">
-            <a:schemeClr val="accent1"/>
-          </a:fillRef>
-          <a:effectRef idx="0">
-            <a:schemeClr val="accent1"/>
-          </a:effectRef>
-          <a:fontRef idx="minor">
-            <a:schemeClr val="lt1"/>
-          </a:fontRef>
-        </p:style>
-        <p:txBody>
-          <a:bodyPr rtlCol="0" anchor="ctr"/>
-          <a:lstStyle/>
-          <a:p>
-            <a:pPr algn="ctr"/>
-            <a:r>
-              <a:rPr lang="de-DE" sz="1400" dirty="0">
-                <a:solidFill>
-                  <a:schemeClr val="tx2"/>
-                </a:solidFill>
-              </a:rPr>
-              <a:t>x</a:t>
-            </a:r>
-            <a:endParaRPr lang="de-DE" sz="1400" dirty="0" smtClean="0">
-              <a:solidFill>
-                <a:schemeClr val="tx2"/>
-              </a:solidFill>
-            </a:endParaRPr>
-          </a:p>
-        </p:txBody>
-      </p:sp>
-      <p:sp>
-        <p:nvSpPr>
-          <p:cNvPr id="76" name="Rectangle 75"/>
-          <p:cNvSpPr/>
-          <p:nvPr/>
-        </p:nvSpPr>
-        <p:spPr>
-          <a:xfrm>
-            <a:off x="5076056" y="2060848"/>
-            <a:ext cx="648072" cy="288032"/>
-          </a:xfrm>
-          <a:prstGeom prst="rect">
-            <a:avLst/>
-          </a:prstGeom>
-          <a:noFill/>
-        </p:spPr>
-        <p:style>
-          <a:lnRef idx="2">
-            <a:schemeClr val="accent1">
-              <a:shade val="50000"/>
-            </a:schemeClr>
-          </a:lnRef>
-          <a:fillRef idx="1">
-            <a:schemeClr val="accent1"/>
-          </a:fillRef>
-          <a:effectRef idx="0">
-            <a:schemeClr val="accent1"/>
-          </a:effectRef>
-          <a:fontRef idx="minor">
-            <a:schemeClr val="lt1"/>
-          </a:fontRef>
-        </p:style>
-        <p:txBody>
-          <a:bodyPr rtlCol="0" anchor="ctr"/>
-          <a:lstStyle/>
-          <a:p>
-            <a:pPr algn="ctr"/>
-            <a:r>
-              <a:rPr lang="de-DE" sz="1400" dirty="0" smtClean="0">
-                <a:solidFill>
-                  <a:schemeClr val="tx2"/>
-                </a:solidFill>
-              </a:rPr>
-              <a:t>x</a:t>
-            </a:r>
-            <a:endParaRPr lang="de-DE" sz="1400" dirty="0" smtClean="0">
-              <a:solidFill>
-                <a:schemeClr val="tx2"/>
-              </a:solidFill>
-            </a:endParaRPr>
-          </a:p>
-        </p:txBody>
-      </p:sp>
-      <p:sp>
-        <p:nvSpPr>
-          <p:cNvPr id="77" name="Rectangle 76"/>
-          <p:cNvSpPr/>
-          <p:nvPr/>
-        </p:nvSpPr>
-        <p:spPr>
-          <a:xfrm>
-            <a:off x="5724128" y="2060848"/>
-            <a:ext cx="1296144" cy="288032"/>
-          </a:xfrm>
-          <a:prstGeom prst="rect">
-            <a:avLst/>
-          </a:prstGeom>
-          <a:noFill/>
-        </p:spPr>
-        <p:style>
-          <a:lnRef idx="2">
-            <a:schemeClr val="accent1">
-              <a:shade val="50000"/>
-            </a:schemeClr>
-          </a:lnRef>
-          <a:fillRef idx="1">
-            <a:schemeClr val="accent1"/>
-          </a:fillRef>
-          <a:effectRef idx="0">
-            <a:schemeClr val="accent1"/>
-          </a:effectRef>
-          <a:fontRef idx="minor">
-            <a:schemeClr val="lt1"/>
-          </a:fontRef>
-        </p:style>
-        <p:txBody>
-          <a:bodyPr rtlCol="0" anchor="ctr"/>
-          <a:lstStyle/>
-          <a:p>
-            <a:pPr algn="ctr"/>
-            <a:r>
-              <a:rPr lang="de-DE" sz="1400" dirty="0" smtClean="0">
-                <a:solidFill>
-                  <a:schemeClr val="tx2"/>
-                </a:solidFill>
-              </a:rPr>
-              <a:t>x</a:t>
-            </a:r>
-            <a:endParaRPr lang="de-DE" sz="1400" dirty="0" smtClean="0">
-              <a:solidFill>
-                <a:schemeClr val="tx2"/>
-              </a:solidFill>
-            </a:endParaRPr>
           </a:p>
         </p:txBody>
       </p:sp>
@@ -12103,11 +11979,6 @@
               </a:rPr>
               <a:t>PHP</a:t>
             </a:r>
-            <a:endParaRPr lang="de-DE" sz="1400" dirty="0" smtClean="0">
-              <a:solidFill>
-                <a:schemeClr val="tx2"/>
-              </a:solidFill>
-            </a:endParaRPr>
           </a:p>
         </p:txBody>
       </p:sp>
@@ -12201,11 +12072,6 @@
               </a:rPr>
               <a:t>x</a:t>
             </a:r>
-            <a:endParaRPr lang="de-DE" sz="1400" dirty="0" smtClean="0">
-              <a:solidFill>
-                <a:schemeClr val="tx2"/>
-              </a:solidFill>
-            </a:endParaRPr>
           </a:p>
         </p:txBody>
       </p:sp>
@@ -12254,11 +12120,6 @@
               </a:rPr>
               <a:t>x</a:t>
             </a:r>
-            <a:endParaRPr lang="de-DE" sz="1400" dirty="0" smtClean="0">
-              <a:solidFill>
-                <a:schemeClr val="tx2"/>
-              </a:solidFill>
-            </a:endParaRPr>
           </a:p>
         </p:txBody>
       </p:sp>
@@ -12397,11 +12258,6 @@
               </a:rPr>
               <a:t>x</a:t>
             </a:r>
-            <a:endParaRPr lang="de-DE" sz="1400" dirty="0" smtClean="0">
-              <a:solidFill>
-                <a:schemeClr val="tx2"/>
-              </a:solidFill>
-            </a:endParaRPr>
           </a:p>
         </p:txBody>
       </p:sp>
@@ -12589,6 +12445,1009 @@
     <p:extLst>
       <p:ext uri="{BB962C8B-B14F-4D97-AF65-F5344CB8AC3E}">
         <p14:creationId xmlns:p14="http://schemas.microsoft.com/office/powerpoint/2010/main" val="1259212656"/>
+      </p:ext>
+    </p:extLst>
+  </p:cSld>
+  <p:clrMapOvr>
+    <a:masterClrMapping/>
+  </p:clrMapOvr>
+</p:sld>
+</file>
+
+<file path=ppt/slides/slide9.xml><?xml version="1.0" encoding="utf-8"?>
+<p:sld xmlns:a="http://schemas.openxmlformats.org/drawingml/2006/main" xmlns:r="http://schemas.openxmlformats.org/officeDocument/2006/relationships" xmlns:p="http://schemas.openxmlformats.org/presentationml/2006/main">
+  <p:cSld>
+    <p:spTree>
+      <p:nvGrpSpPr>
+        <p:cNvPr id="1" name=""/>
+        <p:cNvGrpSpPr/>
+        <p:nvPr/>
+      </p:nvGrpSpPr>
+      <p:grpSpPr>
+        <a:xfrm>
+          <a:off x="0" y="0"/>
+          <a:ext cx="0" cy="0"/>
+          <a:chOff x="0" y="0"/>
+          <a:chExt cx="0" cy="0"/>
+        </a:xfrm>
+      </p:grpSpPr>
+      <p:sp>
+        <p:nvSpPr>
+          <p:cNvPr id="11" name="Isosceles Triangle 10"/>
+          <p:cNvSpPr/>
+          <p:nvPr/>
+        </p:nvSpPr>
+        <p:spPr>
+          <a:xfrm>
+            <a:off x="4323432" y="2132856"/>
+            <a:ext cx="216024" cy="144016"/>
+          </a:xfrm>
+          <a:prstGeom prst="triangle">
+            <a:avLst/>
+          </a:prstGeom>
+          <a:noFill/>
+        </p:spPr>
+        <p:style>
+          <a:lnRef idx="2">
+            <a:schemeClr val="accent1">
+              <a:shade val="50000"/>
+            </a:schemeClr>
+          </a:lnRef>
+          <a:fillRef idx="1">
+            <a:schemeClr val="accent1"/>
+          </a:fillRef>
+          <a:effectRef idx="0">
+            <a:schemeClr val="accent1"/>
+          </a:effectRef>
+          <a:fontRef idx="minor">
+            <a:schemeClr val="lt1"/>
+          </a:fontRef>
+        </p:style>
+        <p:txBody>
+          <a:bodyPr rot="0" spcFirstLastPara="0" vertOverflow="overflow" horzOverflow="overflow" vert="horz" wrap="square" lIns="91440" tIns="45720" rIns="91440" bIns="45720" numCol="1" spcCol="0" rtlCol="0" fromWordArt="0" anchor="ctr" anchorCtr="0" forceAA="0" compatLnSpc="1">
+            <a:prstTxWarp prst="textNoShape">
+              <a:avLst/>
+            </a:prstTxWarp>
+            <a:noAutofit/>
+          </a:bodyPr>
+          <a:lstStyle/>
+          <a:p>
+            <a:pPr algn="ctr"/>
+            <a:endParaRPr lang="de-DE" sz="1400" dirty="0" smtClean="0">
+              <a:solidFill>
+                <a:schemeClr val="tx2"/>
+              </a:solidFill>
+            </a:endParaRPr>
+          </a:p>
+        </p:txBody>
+      </p:sp>
+      <p:grpSp>
+        <p:nvGrpSpPr>
+          <p:cNvPr id="31" name="Group 30"/>
+          <p:cNvGrpSpPr/>
+          <p:nvPr/>
+        </p:nvGrpSpPr>
+        <p:grpSpPr>
+          <a:xfrm>
+            <a:off x="3275856" y="404664"/>
+            <a:ext cx="2304256" cy="1584176"/>
+            <a:chOff x="2987824" y="404664"/>
+            <a:chExt cx="2304256" cy="1584176"/>
+          </a:xfrm>
+        </p:grpSpPr>
+        <p:sp>
+          <p:nvSpPr>
+            <p:cNvPr id="2" name="Rectangle 1"/>
+            <p:cNvSpPr/>
+            <p:nvPr/>
+          </p:nvSpPr>
+          <p:spPr>
+            <a:xfrm>
+              <a:off x="2987824" y="404664"/>
+              <a:ext cx="2304256" cy="432048"/>
+            </a:xfrm>
+            <a:prstGeom prst="rect">
+              <a:avLst/>
+            </a:prstGeom>
+            <a:noFill/>
+          </p:spPr>
+          <p:style>
+            <a:lnRef idx="2">
+              <a:schemeClr val="accent1">
+                <a:shade val="50000"/>
+              </a:schemeClr>
+            </a:lnRef>
+            <a:fillRef idx="1">
+              <a:schemeClr val="accent1"/>
+            </a:fillRef>
+            <a:effectRef idx="0">
+              <a:schemeClr val="accent1"/>
+            </a:effectRef>
+            <a:fontRef idx="minor">
+              <a:schemeClr val="lt1"/>
+            </a:fontRef>
+          </p:style>
+          <p:txBody>
+            <a:bodyPr rtlCol="0" anchor="ctr"/>
+            <a:lstStyle/>
+            <a:p>
+              <a:pPr algn="ctr"/>
+              <a:r>
+                <a:rPr lang="de-DE" u="sng" dirty="0" smtClean="0">
+                  <a:solidFill>
+                    <a:schemeClr val="tx2"/>
+                  </a:solidFill>
+                </a:rPr>
+                <a:t>Post</a:t>
+              </a:r>
+            </a:p>
+          </p:txBody>
+        </p:sp>
+        <p:sp>
+          <p:nvSpPr>
+            <p:cNvPr id="3" name="Rectangle 2"/>
+            <p:cNvSpPr/>
+            <p:nvPr/>
+          </p:nvSpPr>
+          <p:spPr>
+            <a:xfrm>
+              <a:off x="2987824" y="836712"/>
+              <a:ext cx="2304256" cy="1152128"/>
+            </a:xfrm>
+            <a:prstGeom prst="rect">
+              <a:avLst/>
+            </a:prstGeom>
+            <a:noFill/>
+          </p:spPr>
+          <p:style>
+            <a:lnRef idx="2">
+              <a:schemeClr val="accent1">
+                <a:shade val="50000"/>
+              </a:schemeClr>
+            </a:lnRef>
+            <a:fillRef idx="1">
+              <a:schemeClr val="accent1"/>
+            </a:fillRef>
+            <a:effectRef idx="0">
+              <a:schemeClr val="accent1"/>
+            </a:effectRef>
+            <a:fontRef idx="minor">
+              <a:schemeClr val="lt1"/>
+            </a:fontRef>
+          </p:style>
+          <p:txBody>
+            <a:bodyPr rtlCol="0" anchor="ctr"/>
+            <a:lstStyle/>
+            <a:p>
+              <a:r>
+                <a:rPr lang="de-DE" sz="1400" dirty="0">
+                  <a:solidFill>
+                    <a:schemeClr val="tx2"/>
+                  </a:solidFill>
+                </a:rPr>
+                <a:t>i</a:t>
+              </a:r>
+              <a:r>
+                <a:rPr lang="de-DE" sz="1400" dirty="0" smtClean="0">
+                  <a:solidFill>
+                    <a:schemeClr val="tx2"/>
+                  </a:solidFill>
+                </a:rPr>
+                <a:t>nt </a:t>
+              </a:r>
+              <a:r>
+                <a:rPr lang="de-DE" sz="1400" dirty="0" smtClean="0">
+                  <a:solidFill>
+                    <a:schemeClr val="tx2"/>
+                  </a:solidFill>
+                </a:rPr>
+                <a:t>id</a:t>
+              </a:r>
+            </a:p>
+            <a:p>
+              <a:r>
+                <a:rPr lang="de-DE" sz="1400" dirty="0" smtClean="0">
+                  <a:solidFill>
+                    <a:schemeClr val="tx2"/>
+                  </a:solidFill>
+                </a:rPr>
+                <a:t>String topic</a:t>
+              </a:r>
+            </a:p>
+            <a:p>
+              <a:r>
+                <a:rPr lang="de-DE" sz="1400" dirty="0">
+                  <a:solidFill>
+                    <a:schemeClr val="tx2"/>
+                  </a:solidFill>
+                </a:rPr>
+                <a:t>String</a:t>
+              </a:r>
+              <a:r>
+                <a:rPr lang="de-DE" sz="1400" dirty="0" smtClean="0">
+                  <a:solidFill>
+                    <a:schemeClr val="tx2"/>
+                  </a:solidFill>
+                </a:rPr>
+                <a:t> text</a:t>
+              </a:r>
+            </a:p>
+            <a:p>
+              <a:r>
+                <a:rPr lang="de-DE" sz="1400" dirty="0">
+                  <a:solidFill>
+                    <a:schemeClr val="tx2"/>
+                  </a:solidFill>
+                </a:rPr>
+                <a:t>String</a:t>
+              </a:r>
+              <a:r>
+                <a:rPr lang="de-DE" sz="1400" dirty="0" smtClean="0">
+                  <a:solidFill>
+                    <a:schemeClr val="tx2"/>
+                  </a:solidFill>
+                </a:rPr>
+                <a:t> date</a:t>
+              </a:r>
+            </a:p>
+            <a:p>
+              <a:r>
+                <a:rPr lang="de-DE" sz="1400" dirty="0">
+                  <a:solidFill>
+                    <a:schemeClr val="tx2"/>
+                  </a:solidFill>
+                </a:rPr>
+                <a:t>String</a:t>
+              </a:r>
+              <a:r>
+                <a:rPr lang="de-DE" sz="1400" dirty="0" smtClean="0">
+                  <a:solidFill>
+                    <a:schemeClr val="tx2"/>
+                  </a:solidFill>
+                </a:rPr>
+                <a:t> author</a:t>
+              </a:r>
+            </a:p>
+          </p:txBody>
+        </p:sp>
+      </p:grpSp>
+      <p:cxnSp>
+        <p:nvCxnSpPr>
+          <p:cNvPr id="12" name="Straight Connector 11"/>
+          <p:cNvCxnSpPr>
+            <a:endCxn id="11" idx="0"/>
+          </p:cNvCxnSpPr>
+          <p:nvPr/>
+        </p:nvCxnSpPr>
+        <p:spPr>
+          <a:xfrm>
+            <a:off x="4427984" y="1988840"/>
+            <a:ext cx="3460" cy="144016"/>
+          </a:xfrm>
+          <a:prstGeom prst="line">
+            <a:avLst/>
+          </a:prstGeom>
+          <a:ln w="28575">
+            <a:solidFill>
+              <a:schemeClr val="tx2"/>
+            </a:solidFill>
+          </a:ln>
+        </p:spPr>
+        <p:style>
+          <a:lnRef idx="1">
+            <a:schemeClr val="accent1"/>
+          </a:lnRef>
+          <a:fillRef idx="0">
+            <a:schemeClr val="accent1"/>
+          </a:fillRef>
+          <a:effectRef idx="0">
+            <a:schemeClr val="accent1"/>
+          </a:effectRef>
+          <a:fontRef idx="minor">
+            <a:schemeClr val="tx1"/>
+          </a:fontRef>
+        </p:style>
+      </p:cxnSp>
+      <p:cxnSp>
+        <p:nvCxnSpPr>
+          <p:cNvPr id="13" name="Elbow Connector 12"/>
+          <p:cNvCxnSpPr>
+            <a:stCxn id="11" idx="3"/>
+            <a:endCxn id="22" idx="0"/>
+          </p:cNvCxnSpPr>
+          <p:nvPr/>
+        </p:nvCxnSpPr>
+        <p:spPr>
+          <a:xfrm rot="5400000">
+            <a:off x="4069674" y="2635182"/>
+            <a:ext cx="720080" cy="3460"/>
+          </a:xfrm>
+          <a:prstGeom prst="bentConnector3">
+            <a:avLst/>
+          </a:prstGeom>
+          <a:ln w="28575">
+            <a:solidFill>
+              <a:schemeClr val="tx2"/>
+            </a:solidFill>
+          </a:ln>
+        </p:spPr>
+        <p:style>
+          <a:lnRef idx="1">
+            <a:schemeClr val="accent1"/>
+          </a:lnRef>
+          <a:fillRef idx="0">
+            <a:schemeClr val="accent1"/>
+          </a:fillRef>
+          <a:effectRef idx="0">
+            <a:schemeClr val="accent1"/>
+          </a:effectRef>
+          <a:fontRef idx="minor">
+            <a:schemeClr val="tx1"/>
+          </a:fontRef>
+        </p:style>
+      </p:cxnSp>
+      <p:cxnSp>
+        <p:nvCxnSpPr>
+          <p:cNvPr id="14" name="Elbow Connector 13"/>
+          <p:cNvCxnSpPr>
+            <a:stCxn id="11" idx="3"/>
+            <a:endCxn id="26" idx="0"/>
+          </p:cNvCxnSpPr>
+          <p:nvPr/>
+        </p:nvCxnSpPr>
+        <p:spPr>
+          <a:xfrm rot="16200000" flipH="1">
+            <a:off x="5437826" y="1270490"/>
+            <a:ext cx="720080" cy="2732844"/>
+          </a:xfrm>
+          <a:prstGeom prst="bentConnector3">
+            <a:avLst/>
+          </a:prstGeom>
+          <a:ln w="28575">
+            <a:solidFill>
+              <a:schemeClr val="tx2"/>
+            </a:solidFill>
+          </a:ln>
+        </p:spPr>
+        <p:style>
+          <a:lnRef idx="1">
+            <a:schemeClr val="accent1"/>
+          </a:lnRef>
+          <a:fillRef idx="0">
+            <a:schemeClr val="accent1"/>
+          </a:fillRef>
+          <a:effectRef idx="0">
+            <a:schemeClr val="accent1"/>
+          </a:effectRef>
+          <a:fontRef idx="minor">
+            <a:schemeClr val="tx1"/>
+          </a:fontRef>
+        </p:style>
+      </p:cxnSp>
+      <p:cxnSp>
+        <p:nvCxnSpPr>
+          <p:cNvPr id="15" name="Elbow Connector 14"/>
+          <p:cNvCxnSpPr>
+            <a:stCxn id="11" idx="3"/>
+            <a:endCxn id="24" idx="0"/>
+          </p:cNvCxnSpPr>
+          <p:nvPr/>
+        </p:nvCxnSpPr>
+        <p:spPr>
+          <a:xfrm rot="5400000">
+            <a:off x="2665518" y="1231026"/>
+            <a:ext cx="720080" cy="2811772"/>
+          </a:xfrm>
+          <a:prstGeom prst="bentConnector3">
+            <a:avLst/>
+          </a:prstGeom>
+          <a:ln w="28575">
+            <a:solidFill>
+              <a:schemeClr val="tx2"/>
+            </a:solidFill>
+          </a:ln>
+        </p:spPr>
+        <p:style>
+          <a:lnRef idx="1">
+            <a:schemeClr val="accent1"/>
+          </a:lnRef>
+          <a:fillRef idx="0">
+            <a:schemeClr val="accent1"/>
+          </a:fillRef>
+          <a:effectRef idx="0">
+            <a:schemeClr val="accent1"/>
+          </a:effectRef>
+          <a:fontRef idx="minor">
+            <a:schemeClr val="tx1"/>
+          </a:fontRef>
+        </p:style>
+      </p:cxnSp>
+      <p:grpSp>
+        <p:nvGrpSpPr>
+          <p:cNvPr id="28" name="Group 27"/>
+          <p:cNvGrpSpPr/>
+          <p:nvPr/>
+        </p:nvGrpSpPr>
+        <p:grpSpPr>
+          <a:xfrm>
+            <a:off x="3275856" y="2996952"/>
+            <a:ext cx="2304256" cy="1584176"/>
+            <a:chOff x="3294409" y="3140968"/>
+            <a:chExt cx="2304256" cy="1584176"/>
+          </a:xfrm>
+        </p:grpSpPr>
+        <p:sp>
+          <p:nvSpPr>
+            <p:cNvPr id="22" name="Rectangle 21"/>
+            <p:cNvSpPr/>
+            <p:nvPr/>
+          </p:nvSpPr>
+          <p:spPr>
+            <a:xfrm>
+              <a:off x="3294409" y="3140968"/>
+              <a:ext cx="2304256" cy="432048"/>
+            </a:xfrm>
+            <a:prstGeom prst="rect">
+              <a:avLst/>
+            </a:prstGeom>
+            <a:noFill/>
+          </p:spPr>
+          <p:style>
+            <a:lnRef idx="2">
+              <a:schemeClr val="accent1">
+                <a:shade val="50000"/>
+              </a:schemeClr>
+            </a:lnRef>
+            <a:fillRef idx="1">
+              <a:schemeClr val="accent1"/>
+            </a:fillRef>
+            <a:effectRef idx="0">
+              <a:schemeClr val="accent1"/>
+            </a:effectRef>
+            <a:fontRef idx="minor">
+              <a:schemeClr val="lt1"/>
+            </a:fontRef>
+          </p:style>
+          <p:txBody>
+            <a:bodyPr rtlCol="0" anchor="ctr"/>
+            <a:lstStyle/>
+            <a:p>
+              <a:pPr algn="ctr"/>
+              <a:r>
+                <a:rPr lang="de-DE" dirty="0" smtClean="0">
+                  <a:solidFill>
+                    <a:schemeClr val="tx2"/>
+                  </a:solidFill>
+                </a:rPr>
+                <a:t>ForumEntry</a:t>
+              </a:r>
+              <a:endParaRPr lang="de-DE" dirty="0" smtClean="0">
+                <a:solidFill>
+                  <a:schemeClr val="tx2"/>
+                </a:solidFill>
+              </a:endParaRPr>
+            </a:p>
+          </p:txBody>
+        </p:sp>
+        <p:sp>
+          <p:nvSpPr>
+            <p:cNvPr id="23" name="Rectangle 22"/>
+            <p:cNvSpPr/>
+            <p:nvPr/>
+          </p:nvSpPr>
+          <p:spPr>
+            <a:xfrm>
+              <a:off x="3294409" y="3573016"/>
+              <a:ext cx="2304256" cy="1152128"/>
+            </a:xfrm>
+            <a:prstGeom prst="rect">
+              <a:avLst/>
+            </a:prstGeom>
+            <a:noFill/>
+          </p:spPr>
+          <p:style>
+            <a:lnRef idx="2">
+              <a:schemeClr val="accent1">
+                <a:shade val="50000"/>
+              </a:schemeClr>
+            </a:lnRef>
+            <a:fillRef idx="1">
+              <a:schemeClr val="accent1"/>
+            </a:fillRef>
+            <a:effectRef idx="0">
+              <a:schemeClr val="accent1"/>
+            </a:effectRef>
+            <a:fontRef idx="minor">
+              <a:schemeClr val="lt1"/>
+            </a:fontRef>
+          </p:style>
+          <p:txBody>
+            <a:bodyPr rtlCol="0" anchor="ctr"/>
+            <a:lstStyle/>
+            <a:p>
+              <a:r>
+                <a:rPr lang="de-DE" sz="1400" dirty="0" smtClean="0">
+                  <a:solidFill>
+                    <a:schemeClr val="tx2"/>
+                  </a:solidFill>
+                </a:rPr>
+                <a:t>List&lt;Comment&gt; Comments</a:t>
+              </a:r>
+            </a:p>
+            <a:p>
+              <a:r>
+                <a:rPr lang="de-DE" sz="1400" dirty="0" smtClean="0">
+                  <a:solidFill>
+                    <a:schemeClr val="tx2"/>
+                  </a:solidFill>
+                </a:rPr>
+                <a:t>String description</a:t>
+              </a:r>
+              <a:endParaRPr lang="de-DE" sz="1400" dirty="0" smtClean="0">
+                <a:solidFill>
+                  <a:schemeClr val="tx2"/>
+                </a:solidFill>
+              </a:endParaRPr>
+            </a:p>
+          </p:txBody>
+        </p:sp>
+      </p:grpSp>
+      <p:grpSp>
+        <p:nvGrpSpPr>
+          <p:cNvPr id="4" name="Group 3"/>
+          <p:cNvGrpSpPr/>
+          <p:nvPr/>
+        </p:nvGrpSpPr>
+        <p:grpSpPr>
+          <a:xfrm>
+            <a:off x="467544" y="2996952"/>
+            <a:ext cx="2304256" cy="1584176"/>
+            <a:chOff x="-9575" y="3149352"/>
+            <a:chExt cx="2304256" cy="1584176"/>
+          </a:xfrm>
+        </p:grpSpPr>
+        <p:sp>
+          <p:nvSpPr>
+            <p:cNvPr id="24" name="Rectangle 23"/>
+            <p:cNvSpPr/>
+            <p:nvPr/>
+          </p:nvSpPr>
+          <p:spPr>
+            <a:xfrm>
+              <a:off x="-9575" y="3149352"/>
+              <a:ext cx="2304256" cy="432048"/>
+            </a:xfrm>
+            <a:prstGeom prst="rect">
+              <a:avLst/>
+            </a:prstGeom>
+            <a:noFill/>
+          </p:spPr>
+          <p:style>
+            <a:lnRef idx="2">
+              <a:schemeClr val="accent1">
+                <a:shade val="50000"/>
+              </a:schemeClr>
+            </a:lnRef>
+            <a:fillRef idx="1">
+              <a:schemeClr val="accent1"/>
+            </a:fillRef>
+            <a:effectRef idx="0">
+              <a:schemeClr val="accent1"/>
+            </a:effectRef>
+            <a:fontRef idx="minor">
+              <a:schemeClr val="lt1"/>
+            </a:fontRef>
+          </p:style>
+          <p:txBody>
+            <a:bodyPr rtlCol="0" anchor="ctr"/>
+            <a:lstStyle/>
+            <a:p>
+              <a:pPr algn="ctr"/>
+              <a:r>
+                <a:rPr lang="de-DE" dirty="0" smtClean="0">
+                  <a:solidFill>
+                    <a:schemeClr val="tx2"/>
+                  </a:solidFill>
+                </a:rPr>
+                <a:t>Comment</a:t>
+              </a:r>
+              <a:endParaRPr lang="de-DE" dirty="0" smtClean="0">
+                <a:solidFill>
+                  <a:schemeClr val="tx2"/>
+                </a:solidFill>
+              </a:endParaRPr>
+            </a:p>
+          </p:txBody>
+        </p:sp>
+        <p:sp>
+          <p:nvSpPr>
+            <p:cNvPr id="25" name="Rectangle 24"/>
+            <p:cNvSpPr/>
+            <p:nvPr/>
+          </p:nvSpPr>
+          <p:spPr>
+            <a:xfrm>
+              <a:off x="-9575" y="3581400"/>
+              <a:ext cx="2304256" cy="1152128"/>
+            </a:xfrm>
+            <a:prstGeom prst="rect">
+              <a:avLst/>
+            </a:prstGeom>
+            <a:noFill/>
+          </p:spPr>
+          <p:style>
+            <a:lnRef idx="2">
+              <a:schemeClr val="accent1">
+                <a:shade val="50000"/>
+              </a:schemeClr>
+            </a:lnRef>
+            <a:fillRef idx="1">
+              <a:schemeClr val="accent1"/>
+            </a:fillRef>
+            <a:effectRef idx="0">
+              <a:schemeClr val="accent1"/>
+            </a:effectRef>
+            <a:fontRef idx="minor">
+              <a:schemeClr val="lt1"/>
+            </a:fontRef>
+          </p:style>
+          <p:txBody>
+            <a:bodyPr rtlCol="0" anchor="ctr"/>
+            <a:lstStyle/>
+            <a:p>
+              <a:r>
+                <a:rPr lang="de-DE" sz="1400" dirty="0">
+                  <a:solidFill>
+                    <a:schemeClr val="tx2"/>
+                  </a:solidFill>
+                </a:rPr>
+                <a:t>i</a:t>
+              </a:r>
+              <a:r>
+                <a:rPr lang="de-DE" sz="1400" dirty="0" smtClean="0">
+                  <a:solidFill>
+                    <a:schemeClr val="tx2"/>
+                  </a:solidFill>
+                </a:rPr>
+                <a:t>nt refForumEntry</a:t>
+              </a:r>
+              <a:endParaRPr lang="de-DE" sz="1400" dirty="0" smtClean="0">
+                <a:solidFill>
+                  <a:schemeClr val="tx2"/>
+                </a:solidFill>
+              </a:endParaRPr>
+            </a:p>
+          </p:txBody>
+        </p:sp>
+      </p:grpSp>
+      <p:grpSp>
+        <p:nvGrpSpPr>
+          <p:cNvPr id="29" name="Group 28"/>
+          <p:cNvGrpSpPr/>
+          <p:nvPr/>
+        </p:nvGrpSpPr>
+        <p:grpSpPr>
+          <a:xfrm>
+            <a:off x="6012160" y="2996952"/>
+            <a:ext cx="2304256" cy="1584176"/>
+            <a:chOff x="6462761" y="3140968"/>
+            <a:chExt cx="2304256" cy="1584176"/>
+          </a:xfrm>
+        </p:grpSpPr>
+        <p:sp>
+          <p:nvSpPr>
+            <p:cNvPr id="26" name="Rectangle 25"/>
+            <p:cNvSpPr/>
+            <p:nvPr/>
+          </p:nvSpPr>
+          <p:spPr>
+            <a:xfrm>
+              <a:off x="6462761" y="3140968"/>
+              <a:ext cx="2304256" cy="432048"/>
+            </a:xfrm>
+            <a:prstGeom prst="rect">
+              <a:avLst/>
+            </a:prstGeom>
+            <a:noFill/>
+          </p:spPr>
+          <p:style>
+            <a:lnRef idx="2">
+              <a:schemeClr val="accent1">
+                <a:shade val="50000"/>
+              </a:schemeClr>
+            </a:lnRef>
+            <a:fillRef idx="1">
+              <a:schemeClr val="accent1"/>
+            </a:fillRef>
+            <a:effectRef idx="0">
+              <a:schemeClr val="accent1"/>
+            </a:effectRef>
+            <a:fontRef idx="minor">
+              <a:schemeClr val="lt1"/>
+            </a:fontRef>
+          </p:style>
+          <p:txBody>
+            <a:bodyPr rtlCol="0" anchor="ctr"/>
+            <a:lstStyle/>
+            <a:p>
+              <a:pPr algn="ctr"/>
+              <a:r>
+                <a:rPr lang="de-DE" dirty="0" smtClean="0">
+                  <a:solidFill>
+                    <a:schemeClr val="tx2"/>
+                  </a:solidFill>
+                </a:rPr>
+                <a:t>Report</a:t>
+              </a:r>
+              <a:endParaRPr lang="de-DE" dirty="0" smtClean="0">
+                <a:solidFill>
+                  <a:schemeClr val="tx2"/>
+                </a:solidFill>
+              </a:endParaRPr>
+            </a:p>
+          </p:txBody>
+        </p:sp>
+        <p:sp>
+          <p:nvSpPr>
+            <p:cNvPr id="27" name="Rectangle 26"/>
+            <p:cNvSpPr/>
+            <p:nvPr/>
+          </p:nvSpPr>
+          <p:spPr>
+            <a:xfrm>
+              <a:off x="6462761" y="3573016"/>
+              <a:ext cx="2304256" cy="1152128"/>
+            </a:xfrm>
+            <a:prstGeom prst="rect">
+              <a:avLst/>
+            </a:prstGeom>
+            <a:noFill/>
+          </p:spPr>
+          <p:style>
+            <a:lnRef idx="2">
+              <a:schemeClr val="accent1">
+                <a:shade val="50000"/>
+              </a:schemeClr>
+            </a:lnRef>
+            <a:fillRef idx="1">
+              <a:schemeClr val="accent1"/>
+            </a:fillRef>
+            <a:effectRef idx="0">
+              <a:schemeClr val="accent1"/>
+            </a:effectRef>
+            <a:fontRef idx="minor">
+              <a:schemeClr val="lt1"/>
+            </a:fontRef>
+          </p:style>
+          <p:txBody>
+            <a:bodyPr rtlCol="0" anchor="ctr"/>
+            <a:lstStyle/>
+            <a:p>
+              <a:r>
+                <a:rPr lang="de-DE" sz="1400" dirty="0" smtClean="0">
+                  <a:solidFill>
+                    <a:schemeClr val="tx2"/>
+                  </a:solidFill>
+                </a:rPr>
+                <a:t>String opponent</a:t>
+              </a:r>
+            </a:p>
+            <a:p>
+              <a:r>
+                <a:rPr lang="de-DE" sz="1400" dirty="0">
+                  <a:solidFill>
+                    <a:schemeClr val="tx2"/>
+                  </a:solidFill>
+                </a:rPr>
+                <a:t>i</a:t>
+              </a:r>
+              <a:r>
+                <a:rPr lang="de-DE" sz="1400" dirty="0" smtClean="0">
+                  <a:solidFill>
+                    <a:schemeClr val="tx2"/>
+                  </a:solidFill>
+                </a:rPr>
+                <a:t>nt scoreFirstHalfHome</a:t>
+              </a:r>
+            </a:p>
+            <a:p>
+              <a:r>
+                <a:rPr lang="de-DE" sz="1400" dirty="0">
+                  <a:solidFill>
+                    <a:schemeClr val="tx2"/>
+                  </a:solidFill>
+                </a:rPr>
+                <a:t>i</a:t>
+              </a:r>
+              <a:r>
+                <a:rPr lang="de-DE" sz="1400" dirty="0" smtClean="0">
+                  <a:solidFill>
+                    <a:schemeClr val="tx2"/>
+                  </a:solidFill>
+                </a:rPr>
+                <a:t>nt scoreFirstHalfGuest</a:t>
+              </a:r>
+            </a:p>
+            <a:p>
+              <a:r>
+                <a:rPr lang="de-DE" sz="1400" dirty="0">
+                  <a:solidFill>
+                    <a:schemeClr val="tx2"/>
+                  </a:solidFill>
+                </a:rPr>
+                <a:t>i</a:t>
+              </a:r>
+              <a:r>
+                <a:rPr lang="de-DE" sz="1400" dirty="0" smtClean="0">
+                  <a:solidFill>
+                    <a:schemeClr val="tx2"/>
+                  </a:solidFill>
+                </a:rPr>
+                <a:t>nt scoreSecondHalfHome</a:t>
+              </a:r>
+            </a:p>
+            <a:p>
+              <a:r>
+                <a:rPr lang="de-DE" sz="1400" dirty="0">
+                  <a:solidFill>
+                    <a:schemeClr val="tx2"/>
+                  </a:solidFill>
+                </a:rPr>
+                <a:t>i</a:t>
+              </a:r>
+              <a:r>
+                <a:rPr lang="de-DE" sz="1400" dirty="0" smtClean="0">
+                  <a:solidFill>
+                    <a:schemeClr val="tx2"/>
+                  </a:solidFill>
+                </a:rPr>
+                <a:t>nt scoreSecondHalfGuest</a:t>
+              </a:r>
+              <a:endParaRPr lang="de-DE" sz="1400" dirty="0" smtClean="0">
+                <a:solidFill>
+                  <a:schemeClr val="tx2"/>
+                </a:solidFill>
+              </a:endParaRPr>
+            </a:p>
+          </p:txBody>
+        </p:sp>
+      </p:grpSp>
+      <p:cxnSp>
+        <p:nvCxnSpPr>
+          <p:cNvPr id="40" name="Elbow Connector 39"/>
+          <p:cNvCxnSpPr>
+            <a:stCxn id="25" idx="2"/>
+            <a:endCxn id="23" idx="2"/>
+          </p:cNvCxnSpPr>
+          <p:nvPr/>
+        </p:nvCxnSpPr>
+        <p:spPr>
+          <a:xfrm rot="16200000" flipH="1">
+            <a:off x="3023828" y="3176972"/>
+            <a:ext cx="12700" cy="2808312"/>
+          </a:xfrm>
+          <a:prstGeom prst="bentConnector3">
+            <a:avLst>
+              <a:gd name="adj1" fmla="val 1800000"/>
+            </a:avLst>
+          </a:prstGeom>
+          <a:ln w="28575">
+            <a:solidFill>
+              <a:schemeClr val="tx2"/>
+            </a:solidFill>
+            <a:tailEnd type="arrow"/>
+          </a:ln>
+        </p:spPr>
+        <p:style>
+          <a:lnRef idx="1">
+            <a:schemeClr val="accent1"/>
+          </a:lnRef>
+          <a:fillRef idx="0">
+            <a:schemeClr val="accent1"/>
+          </a:fillRef>
+          <a:effectRef idx="0">
+            <a:schemeClr val="accent1"/>
+          </a:effectRef>
+          <a:fontRef idx="minor">
+            <a:schemeClr val="tx1"/>
+          </a:fontRef>
+        </p:style>
+      </p:cxnSp>
+      <p:sp>
+        <p:nvSpPr>
+          <p:cNvPr id="41" name="Oval 40"/>
+          <p:cNvSpPr/>
+          <p:nvPr/>
+        </p:nvSpPr>
+        <p:spPr>
+          <a:xfrm>
+            <a:off x="2771800" y="3212976"/>
+            <a:ext cx="72008" cy="72008"/>
+          </a:xfrm>
+          <a:prstGeom prst="ellipse">
+            <a:avLst/>
+          </a:prstGeom>
+          <a:solidFill>
+            <a:schemeClr val="tx2"/>
+          </a:solidFill>
+          <a:ln>
+            <a:solidFill>
+              <a:schemeClr val="tx2"/>
+            </a:solidFill>
+          </a:ln>
+        </p:spPr>
+        <p:style>
+          <a:lnRef idx="2">
+            <a:schemeClr val="accent1">
+              <a:shade val="50000"/>
+            </a:schemeClr>
+          </a:lnRef>
+          <a:fillRef idx="1">
+            <a:schemeClr val="accent1"/>
+          </a:fillRef>
+          <a:effectRef idx="0">
+            <a:schemeClr val="accent1"/>
+          </a:effectRef>
+          <a:fontRef idx="minor">
+            <a:schemeClr val="lt1"/>
+          </a:fontRef>
+        </p:style>
+        <p:txBody>
+          <a:bodyPr rtlCol="0" anchor="ctr"/>
+          <a:lstStyle/>
+          <a:p>
+            <a:pPr algn="ctr"/>
+            <a:endParaRPr lang="de-DE" sz="1400" dirty="0" smtClean="0">
+              <a:solidFill>
+                <a:schemeClr val="tx2"/>
+              </a:solidFill>
+            </a:endParaRPr>
+          </a:p>
+        </p:txBody>
+      </p:sp>
+      <p:cxnSp>
+        <p:nvCxnSpPr>
+          <p:cNvPr id="43" name="Elbow Connector 42"/>
+          <p:cNvCxnSpPr>
+            <a:stCxn id="23" idx="1"/>
+            <a:endCxn id="41" idx="6"/>
+          </p:cNvCxnSpPr>
+          <p:nvPr/>
+        </p:nvCxnSpPr>
+        <p:spPr>
+          <a:xfrm rot="10800000">
+            <a:off x="2843808" y="3248980"/>
+            <a:ext cx="432048" cy="756084"/>
+          </a:xfrm>
+          <a:prstGeom prst="bentConnector3">
+            <a:avLst/>
+          </a:prstGeom>
+          <a:ln w="28575">
+            <a:solidFill>
+              <a:schemeClr val="tx2"/>
+            </a:solidFill>
+            <a:tailEnd type="arrow"/>
+          </a:ln>
+        </p:spPr>
+        <p:style>
+          <a:lnRef idx="1">
+            <a:schemeClr val="accent1"/>
+          </a:lnRef>
+          <a:fillRef idx="0">
+            <a:schemeClr val="accent1"/>
+          </a:fillRef>
+          <a:effectRef idx="0">
+            <a:schemeClr val="accent1"/>
+          </a:effectRef>
+          <a:fontRef idx="minor">
+            <a:schemeClr val="tx1"/>
+          </a:fontRef>
+        </p:style>
+      </p:cxnSp>
+    </p:spTree>
+    <p:extLst>
+      <p:ext uri="{BB962C8B-B14F-4D97-AF65-F5344CB8AC3E}">
+        <p14:creationId xmlns:p14="http://schemas.microsoft.com/office/powerpoint/2010/main" val="915384504"/>
       </p:ext>
     </p:extLst>
   </p:cSld>

--- a/Doku/Grafiken.pptx
+++ b/Doku/Grafiken.pptx
@@ -14,6 +14,10 @@
     <p:sldId id="262" r:id="rId8"/>
     <p:sldId id="263" r:id="rId9"/>
     <p:sldId id="264" r:id="rId10"/>
+    <p:sldId id="265" r:id="rId11"/>
+    <p:sldId id="266" r:id="rId12"/>
+    <p:sldId id="267" r:id="rId13"/>
+    <p:sldId id="268" r:id="rId14"/>
   </p:sldIdLst>
   <p:sldSz cx="9144000" cy="6858000" type="screen4x3"/>
   <p:notesSz cx="6858000" cy="9144000"/>
@@ -296,7 +300,7 @@
           <a:p>
             <a:fld id="{DE61ADEB-F5B2-4A26-A4D4-37B35CF46446}" type="datetimeFigureOut">
               <a:rPr lang="de-DE" smtClean="0"/>
-              <a:t>13.04.2014</a:t>
+              <a:t>14.04.2014</a:t>
             </a:fld>
             <a:endParaRPr lang="de-DE"/>
           </a:p>
@@ -466,7 +470,7 @@
           <a:p>
             <a:fld id="{DE61ADEB-F5B2-4A26-A4D4-37B35CF46446}" type="datetimeFigureOut">
               <a:rPr lang="de-DE" smtClean="0"/>
-              <a:t>13.04.2014</a:t>
+              <a:t>14.04.2014</a:t>
             </a:fld>
             <a:endParaRPr lang="de-DE"/>
           </a:p>
@@ -646,7 +650,7 @@
           <a:p>
             <a:fld id="{DE61ADEB-F5B2-4A26-A4D4-37B35CF46446}" type="datetimeFigureOut">
               <a:rPr lang="de-DE" smtClean="0"/>
-              <a:t>13.04.2014</a:t>
+              <a:t>14.04.2014</a:t>
             </a:fld>
             <a:endParaRPr lang="de-DE"/>
           </a:p>
@@ -816,7 +820,7 @@
           <a:p>
             <a:fld id="{DE61ADEB-F5B2-4A26-A4D4-37B35CF46446}" type="datetimeFigureOut">
               <a:rPr lang="de-DE" smtClean="0"/>
-              <a:t>13.04.2014</a:t>
+              <a:t>14.04.2014</a:t>
             </a:fld>
             <a:endParaRPr lang="de-DE"/>
           </a:p>
@@ -1062,7 +1066,7 @@
           <a:p>
             <a:fld id="{DE61ADEB-F5B2-4A26-A4D4-37B35CF46446}" type="datetimeFigureOut">
               <a:rPr lang="de-DE" smtClean="0"/>
-              <a:t>13.04.2014</a:t>
+              <a:t>14.04.2014</a:t>
             </a:fld>
             <a:endParaRPr lang="de-DE"/>
           </a:p>
@@ -1350,7 +1354,7 @@
           <a:p>
             <a:fld id="{DE61ADEB-F5B2-4A26-A4D4-37B35CF46446}" type="datetimeFigureOut">
               <a:rPr lang="de-DE" smtClean="0"/>
-              <a:t>13.04.2014</a:t>
+              <a:t>14.04.2014</a:t>
             </a:fld>
             <a:endParaRPr lang="de-DE"/>
           </a:p>
@@ -1772,7 +1776,7 @@
           <a:p>
             <a:fld id="{DE61ADEB-F5B2-4A26-A4D4-37B35CF46446}" type="datetimeFigureOut">
               <a:rPr lang="de-DE" smtClean="0"/>
-              <a:t>13.04.2014</a:t>
+              <a:t>14.04.2014</a:t>
             </a:fld>
             <a:endParaRPr lang="de-DE"/>
           </a:p>
@@ -1890,7 +1894,7 @@
           <a:p>
             <a:fld id="{DE61ADEB-F5B2-4A26-A4D4-37B35CF46446}" type="datetimeFigureOut">
               <a:rPr lang="de-DE" smtClean="0"/>
-              <a:t>13.04.2014</a:t>
+              <a:t>14.04.2014</a:t>
             </a:fld>
             <a:endParaRPr lang="de-DE"/>
           </a:p>
@@ -1985,7 +1989,7 @@
           <a:p>
             <a:fld id="{DE61ADEB-F5B2-4A26-A4D4-37B35CF46446}" type="datetimeFigureOut">
               <a:rPr lang="de-DE" smtClean="0"/>
-              <a:t>13.04.2014</a:t>
+              <a:t>14.04.2014</a:t>
             </a:fld>
             <a:endParaRPr lang="de-DE"/>
           </a:p>
@@ -2262,7 +2266,7 @@
           <a:p>
             <a:fld id="{DE61ADEB-F5B2-4A26-A4D4-37B35CF46446}" type="datetimeFigureOut">
               <a:rPr lang="de-DE" smtClean="0"/>
-              <a:t>13.04.2014</a:t>
+              <a:t>14.04.2014</a:t>
             </a:fld>
             <a:endParaRPr lang="de-DE"/>
           </a:p>
@@ -2515,7 +2519,7 @@
           <a:p>
             <a:fld id="{DE61ADEB-F5B2-4A26-A4D4-37B35CF46446}" type="datetimeFigureOut">
               <a:rPr lang="de-DE" smtClean="0"/>
-              <a:t>13.04.2014</a:t>
+              <a:t>14.04.2014</a:t>
             </a:fld>
             <a:endParaRPr lang="de-DE"/>
           </a:p>
@@ -2728,7 +2732,7 @@
           <a:p>
             <a:fld id="{DE61ADEB-F5B2-4A26-A4D4-37B35CF46446}" type="datetimeFigureOut">
               <a:rPr lang="de-DE" smtClean="0"/>
-              <a:t>13.04.2014</a:t>
+              <a:t>14.04.2014</a:t>
             </a:fld>
             <a:endParaRPr lang="de-DE"/>
           </a:p>
@@ -3415,6 +3419,7014 @@
 </p:sld>
 </file>
 
+<file path=ppt/slides/slide10.xml><?xml version="1.0" encoding="utf-8"?>
+<p:sld xmlns:a="http://schemas.openxmlformats.org/drawingml/2006/main" xmlns:r="http://schemas.openxmlformats.org/officeDocument/2006/relationships" xmlns:p="http://schemas.openxmlformats.org/presentationml/2006/main">
+  <p:cSld>
+    <p:spTree>
+      <p:nvGrpSpPr>
+        <p:cNvPr id="1" name=""/>
+        <p:cNvGrpSpPr/>
+        <p:nvPr/>
+      </p:nvGrpSpPr>
+      <p:grpSpPr>
+        <a:xfrm>
+          <a:off x="0" y="0"/>
+          <a:ext cx="0" cy="0"/>
+          <a:chOff x="0" y="0"/>
+          <a:chExt cx="0" cy="0"/>
+        </a:xfrm>
+      </p:grpSpPr>
+      <p:sp>
+        <p:nvSpPr>
+          <p:cNvPr id="2" name="Rectangle 1"/>
+          <p:cNvSpPr/>
+          <p:nvPr/>
+        </p:nvSpPr>
+        <p:spPr>
+          <a:xfrm>
+            <a:off x="827584" y="476672"/>
+            <a:ext cx="7776864" cy="288032"/>
+          </a:xfrm>
+          <a:prstGeom prst="rect">
+            <a:avLst/>
+          </a:prstGeom>
+          <a:noFill/>
+        </p:spPr>
+        <p:style>
+          <a:lnRef idx="2">
+            <a:schemeClr val="accent1">
+              <a:shade val="50000"/>
+            </a:schemeClr>
+          </a:lnRef>
+          <a:fillRef idx="1">
+            <a:schemeClr val="accent1"/>
+          </a:fillRef>
+          <a:effectRef idx="0">
+            <a:schemeClr val="accent1"/>
+          </a:effectRef>
+          <a:fontRef idx="minor">
+            <a:schemeClr val="lt1"/>
+          </a:fontRef>
+        </p:style>
+        <p:txBody>
+          <a:bodyPr rtlCol="0" anchor="ctr"/>
+          <a:lstStyle/>
+          <a:p>
+            <a:pPr algn="ctr"/>
+            <a:r>
+              <a:rPr lang="de-DE" sz="1400" b="1" dirty="0" smtClean="0">
+                <a:solidFill>
+                  <a:schemeClr val="tx2"/>
+                </a:solidFill>
+              </a:rPr>
+              <a:t>Zeitplanung</a:t>
+            </a:r>
+            <a:endParaRPr lang="de-DE" sz="1400" b="1" dirty="0" smtClean="0">
+              <a:solidFill>
+                <a:schemeClr val="tx2"/>
+              </a:solidFill>
+            </a:endParaRPr>
+          </a:p>
+        </p:txBody>
+      </p:sp>
+      <p:sp>
+        <p:nvSpPr>
+          <p:cNvPr id="72" name="Rectangle 71"/>
+          <p:cNvSpPr/>
+          <p:nvPr/>
+        </p:nvSpPr>
+        <p:spPr>
+          <a:xfrm>
+            <a:off x="827584" y="764704"/>
+            <a:ext cx="4968552" cy="288032"/>
+          </a:xfrm>
+          <a:prstGeom prst="rect">
+            <a:avLst/>
+          </a:prstGeom>
+          <a:noFill/>
+        </p:spPr>
+        <p:style>
+          <a:lnRef idx="2">
+            <a:schemeClr val="accent1">
+              <a:shade val="50000"/>
+            </a:schemeClr>
+          </a:lnRef>
+          <a:fillRef idx="1">
+            <a:schemeClr val="accent1"/>
+          </a:fillRef>
+          <a:effectRef idx="0">
+            <a:schemeClr val="accent1"/>
+          </a:effectRef>
+          <a:fontRef idx="minor">
+            <a:schemeClr val="lt1"/>
+          </a:fontRef>
+        </p:style>
+        <p:txBody>
+          <a:bodyPr rtlCol="0" anchor="ctr"/>
+          <a:lstStyle/>
+          <a:p>
+            <a:pPr algn="ctr"/>
+            <a:r>
+              <a:rPr lang="de-DE" sz="1400" b="1" dirty="0" smtClean="0">
+                <a:solidFill>
+                  <a:schemeClr val="tx2"/>
+                </a:solidFill>
+              </a:rPr>
+              <a:t>Aufgaben</a:t>
+            </a:r>
+          </a:p>
+        </p:txBody>
+      </p:sp>
+      <p:sp>
+        <p:nvSpPr>
+          <p:cNvPr id="73" name="Rectangle 72"/>
+          <p:cNvSpPr/>
+          <p:nvPr/>
+        </p:nvSpPr>
+        <p:spPr>
+          <a:xfrm>
+            <a:off x="5796136" y="764704"/>
+            <a:ext cx="2808312" cy="288032"/>
+          </a:xfrm>
+          <a:prstGeom prst="rect">
+            <a:avLst/>
+          </a:prstGeom>
+          <a:noFill/>
+        </p:spPr>
+        <p:style>
+          <a:lnRef idx="2">
+            <a:schemeClr val="accent1">
+              <a:shade val="50000"/>
+            </a:schemeClr>
+          </a:lnRef>
+          <a:fillRef idx="1">
+            <a:schemeClr val="accent1"/>
+          </a:fillRef>
+          <a:effectRef idx="0">
+            <a:schemeClr val="accent1"/>
+          </a:effectRef>
+          <a:fontRef idx="minor">
+            <a:schemeClr val="lt1"/>
+          </a:fontRef>
+        </p:style>
+        <p:txBody>
+          <a:bodyPr rtlCol="0" anchor="ctr"/>
+          <a:lstStyle/>
+          <a:p>
+            <a:pPr algn="ctr"/>
+            <a:r>
+              <a:rPr lang="de-DE" sz="1400" b="1" dirty="0" smtClean="0">
+                <a:solidFill>
+                  <a:schemeClr val="tx2"/>
+                </a:solidFill>
+              </a:rPr>
+              <a:t>Schätzung</a:t>
+            </a:r>
+            <a:endParaRPr lang="de-DE" sz="1400" b="1" dirty="0" smtClean="0">
+              <a:solidFill>
+                <a:schemeClr val="tx2"/>
+              </a:solidFill>
+            </a:endParaRPr>
+          </a:p>
+        </p:txBody>
+      </p:sp>
+      <p:sp>
+        <p:nvSpPr>
+          <p:cNvPr id="74" name="Rectangle 73"/>
+          <p:cNvSpPr/>
+          <p:nvPr/>
+        </p:nvSpPr>
+        <p:spPr>
+          <a:xfrm>
+            <a:off x="827584" y="1052736"/>
+            <a:ext cx="4968552" cy="288032"/>
+          </a:xfrm>
+          <a:prstGeom prst="rect">
+            <a:avLst/>
+          </a:prstGeom>
+          <a:noFill/>
+        </p:spPr>
+        <p:style>
+          <a:lnRef idx="2">
+            <a:schemeClr val="accent1">
+              <a:shade val="50000"/>
+            </a:schemeClr>
+          </a:lnRef>
+          <a:fillRef idx="1">
+            <a:schemeClr val="accent1"/>
+          </a:fillRef>
+          <a:effectRef idx="0">
+            <a:schemeClr val="accent1"/>
+          </a:effectRef>
+          <a:fontRef idx="minor">
+            <a:schemeClr val="lt1"/>
+          </a:fontRef>
+        </p:style>
+        <p:txBody>
+          <a:bodyPr rtlCol="0" anchor="ctr"/>
+          <a:lstStyle/>
+          <a:p>
+            <a:r>
+              <a:rPr lang="de-DE" sz="1400" dirty="0" smtClean="0">
+                <a:solidFill>
+                  <a:schemeClr val="tx2"/>
+                </a:solidFill>
+              </a:rPr>
+              <a:t>Umsetzung des Designs und Einpflegen der fixen Seiteninhalte</a:t>
+            </a:r>
+            <a:endParaRPr lang="de-DE" sz="1400" dirty="0" smtClean="0">
+              <a:solidFill>
+                <a:schemeClr val="tx2"/>
+              </a:solidFill>
+            </a:endParaRPr>
+          </a:p>
+        </p:txBody>
+      </p:sp>
+      <p:sp>
+        <p:nvSpPr>
+          <p:cNvPr id="75" name="Rectangle 74"/>
+          <p:cNvSpPr/>
+          <p:nvPr/>
+        </p:nvSpPr>
+        <p:spPr>
+          <a:xfrm>
+            <a:off x="5796136" y="1052736"/>
+            <a:ext cx="2808312" cy="288032"/>
+          </a:xfrm>
+          <a:prstGeom prst="rect">
+            <a:avLst/>
+          </a:prstGeom>
+          <a:noFill/>
+        </p:spPr>
+        <p:style>
+          <a:lnRef idx="2">
+            <a:schemeClr val="accent1">
+              <a:shade val="50000"/>
+            </a:schemeClr>
+          </a:lnRef>
+          <a:fillRef idx="1">
+            <a:schemeClr val="accent1"/>
+          </a:fillRef>
+          <a:effectRef idx="0">
+            <a:schemeClr val="accent1"/>
+          </a:effectRef>
+          <a:fontRef idx="minor">
+            <a:schemeClr val="lt1"/>
+          </a:fontRef>
+        </p:style>
+        <p:txBody>
+          <a:bodyPr rtlCol="0" anchor="ctr"/>
+          <a:lstStyle/>
+          <a:p>
+            <a:r>
+              <a:rPr lang="de-DE" sz="1400" dirty="0" smtClean="0">
+                <a:solidFill>
+                  <a:schemeClr val="tx2"/>
+                </a:solidFill>
+              </a:rPr>
+              <a:t>3 Wochen</a:t>
+            </a:r>
+            <a:endParaRPr lang="de-DE" sz="1400" dirty="0" smtClean="0">
+              <a:solidFill>
+                <a:schemeClr val="tx2"/>
+              </a:solidFill>
+            </a:endParaRPr>
+          </a:p>
+        </p:txBody>
+      </p:sp>
+      <p:sp>
+        <p:nvSpPr>
+          <p:cNvPr id="76" name="Rectangle 75"/>
+          <p:cNvSpPr/>
+          <p:nvPr/>
+        </p:nvSpPr>
+        <p:spPr>
+          <a:xfrm>
+            <a:off x="827584" y="1340768"/>
+            <a:ext cx="4968552" cy="288032"/>
+          </a:xfrm>
+          <a:prstGeom prst="rect">
+            <a:avLst/>
+          </a:prstGeom>
+          <a:noFill/>
+        </p:spPr>
+        <p:style>
+          <a:lnRef idx="2">
+            <a:schemeClr val="accent1">
+              <a:shade val="50000"/>
+            </a:schemeClr>
+          </a:lnRef>
+          <a:fillRef idx="1">
+            <a:schemeClr val="accent1"/>
+          </a:fillRef>
+          <a:effectRef idx="0">
+            <a:schemeClr val="accent1"/>
+          </a:effectRef>
+          <a:fontRef idx="minor">
+            <a:schemeClr val="lt1"/>
+          </a:fontRef>
+        </p:style>
+        <p:txBody>
+          <a:bodyPr rtlCol="0" anchor="ctr"/>
+          <a:lstStyle/>
+          <a:p>
+            <a:r>
+              <a:rPr lang="de-DE" sz="1400" dirty="0" smtClean="0">
+                <a:solidFill>
+                  <a:schemeClr val="tx2"/>
+                </a:solidFill>
+              </a:rPr>
+              <a:t>Spielberichte</a:t>
+            </a:r>
+            <a:endParaRPr lang="de-DE" sz="1400" dirty="0" smtClean="0">
+              <a:solidFill>
+                <a:schemeClr val="tx2"/>
+              </a:solidFill>
+            </a:endParaRPr>
+          </a:p>
+        </p:txBody>
+      </p:sp>
+      <p:sp>
+        <p:nvSpPr>
+          <p:cNvPr id="77" name="Rectangle 76"/>
+          <p:cNvSpPr/>
+          <p:nvPr/>
+        </p:nvSpPr>
+        <p:spPr>
+          <a:xfrm>
+            <a:off x="5796136" y="1340768"/>
+            <a:ext cx="2808312" cy="288032"/>
+          </a:xfrm>
+          <a:prstGeom prst="rect">
+            <a:avLst/>
+          </a:prstGeom>
+          <a:noFill/>
+        </p:spPr>
+        <p:style>
+          <a:lnRef idx="2">
+            <a:schemeClr val="accent1">
+              <a:shade val="50000"/>
+            </a:schemeClr>
+          </a:lnRef>
+          <a:fillRef idx="1">
+            <a:schemeClr val="accent1"/>
+          </a:fillRef>
+          <a:effectRef idx="0">
+            <a:schemeClr val="accent1"/>
+          </a:effectRef>
+          <a:fontRef idx="minor">
+            <a:schemeClr val="lt1"/>
+          </a:fontRef>
+        </p:style>
+        <p:txBody>
+          <a:bodyPr rtlCol="0" anchor="ctr"/>
+          <a:lstStyle/>
+          <a:p>
+            <a:r>
+              <a:rPr lang="de-DE" sz="1400" dirty="0" smtClean="0">
+                <a:solidFill>
+                  <a:schemeClr val="tx2"/>
+                </a:solidFill>
+              </a:rPr>
+              <a:t>2 Wochen</a:t>
+            </a:r>
+            <a:endParaRPr lang="de-DE" sz="1400" dirty="0" smtClean="0">
+              <a:solidFill>
+                <a:schemeClr val="tx2"/>
+              </a:solidFill>
+            </a:endParaRPr>
+          </a:p>
+        </p:txBody>
+      </p:sp>
+      <p:sp>
+        <p:nvSpPr>
+          <p:cNvPr id="78" name="Rectangle 77"/>
+          <p:cNvSpPr/>
+          <p:nvPr/>
+        </p:nvSpPr>
+        <p:spPr>
+          <a:xfrm>
+            <a:off x="827584" y="1628800"/>
+            <a:ext cx="4968552" cy="288032"/>
+          </a:xfrm>
+          <a:prstGeom prst="rect">
+            <a:avLst/>
+          </a:prstGeom>
+          <a:noFill/>
+        </p:spPr>
+        <p:style>
+          <a:lnRef idx="2">
+            <a:schemeClr val="accent1">
+              <a:shade val="50000"/>
+            </a:schemeClr>
+          </a:lnRef>
+          <a:fillRef idx="1">
+            <a:schemeClr val="accent1"/>
+          </a:fillRef>
+          <a:effectRef idx="0">
+            <a:schemeClr val="accent1"/>
+          </a:effectRef>
+          <a:fontRef idx="minor">
+            <a:schemeClr val="lt1"/>
+          </a:fontRef>
+        </p:style>
+        <p:txBody>
+          <a:bodyPr rtlCol="0" anchor="ctr"/>
+          <a:lstStyle/>
+          <a:p>
+            <a:r>
+              <a:rPr lang="de-DE" sz="1400" dirty="0" smtClean="0">
+                <a:solidFill>
+                  <a:schemeClr val="tx2"/>
+                </a:solidFill>
+              </a:rPr>
+              <a:t>Bildergalerie	</a:t>
+            </a:r>
+            <a:endParaRPr lang="de-DE" sz="1400" dirty="0" smtClean="0">
+              <a:solidFill>
+                <a:schemeClr val="tx2"/>
+              </a:solidFill>
+            </a:endParaRPr>
+          </a:p>
+        </p:txBody>
+      </p:sp>
+      <p:sp>
+        <p:nvSpPr>
+          <p:cNvPr id="79" name="Rectangle 78"/>
+          <p:cNvSpPr/>
+          <p:nvPr/>
+        </p:nvSpPr>
+        <p:spPr>
+          <a:xfrm>
+            <a:off x="5796136" y="1628800"/>
+            <a:ext cx="2808312" cy="288032"/>
+          </a:xfrm>
+          <a:prstGeom prst="rect">
+            <a:avLst/>
+          </a:prstGeom>
+          <a:noFill/>
+        </p:spPr>
+        <p:style>
+          <a:lnRef idx="2">
+            <a:schemeClr val="accent1">
+              <a:shade val="50000"/>
+            </a:schemeClr>
+          </a:lnRef>
+          <a:fillRef idx="1">
+            <a:schemeClr val="accent1"/>
+          </a:fillRef>
+          <a:effectRef idx="0">
+            <a:schemeClr val="accent1"/>
+          </a:effectRef>
+          <a:fontRef idx="minor">
+            <a:schemeClr val="lt1"/>
+          </a:fontRef>
+        </p:style>
+        <p:txBody>
+          <a:bodyPr rtlCol="0" anchor="ctr"/>
+          <a:lstStyle/>
+          <a:p>
+            <a:r>
+              <a:rPr lang="de-DE" sz="1400" dirty="0">
+                <a:solidFill>
+                  <a:schemeClr val="tx2"/>
+                </a:solidFill>
+              </a:rPr>
+              <a:t>2</a:t>
+            </a:r>
+            <a:r>
+              <a:rPr lang="de-DE" sz="1400" dirty="0" smtClean="0">
+                <a:solidFill>
+                  <a:schemeClr val="tx2"/>
+                </a:solidFill>
+              </a:rPr>
+              <a:t> Wochen</a:t>
+            </a:r>
+            <a:endParaRPr lang="de-DE" sz="1400" dirty="0" smtClean="0">
+              <a:solidFill>
+                <a:schemeClr val="tx2"/>
+              </a:solidFill>
+            </a:endParaRPr>
+          </a:p>
+        </p:txBody>
+      </p:sp>
+      <p:sp>
+        <p:nvSpPr>
+          <p:cNvPr id="80" name="Rectangle 79"/>
+          <p:cNvSpPr/>
+          <p:nvPr/>
+        </p:nvSpPr>
+        <p:spPr>
+          <a:xfrm>
+            <a:off x="827584" y="1916832"/>
+            <a:ext cx="4968552" cy="288032"/>
+          </a:xfrm>
+          <a:prstGeom prst="rect">
+            <a:avLst/>
+          </a:prstGeom>
+          <a:noFill/>
+        </p:spPr>
+        <p:style>
+          <a:lnRef idx="2">
+            <a:schemeClr val="accent1">
+              <a:shade val="50000"/>
+            </a:schemeClr>
+          </a:lnRef>
+          <a:fillRef idx="1">
+            <a:schemeClr val="accent1"/>
+          </a:fillRef>
+          <a:effectRef idx="0">
+            <a:schemeClr val="accent1"/>
+          </a:effectRef>
+          <a:fontRef idx="minor">
+            <a:schemeClr val="lt1"/>
+          </a:fontRef>
+        </p:style>
+        <p:txBody>
+          <a:bodyPr rtlCol="0" anchor="ctr"/>
+          <a:lstStyle/>
+          <a:p>
+            <a:r>
+              <a:rPr lang="de-DE" sz="1400" dirty="0" smtClean="0">
+                <a:solidFill>
+                  <a:schemeClr val="tx2"/>
+                </a:solidFill>
+              </a:rPr>
+              <a:t>Forum</a:t>
+            </a:r>
+            <a:endParaRPr lang="de-DE" sz="1400" dirty="0" smtClean="0">
+              <a:solidFill>
+                <a:schemeClr val="tx2"/>
+              </a:solidFill>
+            </a:endParaRPr>
+          </a:p>
+        </p:txBody>
+      </p:sp>
+      <p:sp>
+        <p:nvSpPr>
+          <p:cNvPr id="81" name="Rectangle 80"/>
+          <p:cNvSpPr/>
+          <p:nvPr/>
+        </p:nvSpPr>
+        <p:spPr>
+          <a:xfrm>
+            <a:off x="5796136" y="1916832"/>
+            <a:ext cx="2808312" cy="288032"/>
+          </a:xfrm>
+          <a:prstGeom prst="rect">
+            <a:avLst/>
+          </a:prstGeom>
+          <a:noFill/>
+        </p:spPr>
+        <p:style>
+          <a:lnRef idx="2">
+            <a:schemeClr val="accent1">
+              <a:shade val="50000"/>
+            </a:schemeClr>
+          </a:lnRef>
+          <a:fillRef idx="1">
+            <a:schemeClr val="accent1"/>
+          </a:fillRef>
+          <a:effectRef idx="0">
+            <a:schemeClr val="accent1"/>
+          </a:effectRef>
+          <a:fontRef idx="minor">
+            <a:schemeClr val="lt1"/>
+          </a:fontRef>
+        </p:style>
+        <p:txBody>
+          <a:bodyPr rtlCol="0" anchor="ctr"/>
+          <a:lstStyle/>
+          <a:p>
+            <a:r>
+              <a:rPr lang="de-DE" sz="1400" dirty="0" smtClean="0">
+                <a:solidFill>
+                  <a:schemeClr val="tx2"/>
+                </a:solidFill>
+              </a:rPr>
+              <a:t>3 Wochen</a:t>
+            </a:r>
+            <a:endParaRPr lang="de-DE" sz="1400" dirty="0" smtClean="0">
+              <a:solidFill>
+                <a:schemeClr val="tx2"/>
+              </a:solidFill>
+            </a:endParaRPr>
+          </a:p>
+        </p:txBody>
+      </p:sp>
+      <p:sp>
+        <p:nvSpPr>
+          <p:cNvPr id="82" name="Rectangle 81"/>
+          <p:cNvSpPr/>
+          <p:nvPr/>
+        </p:nvSpPr>
+        <p:spPr>
+          <a:xfrm>
+            <a:off x="827584" y="2204864"/>
+            <a:ext cx="4968552" cy="288032"/>
+          </a:xfrm>
+          <a:prstGeom prst="rect">
+            <a:avLst/>
+          </a:prstGeom>
+          <a:noFill/>
+        </p:spPr>
+        <p:style>
+          <a:lnRef idx="2">
+            <a:schemeClr val="accent1">
+              <a:shade val="50000"/>
+            </a:schemeClr>
+          </a:lnRef>
+          <a:fillRef idx="1">
+            <a:schemeClr val="accent1"/>
+          </a:fillRef>
+          <a:effectRef idx="0">
+            <a:schemeClr val="accent1"/>
+          </a:effectRef>
+          <a:fontRef idx="minor">
+            <a:schemeClr val="lt1"/>
+          </a:fontRef>
+        </p:style>
+        <p:txBody>
+          <a:bodyPr rtlCol="0" anchor="ctr"/>
+          <a:lstStyle/>
+          <a:p>
+            <a:r>
+              <a:rPr lang="de-DE" sz="1400" dirty="0" smtClean="0">
+                <a:solidFill>
+                  <a:schemeClr val="tx2"/>
+                </a:solidFill>
+              </a:rPr>
+              <a:t>Login und Registrierung</a:t>
+            </a:r>
+            <a:endParaRPr lang="de-DE" sz="1400" dirty="0" smtClean="0">
+              <a:solidFill>
+                <a:schemeClr val="tx2"/>
+              </a:solidFill>
+            </a:endParaRPr>
+          </a:p>
+        </p:txBody>
+      </p:sp>
+      <p:sp>
+        <p:nvSpPr>
+          <p:cNvPr id="83" name="Rectangle 82"/>
+          <p:cNvSpPr/>
+          <p:nvPr/>
+        </p:nvSpPr>
+        <p:spPr>
+          <a:xfrm>
+            <a:off x="5796136" y="2204864"/>
+            <a:ext cx="2808312" cy="288032"/>
+          </a:xfrm>
+          <a:prstGeom prst="rect">
+            <a:avLst/>
+          </a:prstGeom>
+          <a:noFill/>
+        </p:spPr>
+        <p:style>
+          <a:lnRef idx="2">
+            <a:schemeClr val="accent1">
+              <a:shade val="50000"/>
+            </a:schemeClr>
+          </a:lnRef>
+          <a:fillRef idx="1">
+            <a:schemeClr val="accent1"/>
+          </a:fillRef>
+          <a:effectRef idx="0">
+            <a:schemeClr val="accent1"/>
+          </a:effectRef>
+          <a:fontRef idx="minor">
+            <a:schemeClr val="lt1"/>
+          </a:fontRef>
+        </p:style>
+        <p:txBody>
+          <a:bodyPr rtlCol="0" anchor="ctr"/>
+          <a:lstStyle/>
+          <a:p>
+            <a:r>
+              <a:rPr lang="de-DE" sz="1400" dirty="0">
+                <a:solidFill>
+                  <a:schemeClr val="tx2"/>
+                </a:solidFill>
+              </a:rPr>
+              <a:t>2</a:t>
+            </a:r>
+            <a:r>
+              <a:rPr lang="de-DE" sz="1400" dirty="0" smtClean="0">
+                <a:solidFill>
+                  <a:schemeClr val="tx2"/>
+                </a:solidFill>
+              </a:rPr>
+              <a:t> Wochen</a:t>
+            </a:r>
+            <a:endParaRPr lang="de-DE" sz="1400" dirty="0" smtClean="0">
+              <a:solidFill>
+                <a:schemeClr val="tx2"/>
+              </a:solidFill>
+            </a:endParaRPr>
+          </a:p>
+        </p:txBody>
+      </p:sp>
+      <p:sp>
+        <p:nvSpPr>
+          <p:cNvPr id="84" name="Rectangle 83"/>
+          <p:cNvSpPr/>
+          <p:nvPr/>
+        </p:nvSpPr>
+        <p:spPr>
+          <a:xfrm>
+            <a:off x="827584" y="2492896"/>
+            <a:ext cx="4968552" cy="288032"/>
+          </a:xfrm>
+          <a:prstGeom prst="rect">
+            <a:avLst/>
+          </a:prstGeom>
+          <a:noFill/>
+        </p:spPr>
+        <p:style>
+          <a:lnRef idx="2">
+            <a:schemeClr val="accent1">
+              <a:shade val="50000"/>
+            </a:schemeClr>
+          </a:lnRef>
+          <a:fillRef idx="1">
+            <a:schemeClr val="accent1"/>
+          </a:fillRef>
+          <a:effectRef idx="0">
+            <a:schemeClr val="accent1"/>
+          </a:effectRef>
+          <a:fontRef idx="minor">
+            <a:schemeClr val="lt1"/>
+          </a:fontRef>
+        </p:style>
+        <p:txBody>
+          <a:bodyPr rtlCol="0" anchor="ctr"/>
+          <a:lstStyle/>
+          <a:p>
+            <a:r>
+              <a:rPr lang="de-DE" sz="1400" dirty="0" smtClean="0">
+                <a:solidFill>
+                  <a:schemeClr val="tx2"/>
+                </a:solidFill>
+              </a:rPr>
+              <a:t>Terminplaner und Adressbuch, sowie der Dokumentemanager</a:t>
+            </a:r>
+            <a:endParaRPr lang="de-DE" sz="1400" dirty="0" smtClean="0">
+              <a:solidFill>
+                <a:schemeClr val="tx2"/>
+              </a:solidFill>
+            </a:endParaRPr>
+          </a:p>
+        </p:txBody>
+      </p:sp>
+      <p:sp>
+        <p:nvSpPr>
+          <p:cNvPr id="85" name="Rectangle 84"/>
+          <p:cNvSpPr/>
+          <p:nvPr/>
+        </p:nvSpPr>
+        <p:spPr>
+          <a:xfrm>
+            <a:off x="5796136" y="2492896"/>
+            <a:ext cx="2808312" cy="288032"/>
+          </a:xfrm>
+          <a:prstGeom prst="rect">
+            <a:avLst/>
+          </a:prstGeom>
+          <a:noFill/>
+        </p:spPr>
+        <p:style>
+          <a:lnRef idx="2">
+            <a:schemeClr val="accent1">
+              <a:shade val="50000"/>
+            </a:schemeClr>
+          </a:lnRef>
+          <a:fillRef idx="1">
+            <a:schemeClr val="accent1"/>
+          </a:fillRef>
+          <a:effectRef idx="0">
+            <a:schemeClr val="accent1"/>
+          </a:effectRef>
+          <a:fontRef idx="minor">
+            <a:schemeClr val="lt1"/>
+          </a:fontRef>
+        </p:style>
+        <p:txBody>
+          <a:bodyPr rtlCol="0" anchor="ctr"/>
+          <a:lstStyle/>
+          <a:p>
+            <a:r>
+              <a:rPr lang="de-DE" sz="1400" dirty="0" smtClean="0">
+                <a:solidFill>
+                  <a:schemeClr val="tx2"/>
+                </a:solidFill>
+              </a:rPr>
+              <a:t>3 Wochen</a:t>
+            </a:r>
+            <a:endParaRPr lang="de-DE" sz="1400" dirty="0" smtClean="0">
+              <a:solidFill>
+                <a:schemeClr val="tx2"/>
+              </a:solidFill>
+            </a:endParaRPr>
+          </a:p>
+        </p:txBody>
+      </p:sp>
+      <p:sp>
+        <p:nvSpPr>
+          <p:cNvPr id="86" name="Rectangle 85"/>
+          <p:cNvSpPr/>
+          <p:nvPr/>
+        </p:nvSpPr>
+        <p:spPr>
+          <a:xfrm>
+            <a:off x="827584" y="2780928"/>
+            <a:ext cx="4968552" cy="288032"/>
+          </a:xfrm>
+          <a:prstGeom prst="rect">
+            <a:avLst/>
+          </a:prstGeom>
+          <a:noFill/>
+        </p:spPr>
+        <p:style>
+          <a:lnRef idx="2">
+            <a:schemeClr val="accent1">
+              <a:shade val="50000"/>
+            </a:schemeClr>
+          </a:lnRef>
+          <a:fillRef idx="1">
+            <a:schemeClr val="accent1"/>
+          </a:fillRef>
+          <a:effectRef idx="0">
+            <a:schemeClr val="accent1"/>
+          </a:effectRef>
+          <a:fontRef idx="minor">
+            <a:schemeClr val="lt1"/>
+          </a:fontRef>
+        </p:style>
+        <p:txBody>
+          <a:bodyPr rtlCol="0" anchor="ctr"/>
+          <a:lstStyle/>
+          <a:p>
+            <a:r>
+              <a:rPr lang="de-DE" sz="1400" dirty="0" smtClean="0">
+                <a:solidFill>
+                  <a:schemeClr val="tx2"/>
+                </a:solidFill>
+              </a:rPr>
+              <a:t>Testen, Überarbeiten, Dokumentation	</a:t>
+            </a:r>
+            <a:endParaRPr lang="de-DE" sz="1400" dirty="0" smtClean="0">
+              <a:solidFill>
+                <a:schemeClr val="tx2"/>
+              </a:solidFill>
+            </a:endParaRPr>
+          </a:p>
+        </p:txBody>
+      </p:sp>
+      <p:sp>
+        <p:nvSpPr>
+          <p:cNvPr id="87" name="Rectangle 86"/>
+          <p:cNvSpPr/>
+          <p:nvPr/>
+        </p:nvSpPr>
+        <p:spPr>
+          <a:xfrm>
+            <a:off x="5796136" y="2780928"/>
+            <a:ext cx="2808312" cy="288032"/>
+          </a:xfrm>
+          <a:prstGeom prst="rect">
+            <a:avLst/>
+          </a:prstGeom>
+          <a:noFill/>
+        </p:spPr>
+        <p:style>
+          <a:lnRef idx="2">
+            <a:schemeClr val="accent1">
+              <a:shade val="50000"/>
+            </a:schemeClr>
+          </a:lnRef>
+          <a:fillRef idx="1">
+            <a:schemeClr val="accent1"/>
+          </a:fillRef>
+          <a:effectRef idx="0">
+            <a:schemeClr val="accent1"/>
+          </a:effectRef>
+          <a:fontRef idx="minor">
+            <a:schemeClr val="lt1"/>
+          </a:fontRef>
+        </p:style>
+        <p:txBody>
+          <a:bodyPr rtlCol="0" anchor="ctr"/>
+          <a:lstStyle/>
+          <a:p>
+            <a:r>
+              <a:rPr lang="de-DE" sz="1400" dirty="0">
+                <a:solidFill>
+                  <a:schemeClr val="tx2"/>
+                </a:solidFill>
+              </a:rPr>
+              <a:t>4</a:t>
+            </a:r>
+            <a:r>
+              <a:rPr lang="de-DE" sz="1400" dirty="0" smtClean="0">
+                <a:solidFill>
+                  <a:schemeClr val="tx2"/>
+                </a:solidFill>
+              </a:rPr>
+              <a:t> Wochen</a:t>
+            </a:r>
+            <a:endParaRPr lang="de-DE" sz="1400" dirty="0" smtClean="0">
+              <a:solidFill>
+                <a:schemeClr val="tx2"/>
+              </a:solidFill>
+            </a:endParaRPr>
+          </a:p>
+        </p:txBody>
+      </p:sp>
+    </p:spTree>
+    <p:extLst>
+      <p:ext uri="{BB962C8B-B14F-4D97-AF65-F5344CB8AC3E}">
+        <p14:creationId xmlns:p14="http://schemas.microsoft.com/office/powerpoint/2010/main" val="475674703"/>
+      </p:ext>
+    </p:extLst>
+  </p:cSld>
+  <p:clrMapOvr>
+    <a:masterClrMapping/>
+  </p:clrMapOvr>
+</p:sld>
+</file>
+
+<file path=ppt/slides/slide11.xml><?xml version="1.0" encoding="utf-8"?>
+<p:sld xmlns:a="http://schemas.openxmlformats.org/drawingml/2006/main" xmlns:r="http://schemas.openxmlformats.org/officeDocument/2006/relationships" xmlns:p="http://schemas.openxmlformats.org/presentationml/2006/main">
+  <p:cSld>
+    <p:spTree>
+      <p:nvGrpSpPr>
+        <p:cNvPr id="1" name=""/>
+        <p:cNvGrpSpPr/>
+        <p:nvPr/>
+      </p:nvGrpSpPr>
+      <p:grpSpPr>
+        <a:xfrm>
+          <a:off x="0" y="0"/>
+          <a:ext cx="0" cy="0"/>
+          <a:chOff x="0" y="0"/>
+          <a:chExt cx="0" cy="0"/>
+        </a:xfrm>
+      </p:grpSpPr>
+      <p:sp>
+        <p:nvSpPr>
+          <p:cNvPr id="2" name="Rectangle 1"/>
+          <p:cNvSpPr/>
+          <p:nvPr/>
+        </p:nvSpPr>
+        <p:spPr>
+          <a:xfrm>
+            <a:off x="755576" y="44624"/>
+            <a:ext cx="7776864" cy="288032"/>
+          </a:xfrm>
+          <a:prstGeom prst="rect">
+            <a:avLst/>
+          </a:prstGeom>
+          <a:noFill/>
+        </p:spPr>
+        <p:style>
+          <a:lnRef idx="2">
+            <a:schemeClr val="accent1">
+              <a:shade val="50000"/>
+            </a:schemeClr>
+          </a:lnRef>
+          <a:fillRef idx="1">
+            <a:schemeClr val="accent1"/>
+          </a:fillRef>
+          <a:effectRef idx="0">
+            <a:schemeClr val="accent1"/>
+          </a:effectRef>
+          <a:fontRef idx="minor">
+            <a:schemeClr val="lt1"/>
+          </a:fontRef>
+        </p:style>
+        <p:txBody>
+          <a:bodyPr rtlCol="0" anchor="ctr"/>
+          <a:lstStyle/>
+          <a:p>
+            <a:pPr algn="ctr"/>
+            <a:r>
+              <a:rPr lang="de-DE" sz="1400" b="1" dirty="0" smtClean="0">
+                <a:solidFill>
+                  <a:schemeClr val="tx2"/>
+                </a:solidFill>
+              </a:rPr>
+              <a:t>Aktualisierte Zeitplanung</a:t>
+            </a:r>
+            <a:endParaRPr lang="de-DE" sz="1400" b="1" dirty="0" smtClean="0">
+              <a:solidFill>
+                <a:schemeClr val="tx2"/>
+              </a:solidFill>
+            </a:endParaRPr>
+          </a:p>
+        </p:txBody>
+      </p:sp>
+      <p:sp>
+        <p:nvSpPr>
+          <p:cNvPr id="3" name="Rectangle 2"/>
+          <p:cNvSpPr/>
+          <p:nvPr/>
+        </p:nvSpPr>
+        <p:spPr>
+          <a:xfrm>
+            <a:off x="755576" y="332656"/>
+            <a:ext cx="2160240" cy="288032"/>
+          </a:xfrm>
+          <a:prstGeom prst="rect">
+            <a:avLst/>
+          </a:prstGeom>
+          <a:noFill/>
+        </p:spPr>
+        <p:style>
+          <a:lnRef idx="2">
+            <a:schemeClr val="accent1">
+              <a:shade val="50000"/>
+            </a:schemeClr>
+          </a:lnRef>
+          <a:fillRef idx="1">
+            <a:schemeClr val="accent1"/>
+          </a:fillRef>
+          <a:effectRef idx="0">
+            <a:schemeClr val="accent1"/>
+          </a:effectRef>
+          <a:fontRef idx="minor">
+            <a:schemeClr val="lt1"/>
+          </a:fontRef>
+        </p:style>
+        <p:txBody>
+          <a:bodyPr rtlCol="0" anchor="ctr"/>
+          <a:lstStyle/>
+          <a:p>
+            <a:pPr algn="ctr"/>
+            <a:r>
+              <a:rPr lang="de-DE" sz="1400" b="1" dirty="0" smtClean="0">
+                <a:solidFill>
+                  <a:schemeClr val="tx2"/>
+                </a:solidFill>
+              </a:rPr>
+              <a:t>Offene Aufgaben</a:t>
+            </a:r>
+            <a:endParaRPr lang="de-DE" sz="1400" b="1" dirty="0" smtClean="0">
+              <a:solidFill>
+                <a:schemeClr val="tx2"/>
+              </a:solidFill>
+            </a:endParaRPr>
+          </a:p>
+        </p:txBody>
+      </p:sp>
+      <p:sp>
+        <p:nvSpPr>
+          <p:cNvPr id="4" name="Rectangle 3"/>
+          <p:cNvSpPr/>
+          <p:nvPr/>
+        </p:nvSpPr>
+        <p:spPr>
+          <a:xfrm>
+            <a:off x="2915816" y="332656"/>
+            <a:ext cx="3816424" cy="288032"/>
+          </a:xfrm>
+          <a:prstGeom prst="rect">
+            <a:avLst/>
+          </a:prstGeom>
+          <a:noFill/>
+        </p:spPr>
+        <p:style>
+          <a:lnRef idx="2">
+            <a:schemeClr val="accent1">
+              <a:shade val="50000"/>
+            </a:schemeClr>
+          </a:lnRef>
+          <a:fillRef idx="1">
+            <a:schemeClr val="accent1"/>
+          </a:fillRef>
+          <a:effectRef idx="0">
+            <a:schemeClr val="accent1"/>
+          </a:effectRef>
+          <a:fontRef idx="minor">
+            <a:schemeClr val="lt1"/>
+          </a:fontRef>
+        </p:style>
+        <p:txBody>
+          <a:bodyPr rtlCol="0" anchor="ctr"/>
+          <a:lstStyle/>
+          <a:p>
+            <a:pPr algn="ctr"/>
+            <a:r>
+              <a:rPr lang="de-DE" sz="1400" b="1" dirty="0" smtClean="0">
+                <a:solidFill>
+                  <a:schemeClr val="tx2"/>
+                </a:solidFill>
+              </a:rPr>
+              <a:t>Beschreibung</a:t>
+            </a:r>
+            <a:endParaRPr lang="de-DE" sz="1400" b="1" dirty="0" smtClean="0">
+              <a:solidFill>
+                <a:schemeClr val="tx2"/>
+              </a:solidFill>
+            </a:endParaRPr>
+          </a:p>
+        </p:txBody>
+      </p:sp>
+      <p:sp>
+        <p:nvSpPr>
+          <p:cNvPr id="5" name="Rectangle 4"/>
+          <p:cNvSpPr/>
+          <p:nvPr/>
+        </p:nvSpPr>
+        <p:spPr>
+          <a:xfrm>
+            <a:off x="6732240" y="332656"/>
+            <a:ext cx="1800200" cy="288032"/>
+          </a:xfrm>
+          <a:prstGeom prst="rect">
+            <a:avLst/>
+          </a:prstGeom>
+          <a:noFill/>
+        </p:spPr>
+        <p:style>
+          <a:lnRef idx="2">
+            <a:schemeClr val="accent1">
+              <a:shade val="50000"/>
+            </a:schemeClr>
+          </a:lnRef>
+          <a:fillRef idx="1">
+            <a:schemeClr val="accent1"/>
+          </a:fillRef>
+          <a:effectRef idx="0">
+            <a:schemeClr val="accent1"/>
+          </a:effectRef>
+          <a:fontRef idx="minor">
+            <a:schemeClr val="lt1"/>
+          </a:fontRef>
+        </p:style>
+        <p:txBody>
+          <a:bodyPr rtlCol="0" anchor="ctr"/>
+          <a:lstStyle/>
+          <a:p>
+            <a:pPr algn="ctr"/>
+            <a:r>
+              <a:rPr lang="de-DE" sz="1400" b="1" dirty="0" smtClean="0">
+                <a:solidFill>
+                  <a:schemeClr val="tx2"/>
+                </a:solidFill>
+              </a:rPr>
+              <a:t>Geschätzte Zeit</a:t>
+            </a:r>
+            <a:endParaRPr lang="de-DE" sz="1400" b="1" dirty="0" smtClean="0">
+              <a:solidFill>
+                <a:schemeClr val="tx2"/>
+              </a:solidFill>
+            </a:endParaRPr>
+          </a:p>
+        </p:txBody>
+      </p:sp>
+      <p:sp>
+        <p:nvSpPr>
+          <p:cNvPr id="7" name="Rectangle 6"/>
+          <p:cNvSpPr/>
+          <p:nvPr/>
+        </p:nvSpPr>
+        <p:spPr>
+          <a:xfrm>
+            <a:off x="755576" y="620688"/>
+            <a:ext cx="2160240" cy="576064"/>
+          </a:xfrm>
+          <a:prstGeom prst="rect">
+            <a:avLst/>
+          </a:prstGeom>
+          <a:noFill/>
+        </p:spPr>
+        <p:style>
+          <a:lnRef idx="2">
+            <a:schemeClr val="accent1">
+              <a:shade val="50000"/>
+            </a:schemeClr>
+          </a:lnRef>
+          <a:fillRef idx="1">
+            <a:schemeClr val="accent1"/>
+          </a:fillRef>
+          <a:effectRef idx="0">
+            <a:schemeClr val="accent1"/>
+          </a:effectRef>
+          <a:fontRef idx="minor">
+            <a:schemeClr val="lt1"/>
+          </a:fontRef>
+        </p:style>
+        <p:txBody>
+          <a:bodyPr rtlCol="0" anchor="ctr"/>
+          <a:lstStyle/>
+          <a:p>
+            <a:r>
+              <a:rPr lang="de-DE" sz="1400" dirty="0" smtClean="0">
+                <a:solidFill>
+                  <a:schemeClr val="tx2"/>
+                </a:solidFill>
+              </a:rPr>
+              <a:t>CSS überarbeiten</a:t>
+            </a:r>
+            <a:endParaRPr lang="de-DE" sz="1400" dirty="0" smtClean="0">
+              <a:solidFill>
+                <a:schemeClr val="tx2"/>
+              </a:solidFill>
+            </a:endParaRPr>
+          </a:p>
+        </p:txBody>
+      </p:sp>
+      <p:sp>
+        <p:nvSpPr>
+          <p:cNvPr id="8" name="Rectangle 7"/>
+          <p:cNvSpPr/>
+          <p:nvPr/>
+        </p:nvSpPr>
+        <p:spPr>
+          <a:xfrm>
+            <a:off x="2915816" y="620688"/>
+            <a:ext cx="3816424" cy="576064"/>
+          </a:xfrm>
+          <a:prstGeom prst="rect">
+            <a:avLst/>
+          </a:prstGeom>
+          <a:noFill/>
+        </p:spPr>
+        <p:style>
+          <a:lnRef idx="2">
+            <a:schemeClr val="accent1">
+              <a:shade val="50000"/>
+            </a:schemeClr>
+          </a:lnRef>
+          <a:fillRef idx="1">
+            <a:schemeClr val="accent1"/>
+          </a:fillRef>
+          <a:effectRef idx="0">
+            <a:schemeClr val="accent1"/>
+          </a:effectRef>
+          <a:fontRef idx="minor">
+            <a:schemeClr val="lt1"/>
+          </a:fontRef>
+        </p:style>
+        <p:txBody>
+          <a:bodyPr rtlCol="0" anchor="ctr"/>
+          <a:lstStyle/>
+          <a:p>
+            <a:r>
+              <a:rPr lang="de-DE" sz="1400" dirty="0" smtClean="0">
+                <a:solidFill>
+                  <a:schemeClr val="tx2"/>
+                </a:solidFill>
+              </a:rPr>
+              <a:t>Responsive Design, Ausbesserung aufgrund der Portierung auf Java</a:t>
+            </a:r>
+            <a:endParaRPr lang="de-DE" sz="1400" dirty="0" smtClean="0">
+              <a:solidFill>
+                <a:schemeClr val="tx2"/>
+              </a:solidFill>
+            </a:endParaRPr>
+          </a:p>
+        </p:txBody>
+      </p:sp>
+      <p:sp>
+        <p:nvSpPr>
+          <p:cNvPr id="9" name="Rectangle 8"/>
+          <p:cNvSpPr/>
+          <p:nvPr/>
+        </p:nvSpPr>
+        <p:spPr>
+          <a:xfrm>
+            <a:off x="6732240" y="620688"/>
+            <a:ext cx="1800200" cy="576064"/>
+          </a:xfrm>
+          <a:prstGeom prst="rect">
+            <a:avLst/>
+          </a:prstGeom>
+          <a:noFill/>
+        </p:spPr>
+        <p:style>
+          <a:lnRef idx="2">
+            <a:schemeClr val="accent1">
+              <a:shade val="50000"/>
+            </a:schemeClr>
+          </a:lnRef>
+          <a:fillRef idx="1">
+            <a:schemeClr val="accent1"/>
+          </a:fillRef>
+          <a:effectRef idx="0">
+            <a:schemeClr val="accent1"/>
+          </a:effectRef>
+          <a:fontRef idx="minor">
+            <a:schemeClr val="lt1"/>
+          </a:fontRef>
+        </p:style>
+        <p:txBody>
+          <a:bodyPr rtlCol="0" anchor="ctr"/>
+          <a:lstStyle/>
+          <a:p>
+            <a:r>
+              <a:rPr lang="de-DE" sz="1400" dirty="0" smtClean="0">
+                <a:solidFill>
+                  <a:schemeClr val="tx2"/>
+                </a:solidFill>
+              </a:rPr>
+              <a:t>6h</a:t>
+            </a:r>
+            <a:endParaRPr lang="de-DE" sz="1400" dirty="0" smtClean="0">
+              <a:solidFill>
+                <a:schemeClr val="tx2"/>
+              </a:solidFill>
+            </a:endParaRPr>
+          </a:p>
+        </p:txBody>
+      </p:sp>
+      <p:sp>
+        <p:nvSpPr>
+          <p:cNvPr id="10" name="Rectangle 9"/>
+          <p:cNvSpPr/>
+          <p:nvPr/>
+        </p:nvSpPr>
+        <p:spPr>
+          <a:xfrm>
+            <a:off x="755576" y="1196752"/>
+            <a:ext cx="2160240" cy="360040"/>
+          </a:xfrm>
+          <a:prstGeom prst="rect">
+            <a:avLst/>
+          </a:prstGeom>
+          <a:noFill/>
+        </p:spPr>
+        <p:style>
+          <a:lnRef idx="2">
+            <a:schemeClr val="accent1">
+              <a:shade val="50000"/>
+            </a:schemeClr>
+          </a:lnRef>
+          <a:fillRef idx="1">
+            <a:schemeClr val="accent1"/>
+          </a:fillRef>
+          <a:effectRef idx="0">
+            <a:schemeClr val="accent1"/>
+          </a:effectRef>
+          <a:fontRef idx="minor">
+            <a:schemeClr val="lt1"/>
+          </a:fontRef>
+        </p:style>
+        <p:txBody>
+          <a:bodyPr rtlCol="0" anchor="ctr"/>
+          <a:lstStyle/>
+          <a:p>
+            <a:r>
+              <a:rPr lang="de-DE" sz="1400" dirty="0" smtClean="0">
+                <a:solidFill>
+                  <a:schemeClr val="tx2"/>
+                </a:solidFill>
+              </a:rPr>
+              <a:t>Javascript anpassen</a:t>
+            </a:r>
+            <a:endParaRPr lang="de-DE" sz="1400" dirty="0" smtClean="0">
+              <a:solidFill>
+                <a:schemeClr val="tx2"/>
+              </a:solidFill>
+            </a:endParaRPr>
+          </a:p>
+        </p:txBody>
+      </p:sp>
+      <p:sp>
+        <p:nvSpPr>
+          <p:cNvPr id="11" name="Rectangle 10"/>
+          <p:cNvSpPr/>
+          <p:nvPr/>
+        </p:nvSpPr>
+        <p:spPr>
+          <a:xfrm>
+            <a:off x="2915816" y="1196752"/>
+            <a:ext cx="3816424" cy="360040"/>
+          </a:xfrm>
+          <a:prstGeom prst="rect">
+            <a:avLst/>
+          </a:prstGeom>
+          <a:noFill/>
+        </p:spPr>
+        <p:style>
+          <a:lnRef idx="2">
+            <a:schemeClr val="accent1">
+              <a:shade val="50000"/>
+            </a:schemeClr>
+          </a:lnRef>
+          <a:fillRef idx="1">
+            <a:schemeClr val="accent1"/>
+          </a:fillRef>
+          <a:effectRef idx="0">
+            <a:schemeClr val="accent1"/>
+          </a:effectRef>
+          <a:fontRef idx="minor">
+            <a:schemeClr val="lt1"/>
+          </a:fontRef>
+        </p:style>
+        <p:txBody>
+          <a:bodyPr rtlCol="0" anchor="ctr"/>
+          <a:lstStyle/>
+          <a:p>
+            <a:r>
+              <a:rPr lang="de-DE" sz="1400" dirty="0" smtClean="0">
+                <a:solidFill>
+                  <a:schemeClr val="tx2"/>
+                </a:solidFill>
+              </a:rPr>
+              <a:t>Ausbesserung aufgrund der Portierung auf Java</a:t>
+            </a:r>
+            <a:endParaRPr lang="de-DE" sz="1400" dirty="0" smtClean="0">
+              <a:solidFill>
+                <a:schemeClr val="tx2"/>
+              </a:solidFill>
+            </a:endParaRPr>
+          </a:p>
+        </p:txBody>
+      </p:sp>
+      <p:sp>
+        <p:nvSpPr>
+          <p:cNvPr id="12" name="Rectangle 11"/>
+          <p:cNvSpPr/>
+          <p:nvPr/>
+        </p:nvSpPr>
+        <p:spPr>
+          <a:xfrm>
+            <a:off x="6732240" y="1196752"/>
+            <a:ext cx="1800200" cy="360040"/>
+          </a:xfrm>
+          <a:prstGeom prst="rect">
+            <a:avLst/>
+          </a:prstGeom>
+          <a:noFill/>
+        </p:spPr>
+        <p:style>
+          <a:lnRef idx="2">
+            <a:schemeClr val="accent1">
+              <a:shade val="50000"/>
+            </a:schemeClr>
+          </a:lnRef>
+          <a:fillRef idx="1">
+            <a:schemeClr val="accent1"/>
+          </a:fillRef>
+          <a:effectRef idx="0">
+            <a:schemeClr val="accent1"/>
+          </a:effectRef>
+          <a:fontRef idx="minor">
+            <a:schemeClr val="lt1"/>
+          </a:fontRef>
+        </p:style>
+        <p:txBody>
+          <a:bodyPr rtlCol="0" anchor="ctr"/>
+          <a:lstStyle/>
+          <a:p>
+            <a:r>
+              <a:rPr lang="de-DE" sz="1400" dirty="0">
+                <a:solidFill>
+                  <a:schemeClr val="tx2"/>
+                </a:solidFill>
+              </a:rPr>
+              <a:t>2</a:t>
+            </a:r>
+            <a:r>
+              <a:rPr lang="de-DE" sz="1400" dirty="0" smtClean="0">
+                <a:solidFill>
+                  <a:schemeClr val="tx2"/>
+                </a:solidFill>
+              </a:rPr>
+              <a:t>h</a:t>
+            </a:r>
+            <a:endParaRPr lang="de-DE" sz="1400" dirty="0" smtClean="0">
+              <a:solidFill>
+                <a:schemeClr val="tx2"/>
+              </a:solidFill>
+            </a:endParaRPr>
+          </a:p>
+        </p:txBody>
+      </p:sp>
+      <p:sp>
+        <p:nvSpPr>
+          <p:cNvPr id="13" name="Rectangle 12"/>
+          <p:cNvSpPr/>
+          <p:nvPr/>
+        </p:nvSpPr>
+        <p:spPr>
+          <a:xfrm>
+            <a:off x="755576" y="1556792"/>
+            <a:ext cx="2160240" cy="864096"/>
+          </a:xfrm>
+          <a:prstGeom prst="rect">
+            <a:avLst/>
+          </a:prstGeom>
+          <a:noFill/>
+        </p:spPr>
+        <p:style>
+          <a:lnRef idx="2">
+            <a:schemeClr val="accent1">
+              <a:shade val="50000"/>
+            </a:schemeClr>
+          </a:lnRef>
+          <a:fillRef idx="1">
+            <a:schemeClr val="accent1"/>
+          </a:fillRef>
+          <a:effectRef idx="0">
+            <a:schemeClr val="accent1"/>
+          </a:effectRef>
+          <a:fontRef idx="minor">
+            <a:schemeClr val="lt1"/>
+          </a:fontRef>
+        </p:style>
+        <p:txBody>
+          <a:bodyPr rtlCol="0" anchor="ctr"/>
+          <a:lstStyle/>
+          <a:p>
+            <a:r>
+              <a:rPr lang="de-DE" sz="1400" dirty="0" smtClean="0">
+                <a:solidFill>
+                  <a:schemeClr val="tx2"/>
+                </a:solidFill>
+              </a:rPr>
+              <a:t>Neue Datenbankanbindung</a:t>
+            </a:r>
+            <a:endParaRPr lang="de-DE" sz="1400" dirty="0" smtClean="0">
+              <a:solidFill>
+                <a:schemeClr val="tx2"/>
+              </a:solidFill>
+            </a:endParaRPr>
+          </a:p>
+        </p:txBody>
+      </p:sp>
+      <p:sp>
+        <p:nvSpPr>
+          <p:cNvPr id="14" name="Rectangle 13"/>
+          <p:cNvSpPr/>
+          <p:nvPr/>
+        </p:nvSpPr>
+        <p:spPr>
+          <a:xfrm>
+            <a:off x="2915816" y="1556792"/>
+            <a:ext cx="3816424" cy="864096"/>
+          </a:xfrm>
+          <a:prstGeom prst="rect">
+            <a:avLst/>
+          </a:prstGeom>
+          <a:noFill/>
+        </p:spPr>
+        <p:style>
+          <a:lnRef idx="2">
+            <a:schemeClr val="accent1">
+              <a:shade val="50000"/>
+            </a:schemeClr>
+          </a:lnRef>
+          <a:fillRef idx="1">
+            <a:schemeClr val="accent1"/>
+          </a:fillRef>
+          <a:effectRef idx="0">
+            <a:schemeClr val="accent1"/>
+          </a:effectRef>
+          <a:fontRef idx="minor">
+            <a:schemeClr val="lt1"/>
+          </a:fontRef>
+        </p:style>
+        <p:txBody>
+          <a:bodyPr rtlCol="0" anchor="ctr"/>
+          <a:lstStyle/>
+          <a:p>
+            <a:r>
+              <a:rPr lang="de-DE" sz="1400" dirty="0" smtClean="0">
+                <a:solidFill>
+                  <a:schemeClr val="tx2"/>
+                </a:solidFill>
+              </a:rPr>
+              <a:t>Die Datenbankanbindung muss an ein neues Framework angepasst werden</a:t>
+            </a:r>
+          </a:p>
+          <a:p>
+            <a:r>
+              <a:rPr lang="de-DE" sz="1400" dirty="0" smtClean="0">
+                <a:solidFill>
+                  <a:schemeClr val="tx2"/>
+                </a:solidFill>
+              </a:rPr>
+              <a:t>Einarbeitung in Framework und Anbindung aufsetzen (Einarbeit und Implementierung)</a:t>
+            </a:r>
+            <a:endParaRPr lang="de-DE" sz="1400" dirty="0" smtClean="0">
+              <a:solidFill>
+                <a:schemeClr val="tx2"/>
+              </a:solidFill>
+            </a:endParaRPr>
+          </a:p>
+        </p:txBody>
+      </p:sp>
+      <p:sp>
+        <p:nvSpPr>
+          <p:cNvPr id="15" name="Rectangle 14"/>
+          <p:cNvSpPr/>
+          <p:nvPr/>
+        </p:nvSpPr>
+        <p:spPr>
+          <a:xfrm>
+            <a:off x="6732240" y="1556792"/>
+            <a:ext cx="1800200" cy="864096"/>
+          </a:xfrm>
+          <a:prstGeom prst="rect">
+            <a:avLst/>
+          </a:prstGeom>
+          <a:noFill/>
+        </p:spPr>
+        <p:style>
+          <a:lnRef idx="2">
+            <a:schemeClr val="accent1">
+              <a:shade val="50000"/>
+            </a:schemeClr>
+          </a:lnRef>
+          <a:fillRef idx="1">
+            <a:schemeClr val="accent1"/>
+          </a:fillRef>
+          <a:effectRef idx="0">
+            <a:schemeClr val="accent1"/>
+          </a:effectRef>
+          <a:fontRef idx="minor">
+            <a:schemeClr val="lt1"/>
+          </a:fontRef>
+        </p:style>
+        <p:txBody>
+          <a:bodyPr rtlCol="0" anchor="ctr"/>
+          <a:lstStyle/>
+          <a:p>
+            <a:r>
+              <a:rPr lang="de-DE" sz="1400" dirty="0" smtClean="0">
+                <a:solidFill>
+                  <a:schemeClr val="tx2"/>
+                </a:solidFill>
+              </a:rPr>
+              <a:t>48h</a:t>
+            </a:r>
+            <a:endParaRPr lang="de-DE" sz="1400" dirty="0" smtClean="0">
+              <a:solidFill>
+                <a:schemeClr val="tx2"/>
+              </a:solidFill>
+            </a:endParaRPr>
+          </a:p>
+        </p:txBody>
+      </p:sp>
+      <p:sp>
+        <p:nvSpPr>
+          <p:cNvPr id="16" name="Rectangle 15"/>
+          <p:cNvSpPr/>
+          <p:nvPr/>
+        </p:nvSpPr>
+        <p:spPr>
+          <a:xfrm>
+            <a:off x="755576" y="2420888"/>
+            <a:ext cx="2160240" cy="360040"/>
+          </a:xfrm>
+          <a:prstGeom prst="rect">
+            <a:avLst/>
+          </a:prstGeom>
+          <a:noFill/>
+        </p:spPr>
+        <p:style>
+          <a:lnRef idx="2">
+            <a:schemeClr val="accent1">
+              <a:shade val="50000"/>
+            </a:schemeClr>
+          </a:lnRef>
+          <a:fillRef idx="1">
+            <a:schemeClr val="accent1"/>
+          </a:fillRef>
+          <a:effectRef idx="0">
+            <a:schemeClr val="accent1"/>
+          </a:effectRef>
+          <a:fontRef idx="minor">
+            <a:schemeClr val="lt1"/>
+          </a:fontRef>
+        </p:style>
+        <p:txBody>
+          <a:bodyPr rtlCol="0" anchor="ctr"/>
+          <a:lstStyle/>
+          <a:p>
+            <a:r>
+              <a:rPr lang="de-DE" sz="1400" dirty="0" smtClean="0">
+                <a:solidFill>
+                  <a:schemeClr val="tx2"/>
+                </a:solidFill>
+              </a:rPr>
+              <a:t>Login / Registrierung</a:t>
+            </a:r>
+            <a:endParaRPr lang="de-DE" sz="1400" dirty="0" smtClean="0">
+              <a:solidFill>
+                <a:schemeClr val="tx2"/>
+              </a:solidFill>
+            </a:endParaRPr>
+          </a:p>
+        </p:txBody>
+      </p:sp>
+      <p:sp>
+        <p:nvSpPr>
+          <p:cNvPr id="17" name="Rectangle 16"/>
+          <p:cNvSpPr/>
+          <p:nvPr/>
+        </p:nvSpPr>
+        <p:spPr>
+          <a:xfrm>
+            <a:off x="2915816" y="2420888"/>
+            <a:ext cx="3816424" cy="360040"/>
+          </a:xfrm>
+          <a:prstGeom prst="rect">
+            <a:avLst/>
+          </a:prstGeom>
+          <a:noFill/>
+        </p:spPr>
+        <p:style>
+          <a:lnRef idx="2">
+            <a:schemeClr val="accent1">
+              <a:shade val="50000"/>
+            </a:schemeClr>
+          </a:lnRef>
+          <a:fillRef idx="1">
+            <a:schemeClr val="accent1"/>
+          </a:fillRef>
+          <a:effectRef idx="0">
+            <a:schemeClr val="accent1"/>
+          </a:effectRef>
+          <a:fontRef idx="minor">
+            <a:schemeClr val="lt1"/>
+          </a:fontRef>
+        </p:style>
+        <p:txBody>
+          <a:bodyPr rtlCol="0" anchor="ctr"/>
+          <a:lstStyle/>
+          <a:p>
+            <a:r>
+              <a:rPr lang="de-DE" sz="1400" dirty="0" smtClean="0">
+                <a:solidFill>
+                  <a:schemeClr val="tx2"/>
+                </a:solidFill>
+              </a:rPr>
+              <a:t>Konzipierung und Implementierung</a:t>
+            </a:r>
+            <a:endParaRPr lang="de-DE" sz="1400" dirty="0" smtClean="0">
+              <a:solidFill>
+                <a:schemeClr val="tx2"/>
+              </a:solidFill>
+            </a:endParaRPr>
+          </a:p>
+        </p:txBody>
+      </p:sp>
+      <p:sp>
+        <p:nvSpPr>
+          <p:cNvPr id="18" name="Rectangle 17"/>
+          <p:cNvSpPr/>
+          <p:nvPr/>
+        </p:nvSpPr>
+        <p:spPr>
+          <a:xfrm>
+            <a:off x="6732240" y="2420888"/>
+            <a:ext cx="1800200" cy="360040"/>
+          </a:xfrm>
+          <a:prstGeom prst="rect">
+            <a:avLst/>
+          </a:prstGeom>
+          <a:noFill/>
+        </p:spPr>
+        <p:style>
+          <a:lnRef idx="2">
+            <a:schemeClr val="accent1">
+              <a:shade val="50000"/>
+            </a:schemeClr>
+          </a:lnRef>
+          <a:fillRef idx="1">
+            <a:schemeClr val="accent1"/>
+          </a:fillRef>
+          <a:effectRef idx="0">
+            <a:schemeClr val="accent1"/>
+          </a:effectRef>
+          <a:fontRef idx="minor">
+            <a:schemeClr val="lt1"/>
+          </a:fontRef>
+        </p:style>
+        <p:txBody>
+          <a:bodyPr rtlCol="0" anchor="ctr"/>
+          <a:lstStyle/>
+          <a:p>
+            <a:r>
+              <a:rPr lang="de-DE" sz="1400" dirty="0" smtClean="0">
+                <a:solidFill>
+                  <a:schemeClr val="tx2"/>
+                </a:solidFill>
+              </a:rPr>
+              <a:t>48h</a:t>
+            </a:r>
+            <a:endParaRPr lang="de-DE" sz="1400" dirty="0" smtClean="0">
+              <a:solidFill>
+                <a:schemeClr val="tx2"/>
+              </a:solidFill>
+            </a:endParaRPr>
+          </a:p>
+        </p:txBody>
+      </p:sp>
+      <p:sp>
+        <p:nvSpPr>
+          <p:cNvPr id="19" name="Rectangle 18"/>
+          <p:cNvSpPr/>
+          <p:nvPr/>
+        </p:nvSpPr>
+        <p:spPr>
+          <a:xfrm>
+            <a:off x="755576" y="2780928"/>
+            <a:ext cx="2160240" cy="576064"/>
+          </a:xfrm>
+          <a:prstGeom prst="rect">
+            <a:avLst/>
+          </a:prstGeom>
+          <a:noFill/>
+        </p:spPr>
+        <p:style>
+          <a:lnRef idx="2">
+            <a:schemeClr val="accent1">
+              <a:shade val="50000"/>
+            </a:schemeClr>
+          </a:lnRef>
+          <a:fillRef idx="1">
+            <a:schemeClr val="accent1"/>
+          </a:fillRef>
+          <a:effectRef idx="0">
+            <a:schemeClr val="accent1"/>
+          </a:effectRef>
+          <a:fontRef idx="minor">
+            <a:schemeClr val="lt1"/>
+          </a:fontRef>
+        </p:style>
+        <p:txBody>
+          <a:bodyPr rtlCol="0" anchor="ctr"/>
+          <a:lstStyle/>
+          <a:p>
+            <a:r>
+              <a:rPr lang="de-DE" sz="1400" dirty="0" smtClean="0">
+                <a:solidFill>
+                  <a:schemeClr val="tx2"/>
+                </a:solidFill>
+              </a:rPr>
+              <a:t>Schnittstelle Datenbank</a:t>
+            </a:r>
+            <a:endParaRPr lang="de-DE" sz="1400" dirty="0" smtClean="0">
+              <a:solidFill>
+                <a:schemeClr val="tx2"/>
+              </a:solidFill>
+            </a:endParaRPr>
+          </a:p>
+        </p:txBody>
+      </p:sp>
+      <p:sp>
+        <p:nvSpPr>
+          <p:cNvPr id="20" name="Rectangle 19"/>
+          <p:cNvSpPr/>
+          <p:nvPr/>
+        </p:nvSpPr>
+        <p:spPr>
+          <a:xfrm>
+            <a:off x="2915816" y="2780928"/>
+            <a:ext cx="3816424" cy="576064"/>
+          </a:xfrm>
+          <a:prstGeom prst="rect">
+            <a:avLst/>
+          </a:prstGeom>
+          <a:noFill/>
+        </p:spPr>
+        <p:style>
+          <a:lnRef idx="2">
+            <a:schemeClr val="accent1">
+              <a:shade val="50000"/>
+            </a:schemeClr>
+          </a:lnRef>
+          <a:fillRef idx="1">
+            <a:schemeClr val="accent1"/>
+          </a:fillRef>
+          <a:effectRef idx="0">
+            <a:schemeClr val="accent1"/>
+          </a:effectRef>
+          <a:fontRef idx="minor">
+            <a:schemeClr val="lt1"/>
+          </a:fontRef>
+        </p:style>
+        <p:txBody>
+          <a:bodyPr rtlCol="0" anchor="ctr"/>
+          <a:lstStyle/>
+          <a:p>
+            <a:r>
+              <a:rPr lang="de-DE" sz="1400" dirty="0" smtClean="0">
+                <a:solidFill>
+                  <a:schemeClr val="tx2"/>
+                </a:solidFill>
+              </a:rPr>
+              <a:t>Schnittstellen zum Bearbeiten, Editieren und Löschen von Content</a:t>
+            </a:r>
+            <a:endParaRPr lang="de-DE" sz="1400" dirty="0" smtClean="0">
+              <a:solidFill>
+                <a:schemeClr val="tx2"/>
+              </a:solidFill>
+            </a:endParaRPr>
+          </a:p>
+        </p:txBody>
+      </p:sp>
+      <p:sp>
+        <p:nvSpPr>
+          <p:cNvPr id="21" name="Rectangle 20"/>
+          <p:cNvSpPr/>
+          <p:nvPr/>
+        </p:nvSpPr>
+        <p:spPr>
+          <a:xfrm>
+            <a:off x="6732240" y="2780928"/>
+            <a:ext cx="1800200" cy="576064"/>
+          </a:xfrm>
+          <a:prstGeom prst="rect">
+            <a:avLst/>
+          </a:prstGeom>
+          <a:noFill/>
+        </p:spPr>
+        <p:style>
+          <a:lnRef idx="2">
+            <a:schemeClr val="accent1">
+              <a:shade val="50000"/>
+            </a:schemeClr>
+          </a:lnRef>
+          <a:fillRef idx="1">
+            <a:schemeClr val="accent1"/>
+          </a:fillRef>
+          <a:effectRef idx="0">
+            <a:schemeClr val="accent1"/>
+          </a:effectRef>
+          <a:fontRef idx="minor">
+            <a:schemeClr val="lt1"/>
+          </a:fontRef>
+        </p:style>
+        <p:txBody>
+          <a:bodyPr rtlCol="0" anchor="ctr"/>
+          <a:lstStyle/>
+          <a:p>
+            <a:r>
+              <a:rPr lang="de-DE" sz="1400" dirty="0" smtClean="0">
+                <a:solidFill>
+                  <a:schemeClr val="tx2"/>
+                </a:solidFill>
+              </a:rPr>
+              <a:t>6h</a:t>
+            </a:r>
+            <a:endParaRPr lang="de-DE" sz="1400" dirty="0" smtClean="0">
+              <a:solidFill>
+                <a:schemeClr val="tx2"/>
+              </a:solidFill>
+            </a:endParaRPr>
+          </a:p>
+        </p:txBody>
+      </p:sp>
+      <p:sp>
+        <p:nvSpPr>
+          <p:cNvPr id="22" name="Rectangle 21"/>
+          <p:cNvSpPr/>
+          <p:nvPr/>
+        </p:nvSpPr>
+        <p:spPr>
+          <a:xfrm>
+            <a:off x="755576" y="3356992"/>
+            <a:ext cx="2160240" cy="360040"/>
+          </a:xfrm>
+          <a:prstGeom prst="rect">
+            <a:avLst/>
+          </a:prstGeom>
+          <a:noFill/>
+        </p:spPr>
+        <p:style>
+          <a:lnRef idx="2">
+            <a:schemeClr val="accent1">
+              <a:shade val="50000"/>
+            </a:schemeClr>
+          </a:lnRef>
+          <a:fillRef idx="1">
+            <a:schemeClr val="accent1"/>
+          </a:fillRef>
+          <a:effectRef idx="0">
+            <a:schemeClr val="accent1"/>
+          </a:effectRef>
+          <a:fontRef idx="minor">
+            <a:schemeClr val="lt1"/>
+          </a:fontRef>
+        </p:style>
+        <p:txBody>
+          <a:bodyPr rtlCol="0" anchor="ctr"/>
+          <a:lstStyle/>
+          <a:p>
+            <a:r>
+              <a:rPr lang="de-DE" sz="1400" dirty="0" smtClean="0">
+                <a:solidFill>
+                  <a:schemeClr val="tx2"/>
+                </a:solidFill>
+              </a:rPr>
+              <a:t>Forum</a:t>
+            </a:r>
+            <a:endParaRPr lang="de-DE" sz="1400" dirty="0" smtClean="0">
+              <a:solidFill>
+                <a:schemeClr val="tx2"/>
+              </a:solidFill>
+            </a:endParaRPr>
+          </a:p>
+        </p:txBody>
+      </p:sp>
+      <p:sp>
+        <p:nvSpPr>
+          <p:cNvPr id="23" name="Rectangle 22"/>
+          <p:cNvSpPr/>
+          <p:nvPr/>
+        </p:nvSpPr>
+        <p:spPr>
+          <a:xfrm>
+            <a:off x="2915816" y="3356992"/>
+            <a:ext cx="3816424" cy="360040"/>
+          </a:xfrm>
+          <a:prstGeom prst="rect">
+            <a:avLst/>
+          </a:prstGeom>
+          <a:noFill/>
+        </p:spPr>
+        <p:style>
+          <a:lnRef idx="2">
+            <a:schemeClr val="accent1">
+              <a:shade val="50000"/>
+            </a:schemeClr>
+          </a:lnRef>
+          <a:fillRef idx="1">
+            <a:schemeClr val="accent1"/>
+          </a:fillRef>
+          <a:effectRef idx="0">
+            <a:schemeClr val="accent1"/>
+          </a:effectRef>
+          <a:fontRef idx="minor">
+            <a:schemeClr val="lt1"/>
+          </a:fontRef>
+        </p:style>
+        <p:txBody>
+          <a:bodyPr rtlCol="0" anchor="ctr"/>
+          <a:lstStyle/>
+          <a:p>
+            <a:r>
+              <a:rPr lang="de-DE" sz="1400" dirty="0" smtClean="0">
+                <a:solidFill>
+                  <a:schemeClr val="tx2"/>
+                </a:solidFill>
+              </a:rPr>
+              <a:t>Verwaltung, Speicherung und Anzeige des Forums </a:t>
+            </a:r>
+          </a:p>
+        </p:txBody>
+      </p:sp>
+      <p:sp>
+        <p:nvSpPr>
+          <p:cNvPr id="24" name="Rectangle 23"/>
+          <p:cNvSpPr/>
+          <p:nvPr/>
+        </p:nvSpPr>
+        <p:spPr>
+          <a:xfrm>
+            <a:off x="6732240" y="3356992"/>
+            <a:ext cx="1800200" cy="360040"/>
+          </a:xfrm>
+          <a:prstGeom prst="rect">
+            <a:avLst/>
+          </a:prstGeom>
+          <a:noFill/>
+        </p:spPr>
+        <p:style>
+          <a:lnRef idx="2">
+            <a:schemeClr val="accent1">
+              <a:shade val="50000"/>
+            </a:schemeClr>
+          </a:lnRef>
+          <a:fillRef idx="1">
+            <a:schemeClr val="accent1"/>
+          </a:fillRef>
+          <a:effectRef idx="0">
+            <a:schemeClr val="accent1"/>
+          </a:effectRef>
+          <a:fontRef idx="minor">
+            <a:schemeClr val="lt1"/>
+          </a:fontRef>
+        </p:style>
+        <p:txBody>
+          <a:bodyPr rtlCol="0" anchor="ctr"/>
+          <a:lstStyle/>
+          <a:p>
+            <a:r>
+              <a:rPr lang="de-DE" sz="1400" dirty="0" smtClean="0">
+                <a:solidFill>
+                  <a:schemeClr val="tx2"/>
+                </a:solidFill>
+              </a:rPr>
+              <a:t>4h</a:t>
+            </a:r>
+            <a:endParaRPr lang="de-DE" sz="1400" dirty="0" smtClean="0">
+              <a:solidFill>
+                <a:schemeClr val="tx2"/>
+              </a:solidFill>
+            </a:endParaRPr>
+          </a:p>
+        </p:txBody>
+      </p:sp>
+      <p:sp>
+        <p:nvSpPr>
+          <p:cNvPr id="25" name="Rectangle 24"/>
+          <p:cNvSpPr/>
+          <p:nvPr/>
+        </p:nvSpPr>
+        <p:spPr>
+          <a:xfrm>
+            <a:off x="755576" y="3717032"/>
+            <a:ext cx="2160240" cy="360040"/>
+          </a:xfrm>
+          <a:prstGeom prst="rect">
+            <a:avLst/>
+          </a:prstGeom>
+          <a:noFill/>
+        </p:spPr>
+        <p:style>
+          <a:lnRef idx="2">
+            <a:schemeClr val="accent1">
+              <a:shade val="50000"/>
+            </a:schemeClr>
+          </a:lnRef>
+          <a:fillRef idx="1">
+            <a:schemeClr val="accent1"/>
+          </a:fillRef>
+          <a:effectRef idx="0">
+            <a:schemeClr val="accent1"/>
+          </a:effectRef>
+          <a:fontRef idx="minor">
+            <a:schemeClr val="lt1"/>
+          </a:fontRef>
+        </p:style>
+        <p:txBody>
+          <a:bodyPr rtlCol="0" anchor="ctr"/>
+          <a:lstStyle/>
+          <a:p>
+            <a:r>
+              <a:rPr lang="de-DE" sz="1400" dirty="0" smtClean="0">
+                <a:solidFill>
+                  <a:schemeClr val="tx2"/>
+                </a:solidFill>
+              </a:rPr>
+              <a:t>Spielberichte</a:t>
+            </a:r>
+            <a:endParaRPr lang="de-DE" sz="1400" dirty="0" smtClean="0">
+              <a:solidFill>
+                <a:schemeClr val="tx2"/>
+              </a:solidFill>
+            </a:endParaRPr>
+          </a:p>
+        </p:txBody>
+      </p:sp>
+      <p:sp>
+        <p:nvSpPr>
+          <p:cNvPr id="26" name="Rectangle 25"/>
+          <p:cNvSpPr/>
+          <p:nvPr/>
+        </p:nvSpPr>
+        <p:spPr>
+          <a:xfrm>
+            <a:off x="2915816" y="3717032"/>
+            <a:ext cx="3816424" cy="360040"/>
+          </a:xfrm>
+          <a:prstGeom prst="rect">
+            <a:avLst/>
+          </a:prstGeom>
+          <a:noFill/>
+        </p:spPr>
+        <p:style>
+          <a:lnRef idx="2">
+            <a:schemeClr val="accent1">
+              <a:shade val="50000"/>
+            </a:schemeClr>
+          </a:lnRef>
+          <a:fillRef idx="1">
+            <a:schemeClr val="accent1"/>
+          </a:fillRef>
+          <a:effectRef idx="0">
+            <a:schemeClr val="accent1"/>
+          </a:effectRef>
+          <a:fontRef idx="minor">
+            <a:schemeClr val="lt1"/>
+          </a:fontRef>
+        </p:style>
+        <p:txBody>
+          <a:bodyPr rtlCol="0" anchor="ctr"/>
+          <a:lstStyle/>
+          <a:p>
+            <a:r>
+              <a:rPr lang="de-DE" sz="1400" dirty="0" smtClean="0">
+                <a:solidFill>
+                  <a:schemeClr val="tx2"/>
+                </a:solidFill>
+              </a:rPr>
+              <a:t>Verwaltung, Speicherung und Anzeige des Forums</a:t>
+            </a:r>
+            <a:endParaRPr lang="de-DE" sz="1400" dirty="0" smtClean="0">
+              <a:solidFill>
+                <a:schemeClr val="tx2"/>
+              </a:solidFill>
+            </a:endParaRPr>
+          </a:p>
+        </p:txBody>
+      </p:sp>
+      <p:sp>
+        <p:nvSpPr>
+          <p:cNvPr id="27" name="Rectangle 26"/>
+          <p:cNvSpPr/>
+          <p:nvPr/>
+        </p:nvSpPr>
+        <p:spPr>
+          <a:xfrm>
+            <a:off x="6732240" y="3717032"/>
+            <a:ext cx="1800200" cy="360040"/>
+          </a:xfrm>
+          <a:prstGeom prst="rect">
+            <a:avLst/>
+          </a:prstGeom>
+          <a:noFill/>
+        </p:spPr>
+        <p:style>
+          <a:lnRef idx="2">
+            <a:schemeClr val="accent1">
+              <a:shade val="50000"/>
+            </a:schemeClr>
+          </a:lnRef>
+          <a:fillRef idx="1">
+            <a:schemeClr val="accent1"/>
+          </a:fillRef>
+          <a:effectRef idx="0">
+            <a:schemeClr val="accent1"/>
+          </a:effectRef>
+          <a:fontRef idx="minor">
+            <a:schemeClr val="lt1"/>
+          </a:fontRef>
+        </p:style>
+        <p:txBody>
+          <a:bodyPr rtlCol="0" anchor="ctr"/>
+          <a:lstStyle/>
+          <a:p>
+            <a:r>
+              <a:rPr lang="de-DE" sz="1400" dirty="0">
+                <a:solidFill>
+                  <a:schemeClr val="tx2"/>
+                </a:solidFill>
+              </a:rPr>
+              <a:t>4</a:t>
+            </a:r>
+            <a:r>
+              <a:rPr lang="de-DE" sz="1400" dirty="0" smtClean="0">
+                <a:solidFill>
+                  <a:schemeClr val="tx2"/>
+                </a:solidFill>
+              </a:rPr>
+              <a:t>h</a:t>
+            </a:r>
+            <a:endParaRPr lang="de-DE" sz="1400" dirty="0" smtClean="0">
+              <a:solidFill>
+                <a:schemeClr val="tx2"/>
+              </a:solidFill>
+            </a:endParaRPr>
+          </a:p>
+        </p:txBody>
+      </p:sp>
+      <p:sp>
+        <p:nvSpPr>
+          <p:cNvPr id="28" name="Rectangle 27"/>
+          <p:cNvSpPr/>
+          <p:nvPr/>
+        </p:nvSpPr>
+        <p:spPr>
+          <a:xfrm>
+            <a:off x="755576" y="4077072"/>
+            <a:ext cx="2160240" cy="576064"/>
+          </a:xfrm>
+          <a:prstGeom prst="rect">
+            <a:avLst/>
+          </a:prstGeom>
+          <a:noFill/>
+        </p:spPr>
+        <p:style>
+          <a:lnRef idx="2">
+            <a:schemeClr val="accent1">
+              <a:shade val="50000"/>
+            </a:schemeClr>
+          </a:lnRef>
+          <a:fillRef idx="1">
+            <a:schemeClr val="accent1"/>
+          </a:fillRef>
+          <a:effectRef idx="0">
+            <a:schemeClr val="accent1"/>
+          </a:effectRef>
+          <a:fontRef idx="minor">
+            <a:schemeClr val="lt1"/>
+          </a:fontRef>
+        </p:style>
+        <p:txBody>
+          <a:bodyPr rtlCol="0" anchor="ctr"/>
+          <a:lstStyle/>
+          <a:p>
+            <a:r>
+              <a:rPr lang="de-DE" sz="1400" dirty="0" smtClean="0">
+                <a:solidFill>
+                  <a:schemeClr val="tx2"/>
+                </a:solidFill>
+              </a:rPr>
+              <a:t>Bildergalerie</a:t>
+            </a:r>
+            <a:endParaRPr lang="de-DE" sz="1400" dirty="0" smtClean="0">
+              <a:solidFill>
+                <a:schemeClr val="tx2"/>
+              </a:solidFill>
+            </a:endParaRPr>
+          </a:p>
+        </p:txBody>
+      </p:sp>
+      <p:sp>
+        <p:nvSpPr>
+          <p:cNvPr id="29" name="Rectangle 28"/>
+          <p:cNvSpPr/>
+          <p:nvPr/>
+        </p:nvSpPr>
+        <p:spPr>
+          <a:xfrm>
+            <a:off x="2915816" y="4077072"/>
+            <a:ext cx="3816424" cy="576064"/>
+          </a:xfrm>
+          <a:prstGeom prst="rect">
+            <a:avLst/>
+          </a:prstGeom>
+          <a:noFill/>
+        </p:spPr>
+        <p:style>
+          <a:lnRef idx="2">
+            <a:schemeClr val="accent1">
+              <a:shade val="50000"/>
+            </a:schemeClr>
+          </a:lnRef>
+          <a:fillRef idx="1">
+            <a:schemeClr val="accent1"/>
+          </a:fillRef>
+          <a:effectRef idx="0">
+            <a:schemeClr val="accent1"/>
+          </a:effectRef>
+          <a:fontRef idx="minor">
+            <a:schemeClr val="lt1"/>
+          </a:fontRef>
+        </p:style>
+        <p:txBody>
+          <a:bodyPr rtlCol="0" anchor="ctr"/>
+          <a:lstStyle/>
+          <a:p>
+            <a:r>
+              <a:rPr lang="de-DE" sz="1400" dirty="0" smtClean="0">
+                <a:solidFill>
+                  <a:schemeClr val="tx2"/>
+                </a:solidFill>
+              </a:rPr>
+              <a:t>Speichern und Abrufen der Bilder aus der Bildergalerie</a:t>
+            </a:r>
+            <a:endParaRPr lang="de-DE" sz="1400" dirty="0" smtClean="0">
+              <a:solidFill>
+                <a:schemeClr val="tx2"/>
+              </a:solidFill>
+            </a:endParaRPr>
+          </a:p>
+        </p:txBody>
+      </p:sp>
+      <p:sp>
+        <p:nvSpPr>
+          <p:cNvPr id="30" name="Rectangle 29"/>
+          <p:cNvSpPr/>
+          <p:nvPr/>
+        </p:nvSpPr>
+        <p:spPr>
+          <a:xfrm>
+            <a:off x="6732240" y="4077072"/>
+            <a:ext cx="1800200" cy="576064"/>
+          </a:xfrm>
+          <a:prstGeom prst="rect">
+            <a:avLst/>
+          </a:prstGeom>
+          <a:noFill/>
+        </p:spPr>
+        <p:style>
+          <a:lnRef idx="2">
+            <a:schemeClr val="accent1">
+              <a:shade val="50000"/>
+            </a:schemeClr>
+          </a:lnRef>
+          <a:fillRef idx="1">
+            <a:schemeClr val="accent1"/>
+          </a:fillRef>
+          <a:effectRef idx="0">
+            <a:schemeClr val="accent1"/>
+          </a:effectRef>
+          <a:fontRef idx="minor">
+            <a:schemeClr val="lt1"/>
+          </a:fontRef>
+        </p:style>
+        <p:txBody>
+          <a:bodyPr rtlCol="0" anchor="ctr"/>
+          <a:lstStyle/>
+          <a:p>
+            <a:r>
+              <a:rPr lang="de-DE" sz="1400" dirty="0">
+                <a:solidFill>
+                  <a:schemeClr val="tx2"/>
+                </a:solidFill>
+              </a:rPr>
+              <a:t>4</a:t>
+            </a:r>
+            <a:r>
+              <a:rPr lang="de-DE" sz="1400" dirty="0" smtClean="0">
+                <a:solidFill>
+                  <a:schemeClr val="tx2"/>
+                </a:solidFill>
+              </a:rPr>
+              <a:t>h</a:t>
+            </a:r>
+            <a:endParaRPr lang="de-DE" sz="1400" dirty="0" smtClean="0">
+              <a:solidFill>
+                <a:schemeClr val="tx2"/>
+              </a:solidFill>
+            </a:endParaRPr>
+          </a:p>
+        </p:txBody>
+      </p:sp>
+      <p:sp>
+        <p:nvSpPr>
+          <p:cNvPr id="31" name="Rectangle 30"/>
+          <p:cNvSpPr/>
+          <p:nvPr/>
+        </p:nvSpPr>
+        <p:spPr>
+          <a:xfrm>
+            <a:off x="755576" y="4653136"/>
+            <a:ext cx="2160240" cy="360040"/>
+          </a:xfrm>
+          <a:prstGeom prst="rect">
+            <a:avLst/>
+          </a:prstGeom>
+          <a:noFill/>
+        </p:spPr>
+        <p:style>
+          <a:lnRef idx="2">
+            <a:schemeClr val="accent1">
+              <a:shade val="50000"/>
+            </a:schemeClr>
+          </a:lnRef>
+          <a:fillRef idx="1">
+            <a:schemeClr val="accent1"/>
+          </a:fillRef>
+          <a:effectRef idx="0">
+            <a:schemeClr val="accent1"/>
+          </a:effectRef>
+          <a:fontRef idx="minor">
+            <a:schemeClr val="lt1"/>
+          </a:fontRef>
+        </p:style>
+        <p:txBody>
+          <a:bodyPr rtlCol="0" anchor="ctr"/>
+          <a:lstStyle/>
+          <a:p>
+            <a:r>
+              <a:rPr lang="de-DE" sz="1400" dirty="0" smtClean="0">
+                <a:solidFill>
+                  <a:schemeClr val="tx2"/>
+                </a:solidFill>
+              </a:rPr>
+              <a:t>Adressbuch</a:t>
+            </a:r>
+            <a:endParaRPr lang="de-DE" sz="1400" dirty="0" smtClean="0">
+              <a:solidFill>
+                <a:schemeClr val="tx2"/>
+              </a:solidFill>
+            </a:endParaRPr>
+          </a:p>
+        </p:txBody>
+      </p:sp>
+      <p:sp>
+        <p:nvSpPr>
+          <p:cNvPr id="32" name="Rectangle 31"/>
+          <p:cNvSpPr/>
+          <p:nvPr/>
+        </p:nvSpPr>
+        <p:spPr>
+          <a:xfrm>
+            <a:off x="2915816" y="4653136"/>
+            <a:ext cx="3816424" cy="360040"/>
+          </a:xfrm>
+          <a:prstGeom prst="rect">
+            <a:avLst/>
+          </a:prstGeom>
+          <a:noFill/>
+        </p:spPr>
+        <p:style>
+          <a:lnRef idx="2">
+            <a:schemeClr val="accent1">
+              <a:shade val="50000"/>
+            </a:schemeClr>
+          </a:lnRef>
+          <a:fillRef idx="1">
+            <a:schemeClr val="accent1"/>
+          </a:fillRef>
+          <a:effectRef idx="0">
+            <a:schemeClr val="accent1"/>
+          </a:effectRef>
+          <a:fontRef idx="minor">
+            <a:schemeClr val="lt1"/>
+          </a:fontRef>
+        </p:style>
+        <p:txBody>
+          <a:bodyPr rtlCol="0" anchor="ctr"/>
+          <a:lstStyle/>
+          <a:p>
+            <a:r>
+              <a:rPr lang="de-DE" sz="1400" dirty="0" smtClean="0">
+                <a:solidFill>
+                  <a:schemeClr val="tx2"/>
+                </a:solidFill>
+              </a:rPr>
+              <a:t>Portierung auf Java</a:t>
+            </a:r>
+            <a:endParaRPr lang="de-DE" sz="1400" dirty="0" smtClean="0">
+              <a:solidFill>
+                <a:schemeClr val="tx2"/>
+              </a:solidFill>
+            </a:endParaRPr>
+          </a:p>
+        </p:txBody>
+      </p:sp>
+      <p:sp>
+        <p:nvSpPr>
+          <p:cNvPr id="33" name="Rectangle 32"/>
+          <p:cNvSpPr/>
+          <p:nvPr/>
+        </p:nvSpPr>
+        <p:spPr>
+          <a:xfrm>
+            <a:off x="6732240" y="4653136"/>
+            <a:ext cx="1800200" cy="360040"/>
+          </a:xfrm>
+          <a:prstGeom prst="rect">
+            <a:avLst/>
+          </a:prstGeom>
+          <a:noFill/>
+        </p:spPr>
+        <p:style>
+          <a:lnRef idx="2">
+            <a:schemeClr val="accent1">
+              <a:shade val="50000"/>
+            </a:schemeClr>
+          </a:lnRef>
+          <a:fillRef idx="1">
+            <a:schemeClr val="accent1"/>
+          </a:fillRef>
+          <a:effectRef idx="0">
+            <a:schemeClr val="accent1"/>
+          </a:effectRef>
+          <a:fontRef idx="minor">
+            <a:schemeClr val="lt1"/>
+          </a:fontRef>
+        </p:style>
+        <p:txBody>
+          <a:bodyPr rtlCol="0" anchor="ctr"/>
+          <a:lstStyle/>
+          <a:p>
+            <a:r>
+              <a:rPr lang="de-DE" sz="1400" dirty="0" smtClean="0">
+                <a:solidFill>
+                  <a:schemeClr val="tx2"/>
+                </a:solidFill>
+              </a:rPr>
+              <a:t>4</a:t>
+            </a:r>
+            <a:r>
+              <a:rPr lang="de-DE" sz="1400" dirty="0" smtClean="0">
+                <a:solidFill>
+                  <a:schemeClr val="tx2"/>
+                </a:solidFill>
+              </a:rPr>
+              <a:t>h – 8h</a:t>
+            </a:r>
+            <a:endParaRPr lang="de-DE" sz="1400" dirty="0" smtClean="0">
+              <a:solidFill>
+                <a:schemeClr val="tx2"/>
+              </a:solidFill>
+            </a:endParaRPr>
+          </a:p>
+        </p:txBody>
+      </p:sp>
+      <p:sp>
+        <p:nvSpPr>
+          <p:cNvPr id="34" name="Rectangle 33"/>
+          <p:cNvSpPr/>
+          <p:nvPr/>
+        </p:nvSpPr>
+        <p:spPr>
+          <a:xfrm>
+            <a:off x="755576" y="5013176"/>
+            <a:ext cx="2160240" cy="360040"/>
+          </a:xfrm>
+          <a:prstGeom prst="rect">
+            <a:avLst/>
+          </a:prstGeom>
+          <a:noFill/>
+        </p:spPr>
+        <p:style>
+          <a:lnRef idx="2">
+            <a:schemeClr val="accent1">
+              <a:shade val="50000"/>
+            </a:schemeClr>
+          </a:lnRef>
+          <a:fillRef idx="1">
+            <a:schemeClr val="accent1"/>
+          </a:fillRef>
+          <a:effectRef idx="0">
+            <a:schemeClr val="accent1"/>
+          </a:effectRef>
+          <a:fontRef idx="minor">
+            <a:schemeClr val="lt1"/>
+          </a:fontRef>
+        </p:style>
+        <p:txBody>
+          <a:bodyPr rtlCol="0" anchor="ctr"/>
+          <a:lstStyle/>
+          <a:p>
+            <a:r>
+              <a:rPr lang="de-DE" sz="1400" dirty="0" smtClean="0">
+                <a:solidFill>
+                  <a:schemeClr val="tx2"/>
+                </a:solidFill>
+              </a:rPr>
+              <a:t>Terminplaner</a:t>
+            </a:r>
+            <a:endParaRPr lang="de-DE" sz="1400" dirty="0" smtClean="0">
+              <a:solidFill>
+                <a:schemeClr val="tx2"/>
+              </a:solidFill>
+            </a:endParaRPr>
+          </a:p>
+        </p:txBody>
+      </p:sp>
+      <p:sp>
+        <p:nvSpPr>
+          <p:cNvPr id="35" name="Rectangle 34"/>
+          <p:cNvSpPr/>
+          <p:nvPr/>
+        </p:nvSpPr>
+        <p:spPr>
+          <a:xfrm>
+            <a:off x="2915816" y="5013176"/>
+            <a:ext cx="3816424" cy="360040"/>
+          </a:xfrm>
+          <a:prstGeom prst="rect">
+            <a:avLst/>
+          </a:prstGeom>
+          <a:noFill/>
+        </p:spPr>
+        <p:style>
+          <a:lnRef idx="2">
+            <a:schemeClr val="accent1">
+              <a:shade val="50000"/>
+            </a:schemeClr>
+          </a:lnRef>
+          <a:fillRef idx="1">
+            <a:schemeClr val="accent1"/>
+          </a:fillRef>
+          <a:effectRef idx="0">
+            <a:schemeClr val="accent1"/>
+          </a:effectRef>
+          <a:fontRef idx="minor">
+            <a:schemeClr val="lt1"/>
+          </a:fontRef>
+        </p:style>
+        <p:txBody>
+          <a:bodyPr rtlCol="0" anchor="ctr"/>
+          <a:lstStyle/>
+          <a:p>
+            <a:r>
+              <a:rPr lang="de-DE" sz="1400" dirty="0" smtClean="0">
+                <a:solidFill>
+                  <a:schemeClr val="tx2"/>
+                </a:solidFill>
+              </a:rPr>
+              <a:t>CSS sowie Implementierung</a:t>
+            </a:r>
+            <a:endParaRPr lang="de-DE" sz="1400" dirty="0" smtClean="0">
+              <a:solidFill>
+                <a:schemeClr val="tx2"/>
+              </a:solidFill>
+            </a:endParaRPr>
+          </a:p>
+        </p:txBody>
+      </p:sp>
+      <p:sp>
+        <p:nvSpPr>
+          <p:cNvPr id="36" name="Rectangle 35"/>
+          <p:cNvSpPr/>
+          <p:nvPr/>
+        </p:nvSpPr>
+        <p:spPr>
+          <a:xfrm>
+            <a:off x="6732240" y="5013176"/>
+            <a:ext cx="1800200" cy="360040"/>
+          </a:xfrm>
+          <a:prstGeom prst="rect">
+            <a:avLst/>
+          </a:prstGeom>
+          <a:noFill/>
+        </p:spPr>
+        <p:style>
+          <a:lnRef idx="2">
+            <a:schemeClr val="accent1">
+              <a:shade val="50000"/>
+            </a:schemeClr>
+          </a:lnRef>
+          <a:fillRef idx="1">
+            <a:schemeClr val="accent1"/>
+          </a:fillRef>
+          <a:effectRef idx="0">
+            <a:schemeClr val="accent1"/>
+          </a:effectRef>
+          <a:fontRef idx="minor">
+            <a:schemeClr val="lt1"/>
+          </a:fontRef>
+        </p:style>
+        <p:txBody>
+          <a:bodyPr rtlCol="0" anchor="ctr"/>
+          <a:lstStyle/>
+          <a:p>
+            <a:r>
+              <a:rPr lang="de-DE" sz="1400" dirty="0" smtClean="0">
+                <a:solidFill>
+                  <a:schemeClr val="tx2"/>
+                </a:solidFill>
+              </a:rPr>
+              <a:t>48h</a:t>
+            </a:r>
+            <a:endParaRPr lang="de-DE" sz="1400" dirty="0" smtClean="0">
+              <a:solidFill>
+                <a:schemeClr val="tx2"/>
+              </a:solidFill>
+            </a:endParaRPr>
+          </a:p>
+        </p:txBody>
+      </p:sp>
+      <p:sp>
+        <p:nvSpPr>
+          <p:cNvPr id="37" name="Rectangle 36"/>
+          <p:cNvSpPr/>
+          <p:nvPr/>
+        </p:nvSpPr>
+        <p:spPr>
+          <a:xfrm>
+            <a:off x="755576" y="5373216"/>
+            <a:ext cx="2160240" cy="360040"/>
+          </a:xfrm>
+          <a:prstGeom prst="rect">
+            <a:avLst/>
+          </a:prstGeom>
+          <a:noFill/>
+        </p:spPr>
+        <p:style>
+          <a:lnRef idx="2">
+            <a:schemeClr val="accent1">
+              <a:shade val="50000"/>
+            </a:schemeClr>
+          </a:lnRef>
+          <a:fillRef idx="1">
+            <a:schemeClr val="accent1"/>
+          </a:fillRef>
+          <a:effectRef idx="0">
+            <a:schemeClr val="accent1"/>
+          </a:effectRef>
+          <a:fontRef idx="minor">
+            <a:schemeClr val="lt1"/>
+          </a:fontRef>
+        </p:style>
+        <p:txBody>
+          <a:bodyPr rtlCol="0" anchor="ctr"/>
+          <a:lstStyle/>
+          <a:p>
+            <a:r>
+              <a:rPr lang="de-DE" sz="1400" dirty="0" smtClean="0">
+                <a:solidFill>
+                  <a:schemeClr val="tx2"/>
+                </a:solidFill>
+              </a:rPr>
+              <a:t>Dokumenta Manager</a:t>
+            </a:r>
+            <a:endParaRPr lang="de-DE" sz="1400" dirty="0" smtClean="0">
+              <a:solidFill>
+                <a:schemeClr val="tx2"/>
+              </a:solidFill>
+            </a:endParaRPr>
+          </a:p>
+        </p:txBody>
+      </p:sp>
+      <p:sp>
+        <p:nvSpPr>
+          <p:cNvPr id="38" name="Rectangle 37"/>
+          <p:cNvSpPr/>
+          <p:nvPr/>
+        </p:nvSpPr>
+        <p:spPr>
+          <a:xfrm>
+            <a:off x="2915816" y="5373216"/>
+            <a:ext cx="3816424" cy="360040"/>
+          </a:xfrm>
+          <a:prstGeom prst="rect">
+            <a:avLst/>
+          </a:prstGeom>
+          <a:noFill/>
+        </p:spPr>
+        <p:style>
+          <a:lnRef idx="2">
+            <a:schemeClr val="accent1">
+              <a:shade val="50000"/>
+            </a:schemeClr>
+          </a:lnRef>
+          <a:fillRef idx="1">
+            <a:schemeClr val="accent1"/>
+          </a:fillRef>
+          <a:effectRef idx="0">
+            <a:schemeClr val="accent1"/>
+          </a:effectRef>
+          <a:fontRef idx="minor">
+            <a:schemeClr val="lt1"/>
+          </a:fontRef>
+        </p:style>
+        <p:txBody>
+          <a:bodyPr rtlCol="0" anchor="ctr"/>
+          <a:lstStyle/>
+          <a:p>
+            <a:r>
+              <a:rPr lang="de-DE" sz="1400" dirty="0" smtClean="0">
+                <a:solidFill>
+                  <a:schemeClr val="tx2"/>
+                </a:solidFill>
+              </a:rPr>
+              <a:t>CSS sowie Implementierung</a:t>
+            </a:r>
+            <a:endParaRPr lang="de-DE" sz="1400" dirty="0" smtClean="0">
+              <a:solidFill>
+                <a:schemeClr val="tx2"/>
+              </a:solidFill>
+            </a:endParaRPr>
+          </a:p>
+        </p:txBody>
+      </p:sp>
+      <p:sp>
+        <p:nvSpPr>
+          <p:cNvPr id="39" name="Rectangle 38"/>
+          <p:cNvSpPr/>
+          <p:nvPr/>
+        </p:nvSpPr>
+        <p:spPr>
+          <a:xfrm>
+            <a:off x="6732240" y="5373216"/>
+            <a:ext cx="1800200" cy="360040"/>
+          </a:xfrm>
+          <a:prstGeom prst="rect">
+            <a:avLst/>
+          </a:prstGeom>
+          <a:noFill/>
+        </p:spPr>
+        <p:style>
+          <a:lnRef idx="2">
+            <a:schemeClr val="accent1">
+              <a:shade val="50000"/>
+            </a:schemeClr>
+          </a:lnRef>
+          <a:fillRef idx="1">
+            <a:schemeClr val="accent1"/>
+          </a:fillRef>
+          <a:effectRef idx="0">
+            <a:schemeClr val="accent1"/>
+          </a:effectRef>
+          <a:fontRef idx="minor">
+            <a:schemeClr val="lt1"/>
+          </a:fontRef>
+        </p:style>
+        <p:txBody>
+          <a:bodyPr rtlCol="0" anchor="ctr"/>
+          <a:lstStyle/>
+          <a:p>
+            <a:r>
+              <a:rPr lang="de-DE" sz="1400" dirty="0" smtClean="0">
+                <a:solidFill>
+                  <a:schemeClr val="tx2"/>
+                </a:solidFill>
+              </a:rPr>
+              <a:t>3h</a:t>
+            </a:r>
+            <a:endParaRPr lang="de-DE" sz="1400" dirty="0" smtClean="0">
+              <a:solidFill>
+                <a:schemeClr val="tx2"/>
+              </a:solidFill>
+            </a:endParaRPr>
+          </a:p>
+        </p:txBody>
+      </p:sp>
+      <p:sp>
+        <p:nvSpPr>
+          <p:cNvPr id="40" name="Rectangle 39"/>
+          <p:cNvSpPr/>
+          <p:nvPr/>
+        </p:nvSpPr>
+        <p:spPr>
+          <a:xfrm>
+            <a:off x="755576" y="5733256"/>
+            <a:ext cx="2160240" cy="576064"/>
+          </a:xfrm>
+          <a:prstGeom prst="rect">
+            <a:avLst/>
+          </a:prstGeom>
+          <a:noFill/>
+        </p:spPr>
+        <p:style>
+          <a:lnRef idx="2">
+            <a:schemeClr val="accent1">
+              <a:shade val="50000"/>
+            </a:schemeClr>
+          </a:lnRef>
+          <a:fillRef idx="1">
+            <a:schemeClr val="accent1"/>
+          </a:fillRef>
+          <a:effectRef idx="0">
+            <a:schemeClr val="accent1"/>
+          </a:effectRef>
+          <a:fontRef idx="minor">
+            <a:schemeClr val="lt1"/>
+          </a:fontRef>
+        </p:style>
+        <p:txBody>
+          <a:bodyPr rtlCol="0" anchor="ctr"/>
+          <a:lstStyle/>
+          <a:p>
+            <a:r>
+              <a:rPr lang="de-DE" sz="1400" dirty="0" smtClean="0">
+                <a:solidFill>
+                  <a:schemeClr val="tx2"/>
+                </a:solidFill>
+              </a:rPr>
+              <a:t>Userbezogener Content</a:t>
+            </a:r>
+            <a:endParaRPr lang="de-DE" sz="1400" dirty="0" smtClean="0">
+              <a:solidFill>
+                <a:schemeClr val="tx2"/>
+              </a:solidFill>
+            </a:endParaRPr>
+          </a:p>
+        </p:txBody>
+      </p:sp>
+      <p:sp>
+        <p:nvSpPr>
+          <p:cNvPr id="41" name="Rectangle 40"/>
+          <p:cNvSpPr/>
+          <p:nvPr/>
+        </p:nvSpPr>
+        <p:spPr>
+          <a:xfrm>
+            <a:off x="2915816" y="5733256"/>
+            <a:ext cx="3816424" cy="576064"/>
+          </a:xfrm>
+          <a:prstGeom prst="rect">
+            <a:avLst/>
+          </a:prstGeom>
+          <a:noFill/>
+        </p:spPr>
+        <p:style>
+          <a:lnRef idx="2">
+            <a:schemeClr val="accent1">
+              <a:shade val="50000"/>
+            </a:schemeClr>
+          </a:lnRef>
+          <a:fillRef idx="1">
+            <a:schemeClr val="accent1"/>
+          </a:fillRef>
+          <a:effectRef idx="0">
+            <a:schemeClr val="accent1"/>
+          </a:effectRef>
+          <a:fontRef idx="minor">
+            <a:schemeClr val="lt1"/>
+          </a:fontRef>
+        </p:style>
+        <p:txBody>
+          <a:bodyPr rtlCol="0" anchor="ctr"/>
+          <a:lstStyle/>
+          <a:p>
+            <a:r>
+              <a:rPr lang="de-DE" sz="1400" dirty="0" smtClean="0">
+                <a:solidFill>
+                  <a:schemeClr val="tx2"/>
+                </a:solidFill>
+              </a:rPr>
+              <a:t>Zugriffsrechte und Anpassung der Anzeige je nach Benutzer, bzw. Login-Status und User-Gruppe</a:t>
+            </a:r>
+            <a:endParaRPr lang="de-DE" sz="1400" dirty="0" smtClean="0">
+              <a:solidFill>
+                <a:schemeClr val="tx2"/>
+              </a:solidFill>
+            </a:endParaRPr>
+          </a:p>
+        </p:txBody>
+      </p:sp>
+      <p:sp>
+        <p:nvSpPr>
+          <p:cNvPr id="42" name="Rectangle 41"/>
+          <p:cNvSpPr/>
+          <p:nvPr/>
+        </p:nvSpPr>
+        <p:spPr>
+          <a:xfrm>
+            <a:off x="6732240" y="5733256"/>
+            <a:ext cx="1800200" cy="576064"/>
+          </a:xfrm>
+          <a:prstGeom prst="rect">
+            <a:avLst/>
+          </a:prstGeom>
+          <a:noFill/>
+        </p:spPr>
+        <p:style>
+          <a:lnRef idx="2">
+            <a:schemeClr val="accent1">
+              <a:shade val="50000"/>
+            </a:schemeClr>
+          </a:lnRef>
+          <a:fillRef idx="1">
+            <a:schemeClr val="accent1"/>
+          </a:fillRef>
+          <a:effectRef idx="0">
+            <a:schemeClr val="accent1"/>
+          </a:effectRef>
+          <a:fontRef idx="minor">
+            <a:schemeClr val="lt1"/>
+          </a:fontRef>
+        </p:style>
+        <p:txBody>
+          <a:bodyPr rtlCol="0" anchor="ctr"/>
+          <a:lstStyle/>
+          <a:p>
+            <a:r>
+              <a:rPr lang="de-DE" sz="1400" dirty="0">
+                <a:solidFill>
+                  <a:schemeClr val="tx2"/>
+                </a:solidFill>
+              </a:rPr>
+              <a:t>3</a:t>
+            </a:r>
+            <a:r>
+              <a:rPr lang="de-DE" sz="1400" dirty="0" smtClean="0">
+                <a:solidFill>
+                  <a:schemeClr val="tx2"/>
+                </a:solidFill>
+              </a:rPr>
+              <a:t>h</a:t>
+            </a:r>
+            <a:endParaRPr lang="de-DE" sz="1400" dirty="0" smtClean="0">
+              <a:solidFill>
+                <a:schemeClr val="tx2"/>
+              </a:solidFill>
+            </a:endParaRPr>
+          </a:p>
+        </p:txBody>
+      </p:sp>
+      <p:sp>
+        <p:nvSpPr>
+          <p:cNvPr id="43" name="Rectangle 42"/>
+          <p:cNvSpPr/>
+          <p:nvPr/>
+        </p:nvSpPr>
+        <p:spPr>
+          <a:xfrm>
+            <a:off x="755576" y="6309320"/>
+            <a:ext cx="2160240" cy="387424"/>
+          </a:xfrm>
+          <a:prstGeom prst="rect">
+            <a:avLst/>
+          </a:prstGeom>
+          <a:noFill/>
+        </p:spPr>
+        <p:style>
+          <a:lnRef idx="2">
+            <a:schemeClr val="accent1">
+              <a:shade val="50000"/>
+            </a:schemeClr>
+          </a:lnRef>
+          <a:fillRef idx="1">
+            <a:schemeClr val="accent1"/>
+          </a:fillRef>
+          <a:effectRef idx="0">
+            <a:schemeClr val="accent1"/>
+          </a:effectRef>
+          <a:fontRef idx="minor">
+            <a:schemeClr val="lt1"/>
+          </a:fontRef>
+        </p:style>
+        <p:txBody>
+          <a:bodyPr rtlCol="0" anchor="ctr"/>
+          <a:lstStyle/>
+          <a:p>
+            <a:r>
+              <a:rPr lang="de-DE" sz="1400" dirty="0" smtClean="0">
+                <a:solidFill>
+                  <a:schemeClr val="tx2"/>
+                </a:solidFill>
+              </a:rPr>
+              <a:t>Testen und Dokumentation</a:t>
+            </a:r>
+            <a:endParaRPr lang="de-DE" sz="1400" dirty="0" smtClean="0">
+              <a:solidFill>
+                <a:schemeClr val="tx2"/>
+              </a:solidFill>
+            </a:endParaRPr>
+          </a:p>
+        </p:txBody>
+      </p:sp>
+      <p:sp>
+        <p:nvSpPr>
+          <p:cNvPr id="44" name="Rectangle 43"/>
+          <p:cNvSpPr/>
+          <p:nvPr/>
+        </p:nvSpPr>
+        <p:spPr>
+          <a:xfrm>
+            <a:off x="2915816" y="6309320"/>
+            <a:ext cx="3816424" cy="387424"/>
+          </a:xfrm>
+          <a:prstGeom prst="rect">
+            <a:avLst/>
+          </a:prstGeom>
+          <a:noFill/>
+        </p:spPr>
+        <p:style>
+          <a:lnRef idx="2">
+            <a:schemeClr val="accent1">
+              <a:shade val="50000"/>
+            </a:schemeClr>
+          </a:lnRef>
+          <a:fillRef idx="1">
+            <a:schemeClr val="accent1"/>
+          </a:fillRef>
+          <a:effectRef idx="0">
+            <a:schemeClr val="accent1"/>
+          </a:effectRef>
+          <a:fontRef idx="minor">
+            <a:schemeClr val="lt1"/>
+          </a:fontRef>
+        </p:style>
+        <p:txBody>
+          <a:bodyPr rtlCol="0" anchor="ctr"/>
+          <a:lstStyle/>
+          <a:p>
+            <a:r>
+              <a:rPr lang="de-DE" sz="1400" dirty="0" smtClean="0">
+                <a:solidFill>
+                  <a:schemeClr val="tx2"/>
+                </a:solidFill>
+              </a:rPr>
+              <a:t>Tests verfassen, Wartung und Fixes</a:t>
+            </a:r>
+            <a:endParaRPr lang="de-DE" sz="1400" dirty="0" smtClean="0">
+              <a:solidFill>
+                <a:schemeClr val="tx2"/>
+              </a:solidFill>
+            </a:endParaRPr>
+          </a:p>
+        </p:txBody>
+      </p:sp>
+      <p:sp>
+        <p:nvSpPr>
+          <p:cNvPr id="45" name="Rectangle 44"/>
+          <p:cNvSpPr/>
+          <p:nvPr/>
+        </p:nvSpPr>
+        <p:spPr>
+          <a:xfrm>
+            <a:off x="6732240" y="6309320"/>
+            <a:ext cx="1800200" cy="387424"/>
+          </a:xfrm>
+          <a:prstGeom prst="rect">
+            <a:avLst/>
+          </a:prstGeom>
+          <a:noFill/>
+        </p:spPr>
+        <p:style>
+          <a:lnRef idx="2">
+            <a:schemeClr val="accent1">
+              <a:shade val="50000"/>
+            </a:schemeClr>
+          </a:lnRef>
+          <a:fillRef idx="1">
+            <a:schemeClr val="accent1"/>
+          </a:fillRef>
+          <a:effectRef idx="0">
+            <a:schemeClr val="accent1"/>
+          </a:effectRef>
+          <a:fontRef idx="minor">
+            <a:schemeClr val="lt1"/>
+          </a:fontRef>
+        </p:style>
+        <p:txBody>
+          <a:bodyPr rtlCol="0" anchor="ctr"/>
+          <a:lstStyle/>
+          <a:p>
+            <a:r>
+              <a:rPr lang="de-DE" sz="1400" dirty="0" smtClean="0">
+                <a:solidFill>
+                  <a:schemeClr val="tx2"/>
+                </a:solidFill>
+              </a:rPr>
+              <a:t>50h</a:t>
+            </a:r>
+            <a:endParaRPr lang="de-DE" sz="1400" dirty="0" smtClean="0">
+              <a:solidFill>
+                <a:schemeClr val="tx2"/>
+              </a:solidFill>
+            </a:endParaRPr>
+          </a:p>
+        </p:txBody>
+      </p:sp>
+    </p:spTree>
+    <p:extLst>
+      <p:ext uri="{BB962C8B-B14F-4D97-AF65-F5344CB8AC3E}">
+        <p14:creationId xmlns:p14="http://schemas.microsoft.com/office/powerpoint/2010/main" val="1313377265"/>
+      </p:ext>
+    </p:extLst>
+  </p:cSld>
+  <p:clrMapOvr>
+    <a:masterClrMapping/>
+  </p:clrMapOvr>
+</p:sld>
+</file>
+
+<file path=ppt/slides/slide12.xml><?xml version="1.0" encoding="utf-8"?>
+<p:sld xmlns:a="http://schemas.openxmlformats.org/drawingml/2006/main" xmlns:r="http://schemas.openxmlformats.org/officeDocument/2006/relationships" xmlns:p="http://schemas.openxmlformats.org/presentationml/2006/main">
+  <p:cSld>
+    <p:spTree>
+      <p:nvGrpSpPr>
+        <p:cNvPr id="1" name=""/>
+        <p:cNvGrpSpPr/>
+        <p:nvPr/>
+      </p:nvGrpSpPr>
+      <p:grpSpPr>
+        <a:xfrm>
+          <a:off x="0" y="0"/>
+          <a:ext cx="0" cy="0"/>
+          <a:chOff x="0" y="0"/>
+          <a:chExt cx="0" cy="0"/>
+        </a:xfrm>
+      </p:grpSpPr>
+      <p:sp>
+        <p:nvSpPr>
+          <p:cNvPr id="2" name="Rectangle 1"/>
+          <p:cNvSpPr/>
+          <p:nvPr/>
+        </p:nvSpPr>
+        <p:spPr>
+          <a:xfrm>
+            <a:off x="827584" y="476672"/>
+            <a:ext cx="7776864" cy="288032"/>
+          </a:xfrm>
+          <a:prstGeom prst="rect">
+            <a:avLst/>
+          </a:prstGeom>
+          <a:noFill/>
+        </p:spPr>
+        <p:style>
+          <a:lnRef idx="2">
+            <a:schemeClr val="accent1">
+              <a:shade val="50000"/>
+            </a:schemeClr>
+          </a:lnRef>
+          <a:fillRef idx="1">
+            <a:schemeClr val="accent1"/>
+          </a:fillRef>
+          <a:effectRef idx="0">
+            <a:schemeClr val="accent1"/>
+          </a:effectRef>
+          <a:fontRef idx="minor">
+            <a:schemeClr val="lt1"/>
+          </a:fontRef>
+        </p:style>
+        <p:txBody>
+          <a:bodyPr rtlCol="0" anchor="ctr"/>
+          <a:lstStyle/>
+          <a:p>
+            <a:pPr algn="ctr"/>
+            <a:r>
+              <a:rPr lang="de-DE" sz="1400" b="1" dirty="0" smtClean="0">
+                <a:solidFill>
+                  <a:schemeClr val="tx2"/>
+                </a:solidFill>
+              </a:rPr>
+              <a:t>Phaseneinteilung</a:t>
+            </a:r>
+            <a:endParaRPr lang="de-DE" sz="1400" b="1" dirty="0" smtClean="0">
+              <a:solidFill>
+                <a:schemeClr val="tx2"/>
+              </a:solidFill>
+            </a:endParaRPr>
+          </a:p>
+        </p:txBody>
+      </p:sp>
+      <p:sp>
+        <p:nvSpPr>
+          <p:cNvPr id="3" name="Rectangle 2"/>
+          <p:cNvSpPr/>
+          <p:nvPr/>
+        </p:nvSpPr>
+        <p:spPr>
+          <a:xfrm>
+            <a:off x="827584" y="764704"/>
+            <a:ext cx="4968552" cy="288032"/>
+          </a:xfrm>
+          <a:prstGeom prst="rect">
+            <a:avLst/>
+          </a:prstGeom>
+          <a:noFill/>
+        </p:spPr>
+        <p:style>
+          <a:lnRef idx="2">
+            <a:schemeClr val="accent1">
+              <a:shade val="50000"/>
+            </a:schemeClr>
+          </a:lnRef>
+          <a:fillRef idx="1">
+            <a:schemeClr val="accent1"/>
+          </a:fillRef>
+          <a:effectRef idx="0">
+            <a:schemeClr val="accent1"/>
+          </a:effectRef>
+          <a:fontRef idx="minor">
+            <a:schemeClr val="lt1"/>
+          </a:fontRef>
+        </p:style>
+        <p:txBody>
+          <a:bodyPr rtlCol="0" anchor="ctr"/>
+          <a:lstStyle/>
+          <a:p>
+            <a:pPr algn="ctr"/>
+            <a:r>
+              <a:rPr lang="de-DE" sz="1400" b="1" dirty="0" smtClean="0">
+                <a:solidFill>
+                  <a:schemeClr val="tx2"/>
+                </a:solidFill>
+              </a:rPr>
+              <a:t>Aufgabe</a:t>
+            </a:r>
+            <a:endParaRPr lang="de-DE" sz="1400" b="1" dirty="0" smtClean="0">
+              <a:solidFill>
+                <a:schemeClr val="tx2"/>
+              </a:solidFill>
+            </a:endParaRPr>
+          </a:p>
+        </p:txBody>
+      </p:sp>
+      <p:sp>
+        <p:nvSpPr>
+          <p:cNvPr id="4" name="Rectangle 3"/>
+          <p:cNvSpPr/>
+          <p:nvPr/>
+        </p:nvSpPr>
+        <p:spPr>
+          <a:xfrm>
+            <a:off x="5796136" y="764704"/>
+            <a:ext cx="2808312" cy="288032"/>
+          </a:xfrm>
+          <a:prstGeom prst="rect">
+            <a:avLst/>
+          </a:prstGeom>
+          <a:noFill/>
+        </p:spPr>
+        <p:style>
+          <a:lnRef idx="2">
+            <a:schemeClr val="accent1">
+              <a:shade val="50000"/>
+            </a:schemeClr>
+          </a:lnRef>
+          <a:fillRef idx="1">
+            <a:schemeClr val="accent1"/>
+          </a:fillRef>
+          <a:effectRef idx="0">
+            <a:schemeClr val="accent1"/>
+          </a:effectRef>
+          <a:fontRef idx="minor">
+            <a:schemeClr val="lt1"/>
+          </a:fontRef>
+        </p:style>
+        <p:txBody>
+          <a:bodyPr rtlCol="0" anchor="ctr"/>
+          <a:lstStyle/>
+          <a:p>
+            <a:pPr algn="ctr"/>
+            <a:r>
+              <a:rPr lang="de-DE" sz="1400" b="1" dirty="0" smtClean="0">
+                <a:solidFill>
+                  <a:schemeClr val="tx2"/>
+                </a:solidFill>
+              </a:rPr>
+              <a:t>Phase</a:t>
+            </a:r>
+            <a:endParaRPr lang="de-DE" sz="1400" b="1" dirty="0" smtClean="0">
+              <a:solidFill>
+                <a:schemeClr val="tx2"/>
+              </a:solidFill>
+            </a:endParaRPr>
+          </a:p>
+        </p:txBody>
+      </p:sp>
+      <p:sp>
+        <p:nvSpPr>
+          <p:cNvPr id="5" name="Rectangle 4"/>
+          <p:cNvSpPr/>
+          <p:nvPr/>
+        </p:nvSpPr>
+        <p:spPr>
+          <a:xfrm>
+            <a:off x="827584" y="1052736"/>
+            <a:ext cx="4968552" cy="288032"/>
+          </a:xfrm>
+          <a:prstGeom prst="rect">
+            <a:avLst/>
+          </a:prstGeom>
+          <a:noFill/>
+        </p:spPr>
+        <p:style>
+          <a:lnRef idx="2">
+            <a:schemeClr val="accent1">
+              <a:shade val="50000"/>
+            </a:schemeClr>
+          </a:lnRef>
+          <a:fillRef idx="1">
+            <a:schemeClr val="accent1"/>
+          </a:fillRef>
+          <a:effectRef idx="0">
+            <a:schemeClr val="accent1"/>
+          </a:effectRef>
+          <a:fontRef idx="minor">
+            <a:schemeClr val="lt1"/>
+          </a:fontRef>
+        </p:style>
+        <p:txBody>
+          <a:bodyPr rtlCol="0" anchor="ctr"/>
+          <a:lstStyle/>
+          <a:p>
+            <a:r>
+              <a:rPr lang="de-DE" sz="1400" dirty="0" smtClean="0">
+                <a:solidFill>
+                  <a:schemeClr val="tx2"/>
+                </a:solidFill>
+              </a:rPr>
+              <a:t>Datenbankanbindung</a:t>
+            </a:r>
+            <a:endParaRPr lang="de-DE" sz="1400" dirty="0" smtClean="0">
+              <a:solidFill>
+                <a:schemeClr val="tx2"/>
+              </a:solidFill>
+            </a:endParaRPr>
+          </a:p>
+        </p:txBody>
+      </p:sp>
+      <p:sp>
+        <p:nvSpPr>
+          <p:cNvPr id="6" name="Rectangle 5"/>
+          <p:cNvSpPr/>
+          <p:nvPr/>
+        </p:nvSpPr>
+        <p:spPr>
+          <a:xfrm>
+            <a:off x="5796136" y="1052736"/>
+            <a:ext cx="2808312" cy="288032"/>
+          </a:xfrm>
+          <a:prstGeom prst="rect">
+            <a:avLst/>
+          </a:prstGeom>
+          <a:noFill/>
+        </p:spPr>
+        <p:style>
+          <a:lnRef idx="2">
+            <a:schemeClr val="accent1">
+              <a:shade val="50000"/>
+            </a:schemeClr>
+          </a:lnRef>
+          <a:fillRef idx="1">
+            <a:schemeClr val="accent1"/>
+          </a:fillRef>
+          <a:effectRef idx="0">
+            <a:schemeClr val="accent1"/>
+          </a:effectRef>
+          <a:fontRef idx="minor">
+            <a:schemeClr val="lt1"/>
+          </a:fontRef>
+        </p:style>
+        <p:txBody>
+          <a:bodyPr rtlCol="0" anchor="ctr"/>
+          <a:lstStyle/>
+          <a:p>
+            <a:r>
+              <a:rPr lang="de-DE" sz="1400" dirty="0" smtClean="0">
+                <a:solidFill>
+                  <a:schemeClr val="tx2"/>
+                </a:solidFill>
+              </a:rPr>
+              <a:t>KW 10 (03.03.-09.03.2014)</a:t>
+            </a:r>
+            <a:endParaRPr lang="de-DE" sz="1400" dirty="0" smtClean="0">
+              <a:solidFill>
+                <a:schemeClr val="tx2"/>
+              </a:solidFill>
+            </a:endParaRPr>
+          </a:p>
+        </p:txBody>
+      </p:sp>
+      <p:sp>
+        <p:nvSpPr>
+          <p:cNvPr id="7" name="Rectangle 6"/>
+          <p:cNvSpPr/>
+          <p:nvPr/>
+        </p:nvSpPr>
+        <p:spPr>
+          <a:xfrm>
+            <a:off x="827584" y="1340768"/>
+            <a:ext cx="4968552" cy="648072"/>
+          </a:xfrm>
+          <a:prstGeom prst="rect">
+            <a:avLst/>
+          </a:prstGeom>
+          <a:noFill/>
+        </p:spPr>
+        <p:style>
+          <a:lnRef idx="2">
+            <a:schemeClr val="accent1">
+              <a:shade val="50000"/>
+            </a:schemeClr>
+          </a:lnRef>
+          <a:fillRef idx="1">
+            <a:schemeClr val="accent1"/>
+          </a:fillRef>
+          <a:effectRef idx="0">
+            <a:schemeClr val="accent1"/>
+          </a:effectRef>
+          <a:fontRef idx="minor">
+            <a:schemeClr val="lt1"/>
+          </a:fontRef>
+        </p:style>
+        <p:txBody>
+          <a:bodyPr rtlCol="0" anchor="ctr"/>
+          <a:lstStyle/>
+          <a:p>
+            <a:r>
+              <a:rPr lang="de-DE" sz="1400" dirty="0" smtClean="0">
+                <a:solidFill>
+                  <a:schemeClr val="tx2"/>
+                </a:solidFill>
+              </a:rPr>
+              <a:t>Anpassung Javascript und CSS</a:t>
+            </a:r>
+          </a:p>
+          <a:p>
+            <a:r>
+              <a:rPr lang="de-DE" sz="1400" dirty="0" smtClean="0">
+                <a:solidFill>
+                  <a:schemeClr val="tx2"/>
+                </a:solidFill>
+              </a:rPr>
+              <a:t>Implementierung des Forums und der Spielberichte</a:t>
+            </a:r>
+          </a:p>
+          <a:p>
+            <a:r>
+              <a:rPr lang="de-DE" sz="1400" dirty="0" smtClean="0">
+                <a:solidFill>
+                  <a:schemeClr val="tx2"/>
+                </a:solidFill>
+              </a:rPr>
+              <a:t>Implementierung des Adressbuches</a:t>
+            </a:r>
+            <a:endParaRPr lang="de-DE" sz="1400" dirty="0" smtClean="0">
+              <a:solidFill>
+                <a:schemeClr val="tx2"/>
+              </a:solidFill>
+            </a:endParaRPr>
+          </a:p>
+        </p:txBody>
+      </p:sp>
+      <p:sp>
+        <p:nvSpPr>
+          <p:cNvPr id="8" name="Rectangle 7"/>
+          <p:cNvSpPr/>
+          <p:nvPr/>
+        </p:nvSpPr>
+        <p:spPr>
+          <a:xfrm>
+            <a:off x="5796136" y="1340768"/>
+            <a:ext cx="2808312" cy="648072"/>
+          </a:xfrm>
+          <a:prstGeom prst="rect">
+            <a:avLst/>
+          </a:prstGeom>
+          <a:noFill/>
+        </p:spPr>
+        <p:style>
+          <a:lnRef idx="2">
+            <a:schemeClr val="accent1">
+              <a:shade val="50000"/>
+            </a:schemeClr>
+          </a:lnRef>
+          <a:fillRef idx="1">
+            <a:schemeClr val="accent1"/>
+          </a:fillRef>
+          <a:effectRef idx="0">
+            <a:schemeClr val="accent1"/>
+          </a:effectRef>
+          <a:fontRef idx="minor">
+            <a:schemeClr val="lt1"/>
+          </a:fontRef>
+        </p:style>
+        <p:txBody>
+          <a:bodyPr rtlCol="0" anchor="ctr"/>
+          <a:lstStyle/>
+          <a:p>
+            <a:r>
+              <a:rPr lang="de-DE" sz="1400" dirty="0" smtClean="0">
+                <a:solidFill>
+                  <a:schemeClr val="tx2"/>
+                </a:solidFill>
+              </a:rPr>
+              <a:t>KW 11 (10.03.-16.03.2014)</a:t>
+            </a:r>
+            <a:endParaRPr lang="de-DE" sz="1400" dirty="0" smtClean="0">
+              <a:solidFill>
+                <a:schemeClr val="tx2"/>
+              </a:solidFill>
+            </a:endParaRPr>
+          </a:p>
+        </p:txBody>
+      </p:sp>
+      <p:sp>
+        <p:nvSpPr>
+          <p:cNvPr id="9" name="Rectangle 8"/>
+          <p:cNvSpPr/>
+          <p:nvPr/>
+        </p:nvSpPr>
+        <p:spPr>
+          <a:xfrm>
+            <a:off x="827584" y="1988840"/>
+            <a:ext cx="4968552" cy="864096"/>
+          </a:xfrm>
+          <a:prstGeom prst="rect">
+            <a:avLst/>
+          </a:prstGeom>
+          <a:noFill/>
+        </p:spPr>
+        <p:style>
+          <a:lnRef idx="2">
+            <a:schemeClr val="accent1">
+              <a:shade val="50000"/>
+            </a:schemeClr>
+          </a:lnRef>
+          <a:fillRef idx="1">
+            <a:schemeClr val="accent1"/>
+          </a:fillRef>
+          <a:effectRef idx="0">
+            <a:schemeClr val="accent1"/>
+          </a:effectRef>
+          <a:fontRef idx="minor">
+            <a:schemeClr val="lt1"/>
+          </a:fontRef>
+        </p:style>
+        <p:txBody>
+          <a:bodyPr rtlCol="0" anchor="ctr"/>
+          <a:lstStyle/>
+          <a:p>
+            <a:r>
+              <a:rPr lang="de-DE" sz="1400" dirty="0" smtClean="0">
+                <a:solidFill>
+                  <a:schemeClr val="tx2"/>
+                </a:solidFill>
+              </a:rPr>
+              <a:t>Umsetzung der Bildergalerie</a:t>
+            </a:r>
+          </a:p>
+          <a:p>
+            <a:r>
+              <a:rPr lang="de-DE" sz="1400" dirty="0" smtClean="0">
+                <a:solidFill>
+                  <a:schemeClr val="tx2"/>
+                </a:solidFill>
+              </a:rPr>
+              <a:t>Beginn des Logins und der Registrierung</a:t>
+            </a:r>
+          </a:p>
+          <a:p>
+            <a:r>
+              <a:rPr lang="de-DE" sz="1400" dirty="0" smtClean="0">
+                <a:solidFill>
+                  <a:schemeClr val="tx2"/>
+                </a:solidFill>
+              </a:rPr>
+              <a:t>Umsetzung der Dokumentemanagers</a:t>
+            </a:r>
+          </a:p>
+          <a:p>
+            <a:r>
+              <a:rPr lang="de-DE" sz="1400" dirty="0" smtClean="0">
+                <a:solidFill>
+                  <a:schemeClr val="tx2"/>
+                </a:solidFill>
+              </a:rPr>
+              <a:t>Beginn des Terminplaners</a:t>
+            </a:r>
+            <a:endParaRPr lang="de-DE" sz="1400" dirty="0" smtClean="0">
+              <a:solidFill>
+                <a:schemeClr val="tx2"/>
+              </a:solidFill>
+            </a:endParaRPr>
+          </a:p>
+        </p:txBody>
+      </p:sp>
+      <p:sp>
+        <p:nvSpPr>
+          <p:cNvPr id="10" name="Rectangle 9"/>
+          <p:cNvSpPr/>
+          <p:nvPr/>
+        </p:nvSpPr>
+        <p:spPr>
+          <a:xfrm>
+            <a:off x="5796136" y="1988840"/>
+            <a:ext cx="2808312" cy="864096"/>
+          </a:xfrm>
+          <a:prstGeom prst="rect">
+            <a:avLst/>
+          </a:prstGeom>
+          <a:noFill/>
+        </p:spPr>
+        <p:style>
+          <a:lnRef idx="2">
+            <a:schemeClr val="accent1">
+              <a:shade val="50000"/>
+            </a:schemeClr>
+          </a:lnRef>
+          <a:fillRef idx="1">
+            <a:schemeClr val="accent1"/>
+          </a:fillRef>
+          <a:effectRef idx="0">
+            <a:schemeClr val="accent1"/>
+          </a:effectRef>
+          <a:fontRef idx="minor">
+            <a:schemeClr val="lt1"/>
+          </a:fontRef>
+        </p:style>
+        <p:txBody>
+          <a:bodyPr rtlCol="0" anchor="ctr"/>
+          <a:lstStyle/>
+          <a:p>
+            <a:r>
+              <a:rPr lang="de-DE" sz="1400" dirty="0" smtClean="0">
+                <a:solidFill>
+                  <a:schemeClr val="tx2"/>
+                </a:solidFill>
+              </a:rPr>
+              <a:t>KW 12 (17.03.-23.03.3014)</a:t>
+            </a:r>
+            <a:endParaRPr lang="de-DE" sz="1400" dirty="0" smtClean="0">
+              <a:solidFill>
+                <a:schemeClr val="tx2"/>
+              </a:solidFill>
+            </a:endParaRPr>
+          </a:p>
+        </p:txBody>
+      </p:sp>
+      <p:sp>
+        <p:nvSpPr>
+          <p:cNvPr id="11" name="Rectangle 10"/>
+          <p:cNvSpPr/>
+          <p:nvPr/>
+        </p:nvSpPr>
+        <p:spPr>
+          <a:xfrm>
+            <a:off x="827584" y="2852936"/>
+            <a:ext cx="4968552" cy="720080"/>
+          </a:xfrm>
+          <a:prstGeom prst="rect">
+            <a:avLst/>
+          </a:prstGeom>
+          <a:noFill/>
+        </p:spPr>
+        <p:style>
+          <a:lnRef idx="2">
+            <a:schemeClr val="accent1">
+              <a:shade val="50000"/>
+            </a:schemeClr>
+          </a:lnRef>
+          <a:fillRef idx="1">
+            <a:schemeClr val="accent1"/>
+          </a:fillRef>
+          <a:effectRef idx="0">
+            <a:schemeClr val="accent1"/>
+          </a:effectRef>
+          <a:fontRef idx="minor">
+            <a:schemeClr val="lt1"/>
+          </a:fontRef>
+        </p:style>
+        <p:txBody>
+          <a:bodyPr rtlCol="0" anchor="ctr"/>
+          <a:lstStyle/>
+          <a:p>
+            <a:r>
+              <a:rPr lang="de-DE" sz="1400" dirty="0" smtClean="0">
+                <a:solidFill>
+                  <a:schemeClr val="tx2"/>
+                </a:solidFill>
+              </a:rPr>
+              <a:t>Userbezogene Anzeige des Contents</a:t>
+            </a:r>
+          </a:p>
+          <a:p>
+            <a:r>
+              <a:rPr lang="de-DE" sz="1400" dirty="0" smtClean="0">
+                <a:solidFill>
+                  <a:schemeClr val="tx2"/>
+                </a:solidFill>
+              </a:rPr>
+              <a:t>Fertigstellen des Terminplaners, sowie des Logins und der Registrierung</a:t>
+            </a:r>
+            <a:endParaRPr lang="de-DE" sz="1400" dirty="0" smtClean="0">
+              <a:solidFill>
+                <a:schemeClr val="tx2"/>
+              </a:solidFill>
+            </a:endParaRPr>
+          </a:p>
+        </p:txBody>
+      </p:sp>
+      <p:sp>
+        <p:nvSpPr>
+          <p:cNvPr id="12" name="Rectangle 11"/>
+          <p:cNvSpPr/>
+          <p:nvPr/>
+        </p:nvSpPr>
+        <p:spPr>
+          <a:xfrm>
+            <a:off x="5796136" y="2852936"/>
+            <a:ext cx="2808312" cy="720080"/>
+          </a:xfrm>
+          <a:prstGeom prst="rect">
+            <a:avLst/>
+          </a:prstGeom>
+          <a:noFill/>
+        </p:spPr>
+        <p:style>
+          <a:lnRef idx="2">
+            <a:schemeClr val="accent1">
+              <a:shade val="50000"/>
+            </a:schemeClr>
+          </a:lnRef>
+          <a:fillRef idx="1">
+            <a:schemeClr val="accent1"/>
+          </a:fillRef>
+          <a:effectRef idx="0">
+            <a:schemeClr val="accent1"/>
+          </a:effectRef>
+          <a:fontRef idx="minor">
+            <a:schemeClr val="lt1"/>
+          </a:fontRef>
+        </p:style>
+        <p:txBody>
+          <a:bodyPr rtlCol="0" anchor="ctr"/>
+          <a:lstStyle/>
+          <a:p>
+            <a:r>
+              <a:rPr lang="de-DE" sz="1400" dirty="0" smtClean="0">
+                <a:solidFill>
+                  <a:schemeClr val="tx2"/>
+                </a:solidFill>
+              </a:rPr>
+              <a:t>KW 13 (24.03.-30.03.2014)</a:t>
+            </a:r>
+            <a:endParaRPr lang="de-DE" sz="1400" dirty="0" smtClean="0">
+              <a:solidFill>
+                <a:schemeClr val="tx2"/>
+              </a:solidFill>
+            </a:endParaRPr>
+          </a:p>
+        </p:txBody>
+      </p:sp>
+      <p:sp>
+        <p:nvSpPr>
+          <p:cNvPr id="13" name="Rectangle 12"/>
+          <p:cNvSpPr/>
+          <p:nvPr/>
+        </p:nvSpPr>
+        <p:spPr>
+          <a:xfrm>
+            <a:off x="827584" y="3573016"/>
+            <a:ext cx="4968552" cy="288032"/>
+          </a:xfrm>
+          <a:prstGeom prst="rect">
+            <a:avLst/>
+          </a:prstGeom>
+          <a:noFill/>
+        </p:spPr>
+        <p:style>
+          <a:lnRef idx="2">
+            <a:schemeClr val="accent1">
+              <a:shade val="50000"/>
+            </a:schemeClr>
+          </a:lnRef>
+          <a:fillRef idx="1">
+            <a:schemeClr val="accent1"/>
+          </a:fillRef>
+          <a:effectRef idx="0">
+            <a:schemeClr val="accent1"/>
+          </a:effectRef>
+          <a:fontRef idx="minor">
+            <a:schemeClr val="lt1"/>
+          </a:fontRef>
+        </p:style>
+        <p:txBody>
+          <a:bodyPr rtlCol="0" anchor="ctr"/>
+          <a:lstStyle/>
+          <a:p>
+            <a:r>
+              <a:rPr lang="de-DE" sz="1400" dirty="0" smtClean="0">
+                <a:solidFill>
+                  <a:schemeClr val="tx2"/>
+                </a:solidFill>
+              </a:rPr>
+              <a:t>Testen und Dokumentation</a:t>
+            </a:r>
+            <a:endParaRPr lang="de-DE" sz="1400" dirty="0" smtClean="0">
+              <a:solidFill>
+                <a:schemeClr val="tx2"/>
+              </a:solidFill>
+            </a:endParaRPr>
+          </a:p>
+        </p:txBody>
+      </p:sp>
+      <p:sp>
+        <p:nvSpPr>
+          <p:cNvPr id="14" name="Rectangle 13"/>
+          <p:cNvSpPr/>
+          <p:nvPr/>
+        </p:nvSpPr>
+        <p:spPr>
+          <a:xfrm>
+            <a:off x="5796136" y="3573016"/>
+            <a:ext cx="2808312" cy="288032"/>
+          </a:xfrm>
+          <a:prstGeom prst="rect">
+            <a:avLst/>
+          </a:prstGeom>
+          <a:noFill/>
+        </p:spPr>
+        <p:style>
+          <a:lnRef idx="2">
+            <a:schemeClr val="accent1">
+              <a:shade val="50000"/>
+            </a:schemeClr>
+          </a:lnRef>
+          <a:fillRef idx="1">
+            <a:schemeClr val="accent1"/>
+          </a:fillRef>
+          <a:effectRef idx="0">
+            <a:schemeClr val="accent1"/>
+          </a:effectRef>
+          <a:fontRef idx="minor">
+            <a:schemeClr val="lt1"/>
+          </a:fontRef>
+        </p:style>
+        <p:txBody>
+          <a:bodyPr rtlCol="0" anchor="ctr"/>
+          <a:lstStyle/>
+          <a:p>
+            <a:r>
+              <a:rPr lang="de-DE" sz="1400" dirty="0" smtClean="0">
+                <a:solidFill>
+                  <a:schemeClr val="tx2"/>
+                </a:solidFill>
+              </a:rPr>
+              <a:t>KW 14 (31.03.-06.04.2014)</a:t>
+            </a:r>
+            <a:endParaRPr lang="de-DE" sz="1400" dirty="0" smtClean="0">
+              <a:solidFill>
+                <a:schemeClr val="tx2"/>
+              </a:solidFill>
+            </a:endParaRPr>
+          </a:p>
+        </p:txBody>
+      </p:sp>
+      <p:sp>
+        <p:nvSpPr>
+          <p:cNvPr id="15" name="Rectangle 14"/>
+          <p:cNvSpPr/>
+          <p:nvPr/>
+        </p:nvSpPr>
+        <p:spPr>
+          <a:xfrm>
+            <a:off x="827584" y="3861048"/>
+            <a:ext cx="4968552" cy="288032"/>
+          </a:xfrm>
+          <a:prstGeom prst="rect">
+            <a:avLst/>
+          </a:prstGeom>
+          <a:noFill/>
+        </p:spPr>
+        <p:style>
+          <a:lnRef idx="2">
+            <a:schemeClr val="accent1">
+              <a:shade val="50000"/>
+            </a:schemeClr>
+          </a:lnRef>
+          <a:fillRef idx="1">
+            <a:schemeClr val="accent1"/>
+          </a:fillRef>
+          <a:effectRef idx="0">
+            <a:schemeClr val="accent1"/>
+          </a:effectRef>
+          <a:fontRef idx="minor">
+            <a:schemeClr val="lt1"/>
+          </a:fontRef>
+        </p:style>
+        <p:txBody>
+          <a:bodyPr rtlCol="0" anchor="ctr"/>
+          <a:lstStyle/>
+          <a:p>
+            <a:r>
+              <a:rPr lang="de-DE" sz="1400" dirty="0" smtClean="0">
+                <a:solidFill>
+                  <a:schemeClr val="tx2"/>
+                </a:solidFill>
+              </a:rPr>
+              <a:t>Puffer</a:t>
+            </a:r>
+            <a:endParaRPr lang="de-DE" sz="1400" dirty="0" smtClean="0">
+              <a:solidFill>
+                <a:schemeClr val="tx2"/>
+              </a:solidFill>
+            </a:endParaRPr>
+          </a:p>
+        </p:txBody>
+      </p:sp>
+      <p:sp>
+        <p:nvSpPr>
+          <p:cNvPr id="16" name="Rectangle 15"/>
+          <p:cNvSpPr/>
+          <p:nvPr/>
+        </p:nvSpPr>
+        <p:spPr>
+          <a:xfrm>
+            <a:off x="5796136" y="3861048"/>
+            <a:ext cx="2808312" cy="288032"/>
+          </a:xfrm>
+          <a:prstGeom prst="rect">
+            <a:avLst/>
+          </a:prstGeom>
+          <a:noFill/>
+        </p:spPr>
+        <p:style>
+          <a:lnRef idx="2">
+            <a:schemeClr val="accent1">
+              <a:shade val="50000"/>
+            </a:schemeClr>
+          </a:lnRef>
+          <a:fillRef idx="1">
+            <a:schemeClr val="accent1"/>
+          </a:fillRef>
+          <a:effectRef idx="0">
+            <a:schemeClr val="accent1"/>
+          </a:effectRef>
+          <a:fontRef idx="minor">
+            <a:schemeClr val="lt1"/>
+          </a:fontRef>
+        </p:style>
+        <p:txBody>
+          <a:bodyPr rtlCol="0" anchor="ctr"/>
+          <a:lstStyle/>
+          <a:p>
+            <a:r>
+              <a:rPr lang="de-DE" sz="1400" dirty="0" smtClean="0">
+                <a:solidFill>
+                  <a:schemeClr val="tx2"/>
+                </a:solidFill>
+              </a:rPr>
+              <a:t>KW 15 (07.04.-13.04.2014)</a:t>
+            </a:r>
+            <a:endParaRPr lang="de-DE" sz="1400" dirty="0" smtClean="0">
+              <a:solidFill>
+                <a:schemeClr val="tx2"/>
+              </a:solidFill>
+            </a:endParaRPr>
+          </a:p>
+        </p:txBody>
+      </p:sp>
+    </p:spTree>
+    <p:extLst>
+      <p:ext uri="{BB962C8B-B14F-4D97-AF65-F5344CB8AC3E}">
+        <p14:creationId xmlns:p14="http://schemas.microsoft.com/office/powerpoint/2010/main" val="1137385093"/>
+      </p:ext>
+    </p:extLst>
+  </p:cSld>
+  <p:clrMapOvr>
+    <a:masterClrMapping/>
+  </p:clrMapOvr>
+</p:sld>
+</file>
+
+<file path=ppt/slides/slide13.xml><?xml version="1.0" encoding="utf-8"?>
+<p:sld xmlns:a="http://schemas.openxmlformats.org/drawingml/2006/main" xmlns:r="http://schemas.openxmlformats.org/officeDocument/2006/relationships" xmlns:p="http://schemas.openxmlformats.org/presentationml/2006/main">
+  <p:cSld>
+    <p:spTree>
+      <p:nvGrpSpPr>
+        <p:cNvPr id="1" name=""/>
+        <p:cNvGrpSpPr/>
+        <p:nvPr/>
+      </p:nvGrpSpPr>
+      <p:grpSpPr>
+        <a:xfrm>
+          <a:off x="0" y="0"/>
+          <a:ext cx="0" cy="0"/>
+          <a:chOff x="0" y="0"/>
+          <a:chExt cx="0" cy="0"/>
+        </a:xfrm>
+      </p:grpSpPr>
+      <p:cxnSp>
+        <p:nvCxnSpPr>
+          <p:cNvPr id="30" name="Straight Connector 29"/>
+          <p:cNvCxnSpPr/>
+          <p:nvPr/>
+        </p:nvCxnSpPr>
+        <p:spPr>
+          <a:xfrm>
+            <a:off x="5940152" y="816893"/>
+            <a:ext cx="0" cy="5256584"/>
+          </a:xfrm>
+          <a:prstGeom prst="line">
+            <a:avLst/>
+          </a:prstGeom>
+          <a:ln w="76200">
+            <a:solidFill>
+              <a:schemeClr val="bg1">
+                <a:lumMod val="95000"/>
+              </a:schemeClr>
+            </a:solidFill>
+          </a:ln>
+        </p:spPr>
+        <p:style>
+          <a:lnRef idx="1">
+            <a:schemeClr val="accent1"/>
+          </a:lnRef>
+          <a:fillRef idx="0">
+            <a:schemeClr val="accent1"/>
+          </a:fillRef>
+          <a:effectRef idx="0">
+            <a:schemeClr val="accent1"/>
+          </a:effectRef>
+          <a:fontRef idx="minor">
+            <a:schemeClr val="tx1"/>
+          </a:fontRef>
+        </p:style>
+      </p:cxnSp>
+      <p:cxnSp>
+        <p:nvCxnSpPr>
+          <p:cNvPr id="31" name="Straight Connector 30"/>
+          <p:cNvCxnSpPr/>
+          <p:nvPr/>
+        </p:nvCxnSpPr>
+        <p:spPr>
+          <a:xfrm>
+            <a:off x="7380312" y="800708"/>
+            <a:ext cx="0" cy="5256584"/>
+          </a:xfrm>
+          <a:prstGeom prst="line">
+            <a:avLst/>
+          </a:prstGeom>
+          <a:ln w="76200">
+            <a:solidFill>
+              <a:schemeClr val="bg1">
+                <a:lumMod val="95000"/>
+              </a:schemeClr>
+            </a:solidFill>
+          </a:ln>
+        </p:spPr>
+        <p:style>
+          <a:lnRef idx="1">
+            <a:schemeClr val="accent1"/>
+          </a:lnRef>
+          <a:fillRef idx="0">
+            <a:schemeClr val="accent1"/>
+          </a:fillRef>
+          <a:effectRef idx="0">
+            <a:schemeClr val="accent1"/>
+          </a:effectRef>
+          <a:fontRef idx="minor">
+            <a:schemeClr val="tx1"/>
+          </a:fontRef>
+        </p:style>
+      </p:cxnSp>
+      <p:cxnSp>
+        <p:nvCxnSpPr>
+          <p:cNvPr id="32" name="Straight Connector 31"/>
+          <p:cNvCxnSpPr/>
+          <p:nvPr/>
+        </p:nvCxnSpPr>
+        <p:spPr>
+          <a:xfrm>
+            <a:off x="8820472" y="800708"/>
+            <a:ext cx="0" cy="5256584"/>
+          </a:xfrm>
+          <a:prstGeom prst="line">
+            <a:avLst/>
+          </a:prstGeom>
+          <a:ln w="76200">
+            <a:solidFill>
+              <a:schemeClr val="bg1">
+                <a:lumMod val="95000"/>
+              </a:schemeClr>
+            </a:solidFill>
+          </a:ln>
+        </p:spPr>
+        <p:style>
+          <a:lnRef idx="1">
+            <a:schemeClr val="accent1"/>
+          </a:lnRef>
+          <a:fillRef idx="0">
+            <a:schemeClr val="accent1"/>
+          </a:fillRef>
+          <a:effectRef idx="0">
+            <a:schemeClr val="accent1"/>
+          </a:effectRef>
+          <a:fontRef idx="minor">
+            <a:schemeClr val="tx1"/>
+          </a:fontRef>
+        </p:style>
+      </p:cxnSp>
+      <p:cxnSp>
+        <p:nvCxnSpPr>
+          <p:cNvPr id="27" name="Straight Connector 26"/>
+          <p:cNvCxnSpPr/>
+          <p:nvPr/>
+        </p:nvCxnSpPr>
+        <p:spPr>
+          <a:xfrm>
+            <a:off x="1619672" y="800708"/>
+            <a:ext cx="0" cy="5256584"/>
+          </a:xfrm>
+          <a:prstGeom prst="line">
+            <a:avLst/>
+          </a:prstGeom>
+          <a:ln w="76200">
+            <a:solidFill>
+              <a:schemeClr val="bg1">
+                <a:lumMod val="95000"/>
+              </a:schemeClr>
+            </a:solidFill>
+          </a:ln>
+        </p:spPr>
+        <p:style>
+          <a:lnRef idx="1">
+            <a:schemeClr val="accent1"/>
+          </a:lnRef>
+          <a:fillRef idx="0">
+            <a:schemeClr val="accent1"/>
+          </a:fillRef>
+          <a:effectRef idx="0">
+            <a:schemeClr val="accent1"/>
+          </a:effectRef>
+          <a:fontRef idx="minor">
+            <a:schemeClr val="tx1"/>
+          </a:fontRef>
+        </p:style>
+      </p:cxnSp>
+      <p:cxnSp>
+        <p:nvCxnSpPr>
+          <p:cNvPr id="28" name="Straight Connector 27"/>
+          <p:cNvCxnSpPr/>
+          <p:nvPr/>
+        </p:nvCxnSpPr>
+        <p:spPr>
+          <a:xfrm>
+            <a:off x="3059832" y="800708"/>
+            <a:ext cx="0" cy="5256584"/>
+          </a:xfrm>
+          <a:prstGeom prst="line">
+            <a:avLst/>
+          </a:prstGeom>
+          <a:ln w="76200">
+            <a:solidFill>
+              <a:schemeClr val="bg1">
+                <a:lumMod val="95000"/>
+              </a:schemeClr>
+            </a:solidFill>
+          </a:ln>
+        </p:spPr>
+        <p:style>
+          <a:lnRef idx="1">
+            <a:schemeClr val="accent1"/>
+          </a:lnRef>
+          <a:fillRef idx="0">
+            <a:schemeClr val="accent1"/>
+          </a:fillRef>
+          <a:effectRef idx="0">
+            <a:schemeClr val="accent1"/>
+          </a:effectRef>
+          <a:fontRef idx="minor">
+            <a:schemeClr val="tx1"/>
+          </a:fontRef>
+        </p:style>
+      </p:cxnSp>
+      <p:cxnSp>
+        <p:nvCxnSpPr>
+          <p:cNvPr id="29" name="Straight Connector 28"/>
+          <p:cNvCxnSpPr/>
+          <p:nvPr/>
+        </p:nvCxnSpPr>
+        <p:spPr>
+          <a:xfrm>
+            <a:off x="4519042" y="800708"/>
+            <a:ext cx="0" cy="5256584"/>
+          </a:xfrm>
+          <a:prstGeom prst="line">
+            <a:avLst/>
+          </a:prstGeom>
+          <a:ln w="76200">
+            <a:solidFill>
+              <a:schemeClr val="bg1">
+                <a:lumMod val="95000"/>
+              </a:schemeClr>
+            </a:solidFill>
+          </a:ln>
+        </p:spPr>
+        <p:style>
+          <a:lnRef idx="1">
+            <a:schemeClr val="accent1"/>
+          </a:lnRef>
+          <a:fillRef idx="0">
+            <a:schemeClr val="accent1"/>
+          </a:fillRef>
+          <a:effectRef idx="0">
+            <a:schemeClr val="accent1"/>
+          </a:effectRef>
+          <a:fontRef idx="minor">
+            <a:schemeClr val="tx1"/>
+          </a:fontRef>
+        </p:style>
+      </p:cxnSp>
+      <p:cxnSp>
+        <p:nvCxnSpPr>
+          <p:cNvPr id="26" name="Straight Connector 25"/>
+          <p:cNvCxnSpPr/>
+          <p:nvPr/>
+        </p:nvCxnSpPr>
+        <p:spPr>
+          <a:xfrm>
+            <a:off x="179512" y="692696"/>
+            <a:ext cx="0" cy="5256584"/>
+          </a:xfrm>
+          <a:prstGeom prst="line">
+            <a:avLst/>
+          </a:prstGeom>
+          <a:ln w="76200">
+            <a:solidFill>
+              <a:schemeClr val="bg1">
+                <a:lumMod val="95000"/>
+              </a:schemeClr>
+            </a:solidFill>
+          </a:ln>
+        </p:spPr>
+        <p:style>
+          <a:lnRef idx="1">
+            <a:schemeClr val="accent1"/>
+          </a:lnRef>
+          <a:fillRef idx="0">
+            <a:schemeClr val="accent1"/>
+          </a:fillRef>
+          <a:effectRef idx="0">
+            <a:schemeClr val="accent1"/>
+          </a:effectRef>
+          <a:fontRef idx="minor">
+            <a:schemeClr val="tx1"/>
+          </a:fontRef>
+        </p:style>
+      </p:cxnSp>
+      <p:cxnSp>
+        <p:nvCxnSpPr>
+          <p:cNvPr id="3" name="Straight Arrow Connector 2"/>
+          <p:cNvCxnSpPr/>
+          <p:nvPr/>
+        </p:nvCxnSpPr>
+        <p:spPr>
+          <a:xfrm>
+            <a:off x="89756" y="2924944"/>
+            <a:ext cx="8964488" cy="0"/>
+          </a:xfrm>
+          <a:prstGeom prst="straightConnector1">
+            <a:avLst/>
+          </a:prstGeom>
+          <a:ln w="28575">
+            <a:solidFill>
+              <a:schemeClr val="tx2"/>
+            </a:solidFill>
+            <a:tailEnd type="arrow"/>
+          </a:ln>
+        </p:spPr>
+        <p:style>
+          <a:lnRef idx="1">
+            <a:schemeClr val="accent1"/>
+          </a:lnRef>
+          <a:fillRef idx="0">
+            <a:schemeClr val="accent1"/>
+          </a:fillRef>
+          <a:effectRef idx="0">
+            <a:schemeClr val="accent1"/>
+          </a:effectRef>
+          <a:fontRef idx="minor">
+            <a:schemeClr val="tx1"/>
+          </a:fontRef>
+        </p:style>
+      </p:cxnSp>
+      <p:cxnSp>
+        <p:nvCxnSpPr>
+          <p:cNvPr id="6" name="Straight Connector 5"/>
+          <p:cNvCxnSpPr/>
+          <p:nvPr/>
+        </p:nvCxnSpPr>
+        <p:spPr>
+          <a:xfrm>
+            <a:off x="4485295" y="2852936"/>
+            <a:ext cx="0" cy="144016"/>
+          </a:xfrm>
+          <a:prstGeom prst="line">
+            <a:avLst/>
+          </a:prstGeom>
+          <a:ln w="28575">
+            <a:solidFill>
+              <a:schemeClr val="tx2"/>
+            </a:solidFill>
+          </a:ln>
+        </p:spPr>
+        <p:style>
+          <a:lnRef idx="1">
+            <a:schemeClr val="accent1"/>
+          </a:lnRef>
+          <a:fillRef idx="0">
+            <a:schemeClr val="accent1"/>
+          </a:fillRef>
+          <a:effectRef idx="0">
+            <a:schemeClr val="accent1"/>
+          </a:effectRef>
+          <a:fontRef idx="minor">
+            <a:schemeClr val="tx1"/>
+          </a:fontRef>
+        </p:style>
+      </p:cxnSp>
+      <p:cxnSp>
+        <p:nvCxnSpPr>
+          <p:cNvPr id="8" name="Straight Connector 7"/>
+          <p:cNvCxnSpPr/>
+          <p:nvPr/>
+        </p:nvCxnSpPr>
+        <p:spPr>
+          <a:xfrm>
+            <a:off x="161764" y="2852936"/>
+            <a:ext cx="0" cy="144016"/>
+          </a:xfrm>
+          <a:prstGeom prst="line">
+            <a:avLst/>
+          </a:prstGeom>
+          <a:ln w="28575">
+            <a:solidFill>
+              <a:schemeClr val="tx2"/>
+            </a:solidFill>
+          </a:ln>
+        </p:spPr>
+        <p:style>
+          <a:lnRef idx="1">
+            <a:schemeClr val="accent1"/>
+          </a:lnRef>
+          <a:fillRef idx="0">
+            <a:schemeClr val="accent1"/>
+          </a:fillRef>
+          <a:effectRef idx="0">
+            <a:schemeClr val="accent1"/>
+          </a:effectRef>
+          <a:fontRef idx="minor">
+            <a:schemeClr val="tx1"/>
+          </a:fontRef>
+        </p:style>
+      </p:cxnSp>
+      <p:cxnSp>
+        <p:nvCxnSpPr>
+          <p:cNvPr id="9" name="Straight Connector 8"/>
+          <p:cNvCxnSpPr/>
+          <p:nvPr/>
+        </p:nvCxnSpPr>
+        <p:spPr>
+          <a:xfrm>
+            <a:off x="1601924" y="2852936"/>
+            <a:ext cx="0" cy="144016"/>
+          </a:xfrm>
+          <a:prstGeom prst="line">
+            <a:avLst/>
+          </a:prstGeom>
+          <a:ln w="28575">
+            <a:solidFill>
+              <a:schemeClr val="tx2"/>
+            </a:solidFill>
+          </a:ln>
+        </p:spPr>
+        <p:style>
+          <a:lnRef idx="1">
+            <a:schemeClr val="accent1"/>
+          </a:lnRef>
+          <a:fillRef idx="0">
+            <a:schemeClr val="accent1"/>
+          </a:fillRef>
+          <a:effectRef idx="0">
+            <a:schemeClr val="accent1"/>
+          </a:effectRef>
+          <a:fontRef idx="minor">
+            <a:schemeClr val="tx1"/>
+          </a:fontRef>
+        </p:style>
+      </p:cxnSp>
+      <p:cxnSp>
+        <p:nvCxnSpPr>
+          <p:cNvPr id="10" name="Straight Connector 9"/>
+          <p:cNvCxnSpPr/>
+          <p:nvPr/>
+        </p:nvCxnSpPr>
+        <p:spPr>
+          <a:xfrm>
+            <a:off x="3042084" y="2852936"/>
+            <a:ext cx="0" cy="144016"/>
+          </a:xfrm>
+          <a:prstGeom prst="line">
+            <a:avLst/>
+          </a:prstGeom>
+          <a:ln w="28575">
+            <a:solidFill>
+              <a:schemeClr val="tx2"/>
+            </a:solidFill>
+          </a:ln>
+        </p:spPr>
+        <p:style>
+          <a:lnRef idx="1">
+            <a:schemeClr val="accent1"/>
+          </a:lnRef>
+          <a:fillRef idx="0">
+            <a:schemeClr val="accent1"/>
+          </a:fillRef>
+          <a:effectRef idx="0">
+            <a:schemeClr val="accent1"/>
+          </a:effectRef>
+          <a:fontRef idx="minor">
+            <a:schemeClr val="tx1"/>
+          </a:fontRef>
+        </p:style>
+      </p:cxnSp>
+      <p:cxnSp>
+        <p:nvCxnSpPr>
+          <p:cNvPr id="11" name="Straight Connector 10"/>
+          <p:cNvCxnSpPr/>
+          <p:nvPr/>
+        </p:nvCxnSpPr>
+        <p:spPr>
+          <a:xfrm>
+            <a:off x="8802724" y="2852936"/>
+            <a:ext cx="0" cy="144016"/>
+          </a:xfrm>
+          <a:prstGeom prst="line">
+            <a:avLst/>
+          </a:prstGeom>
+          <a:ln w="28575">
+            <a:solidFill>
+              <a:schemeClr val="tx2"/>
+            </a:solidFill>
+          </a:ln>
+        </p:spPr>
+        <p:style>
+          <a:lnRef idx="1">
+            <a:schemeClr val="accent1"/>
+          </a:lnRef>
+          <a:fillRef idx="0">
+            <a:schemeClr val="accent1"/>
+          </a:fillRef>
+          <a:effectRef idx="0">
+            <a:schemeClr val="accent1"/>
+          </a:effectRef>
+          <a:fontRef idx="minor">
+            <a:schemeClr val="tx1"/>
+          </a:fontRef>
+        </p:style>
+      </p:cxnSp>
+      <p:cxnSp>
+        <p:nvCxnSpPr>
+          <p:cNvPr id="12" name="Straight Connector 11"/>
+          <p:cNvCxnSpPr/>
+          <p:nvPr/>
+        </p:nvCxnSpPr>
+        <p:spPr>
+          <a:xfrm>
+            <a:off x="5919353" y="2852936"/>
+            <a:ext cx="0" cy="144016"/>
+          </a:xfrm>
+          <a:prstGeom prst="line">
+            <a:avLst/>
+          </a:prstGeom>
+          <a:ln w="28575">
+            <a:solidFill>
+              <a:schemeClr val="tx2"/>
+            </a:solidFill>
+          </a:ln>
+        </p:spPr>
+        <p:style>
+          <a:lnRef idx="1">
+            <a:schemeClr val="accent1"/>
+          </a:lnRef>
+          <a:fillRef idx="0">
+            <a:schemeClr val="accent1"/>
+          </a:fillRef>
+          <a:effectRef idx="0">
+            <a:schemeClr val="accent1"/>
+          </a:effectRef>
+          <a:fontRef idx="minor">
+            <a:schemeClr val="tx1"/>
+          </a:fontRef>
+        </p:style>
+      </p:cxnSp>
+      <p:cxnSp>
+        <p:nvCxnSpPr>
+          <p:cNvPr id="13" name="Straight Connector 12"/>
+          <p:cNvCxnSpPr/>
+          <p:nvPr/>
+        </p:nvCxnSpPr>
+        <p:spPr>
+          <a:xfrm>
+            <a:off x="7359513" y="2852936"/>
+            <a:ext cx="0" cy="144016"/>
+          </a:xfrm>
+          <a:prstGeom prst="line">
+            <a:avLst/>
+          </a:prstGeom>
+          <a:ln w="28575">
+            <a:solidFill>
+              <a:schemeClr val="tx2"/>
+            </a:solidFill>
+          </a:ln>
+        </p:spPr>
+        <p:style>
+          <a:lnRef idx="1">
+            <a:schemeClr val="accent1"/>
+          </a:lnRef>
+          <a:fillRef idx="0">
+            <a:schemeClr val="accent1"/>
+          </a:fillRef>
+          <a:effectRef idx="0">
+            <a:schemeClr val="accent1"/>
+          </a:effectRef>
+          <a:fontRef idx="minor">
+            <a:schemeClr val="tx1"/>
+          </a:fontRef>
+        </p:style>
+      </p:cxnSp>
+      <p:sp>
+        <p:nvSpPr>
+          <p:cNvPr id="16" name="Rectangle 15"/>
+          <p:cNvSpPr/>
+          <p:nvPr/>
+        </p:nvSpPr>
+        <p:spPr>
+          <a:xfrm>
+            <a:off x="251520" y="116632"/>
+            <a:ext cx="1224136" cy="504056"/>
+          </a:xfrm>
+          <a:prstGeom prst="rect">
+            <a:avLst/>
+          </a:prstGeom>
+          <a:noFill/>
+        </p:spPr>
+        <p:style>
+          <a:lnRef idx="2">
+            <a:schemeClr val="accent1">
+              <a:shade val="50000"/>
+            </a:schemeClr>
+          </a:lnRef>
+          <a:fillRef idx="1">
+            <a:schemeClr val="accent1"/>
+          </a:fillRef>
+          <a:effectRef idx="0">
+            <a:schemeClr val="accent1"/>
+          </a:effectRef>
+          <a:fontRef idx="minor">
+            <a:schemeClr val="lt1"/>
+          </a:fontRef>
+        </p:style>
+        <p:txBody>
+          <a:bodyPr rtlCol="0" anchor="ctr"/>
+          <a:lstStyle/>
+          <a:p>
+            <a:pPr algn="ctr"/>
+            <a:r>
+              <a:rPr lang="de-DE" sz="1400" dirty="0" smtClean="0">
+                <a:solidFill>
+                  <a:schemeClr val="tx2"/>
+                </a:solidFill>
+              </a:rPr>
+              <a:t>Geplanter </a:t>
+            </a:r>
+          </a:p>
+          <a:p>
+            <a:pPr algn="ctr"/>
+            <a:r>
+              <a:rPr lang="de-DE" sz="1400" dirty="0" smtClean="0">
+                <a:solidFill>
+                  <a:schemeClr val="tx2"/>
+                </a:solidFill>
+              </a:rPr>
+              <a:t>Zeitraum</a:t>
+            </a:r>
+            <a:endParaRPr lang="de-DE" sz="1400" dirty="0" smtClean="0">
+              <a:solidFill>
+                <a:schemeClr val="tx2"/>
+              </a:solidFill>
+            </a:endParaRPr>
+          </a:p>
+        </p:txBody>
+      </p:sp>
+      <p:sp>
+        <p:nvSpPr>
+          <p:cNvPr id="17" name="Rectangle 16"/>
+          <p:cNvSpPr/>
+          <p:nvPr/>
+        </p:nvSpPr>
+        <p:spPr>
+          <a:xfrm>
+            <a:off x="251520" y="6021288"/>
+            <a:ext cx="1224136" cy="504056"/>
+          </a:xfrm>
+          <a:prstGeom prst="rect">
+            <a:avLst/>
+          </a:prstGeom>
+          <a:noFill/>
+        </p:spPr>
+        <p:style>
+          <a:lnRef idx="2">
+            <a:schemeClr val="accent1">
+              <a:shade val="50000"/>
+            </a:schemeClr>
+          </a:lnRef>
+          <a:fillRef idx="1">
+            <a:schemeClr val="accent1"/>
+          </a:fillRef>
+          <a:effectRef idx="0">
+            <a:schemeClr val="accent1"/>
+          </a:effectRef>
+          <a:fontRef idx="minor">
+            <a:schemeClr val="lt1"/>
+          </a:fontRef>
+        </p:style>
+        <p:txBody>
+          <a:bodyPr rtlCol="0" anchor="ctr"/>
+          <a:lstStyle/>
+          <a:p>
+            <a:pPr algn="ctr"/>
+            <a:r>
+              <a:rPr lang="de-DE" sz="1400" dirty="0" smtClean="0">
+                <a:solidFill>
+                  <a:schemeClr val="tx2"/>
+                </a:solidFill>
+              </a:rPr>
+              <a:t>Umsetzung </a:t>
+            </a:r>
+          </a:p>
+        </p:txBody>
+      </p:sp>
+      <p:sp>
+        <p:nvSpPr>
+          <p:cNvPr id="18" name="TextBox 17"/>
+          <p:cNvSpPr txBox="1"/>
+          <p:nvPr/>
+        </p:nvSpPr>
+        <p:spPr>
+          <a:xfrm>
+            <a:off x="683568" y="2924944"/>
+            <a:ext cx="590867" cy="276999"/>
+          </a:xfrm>
+          <a:prstGeom prst="rect">
+            <a:avLst/>
+          </a:prstGeom>
+          <a:noFill/>
+        </p:spPr>
+        <p:txBody>
+          <a:bodyPr wrap="none" rtlCol="0">
+            <a:spAutoFit/>
+          </a:bodyPr>
+          <a:lstStyle/>
+          <a:p>
+            <a:r>
+              <a:rPr lang="de-DE" sz="1200" dirty="0" smtClean="0">
+                <a:solidFill>
+                  <a:schemeClr val="tx2"/>
+                </a:solidFill>
+              </a:rPr>
+              <a:t>KW 10</a:t>
+            </a:r>
+          </a:p>
+        </p:txBody>
+      </p:sp>
+      <p:sp>
+        <p:nvSpPr>
+          <p:cNvPr id="19" name="TextBox 18"/>
+          <p:cNvSpPr txBox="1"/>
+          <p:nvPr/>
+        </p:nvSpPr>
+        <p:spPr>
+          <a:xfrm>
+            <a:off x="2123728" y="2924944"/>
+            <a:ext cx="590867" cy="276999"/>
+          </a:xfrm>
+          <a:prstGeom prst="rect">
+            <a:avLst/>
+          </a:prstGeom>
+          <a:noFill/>
+        </p:spPr>
+        <p:txBody>
+          <a:bodyPr wrap="none" rtlCol="0">
+            <a:spAutoFit/>
+          </a:bodyPr>
+          <a:lstStyle/>
+          <a:p>
+            <a:r>
+              <a:rPr lang="de-DE" sz="1200" dirty="0" smtClean="0">
+                <a:solidFill>
+                  <a:schemeClr val="tx2"/>
+                </a:solidFill>
+              </a:rPr>
+              <a:t>KW 11</a:t>
+            </a:r>
+          </a:p>
+        </p:txBody>
+      </p:sp>
+      <p:sp>
+        <p:nvSpPr>
+          <p:cNvPr id="20" name="TextBox 19"/>
+          <p:cNvSpPr txBox="1"/>
+          <p:nvPr/>
+        </p:nvSpPr>
+        <p:spPr>
+          <a:xfrm>
+            <a:off x="3563888" y="2924944"/>
+            <a:ext cx="590867" cy="276999"/>
+          </a:xfrm>
+          <a:prstGeom prst="rect">
+            <a:avLst/>
+          </a:prstGeom>
+          <a:noFill/>
+        </p:spPr>
+        <p:txBody>
+          <a:bodyPr wrap="none" rtlCol="0">
+            <a:spAutoFit/>
+          </a:bodyPr>
+          <a:lstStyle/>
+          <a:p>
+            <a:r>
+              <a:rPr lang="de-DE" sz="1200" dirty="0" smtClean="0">
+                <a:solidFill>
+                  <a:schemeClr val="tx2"/>
+                </a:solidFill>
+              </a:rPr>
+              <a:t>KW 12</a:t>
+            </a:r>
+          </a:p>
+        </p:txBody>
+      </p:sp>
+      <p:sp>
+        <p:nvSpPr>
+          <p:cNvPr id="21" name="TextBox 20"/>
+          <p:cNvSpPr txBox="1"/>
+          <p:nvPr/>
+        </p:nvSpPr>
+        <p:spPr>
+          <a:xfrm>
+            <a:off x="5004048" y="2924944"/>
+            <a:ext cx="590867" cy="276999"/>
+          </a:xfrm>
+          <a:prstGeom prst="rect">
+            <a:avLst/>
+          </a:prstGeom>
+          <a:noFill/>
+        </p:spPr>
+        <p:txBody>
+          <a:bodyPr wrap="none" rtlCol="0">
+            <a:spAutoFit/>
+          </a:bodyPr>
+          <a:lstStyle/>
+          <a:p>
+            <a:r>
+              <a:rPr lang="de-DE" sz="1200" dirty="0" smtClean="0">
+                <a:solidFill>
+                  <a:schemeClr val="tx2"/>
+                </a:solidFill>
+              </a:rPr>
+              <a:t>KW 13</a:t>
+            </a:r>
+          </a:p>
+        </p:txBody>
+      </p:sp>
+      <p:sp>
+        <p:nvSpPr>
+          <p:cNvPr id="22" name="TextBox 21"/>
+          <p:cNvSpPr txBox="1"/>
+          <p:nvPr/>
+        </p:nvSpPr>
+        <p:spPr>
+          <a:xfrm>
+            <a:off x="6444208" y="2924944"/>
+            <a:ext cx="590867" cy="276999"/>
+          </a:xfrm>
+          <a:prstGeom prst="rect">
+            <a:avLst/>
+          </a:prstGeom>
+          <a:noFill/>
+        </p:spPr>
+        <p:txBody>
+          <a:bodyPr wrap="none" rtlCol="0">
+            <a:spAutoFit/>
+          </a:bodyPr>
+          <a:lstStyle/>
+          <a:p>
+            <a:r>
+              <a:rPr lang="de-DE" sz="1200" dirty="0" smtClean="0">
+                <a:solidFill>
+                  <a:schemeClr val="tx2"/>
+                </a:solidFill>
+              </a:rPr>
+              <a:t>KW 14</a:t>
+            </a:r>
+          </a:p>
+        </p:txBody>
+      </p:sp>
+      <p:sp>
+        <p:nvSpPr>
+          <p:cNvPr id="23" name="TextBox 22"/>
+          <p:cNvSpPr txBox="1"/>
+          <p:nvPr/>
+        </p:nvSpPr>
+        <p:spPr>
+          <a:xfrm>
+            <a:off x="7884368" y="2924944"/>
+            <a:ext cx="590867" cy="276999"/>
+          </a:xfrm>
+          <a:prstGeom prst="rect">
+            <a:avLst/>
+          </a:prstGeom>
+          <a:noFill/>
+        </p:spPr>
+        <p:txBody>
+          <a:bodyPr wrap="none" rtlCol="0">
+            <a:spAutoFit/>
+          </a:bodyPr>
+          <a:lstStyle/>
+          <a:p>
+            <a:r>
+              <a:rPr lang="de-DE" sz="1200" dirty="0" smtClean="0">
+                <a:solidFill>
+                  <a:schemeClr val="tx2"/>
+                </a:solidFill>
+              </a:rPr>
+              <a:t>KW 15</a:t>
+            </a:r>
+          </a:p>
+        </p:txBody>
+      </p:sp>
+      <p:sp>
+        <p:nvSpPr>
+          <p:cNvPr id="33" name="TextBox 32"/>
+          <p:cNvSpPr txBox="1"/>
+          <p:nvPr/>
+        </p:nvSpPr>
+        <p:spPr>
+          <a:xfrm>
+            <a:off x="395536" y="2204864"/>
+            <a:ext cx="1052852" cy="523220"/>
+          </a:xfrm>
+          <a:prstGeom prst="rect">
+            <a:avLst/>
+          </a:prstGeom>
+          <a:noFill/>
+        </p:spPr>
+        <p:txBody>
+          <a:bodyPr wrap="none" rtlCol="0">
+            <a:spAutoFit/>
+          </a:bodyPr>
+          <a:lstStyle/>
+          <a:p>
+            <a:r>
+              <a:rPr lang="de-DE" sz="1400" b="1" dirty="0" smtClean="0">
+                <a:solidFill>
+                  <a:schemeClr val="accent3"/>
+                </a:solidFill>
+              </a:rPr>
+              <a:t>Datenbank-</a:t>
+            </a:r>
+          </a:p>
+          <a:p>
+            <a:r>
+              <a:rPr lang="de-DE" sz="1400" b="1" dirty="0" smtClean="0">
+                <a:solidFill>
+                  <a:schemeClr val="accent3"/>
+                </a:solidFill>
+              </a:rPr>
+              <a:t>anbindung</a:t>
+            </a:r>
+            <a:endParaRPr lang="de-DE" sz="1400" b="1" dirty="0">
+              <a:solidFill>
+                <a:schemeClr val="accent3"/>
+              </a:solidFill>
+            </a:endParaRPr>
+          </a:p>
+        </p:txBody>
+      </p:sp>
+      <p:cxnSp>
+        <p:nvCxnSpPr>
+          <p:cNvPr id="35" name="Straight Connector 34"/>
+          <p:cNvCxnSpPr/>
+          <p:nvPr/>
+        </p:nvCxnSpPr>
+        <p:spPr>
+          <a:xfrm>
+            <a:off x="251520" y="3284984"/>
+            <a:ext cx="1368152" cy="0"/>
+          </a:xfrm>
+          <a:prstGeom prst="line">
+            <a:avLst/>
+          </a:prstGeom>
+          <a:ln w="76200">
+            <a:solidFill>
+              <a:schemeClr val="accent3"/>
+            </a:solidFill>
+          </a:ln>
+        </p:spPr>
+        <p:style>
+          <a:lnRef idx="1">
+            <a:schemeClr val="accent1"/>
+          </a:lnRef>
+          <a:fillRef idx="0">
+            <a:schemeClr val="accent1"/>
+          </a:fillRef>
+          <a:effectRef idx="0">
+            <a:schemeClr val="accent1"/>
+          </a:effectRef>
+          <a:fontRef idx="minor">
+            <a:schemeClr val="tx1"/>
+          </a:fontRef>
+        </p:style>
+      </p:cxnSp>
+      <p:sp>
+        <p:nvSpPr>
+          <p:cNvPr id="39" name="TextBox 38"/>
+          <p:cNvSpPr txBox="1"/>
+          <p:nvPr/>
+        </p:nvSpPr>
+        <p:spPr>
+          <a:xfrm>
+            <a:off x="1737400" y="2216294"/>
+            <a:ext cx="1251625" cy="523220"/>
+          </a:xfrm>
+          <a:prstGeom prst="rect">
+            <a:avLst/>
+          </a:prstGeom>
+          <a:noFill/>
+        </p:spPr>
+        <p:txBody>
+          <a:bodyPr wrap="none" rtlCol="0">
+            <a:spAutoFit/>
+          </a:bodyPr>
+          <a:lstStyle/>
+          <a:p>
+            <a:r>
+              <a:rPr lang="de-DE" sz="1400" b="1" dirty="0" smtClean="0">
+                <a:solidFill>
+                  <a:schemeClr val="accent2"/>
+                </a:solidFill>
+              </a:rPr>
+              <a:t>CSS/Javascript</a:t>
+            </a:r>
+          </a:p>
+          <a:p>
+            <a:r>
+              <a:rPr lang="de-DE" sz="1400" b="1" dirty="0" smtClean="0">
+                <a:solidFill>
+                  <a:schemeClr val="accent2"/>
+                </a:solidFill>
+              </a:rPr>
+              <a:t>Anpassen</a:t>
+            </a:r>
+          </a:p>
+        </p:txBody>
+      </p:sp>
+      <p:sp>
+        <p:nvSpPr>
+          <p:cNvPr id="40" name="TextBox 39"/>
+          <p:cNvSpPr txBox="1"/>
+          <p:nvPr/>
+        </p:nvSpPr>
+        <p:spPr>
+          <a:xfrm>
+            <a:off x="1760260" y="1628800"/>
+            <a:ext cx="1160254" cy="523220"/>
+          </a:xfrm>
+          <a:prstGeom prst="rect">
+            <a:avLst/>
+          </a:prstGeom>
+          <a:noFill/>
+        </p:spPr>
+        <p:txBody>
+          <a:bodyPr wrap="none" rtlCol="0">
+            <a:spAutoFit/>
+          </a:bodyPr>
+          <a:lstStyle/>
+          <a:p>
+            <a:r>
+              <a:rPr lang="de-DE" sz="1400" b="1" dirty="0" smtClean="0">
+                <a:solidFill>
+                  <a:schemeClr val="tx2"/>
+                </a:solidFill>
+              </a:rPr>
+              <a:t>Forum und </a:t>
+            </a:r>
+          </a:p>
+          <a:p>
+            <a:r>
+              <a:rPr lang="de-DE" sz="1400" b="1" dirty="0" smtClean="0">
+                <a:solidFill>
+                  <a:schemeClr val="tx2"/>
+                </a:solidFill>
+              </a:rPr>
+              <a:t>Spielberichte</a:t>
+            </a:r>
+            <a:endParaRPr lang="de-DE" sz="1400" b="1" dirty="0">
+              <a:solidFill>
+                <a:schemeClr val="tx2"/>
+              </a:solidFill>
+            </a:endParaRPr>
+          </a:p>
+        </p:txBody>
+      </p:sp>
+      <p:sp>
+        <p:nvSpPr>
+          <p:cNvPr id="41" name="TextBox 40"/>
+          <p:cNvSpPr txBox="1"/>
+          <p:nvPr/>
+        </p:nvSpPr>
+        <p:spPr>
+          <a:xfrm>
+            <a:off x="1760260" y="1340768"/>
+            <a:ext cx="1049903" cy="307777"/>
+          </a:xfrm>
+          <a:prstGeom prst="rect">
+            <a:avLst/>
+          </a:prstGeom>
+          <a:noFill/>
+        </p:spPr>
+        <p:txBody>
+          <a:bodyPr wrap="none" rtlCol="0">
+            <a:spAutoFit/>
+          </a:bodyPr>
+          <a:lstStyle/>
+          <a:p>
+            <a:r>
+              <a:rPr lang="de-DE" sz="1400" b="1" dirty="0" smtClean="0">
+                <a:solidFill>
+                  <a:schemeClr val="accent5"/>
+                </a:solidFill>
+              </a:rPr>
+              <a:t>Adressbuch</a:t>
+            </a:r>
+            <a:endParaRPr lang="de-DE" sz="1400" b="1" dirty="0">
+              <a:solidFill>
+                <a:schemeClr val="accent5"/>
+              </a:solidFill>
+            </a:endParaRPr>
+          </a:p>
+        </p:txBody>
+      </p:sp>
+      <p:cxnSp>
+        <p:nvCxnSpPr>
+          <p:cNvPr id="43" name="Straight Connector 42"/>
+          <p:cNvCxnSpPr/>
+          <p:nvPr/>
+        </p:nvCxnSpPr>
+        <p:spPr>
+          <a:xfrm>
+            <a:off x="6012160" y="4869160"/>
+            <a:ext cx="1296144" cy="0"/>
+          </a:xfrm>
+          <a:prstGeom prst="line">
+            <a:avLst/>
+          </a:prstGeom>
+          <a:ln w="76200">
+            <a:solidFill>
+              <a:schemeClr val="accent5"/>
+            </a:solidFill>
+          </a:ln>
+        </p:spPr>
+        <p:style>
+          <a:lnRef idx="1">
+            <a:schemeClr val="accent1"/>
+          </a:lnRef>
+          <a:fillRef idx="0">
+            <a:schemeClr val="accent1"/>
+          </a:fillRef>
+          <a:effectRef idx="0">
+            <a:schemeClr val="accent1"/>
+          </a:effectRef>
+          <a:fontRef idx="minor">
+            <a:schemeClr val="tx1"/>
+          </a:fontRef>
+        </p:style>
+      </p:cxnSp>
+      <p:cxnSp>
+        <p:nvCxnSpPr>
+          <p:cNvPr id="45" name="Straight Connector 44"/>
+          <p:cNvCxnSpPr/>
+          <p:nvPr/>
+        </p:nvCxnSpPr>
+        <p:spPr>
+          <a:xfrm>
+            <a:off x="1691680" y="3501008"/>
+            <a:ext cx="1296144" cy="0"/>
+          </a:xfrm>
+          <a:prstGeom prst="line">
+            <a:avLst/>
+          </a:prstGeom>
+          <a:ln w="76200">
+            <a:solidFill>
+              <a:schemeClr val="tx2"/>
+            </a:solidFill>
+          </a:ln>
+        </p:spPr>
+        <p:style>
+          <a:lnRef idx="1">
+            <a:schemeClr val="accent1"/>
+          </a:lnRef>
+          <a:fillRef idx="0">
+            <a:schemeClr val="accent1"/>
+          </a:fillRef>
+          <a:effectRef idx="0">
+            <a:schemeClr val="accent1"/>
+          </a:effectRef>
+          <a:fontRef idx="minor">
+            <a:schemeClr val="tx1"/>
+          </a:fontRef>
+        </p:style>
+      </p:cxnSp>
+      <p:cxnSp>
+        <p:nvCxnSpPr>
+          <p:cNvPr id="47" name="Straight Connector 46"/>
+          <p:cNvCxnSpPr/>
+          <p:nvPr/>
+        </p:nvCxnSpPr>
+        <p:spPr>
+          <a:xfrm>
+            <a:off x="4355976" y="3501008"/>
+            <a:ext cx="432048" cy="0"/>
+          </a:xfrm>
+          <a:prstGeom prst="line">
+            <a:avLst/>
+          </a:prstGeom>
+          <a:ln w="76200">
+            <a:solidFill>
+              <a:schemeClr val="tx2"/>
+            </a:solidFill>
+          </a:ln>
+        </p:spPr>
+        <p:style>
+          <a:lnRef idx="1">
+            <a:schemeClr val="accent1"/>
+          </a:lnRef>
+          <a:fillRef idx="0">
+            <a:schemeClr val="accent1"/>
+          </a:fillRef>
+          <a:effectRef idx="0">
+            <a:schemeClr val="accent1"/>
+          </a:effectRef>
+          <a:fontRef idx="minor">
+            <a:schemeClr val="tx1"/>
+          </a:fontRef>
+        </p:style>
+      </p:cxnSp>
+      <p:cxnSp>
+        <p:nvCxnSpPr>
+          <p:cNvPr id="49" name="Straight Connector 48"/>
+          <p:cNvCxnSpPr/>
+          <p:nvPr/>
+        </p:nvCxnSpPr>
+        <p:spPr>
+          <a:xfrm>
+            <a:off x="2267744" y="3717032"/>
+            <a:ext cx="288032" cy="0"/>
+          </a:xfrm>
+          <a:prstGeom prst="line">
+            <a:avLst/>
+          </a:prstGeom>
+          <a:ln w="76200">
+            <a:solidFill>
+              <a:schemeClr val="accent2"/>
+            </a:solidFill>
+          </a:ln>
+        </p:spPr>
+        <p:style>
+          <a:lnRef idx="1">
+            <a:schemeClr val="accent1"/>
+          </a:lnRef>
+          <a:fillRef idx="0">
+            <a:schemeClr val="accent1"/>
+          </a:fillRef>
+          <a:effectRef idx="0">
+            <a:schemeClr val="accent1"/>
+          </a:effectRef>
+          <a:fontRef idx="minor">
+            <a:schemeClr val="tx1"/>
+          </a:fontRef>
+        </p:style>
+      </p:cxnSp>
+      <p:sp>
+        <p:nvSpPr>
+          <p:cNvPr id="50" name="TextBox 49"/>
+          <p:cNvSpPr txBox="1"/>
+          <p:nvPr/>
+        </p:nvSpPr>
+        <p:spPr>
+          <a:xfrm>
+            <a:off x="3275856" y="2348880"/>
+            <a:ext cx="1126847" cy="307777"/>
+          </a:xfrm>
+          <a:prstGeom prst="rect">
+            <a:avLst/>
+          </a:prstGeom>
+          <a:noFill/>
+        </p:spPr>
+        <p:txBody>
+          <a:bodyPr wrap="none" rtlCol="0">
+            <a:spAutoFit/>
+          </a:bodyPr>
+          <a:lstStyle/>
+          <a:p>
+            <a:r>
+              <a:rPr lang="de-DE" sz="1400" b="1" dirty="0" smtClean="0">
+                <a:solidFill>
+                  <a:schemeClr val="accent6"/>
+                </a:solidFill>
+              </a:rPr>
+              <a:t>Bildergalerie</a:t>
+            </a:r>
+            <a:endParaRPr lang="de-DE" sz="1400" b="1" dirty="0">
+              <a:solidFill>
+                <a:schemeClr val="accent6"/>
+              </a:solidFill>
+            </a:endParaRPr>
+          </a:p>
+        </p:txBody>
+      </p:sp>
+      <p:sp>
+        <p:nvSpPr>
+          <p:cNvPr id="51" name="TextBox 50"/>
+          <p:cNvSpPr txBox="1"/>
+          <p:nvPr/>
+        </p:nvSpPr>
+        <p:spPr>
+          <a:xfrm>
+            <a:off x="3563888" y="1340768"/>
+            <a:ext cx="2232248" cy="307777"/>
+          </a:xfrm>
+          <a:prstGeom prst="rect">
+            <a:avLst/>
+          </a:prstGeom>
+          <a:noFill/>
+        </p:spPr>
+        <p:txBody>
+          <a:bodyPr wrap="square" rtlCol="0">
+            <a:spAutoFit/>
+          </a:bodyPr>
+          <a:lstStyle/>
+          <a:p>
+            <a:r>
+              <a:rPr lang="de-DE" sz="1400" b="1" dirty="0" smtClean="0"/>
+              <a:t>Login und Registrierung</a:t>
+            </a:r>
+            <a:endParaRPr lang="de-DE" sz="1400" b="1" dirty="0"/>
+          </a:p>
+        </p:txBody>
+      </p:sp>
+      <p:sp>
+        <p:nvSpPr>
+          <p:cNvPr id="52" name="TextBox 51"/>
+          <p:cNvSpPr txBox="1"/>
+          <p:nvPr/>
+        </p:nvSpPr>
+        <p:spPr>
+          <a:xfrm>
+            <a:off x="3275856" y="1658516"/>
+            <a:ext cx="1109984" cy="523220"/>
+          </a:xfrm>
+          <a:prstGeom prst="rect">
+            <a:avLst/>
+          </a:prstGeom>
+          <a:noFill/>
+        </p:spPr>
+        <p:txBody>
+          <a:bodyPr wrap="none" rtlCol="0">
+            <a:spAutoFit/>
+          </a:bodyPr>
+          <a:lstStyle/>
+          <a:p>
+            <a:r>
+              <a:rPr lang="de-DE" sz="1400" b="1" dirty="0" smtClean="0">
+                <a:solidFill>
+                  <a:schemeClr val="accent4"/>
+                </a:solidFill>
+              </a:rPr>
+              <a:t>Dokumente-</a:t>
+            </a:r>
+          </a:p>
+          <a:p>
+            <a:r>
+              <a:rPr lang="de-DE" sz="1400" b="1" dirty="0" smtClean="0">
+                <a:solidFill>
+                  <a:schemeClr val="accent4"/>
+                </a:solidFill>
+              </a:rPr>
+              <a:t>manager</a:t>
+            </a:r>
+            <a:endParaRPr lang="de-DE" sz="1400" b="1" dirty="0">
+              <a:solidFill>
+                <a:schemeClr val="accent4"/>
+              </a:solidFill>
+            </a:endParaRPr>
+          </a:p>
+        </p:txBody>
+      </p:sp>
+      <p:sp>
+        <p:nvSpPr>
+          <p:cNvPr id="53" name="TextBox 52"/>
+          <p:cNvSpPr txBox="1"/>
+          <p:nvPr/>
+        </p:nvSpPr>
+        <p:spPr>
+          <a:xfrm>
+            <a:off x="3923928" y="980728"/>
+            <a:ext cx="2232248" cy="307777"/>
+          </a:xfrm>
+          <a:prstGeom prst="rect">
+            <a:avLst/>
+          </a:prstGeom>
+          <a:noFill/>
+        </p:spPr>
+        <p:txBody>
+          <a:bodyPr wrap="square" rtlCol="0">
+            <a:spAutoFit/>
+          </a:bodyPr>
+          <a:lstStyle/>
+          <a:p>
+            <a:r>
+              <a:rPr lang="de-DE" sz="1400" b="1" dirty="0" smtClean="0">
+                <a:solidFill>
+                  <a:srgbClr val="FF0000"/>
+                </a:solidFill>
+              </a:rPr>
+              <a:t>Terminplaner</a:t>
+            </a:r>
+            <a:endParaRPr lang="de-DE" sz="1400" b="1" dirty="0">
+              <a:solidFill>
+                <a:srgbClr val="FF0000"/>
+              </a:solidFill>
+            </a:endParaRPr>
+          </a:p>
+        </p:txBody>
+      </p:sp>
+      <p:sp>
+        <p:nvSpPr>
+          <p:cNvPr id="54" name="TextBox 53"/>
+          <p:cNvSpPr txBox="1"/>
+          <p:nvPr/>
+        </p:nvSpPr>
+        <p:spPr>
+          <a:xfrm>
+            <a:off x="4644008" y="2231152"/>
+            <a:ext cx="1300036" cy="523220"/>
+          </a:xfrm>
+          <a:prstGeom prst="rect">
+            <a:avLst/>
+          </a:prstGeom>
+          <a:noFill/>
+        </p:spPr>
+        <p:txBody>
+          <a:bodyPr wrap="none" rtlCol="0">
+            <a:spAutoFit/>
+          </a:bodyPr>
+          <a:lstStyle/>
+          <a:p>
+            <a:r>
+              <a:rPr lang="de-DE" sz="1400" b="1" dirty="0" smtClean="0">
+                <a:solidFill>
+                  <a:schemeClr val="bg2">
+                    <a:lumMod val="50000"/>
+                  </a:schemeClr>
+                </a:solidFill>
+              </a:rPr>
+              <a:t>Userbezogener</a:t>
+            </a:r>
+          </a:p>
+          <a:p>
+            <a:r>
+              <a:rPr lang="de-DE" sz="1400" b="1" dirty="0" smtClean="0">
+                <a:solidFill>
+                  <a:schemeClr val="bg2">
+                    <a:lumMod val="50000"/>
+                  </a:schemeClr>
+                </a:solidFill>
+              </a:rPr>
+              <a:t>Content</a:t>
+            </a:r>
+            <a:endParaRPr lang="de-DE" sz="1400" b="1" dirty="0">
+              <a:solidFill>
+                <a:schemeClr val="bg2">
+                  <a:lumMod val="50000"/>
+                </a:schemeClr>
+              </a:solidFill>
+            </a:endParaRPr>
+          </a:p>
+        </p:txBody>
+      </p:sp>
+      <p:sp>
+        <p:nvSpPr>
+          <p:cNvPr id="55" name="TextBox 54"/>
+          <p:cNvSpPr txBox="1"/>
+          <p:nvPr/>
+        </p:nvSpPr>
+        <p:spPr>
+          <a:xfrm>
+            <a:off x="6012160" y="2231152"/>
+            <a:ext cx="1352422" cy="523220"/>
+          </a:xfrm>
+          <a:prstGeom prst="rect">
+            <a:avLst/>
+          </a:prstGeom>
+          <a:noFill/>
+        </p:spPr>
+        <p:txBody>
+          <a:bodyPr wrap="none" rtlCol="0">
+            <a:spAutoFit/>
+          </a:bodyPr>
+          <a:lstStyle/>
+          <a:p>
+            <a:r>
+              <a:rPr lang="de-DE" sz="1400" b="1" dirty="0" smtClean="0">
+                <a:solidFill>
+                  <a:srgbClr val="FF33CC"/>
+                </a:solidFill>
+              </a:rPr>
+              <a:t>Testen und</a:t>
+            </a:r>
+          </a:p>
+          <a:p>
+            <a:r>
+              <a:rPr lang="de-DE" sz="1400" b="1" dirty="0" smtClean="0">
+                <a:solidFill>
+                  <a:srgbClr val="FF33CC"/>
+                </a:solidFill>
+              </a:rPr>
+              <a:t>Dokumentation</a:t>
+            </a:r>
+            <a:endParaRPr lang="de-DE" sz="1400" b="1" dirty="0">
+              <a:solidFill>
+                <a:srgbClr val="FF33CC"/>
+              </a:solidFill>
+            </a:endParaRPr>
+          </a:p>
+        </p:txBody>
+      </p:sp>
+      <p:cxnSp>
+        <p:nvCxnSpPr>
+          <p:cNvPr id="57" name="Straight Connector 56"/>
+          <p:cNvCxnSpPr/>
+          <p:nvPr/>
+        </p:nvCxnSpPr>
+        <p:spPr>
+          <a:xfrm>
+            <a:off x="2411760" y="3933056"/>
+            <a:ext cx="6336704" cy="0"/>
+          </a:xfrm>
+          <a:prstGeom prst="line">
+            <a:avLst/>
+          </a:prstGeom>
+          <a:ln w="76200">
+            <a:solidFill>
+              <a:srgbClr val="FF33CC"/>
+            </a:solidFill>
+          </a:ln>
+        </p:spPr>
+        <p:style>
+          <a:lnRef idx="1">
+            <a:schemeClr val="accent1"/>
+          </a:lnRef>
+          <a:fillRef idx="0">
+            <a:schemeClr val="accent1"/>
+          </a:fillRef>
+          <a:effectRef idx="0">
+            <a:schemeClr val="accent1"/>
+          </a:effectRef>
+          <a:fontRef idx="minor">
+            <a:schemeClr val="tx1"/>
+          </a:fontRef>
+        </p:style>
+      </p:cxnSp>
+      <p:cxnSp>
+        <p:nvCxnSpPr>
+          <p:cNvPr id="61" name="Straight Connector 60"/>
+          <p:cNvCxnSpPr/>
+          <p:nvPr/>
+        </p:nvCxnSpPr>
+        <p:spPr>
+          <a:xfrm>
+            <a:off x="2915816" y="4293096"/>
+            <a:ext cx="576064" cy="0"/>
+          </a:xfrm>
+          <a:prstGeom prst="line">
+            <a:avLst/>
+          </a:prstGeom>
+          <a:ln w="76200">
+            <a:solidFill>
+              <a:schemeClr val="accent6"/>
+            </a:solidFill>
+          </a:ln>
+        </p:spPr>
+        <p:style>
+          <a:lnRef idx="1">
+            <a:schemeClr val="accent1"/>
+          </a:lnRef>
+          <a:fillRef idx="0">
+            <a:schemeClr val="accent1"/>
+          </a:fillRef>
+          <a:effectRef idx="0">
+            <a:schemeClr val="accent1"/>
+          </a:effectRef>
+          <a:fontRef idx="minor">
+            <a:schemeClr val="tx1"/>
+          </a:fontRef>
+        </p:style>
+      </p:cxnSp>
+      <p:cxnSp>
+        <p:nvCxnSpPr>
+          <p:cNvPr id="62" name="Straight Connector 61"/>
+          <p:cNvCxnSpPr/>
+          <p:nvPr/>
+        </p:nvCxnSpPr>
+        <p:spPr>
+          <a:xfrm>
+            <a:off x="4860032" y="4293096"/>
+            <a:ext cx="576064" cy="0"/>
+          </a:xfrm>
+          <a:prstGeom prst="line">
+            <a:avLst/>
+          </a:prstGeom>
+          <a:ln w="76200">
+            <a:solidFill>
+              <a:schemeClr val="accent6"/>
+            </a:solidFill>
+          </a:ln>
+        </p:spPr>
+        <p:style>
+          <a:lnRef idx="1">
+            <a:schemeClr val="accent1"/>
+          </a:lnRef>
+          <a:fillRef idx="0">
+            <a:schemeClr val="accent1"/>
+          </a:fillRef>
+          <a:effectRef idx="0">
+            <a:schemeClr val="accent1"/>
+          </a:effectRef>
+          <a:fontRef idx="minor">
+            <a:schemeClr val="tx1"/>
+          </a:fontRef>
+        </p:style>
+      </p:cxnSp>
+      <p:cxnSp>
+        <p:nvCxnSpPr>
+          <p:cNvPr id="64" name="Straight Connector 63"/>
+          <p:cNvCxnSpPr/>
+          <p:nvPr/>
+        </p:nvCxnSpPr>
+        <p:spPr>
+          <a:xfrm>
+            <a:off x="8388424" y="5661248"/>
+            <a:ext cx="360040" cy="0"/>
+          </a:xfrm>
+          <a:prstGeom prst="line">
+            <a:avLst/>
+          </a:prstGeom>
+          <a:ln w="76200">
+            <a:solidFill>
+              <a:schemeClr val="accent4"/>
+            </a:solidFill>
+          </a:ln>
+        </p:spPr>
+        <p:style>
+          <a:lnRef idx="1">
+            <a:schemeClr val="accent1"/>
+          </a:lnRef>
+          <a:fillRef idx="0">
+            <a:schemeClr val="accent1"/>
+          </a:fillRef>
+          <a:effectRef idx="0">
+            <a:schemeClr val="accent1"/>
+          </a:effectRef>
+          <a:fontRef idx="minor">
+            <a:schemeClr val="tx1"/>
+          </a:fontRef>
+        </p:style>
+      </p:cxnSp>
+      <p:cxnSp>
+        <p:nvCxnSpPr>
+          <p:cNvPr id="67" name="Straight Connector 66"/>
+          <p:cNvCxnSpPr/>
+          <p:nvPr/>
+        </p:nvCxnSpPr>
+        <p:spPr>
+          <a:xfrm>
+            <a:off x="8172400" y="5373216"/>
+            <a:ext cx="288032" cy="0"/>
+          </a:xfrm>
+          <a:prstGeom prst="line">
+            <a:avLst/>
+          </a:prstGeom>
+          <a:ln w="76200">
+            <a:solidFill>
+              <a:srgbClr val="FF0000"/>
+            </a:solidFill>
+          </a:ln>
+        </p:spPr>
+        <p:style>
+          <a:lnRef idx="1">
+            <a:schemeClr val="accent1"/>
+          </a:lnRef>
+          <a:fillRef idx="0">
+            <a:schemeClr val="accent1"/>
+          </a:fillRef>
+          <a:effectRef idx="0">
+            <a:schemeClr val="accent1"/>
+          </a:effectRef>
+          <a:fontRef idx="minor">
+            <a:schemeClr val="tx1"/>
+          </a:fontRef>
+        </p:style>
+      </p:cxnSp>
+      <p:cxnSp>
+        <p:nvCxnSpPr>
+          <p:cNvPr id="69" name="Straight Connector 68"/>
+          <p:cNvCxnSpPr/>
+          <p:nvPr/>
+        </p:nvCxnSpPr>
+        <p:spPr>
+          <a:xfrm>
+            <a:off x="6948264" y="3501008"/>
+            <a:ext cx="720080" cy="0"/>
+          </a:xfrm>
+          <a:prstGeom prst="line">
+            <a:avLst/>
+          </a:prstGeom>
+          <a:ln w="76200">
+            <a:solidFill>
+              <a:schemeClr val="tx2"/>
+            </a:solidFill>
+          </a:ln>
+        </p:spPr>
+        <p:style>
+          <a:lnRef idx="1">
+            <a:schemeClr val="accent1"/>
+          </a:lnRef>
+          <a:fillRef idx="0">
+            <a:schemeClr val="accent1"/>
+          </a:fillRef>
+          <a:effectRef idx="0">
+            <a:schemeClr val="accent1"/>
+          </a:effectRef>
+          <a:fontRef idx="minor">
+            <a:schemeClr val="tx1"/>
+          </a:fontRef>
+        </p:style>
+      </p:cxnSp>
+      <p:cxnSp>
+        <p:nvCxnSpPr>
+          <p:cNvPr id="72" name="Straight Connector 71"/>
+          <p:cNvCxnSpPr/>
+          <p:nvPr/>
+        </p:nvCxnSpPr>
+        <p:spPr>
+          <a:xfrm>
+            <a:off x="6444208" y="5157192"/>
+            <a:ext cx="504056" cy="0"/>
+          </a:xfrm>
+          <a:prstGeom prst="line">
+            <a:avLst/>
+          </a:prstGeom>
+          <a:ln w="76200">
+            <a:solidFill>
+              <a:schemeClr val="bg2">
+                <a:lumMod val="50000"/>
+              </a:schemeClr>
+            </a:solidFill>
+          </a:ln>
+        </p:spPr>
+        <p:style>
+          <a:lnRef idx="1">
+            <a:schemeClr val="accent1"/>
+          </a:lnRef>
+          <a:fillRef idx="0">
+            <a:schemeClr val="accent1"/>
+          </a:fillRef>
+          <a:effectRef idx="0">
+            <a:schemeClr val="accent1"/>
+          </a:effectRef>
+          <a:fontRef idx="minor">
+            <a:schemeClr val="tx1"/>
+          </a:fontRef>
+        </p:style>
+      </p:cxnSp>
+      <p:cxnSp>
+        <p:nvCxnSpPr>
+          <p:cNvPr id="74" name="Straight Connector 73"/>
+          <p:cNvCxnSpPr/>
+          <p:nvPr/>
+        </p:nvCxnSpPr>
+        <p:spPr>
+          <a:xfrm>
+            <a:off x="5436096" y="4581128"/>
+            <a:ext cx="1944216" cy="0"/>
+          </a:xfrm>
+          <a:prstGeom prst="line">
+            <a:avLst/>
+          </a:prstGeom>
+          <a:ln w="76200">
+            <a:solidFill>
+              <a:schemeClr val="tx1"/>
+            </a:solidFill>
+          </a:ln>
+        </p:spPr>
+        <p:style>
+          <a:lnRef idx="1">
+            <a:schemeClr val="accent1"/>
+          </a:lnRef>
+          <a:fillRef idx="0">
+            <a:schemeClr val="accent1"/>
+          </a:fillRef>
+          <a:effectRef idx="0">
+            <a:schemeClr val="accent1"/>
+          </a:effectRef>
+          <a:fontRef idx="minor">
+            <a:schemeClr val="tx1"/>
+          </a:fontRef>
+        </p:style>
+      </p:cxnSp>
+      <p:sp>
+        <p:nvSpPr>
+          <p:cNvPr id="75" name="TextBox 74"/>
+          <p:cNvSpPr txBox="1"/>
+          <p:nvPr/>
+        </p:nvSpPr>
+        <p:spPr>
+          <a:xfrm>
+            <a:off x="251520" y="3068960"/>
+            <a:ext cx="1459054" cy="261610"/>
+          </a:xfrm>
+          <a:prstGeom prst="rect">
+            <a:avLst/>
+          </a:prstGeom>
+          <a:noFill/>
+        </p:spPr>
+        <p:txBody>
+          <a:bodyPr wrap="none" rtlCol="0">
+            <a:spAutoFit/>
+          </a:bodyPr>
+          <a:lstStyle/>
+          <a:p>
+            <a:r>
+              <a:rPr lang="de-DE" sz="1100" dirty="0" smtClean="0"/>
+              <a:t>Datanbank Anbindung</a:t>
+            </a:r>
+            <a:endParaRPr lang="de-DE" sz="1100" dirty="0"/>
+          </a:p>
+        </p:txBody>
+      </p:sp>
+      <p:sp>
+        <p:nvSpPr>
+          <p:cNvPr id="76" name="TextBox 75"/>
+          <p:cNvSpPr txBox="1"/>
+          <p:nvPr/>
+        </p:nvSpPr>
+        <p:spPr>
+          <a:xfrm>
+            <a:off x="1623100" y="3284984"/>
+            <a:ext cx="1592103" cy="261610"/>
+          </a:xfrm>
+          <a:prstGeom prst="rect">
+            <a:avLst/>
+          </a:prstGeom>
+          <a:noFill/>
+        </p:spPr>
+        <p:txBody>
+          <a:bodyPr wrap="none" rtlCol="0">
+            <a:spAutoFit/>
+          </a:bodyPr>
+          <a:lstStyle/>
+          <a:p>
+            <a:r>
+              <a:rPr lang="de-DE" sz="1100" dirty="0" smtClean="0"/>
+              <a:t>Forum und Spielberichte</a:t>
+            </a:r>
+            <a:endParaRPr lang="de-DE" sz="1100" dirty="0"/>
+          </a:p>
+        </p:txBody>
+      </p:sp>
+      <p:sp>
+        <p:nvSpPr>
+          <p:cNvPr id="77" name="TextBox 76"/>
+          <p:cNvSpPr txBox="1"/>
+          <p:nvPr/>
+        </p:nvSpPr>
+        <p:spPr>
+          <a:xfrm>
+            <a:off x="2123728" y="3501008"/>
+            <a:ext cx="615874" cy="261610"/>
+          </a:xfrm>
+          <a:prstGeom prst="rect">
+            <a:avLst/>
+          </a:prstGeom>
+          <a:noFill/>
+        </p:spPr>
+        <p:txBody>
+          <a:bodyPr wrap="none" rtlCol="0">
+            <a:spAutoFit/>
+          </a:bodyPr>
+          <a:lstStyle/>
+          <a:p>
+            <a:r>
+              <a:rPr lang="de-DE" sz="1100" dirty="0" smtClean="0"/>
+              <a:t>CSS / JS</a:t>
+            </a:r>
+            <a:endParaRPr lang="de-DE" sz="1100" dirty="0"/>
+          </a:p>
+        </p:txBody>
+      </p:sp>
+      <p:sp>
+        <p:nvSpPr>
+          <p:cNvPr id="78" name="TextBox 77"/>
+          <p:cNvSpPr txBox="1"/>
+          <p:nvPr/>
+        </p:nvSpPr>
+        <p:spPr>
+          <a:xfrm>
+            <a:off x="3059832" y="3717032"/>
+            <a:ext cx="1749197" cy="261610"/>
+          </a:xfrm>
+          <a:prstGeom prst="rect">
+            <a:avLst/>
+          </a:prstGeom>
+          <a:noFill/>
+        </p:spPr>
+        <p:txBody>
+          <a:bodyPr wrap="none" rtlCol="0">
+            <a:spAutoFit/>
+          </a:bodyPr>
+          <a:lstStyle/>
+          <a:p>
+            <a:r>
+              <a:rPr lang="de-DE" sz="1100" dirty="0" smtClean="0"/>
+              <a:t>Testen und Dokumentation</a:t>
+            </a:r>
+            <a:endParaRPr lang="de-DE" sz="1100" dirty="0"/>
+          </a:p>
+        </p:txBody>
+      </p:sp>
+      <p:sp>
+        <p:nvSpPr>
+          <p:cNvPr id="79" name="TextBox 78"/>
+          <p:cNvSpPr txBox="1"/>
+          <p:nvPr/>
+        </p:nvSpPr>
+        <p:spPr>
+          <a:xfrm>
+            <a:off x="2771800" y="4077072"/>
+            <a:ext cx="907621" cy="261610"/>
+          </a:xfrm>
+          <a:prstGeom prst="rect">
+            <a:avLst/>
+          </a:prstGeom>
+          <a:noFill/>
+        </p:spPr>
+        <p:txBody>
+          <a:bodyPr wrap="none" rtlCol="0">
+            <a:spAutoFit/>
+          </a:bodyPr>
+          <a:lstStyle/>
+          <a:p>
+            <a:r>
+              <a:rPr lang="de-DE" sz="1100" dirty="0" smtClean="0"/>
+              <a:t>Bildergalerie</a:t>
+            </a:r>
+            <a:endParaRPr lang="de-DE" sz="1100" dirty="0"/>
+          </a:p>
+        </p:txBody>
+      </p:sp>
+      <p:sp>
+        <p:nvSpPr>
+          <p:cNvPr id="80" name="TextBox 79"/>
+          <p:cNvSpPr txBox="1"/>
+          <p:nvPr/>
+        </p:nvSpPr>
+        <p:spPr>
+          <a:xfrm>
+            <a:off x="4716016" y="4077072"/>
+            <a:ext cx="907621" cy="261610"/>
+          </a:xfrm>
+          <a:prstGeom prst="rect">
+            <a:avLst/>
+          </a:prstGeom>
+          <a:noFill/>
+        </p:spPr>
+        <p:txBody>
+          <a:bodyPr wrap="none" rtlCol="0">
+            <a:spAutoFit/>
+          </a:bodyPr>
+          <a:lstStyle/>
+          <a:p>
+            <a:r>
+              <a:rPr lang="de-DE" sz="1100" dirty="0" smtClean="0"/>
+              <a:t>Bildergalerie</a:t>
+            </a:r>
+            <a:endParaRPr lang="de-DE" sz="1100" dirty="0"/>
+          </a:p>
+        </p:txBody>
+      </p:sp>
+      <p:sp>
+        <p:nvSpPr>
+          <p:cNvPr id="81" name="TextBox 80"/>
+          <p:cNvSpPr txBox="1"/>
+          <p:nvPr/>
+        </p:nvSpPr>
+        <p:spPr>
+          <a:xfrm>
+            <a:off x="5796136" y="4365104"/>
+            <a:ext cx="1535998" cy="261610"/>
+          </a:xfrm>
+          <a:prstGeom prst="rect">
+            <a:avLst/>
+          </a:prstGeom>
+          <a:noFill/>
+        </p:spPr>
+        <p:txBody>
+          <a:bodyPr wrap="none" rtlCol="0">
+            <a:spAutoFit/>
+          </a:bodyPr>
+          <a:lstStyle/>
+          <a:p>
+            <a:r>
+              <a:rPr lang="de-DE" sz="1100" dirty="0" smtClean="0"/>
+              <a:t>Login und Registrierung</a:t>
+            </a:r>
+            <a:endParaRPr lang="de-DE" sz="1100" dirty="0"/>
+          </a:p>
+        </p:txBody>
+      </p:sp>
+      <p:sp>
+        <p:nvSpPr>
+          <p:cNvPr id="82" name="TextBox 81"/>
+          <p:cNvSpPr txBox="1"/>
+          <p:nvPr/>
+        </p:nvSpPr>
+        <p:spPr>
+          <a:xfrm>
+            <a:off x="6012160" y="4941168"/>
+            <a:ext cx="1545616" cy="261610"/>
+          </a:xfrm>
+          <a:prstGeom prst="rect">
+            <a:avLst/>
+          </a:prstGeom>
+          <a:noFill/>
+        </p:spPr>
+        <p:txBody>
+          <a:bodyPr wrap="none" rtlCol="0">
+            <a:spAutoFit/>
+          </a:bodyPr>
+          <a:lstStyle/>
+          <a:p>
+            <a:r>
+              <a:rPr lang="de-DE" sz="1100" dirty="0" smtClean="0"/>
+              <a:t>Userbezogener Content</a:t>
+            </a:r>
+            <a:endParaRPr lang="de-DE" sz="1100" dirty="0"/>
+          </a:p>
+        </p:txBody>
+      </p:sp>
+      <p:sp>
+        <p:nvSpPr>
+          <p:cNvPr id="83" name="TextBox 82"/>
+          <p:cNvSpPr txBox="1"/>
+          <p:nvPr/>
+        </p:nvSpPr>
+        <p:spPr>
+          <a:xfrm>
+            <a:off x="6300192" y="4653136"/>
+            <a:ext cx="849913" cy="261610"/>
+          </a:xfrm>
+          <a:prstGeom prst="rect">
+            <a:avLst/>
+          </a:prstGeom>
+          <a:noFill/>
+        </p:spPr>
+        <p:txBody>
+          <a:bodyPr wrap="none" rtlCol="0">
+            <a:spAutoFit/>
+          </a:bodyPr>
+          <a:lstStyle/>
+          <a:p>
+            <a:r>
+              <a:rPr lang="de-DE" sz="1100" dirty="0" smtClean="0"/>
+              <a:t>Adressbuch</a:t>
+            </a:r>
+            <a:endParaRPr lang="de-DE" sz="1100" dirty="0"/>
+          </a:p>
+        </p:txBody>
+      </p:sp>
+      <p:sp>
+        <p:nvSpPr>
+          <p:cNvPr id="84" name="TextBox 83"/>
+          <p:cNvSpPr txBox="1"/>
+          <p:nvPr/>
+        </p:nvSpPr>
+        <p:spPr>
+          <a:xfrm>
+            <a:off x="7884368" y="5157192"/>
+            <a:ext cx="958917" cy="261610"/>
+          </a:xfrm>
+          <a:prstGeom prst="rect">
+            <a:avLst/>
+          </a:prstGeom>
+          <a:noFill/>
+        </p:spPr>
+        <p:txBody>
+          <a:bodyPr wrap="none" rtlCol="0">
+            <a:spAutoFit/>
+          </a:bodyPr>
+          <a:lstStyle/>
+          <a:p>
+            <a:r>
+              <a:rPr lang="de-DE" sz="1100" dirty="0" smtClean="0"/>
+              <a:t>Terminplaner</a:t>
+            </a:r>
+            <a:endParaRPr lang="de-DE" sz="1100" dirty="0"/>
+          </a:p>
+        </p:txBody>
+      </p:sp>
+      <p:sp>
+        <p:nvSpPr>
+          <p:cNvPr id="85" name="TextBox 84"/>
+          <p:cNvSpPr txBox="1"/>
+          <p:nvPr/>
+        </p:nvSpPr>
+        <p:spPr>
+          <a:xfrm>
+            <a:off x="7783288" y="5445224"/>
+            <a:ext cx="1414170" cy="261610"/>
+          </a:xfrm>
+          <a:prstGeom prst="rect">
+            <a:avLst/>
+          </a:prstGeom>
+          <a:noFill/>
+        </p:spPr>
+        <p:txBody>
+          <a:bodyPr wrap="none" rtlCol="0">
+            <a:spAutoFit/>
+          </a:bodyPr>
+          <a:lstStyle/>
+          <a:p>
+            <a:r>
+              <a:rPr lang="de-DE" sz="1100" dirty="0" smtClean="0"/>
+              <a:t>Dokumente-Manager</a:t>
+            </a:r>
+            <a:endParaRPr lang="de-DE" sz="1100" dirty="0"/>
+          </a:p>
+        </p:txBody>
+      </p:sp>
+      <p:sp>
+        <p:nvSpPr>
+          <p:cNvPr id="86" name="TextBox 85"/>
+          <p:cNvSpPr txBox="1"/>
+          <p:nvPr/>
+        </p:nvSpPr>
+        <p:spPr>
+          <a:xfrm>
+            <a:off x="3872556" y="3283029"/>
+            <a:ext cx="1592103" cy="261610"/>
+          </a:xfrm>
+          <a:prstGeom prst="rect">
+            <a:avLst/>
+          </a:prstGeom>
+          <a:noFill/>
+        </p:spPr>
+        <p:txBody>
+          <a:bodyPr wrap="none" rtlCol="0">
+            <a:spAutoFit/>
+          </a:bodyPr>
+          <a:lstStyle/>
+          <a:p>
+            <a:r>
+              <a:rPr lang="de-DE" sz="1100" dirty="0" smtClean="0"/>
+              <a:t>Forum und Spielberichte</a:t>
+            </a:r>
+            <a:endParaRPr lang="de-DE" sz="1100" dirty="0"/>
+          </a:p>
+        </p:txBody>
+      </p:sp>
+      <p:sp>
+        <p:nvSpPr>
+          <p:cNvPr id="87" name="TextBox 86"/>
+          <p:cNvSpPr txBox="1"/>
+          <p:nvPr/>
+        </p:nvSpPr>
+        <p:spPr>
+          <a:xfrm>
+            <a:off x="6550506" y="3283029"/>
+            <a:ext cx="1592103" cy="261610"/>
+          </a:xfrm>
+          <a:prstGeom prst="rect">
+            <a:avLst/>
+          </a:prstGeom>
+          <a:noFill/>
+        </p:spPr>
+        <p:txBody>
+          <a:bodyPr wrap="none" rtlCol="0">
+            <a:spAutoFit/>
+          </a:bodyPr>
+          <a:lstStyle/>
+          <a:p>
+            <a:r>
+              <a:rPr lang="de-DE" sz="1100" dirty="0" smtClean="0"/>
+              <a:t>Forum und Spielberichte</a:t>
+            </a:r>
+            <a:endParaRPr lang="de-DE" sz="1100" dirty="0"/>
+          </a:p>
+        </p:txBody>
+      </p:sp>
+      <p:cxnSp>
+        <p:nvCxnSpPr>
+          <p:cNvPr id="91" name="Straight Arrow Connector 90"/>
+          <p:cNvCxnSpPr/>
+          <p:nvPr/>
+        </p:nvCxnSpPr>
+        <p:spPr>
+          <a:xfrm>
+            <a:off x="1331640" y="2492896"/>
+            <a:ext cx="216024" cy="0"/>
+          </a:xfrm>
+          <a:prstGeom prst="straightConnector1">
+            <a:avLst/>
+          </a:prstGeom>
+          <a:ln w="3175">
+            <a:solidFill>
+              <a:schemeClr val="accent3"/>
+            </a:solidFill>
+            <a:tailEnd type="arrow"/>
+          </a:ln>
+        </p:spPr>
+        <p:style>
+          <a:lnRef idx="1">
+            <a:schemeClr val="accent1"/>
+          </a:lnRef>
+          <a:fillRef idx="0">
+            <a:schemeClr val="accent1"/>
+          </a:fillRef>
+          <a:effectRef idx="0">
+            <a:schemeClr val="accent1"/>
+          </a:effectRef>
+          <a:fontRef idx="minor">
+            <a:schemeClr val="tx1"/>
+          </a:fontRef>
+        </p:style>
+      </p:cxnSp>
+      <p:cxnSp>
+        <p:nvCxnSpPr>
+          <p:cNvPr id="94" name="Straight Arrow Connector 93"/>
+          <p:cNvCxnSpPr/>
+          <p:nvPr/>
+        </p:nvCxnSpPr>
+        <p:spPr>
+          <a:xfrm>
+            <a:off x="2771800" y="2492896"/>
+            <a:ext cx="216024" cy="0"/>
+          </a:xfrm>
+          <a:prstGeom prst="straightConnector1">
+            <a:avLst/>
+          </a:prstGeom>
+          <a:ln w="3175">
+            <a:solidFill>
+              <a:schemeClr val="accent2"/>
+            </a:solidFill>
+            <a:tailEnd type="arrow"/>
+          </a:ln>
+        </p:spPr>
+        <p:style>
+          <a:lnRef idx="1">
+            <a:schemeClr val="accent1"/>
+          </a:lnRef>
+          <a:fillRef idx="0">
+            <a:schemeClr val="accent1"/>
+          </a:fillRef>
+          <a:effectRef idx="0">
+            <a:schemeClr val="accent1"/>
+          </a:effectRef>
+          <a:fontRef idx="minor">
+            <a:schemeClr val="tx1"/>
+          </a:fontRef>
+        </p:style>
+      </p:cxnSp>
+      <p:cxnSp>
+        <p:nvCxnSpPr>
+          <p:cNvPr id="95" name="Straight Arrow Connector 94"/>
+          <p:cNvCxnSpPr/>
+          <p:nvPr/>
+        </p:nvCxnSpPr>
+        <p:spPr>
+          <a:xfrm>
+            <a:off x="2771800" y="1924834"/>
+            <a:ext cx="216024" cy="0"/>
+          </a:xfrm>
+          <a:prstGeom prst="straightConnector1">
+            <a:avLst/>
+          </a:prstGeom>
+          <a:ln w="3175">
+            <a:solidFill>
+              <a:schemeClr val="tx2"/>
+            </a:solidFill>
+            <a:tailEnd type="arrow"/>
+          </a:ln>
+        </p:spPr>
+        <p:style>
+          <a:lnRef idx="1">
+            <a:schemeClr val="accent1"/>
+          </a:lnRef>
+          <a:fillRef idx="0">
+            <a:schemeClr val="accent1"/>
+          </a:fillRef>
+          <a:effectRef idx="0">
+            <a:schemeClr val="accent1"/>
+          </a:effectRef>
+          <a:fontRef idx="minor">
+            <a:schemeClr val="tx1"/>
+          </a:fontRef>
+        </p:style>
+      </p:cxnSp>
+      <p:cxnSp>
+        <p:nvCxnSpPr>
+          <p:cNvPr id="96" name="Straight Arrow Connector 95"/>
+          <p:cNvCxnSpPr/>
+          <p:nvPr/>
+        </p:nvCxnSpPr>
+        <p:spPr>
+          <a:xfrm>
+            <a:off x="2771800" y="1484784"/>
+            <a:ext cx="216024" cy="0"/>
+          </a:xfrm>
+          <a:prstGeom prst="straightConnector1">
+            <a:avLst/>
+          </a:prstGeom>
+          <a:ln w="3175">
+            <a:solidFill>
+              <a:schemeClr val="accent5"/>
+            </a:solidFill>
+            <a:tailEnd type="arrow"/>
+          </a:ln>
+        </p:spPr>
+        <p:style>
+          <a:lnRef idx="1">
+            <a:schemeClr val="accent1"/>
+          </a:lnRef>
+          <a:fillRef idx="0">
+            <a:schemeClr val="accent1"/>
+          </a:fillRef>
+          <a:effectRef idx="0">
+            <a:schemeClr val="accent1"/>
+          </a:effectRef>
+          <a:fontRef idx="minor">
+            <a:schemeClr val="tx1"/>
+          </a:fontRef>
+        </p:style>
+      </p:cxnSp>
+      <p:cxnSp>
+        <p:nvCxnSpPr>
+          <p:cNvPr id="97" name="Straight Arrow Connector 96"/>
+          <p:cNvCxnSpPr/>
+          <p:nvPr/>
+        </p:nvCxnSpPr>
+        <p:spPr>
+          <a:xfrm flipV="1">
+            <a:off x="4355976" y="2492896"/>
+            <a:ext cx="169297" cy="9873"/>
+          </a:xfrm>
+          <a:prstGeom prst="straightConnector1">
+            <a:avLst/>
+          </a:prstGeom>
+          <a:ln w="3175">
+            <a:solidFill>
+              <a:schemeClr val="accent6"/>
+            </a:solidFill>
+            <a:tailEnd type="arrow"/>
+          </a:ln>
+        </p:spPr>
+        <p:style>
+          <a:lnRef idx="1">
+            <a:schemeClr val="accent1"/>
+          </a:lnRef>
+          <a:fillRef idx="0">
+            <a:schemeClr val="accent1"/>
+          </a:fillRef>
+          <a:effectRef idx="0">
+            <a:schemeClr val="accent1"/>
+          </a:effectRef>
+          <a:fontRef idx="minor">
+            <a:schemeClr val="tx1"/>
+          </a:fontRef>
+        </p:style>
+      </p:cxnSp>
+      <p:cxnSp>
+        <p:nvCxnSpPr>
+          <p:cNvPr id="98" name="Straight Arrow Connector 97"/>
+          <p:cNvCxnSpPr/>
+          <p:nvPr/>
+        </p:nvCxnSpPr>
+        <p:spPr>
+          <a:xfrm>
+            <a:off x="4246250" y="1946548"/>
+            <a:ext cx="216024" cy="0"/>
+          </a:xfrm>
+          <a:prstGeom prst="straightConnector1">
+            <a:avLst/>
+          </a:prstGeom>
+          <a:ln w="3175">
+            <a:solidFill>
+              <a:schemeClr val="tx2"/>
+            </a:solidFill>
+            <a:tailEnd type="arrow"/>
+          </a:ln>
+        </p:spPr>
+        <p:style>
+          <a:lnRef idx="1">
+            <a:schemeClr val="accent1"/>
+          </a:lnRef>
+          <a:fillRef idx="0">
+            <a:schemeClr val="accent1"/>
+          </a:fillRef>
+          <a:effectRef idx="0">
+            <a:schemeClr val="accent1"/>
+          </a:effectRef>
+          <a:fontRef idx="minor">
+            <a:schemeClr val="tx1"/>
+          </a:fontRef>
+        </p:style>
+      </p:cxnSp>
+      <p:cxnSp>
+        <p:nvCxnSpPr>
+          <p:cNvPr id="99" name="Straight Arrow Connector 98"/>
+          <p:cNvCxnSpPr/>
+          <p:nvPr/>
+        </p:nvCxnSpPr>
+        <p:spPr>
+          <a:xfrm>
+            <a:off x="5148064" y="1124744"/>
+            <a:ext cx="720080" cy="0"/>
+          </a:xfrm>
+          <a:prstGeom prst="straightConnector1">
+            <a:avLst/>
+          </a:prstGeom>
+          <a:ln w="3175">
+            <a:solidFill>
+              <a:srgbClr val="FF0000"/>
+            </a:solidFill>
+            <a:tailEnd type="arrow"/>
+          </a:ln>
+        </p:spPr>
+        <p:style>
+          <a:lnRef idx="1">
+            <a:schemeClr val="accent1"/>
+          </a:lnRef>
+          <a:fillRef idx="0">
+            <a:schemeClr val="accent1"/>
+          </a:fillRef>
+          <a:effectRef idx="0">
+            <a:schemeClr val="accent1"/>
+          </a:effectRef>
+          <a:fontRef idx="minor">
+            <a:schemeClr val="tx1"/>
+          </a:fontRef>
+        </p:style>
+      </p:cxnSp>
+      <p:cxnSp>
+        <p:nvCxnSpPr>
+          <p:cNvPr id="100" name="Straight Arrow Connector 99"/>
+          <p:cNvCxnSpPr/>
+          <p:nvPr/>
+        </p:nvCxnSpPr>
+        <p:spPr>
+          <a:xfrm>
+            <a:off x="5580112" y="1499642"/>
+            <a:ext cx="288032" cy="0"/>
+          </a:xfrm>
+          <a:prstGeom prst="straightConnector1">
+            <a:avLst/>
+          </a:prstGeom>
+          <a:ln w="3175">
+            <a:solidFill>
+              <a:schemeClr val="tx1"/>
+            </a:solidFill>
+            <a:tailEnd type="arrow"/>
+          </a:ln>
+        </p:spPr>
+        <p:style>
+          <a:lnRef idx="1">
+            <a:schemeClr val="accent1"/>
+          </a:lnRef>
+          <a:fillRef idx="0">
+            <a:schemeClr val="accent1"/>
+          </a:fillRef>
+          <a:effectRef idx="0">
+            <a:schemeClr val="accent1"/>
+          </a:effectRef>
+          <a:fontRef idx="minor">
+            <a:schemeClr val="tx1"/>
+          </a:fontRef>
+        </p:style>
+      </p:cxnSp>
+      <p:cxnSp>
+        <p:nvCxnSpPr>
+          <p:cNvPr id="101" name="Straight Arrow Connector 100"/>
+          <p:cNvCxnSpPr/>
+          <p:nvPr/>
+        </p:nvCxnSpPr>
+        <p:spPr>
+          <a:xfrm>
+            <a:off x="5724128" y="2507754"/>
+            <a:ext cx="216024" cy="0"/>
+          </a:xfrm>
+          <a:prstGeom prst="straightConnector1">
+            <a:avLst/>
+          </a:prstGeom>
+          <a:ln w="3175">
+            <a:solidFill>
+              <a:schemeClr val="bg2">
+                <a:lumMod val="50000"/>
+              </a:schemeClr>
+            </a:solidFill>
+            <a:tailEnd type="arrow"/>
+          </a:ln>
+        </p:spPr>
+        <p:style>
+          <a:lnRef idx="1">
+            <a:schemeClr val="accent1"/>
+          </a:lnRef>
+          <a:fillRef idx="0">
+            <a:schemeClr val="accent1"/>
+          </a:fillRef>
+          <a:effectRef idx="0">
+            <a:schemeClr val="accent1"/>
+          </a:effectRef>
+          <a:fontRef idx="minor">
+            <a:schemeClr val="tx1"/>
+          </a:fontRef>
+        </p:style>
+      </p:cxnSp>
+      <p:cxnSp>
+        <p:nvCxnSpPr>
+          <p:cNvPr id="102" name="Straight Arrow Connector 101"/>
+          <p:cNvCxnSpPr/>
+          <p:nvPr/>
+        </p:nvCxnSpPr>
+        <p:spPr>
+          <a:xfrm>
+            <a:off x="7164288" y="2481466"/>
+            <a:ext cx="216024" cy="0"/>
+          </a:xfrm>
+          <a:prstGeom prst="straightConnector1">
+            <a:avLst/>
+          </a:prstGeom>
+          <a:ln w="3175">
+            <a:solidFill>
+              <a:srgbClr val="FF33CC"/>
+            </a:solidFill>
+            <a:tailEnd type="arrow"/>
+          </a:ln>
+        </p:spPr>
+        <p:style>
+          <a:lnRef idx="1">
+            <a:schemeClr val="accent1"/>
+          </a:lnRef>
+          <a:fillRef idx="0">
+            <a:schemeClr val="accent1"/>
+          </a:fillRef>
+          <a:effectRef idx="0">
+            <a:schemeClr val="accent1"/>
+          </a:effectRef>
+          <a:fontRef idx="minor">
+            <a:schemeClr val="tx1"/>
+          </a:fontRef>
+        </p:style>
+      </p:cxnSp>
+      <p:cxnSp>
+        <p:nvCxnSpPr>
+          <p:cNvPr id="110" name="Straight Arrow Connector 109"/>
+          <p:cNvCxnSpPr/>
+          <p:nvPr/>
+        </p:nvCxnSpPr>
+        <p:spPr>
+          <a:xfrm flipH="1">
+            <a:off x="251520" y="2492896"/>
+            <a:ext cx="216024" cy="0"/>
+          </a:xfrm>
+          <a:prstGeom prst="straightConnector1">
+            <a:avLst/>
+          </a:prstGeom>
+          <a:ln w="3175">
+            <a:solidFill>
+              <a:schemeClr val="accent3"/>
+            </a:solidFill>
+            <a:tailEnd type="arrow"/>
+          </a:ln>
+        </p:spPr>
+        <p:style>
+          <a:lnRef idx="1">
+            <a:schemeClr val="accent1"/>
+          </a:lnRef>
+          <a:fillRef idx="0">
+            <a:schemeClr val="accent1"/>
+          </a:fillRef>
+          <a:effectRef idx="0">
+            <a:schemeClr val="accent1"/>
+          </a:effectRef>
+          <a:fontRef idx="minor">
+            <a:schemeClr val="tx1"/>
+          </a:fontRef>
+        </p:style>
+      </p:cxnSp>
+      <p:cxnSp>
+        <p:nvCxnSpPr>
+          <p:cNvPr id="113" name="Straight Arrow Connector 112"/>
+          <p:cNvCxnSpPr/>
+          <p:nvPr/>
+        </p:nvCxnSpPr>
+        <p:spPr>
+          <a:xfrm flipH="1">
+            <a:off x="1619672" y="2492896"/>
+            <a:ext cx="216024" cy="0"/>
+          </a:xfrm>
+          <a:prstGeom prst="straightConnector1">
+            <a:avLst/>
+          </a:prstGeom>
+          <a:ln w="3175">
+            <a:solidFill>
+              <a:schemeClr val="accent2"/>
+            </a:solidFill>
+            <a:tailEnd type="arrow"/>
+          </a:ln>
+        </p:spPr>
+        <p:style>
+          <a:lnRef idx="1">
+            <a:schemeClr val="accent1"/>
+          </a:lnRef>
+          <a:fillRef idx="0">
+            <a:schemeClr val="accent1"/>
+          </a:fillRef>
+          <a:effectRef idx="0">
+            <a:schemeClr val="accent1"/>
+          </a:effectRef>
+          <a:fontRef idx="minor">
+            <a:schemeClr val="tx1"/>
+          </a:fontRef>
+        </p:style>
+      </p:cxnSp>
+      <p:cxnSp>
+        <p:nvCxnSpPr>
+          <p:cNvPr id="114" name="Straight Arrow Connector 113"/>
+          <p:cNvCxnSpPr/>
+          <p:nvPr/>
+        </p:nvCxnSpPr>
+        <p:spPr>
+          <a:xfrm flipH="1">
+            <a:off x="1619672" y="1916832"/>
+            <a:ext cx="216024" cy="0"/>
+          </a:xfrm>
+          <a:prstGeom prst="straightConnector1">
+            <a:avLst/>
+          </a:prstGeom>
+          <a:ln w="3175">
+            <a:solidFill>
+              <a:schemeClr val="tx2"/>
+            </a:solidFill>
+            <a:tailEnd type="arrow"/>
+          </a:ln>
+        </p:spPr>
+        <p:style>
+          <a:lnRef idx="1">
+            <a:schemeClr val="accent1"/>
+          </a:lnRef>
+          <a:fillRef idx="0">
+            <a:schemeClr val="accent1"/>
+          </a:fillRef>
+          <a:effectRef idx="0">
+            <a:schemeClr val="accent1"/>
+          </a:effectRef>
+          <a:fontRef idx="minor">
+            <a:schemeClr val="tx1"/>
+          </a:fontRef>
+        </p:style>
+      </p:cxnSp>
+      <p:cxnSp>
+        <p:nvCxnSpPr>
+          <p:cNvPr id="115" name="Straight Arrow Connector 114"/>
+          <p:cNvCxnSpPr/>
+          <p:nvPr/>
+        </p:nvCxnSpPr>
+        <p:spPr>
+          <a:xfrm flipH="1">
+            <a:off x="1619672" y="1484784"/>
+            <a:ext cx="216024" cy="0"/>
+          </a:xfrm>
+          <a:prstGeom prst="straightConnector1">
+            <a:avLst/>
+          </a:prstGeom>
+          <a:ln w="3175">
+            <a:solidFill>
+              <a:schemeClr val="accent5"/>
+            </a:solidFill>
+            <a:tailEnd type="arrow"/>
+          </a:ln>
+        </p:spPr>
+        <p:style>
+          <a:lnRef idx="1">
+            <a:schemeClr val="accent1"/>
+          </a:lnRef>
+          <a:fillRef idx="0">
+            <a:schemeClr val="accent1"/>
+          </a:fillRef>
+          <a:effectRef idx="0">
+            <a:schemeClr val="accent1"/>
+          </a:effectRef>
+          <a:fontRef idx="minor">
+            <a:schemeClr val="tx1"/>
+          </a:fontRef>
+        </p:style>
+      </p:cxnSp>
+      <p:cxnSp>
+        <p:nvCxnSpPr>
+          <p:cNvPr id="116" name="Straight Arrow Connector 115"/>
+          <p:cNvCxnSpPr/>
+          <p:nvPr/>
+        </p:nvCxnSpPr>
+        <p:spPr>
+          <a:xfrm flipH="1">
+            <a:off x="3131840" y="1136174"/>
+            <a:ext cx="720080" cy="1557"/>
+          </a:xfrm>
+          <a:prstGeom prst="straightConnector1">
+            <a:avLst/>
+          </a:prstGeom>
+          <a:ln w="3175">
+            <a:solidFill>
+              <a:srgbClr val="FF0000"/>
+            </a:solidFill>
+            <a:tailEnd type="arrow"/>
+          </a:ln>
+        </p:spPr>
+        <p:style>
+          <a:lnRef idx="1">
+            <a:schemeClr val="accent1"/>
+          </a:lnRef>
+          <a:fillRef idx="0">
+            <a:schemeClr val="accent1"/>
+          </a:fillRef>
+          <a:effectRef idx="0">
+            <a:schemeClr val="accent1"/>
+          </a:effectRef>
+          <a:fontRef idx="minor">
+            <a:schemeClr val="tx1"/>
+          </a:fontRef>
+        </p:style>
+      </p:cxnSp>
+      <p:cxnSp>
+        <p:nvCxnSpPr>
+          <p:cNvPr id="118" name="Straight Arrow Connector 117"/>
+          <p:cNvCxnSpPr/>
+          <p:nvPr/>
+        </p:nvCxnSpPr>
+        <p:spPr>
+          <a:xfrm flipH="1">
+            <a:off x="3131840" y="1484784"/>
+            <a:ext cx="360040" cy="0"/>
+          </a:xfrm>
+          <a:prstGeom prst="straightConnector1">
+            <a:avLst/>
+          </a:prstGeom>
+          <a:ln w="3175">
+            <a:solidFill>
+              <a:schemeClr val="tx1"/>
+            </a:solidFill>
+            <a:tailEnd type="arrow"/>
+          </a:ln>
+        </p:spPr>
+        <p:style>
+          <a:lnRef idx="1">
+            <a:schemeClr val="accent1"/>
+          </a:lnRef>
+          <a:fillRef idx="0">
+            <a:schemeClr val="accent1"/>
+          </a:fillRef>
+          <a:effectRef idx="0">
+            <a:schemeClr val="accent1"/>
+          </a:effectRef>
+          <a:fontRef idx="minor">
+            <a:schemeClr val="tx1"/>
+          </a:fontRef>
+        </p:style>
+      </p:cxnSp>
+      <p:cxnSp>
+        <p:nvCxnSpPr>
+          <p:cNvPr id="119" name="Straight Arrow Connector 118"/>
+          <p:cNvCxnSpPr/>
+          <p:nvPr/>
+        </p:nvCxnSpPr>
+        <p:spPr>
+          <a:xfrm flipH="1">
+            <a:off x="3131840" y="1931690"/>
+            <a:ext cx="216024" cy="0"/>
+          </a:xfrm>
+          <a:prstGeom prst="straightConnector1">
+            <a:avLst/>
+          </a:prstGeom>
+          <a:ln w="3175">
+            <a:solidFill>
+              <a:schemeClr val="tx2"/>
+            </a:solidFill>
+            <a:tailEnd type="arrow"/>
+          </a:ln>
+        </p:spPr>
+        <p:style>
+          <a:lnRef idx="1">
+            <a:schemeClr val="accent1"/>
+          </a:lnRef>
+          <a:fillRef idx="0">
+            <a:schemeClr val="accent1"/>
+          </a:fillRef>
+          <a:effectRef idx="0">
+            <a:schemeClr val="accent1"/>
+          </a:effectRef>
+          <a:fontRef idx="minor">
+            <a:schemeClr val="tx1"/>
+          </a:fontRef>
+        </p:style>
+      </p:cxnSp>
+      <p:cxnSp>
+        <p:nvCxnSpPr>
+          <p:cNvPr id="120" name="Straight Arrow Connector 119"/>
+          <p:cNvCxnSpPr/>
+          <p:nvPr/>
+        </p:nvCxnSpPr>
+        <p:spPr>
+          <a:xfrm flipH="1">
+            <a:off x="3131840" y="2492896"/>
+            <a:ext cx="216024" cy="0"/>
+          </a:xfrm>
+          <a:prstGeom prst="straightConnector1">
+            <a:avLst/>
+          </a:prstGeom>
+          <a:ln w="3175">
+            <a:solidFill>
+              <a:schemeClr val="accent6"/>
+            </a:solidFill>
+            <a:tailEnd type="arrow"/>
+          </a:ln>
+        </p:spPr>
+        <p:style>
+          <a:lnRef idx="1">
+            <a:schemeClr val="accent1"/>
+          </a:lnRef>
+          <a:fillRef idx="0">
+            <a:schemeClr val="accent1"/>
+          </a:fillRef>
+          <a:effectRef idx="0">
+            <a:schemeClr val="accent1"/>
+          </a:effectRef>
+          <a:fontRef idx="minor">
+            <a:schemeClr val="tx1"/>
+          </a:fontRef>
+        </p:style>
+      </p:cxnSp>
+      <p:cxnSp>
+        <p:nvCxnSpPr>
+          <p:cNvPr id="121" name="Straight Arrow Connector 120"/>
+          <p:cNvCxnSpPr/>
+          <p:nvPr/>
+        </p:nvCxnSpPr>
+        <p:spPr>
+          <a:xfrm flipH="1">
+            <a:off x="4572000" y="2492896"/>
+            <a:ext cx="216024" cy="0"/>
+          </a:xfrm>
+          <a:prstGeom prst="straightConnector1">
+            <a:avLst/>
+          </a:prstGeom>
+          <a:ln w="3175">
+            <a:solidFill>
+              <a:schemeClr val="bg2">
+                <a:lumMod val="50000"/>
+              </a:schemeClr>
+            </a:solidFill>
+            <a:tailEnd type="arrow"/>
+          </a:ln>
+        </p:spPr>
+        <p:style>
+          <a:lnRef idx="1">
+            <a:schemeClr val="accent1"/>
+          </a:lnRef>
+          <a:fillRef idx="0">
+            <a:schemeClr val="accent1"/>
+          </a:fillRef>
+          <a:effectRef idx="0">
+            <a:schemeClr val="accent1"/>
+          </a:effectRef>
+          <a:fontRef idx="minor">
+            <a:schemeClr val="tx1"/>
+          </a:fontRef>
+        </p:style>
+      </p:cxnSp>
+      <p:cxnSp>
+        <p:nvCxnSpPr>
+          <p:cNvPr id="122" name="Straight Arrow Connector 121"/>
+          <p:cNvCxnSpPr/>
+          <p:nvPr/>
+        </p:nvCxnSpPr>
+        <p:spPr>
+          <a:xfrm flipH="1">
+            <a:off x="5940152" y="2507754"/>
+            <a:ext cx="216024" cy="0"/>
+          </a:xfrm>
+          <a:prstGeom prst="straightConnector1">
+            <a:avLst/>
+          </a:prstGeom>
+          <a:ln w="3175">
+            <a:solidFill>
+              <a:srgbClr val="FF33CC"/>
+            </a:solidFill>
+            <a:tailEnd type="arrow"/>
+          </a:ln>
+        </p:spPr>
+        <p:style>
+          <a:lnRef idx="1">
+            <a:schemeClr val="accent1"/>
+          </a:lnRef>
+          <a:fillRef idx="0">
+            <a:schemeClr val="accent1"/>
+          </a:fillRef>
+          <a:effectRef idx="0">
+            <a:schemeClr val="accent1"/>
+          </a:effectRef>
+          <a:fontRef idx="minor">
+            <a:schemeClr val="tx1"/>
+          </a:fontRef>
+        </p:style>
+      </p:cxnSp>
+    </p:spTree>
+    <p:extLst>
+      <p:ext uri="{BB962C8B-B14F-4D97-AF65-F5344CB8AC3E}">
+        <p14:creationId xmlns:p14="http://schemas.microsoft.com/office/powerpoint/2010/main" val="4229161799"/>
+      </p:ext>
+    </p:extLst>
+  </p:cSld>
+  <p:clrMapOvr>
+    <a:masterClrMapping/>
+  </p:clrMapOvr>
+</p:sld>
+</file>
+
 <file path=ppt/slides/slide2.xml><?xml version="1.0" encoding="utf-8"?>
 <p:sld xmlns:a="http://schemas.openxmlformats.org/drawingml/2006/main" xmlns:r="http://schemas.openxmlformats.org/officeDocument/2006/relationships" xmlns:p="http://schemas.openxmlformats.org/presentationml/2006/main">
   <p:cSld>
@@ -12633,15 +19645,7 @@
                     <a:schemeClr val="tx2"/>
                   </a:solidFill>
                 </a:rPr>
-                <a:t>nt </a:t>
-              </a:r>
-              <a:r>
-                <a:rPr lang="de-DE" sz="1400" dirty="0" smtClean="0">
-                  <a:solidFill>
-                    <a:schemeClr val="tx2"/>
-                  </a:solidFill>
-                </a:rPr>
-                <a:t>id</a:t>
+                <a:t>nt id</a:t>
               </a:r>
             </a:p>
             <a:p>
@@ -12921,11 +19925,6 @@
                 </a:rPr>
                 <a:t>ForumEntry</a:t>
               </a:r>
-              <a:endParaRPr lang="de-DE" dirty="0" smtClean="0">
-                <a:solidFill>
-                  <a:schemeClr val="tx2"/>
-                </a:solidFill>
-              </a:endParaRPr>
             </a:p>
           </p:txBody>
         </p:sp>
@@ -12983,11 +19982,6 @@
                 </a:rPr>
                 <a:t>String description</a:t>
               </a:r>
-              <a:endParaRPr lang="de-DE" sz="1400" dirty="0" smtClean="0">
-                <a:solidFill>
-                  <a:schemeClr val="tx2"/>
-                </a:solidFill>
-              </a:endParaRPr>
             </a:p>
           </p:txBody>
         </p:sp>
@@ -13051,11 +20045,6 @@
                 </a:rPr>
                 <a:t>Comment</a:t>
               </a:r>
-              <a:endParaRPr lang="de-DE" dirty="0" smtClean="0">
-                <a:solidFill>
-                  <a:schemeClr val="tx2"/>
-                </a:solidFill>
-              </a:endParaRPr>
             </a:p>
           </p:txBody>
         </p:sp>
@@ -13111,11 +20100,6 @@
                 </a:rPr>
                 <a:t>nt refForumEntry</a:t>
               </a:r>
-              <a:endParaRPr lang="de-DE" sz="1400" dirty="0" smtClean="0">
-                <a:solidFill>
-                  <a:schemeClr val="tx2"/>
-                </a:solidFill>
-              </a:endParaRPr>
             </a:p>
           </p:txBody>
         </p:sp>
@@ -13179,11 +20163,6 @@
                 </a:rPr>
                 <a:t>Report</a:t>
               </a:r>
-              <a:endParaRPr lang="de-DE" dirty="0" smtClean="0">
-                <a:solidFill>
-                  <a:schemeClr val="tx2"/>
-                </a:solidFill>
-              </a:endParaRPr>
             </a:p>
           </p:txBody>
         </p:sp>
@@ -13303,11 +20282,6 @@
                 </a:rPr>
                 <a:t>nt scoreSecondHalfGuest</a:t>
               </a:r>
-              <a:endParaRPr lang="de-DE" sz="1400" dirty="0" smtClean="0">
-                <a:solidFill>
-                  <a:schemeClr val="tx2"/>
-                </a:solidFill>
-              </a:endParaRPr>
             </a:p>
           </p:txBody>
         </p:sp>

--- a/Doku/Grafiken.pptx
+++ b/Doku/Grafiken.pptx
@@ -300,7 +300,7 @@
           <a:p>
             <a:fld id="{DE61ADEB-F5B2-4A26-A4D4-37B35CF46446}" type="datetimeFigureOut">
               <a:rPr lang="de-DE" smtClean="0"/>
-              <a:t>14.04.2014</a:t>
+              <a:t>15.04.2014</a:t>
             </a:fld>
             <a:endParaRPr lang="de-DE"/>
           </a:p>
@@ -470,7 +470,7 @@
           <a:p>
             <a:fld id="{DE61ADEB-F5B2-4A26-A4D4-37B35CF46446}" type="datetimeFigureOut">
               <a:rPr lang="de-DE" smtClean="0"/>
-              <a:t>14.04.2014</a:t>
+              <a:t>15.04.2014</a:t>
             </a:fld>
             <a:endParaRPr lang="de-DE"/>
           </a:p>
@@ -650,7 +650,7 @@
           <a:p>
             <a:fld id="{DE61ADEB-F5B2-4A26-A4D4-37B35CF46446}" type="datetimeFigureOut">
               <a:rPr lang="de-DE" smtClean="0"/>
-              <a:t>14.04.2014</a:t>
+              <a:t>15.04.2014</a:t>
             </a:fld>
             <a:endParaRPr lang="de-DE"/>
           </a:p>
@@ -820,7 +820,7 @@
           <a:p>
             <a:fld id="{DE61ADEB-F5B2-4A26-A4D4-37B35CF46446}" type="datetimeFigureOut">
               <a:rPr lang="de-DE" smtClean="0"/>
-              <a:t>14.04.2014</a:t>
+              <a:t>15.04.2014</a:t>
             </a:fld>
             <a:endParaRPr lang="de-DE"/>
           </a:p>
@@ -1066,7 +1066,7 @@
           <a:p>
             <a:fld id="{DE61ADEB-F5B2-4A26-A4D4-37B35CF46446}" type="datetimeFigureOut">
               <a:rPr lang="de-DE" smtClean="0"/>
-              <a:t>14.04.2014</a:t>
+              <a:t>15.04.2014</a:t>
             </a:fld>
             <a:endParaRPr lang="de-DE"/>
           </a:p>
@@ -1354,7 +1354,7 @@
           <a:p>
             <a:fld id="{DE61ADEB-F5B2-4A26-A4D4-37B35CF46446}" type="datetimeFigureOut">
               <a:rPr lang="de-DE" smtClean="0"/>
-              <a:t>14.04.2014</a:t>
+              <a:t>15.04.2014</a:t>
             </a:fld>
             <a:endParaRPr lang="de-DE"/>
           </a:p>
@@ -1776,7 +1776,7 @@
           <a:p>
             <a:fld id="{DE61ADEB-F5B2-4A26-A4D4-37B35CF46446}" type="datetimeFigureOut">
               <a:rPr lang="de-DE" smtClean="0"/>
-              <a:t>14.04.2014</a:t>
+              <a:t>15.04.2014</a:t>
             </a:fld>
             <a:endParaRPr lang="de-DE"/>
           </a:p>
@@ -1894,7 +1894,7 @@
           <a:p>
             <a:fld id="{DE61ADEB-F5B2-4A26-A4D4-37B35CF46446}" type="datetimeFigureOut">
               <a:rPr lang="de-DE" smtClean="0"/>
-              <a:t>14.04.2014</a:t>
+              <a:t>15.04.2014</a:t>
             </a:fld>
             <a:endParaRPr lang="de-DE"/>
           </a:p>
@@ -1989,7 +1989,7 @@
           <a:p>
             <a:fld id="{DE61ADEB-F5B2-4A26-A4D4-37B35CF46446}" type="datetimeFigureOut">
               <a:rPr lang="de-DE" smtClean="0"/>
-              <a:t>14.04.2014</a:t>
+              <a:t>15.04.2014</a:t>
             </a:fld>
             <a:endParaRPr lang="de-DE"/>
           </a:p>
@@ -2266,7 +2266,7 @@
           <a:p>
             <a:fld id="{DE61ADEB-F5B2-4A26-A4D4-37B35CF46446}" type="datetimeFigureOut">
               <a:rPr lang="de-DE" smtClean="0"/>
-              <a:t>14.04.2014</a:t>
+              <a:t>15.04.2014</a:t>
             </a:fld>
             <a:endParaRPr lang="de-DE"/>
           </a:p>
@@ -2519,7 +2519,7 @@
           <a:p>
             <a:fld id="{DE61ADEB-F5B2-4A26-A4D4-37B35CF46446}" type="datetimeFigureOut">
               <a:rPr lang="de-DE" smtClean="0"/>
-              <a:t>14.04.2014</a:t>
+              <a:t>15.04.2014</a:t>
             </a:fld>
             <a:endParaRPr lang="de-DE"/>
           </a:p>
@@ -2732,7 +2732,7 @@
           <a:p>
             <a:fld id="{DE61ADEB-F5B2-4A26-A4D4-37B35CF46446}" type="datetimeFigureOut">
               <a:rPr lang="de-DE" smtClean="0"/>
-              <a:t>14.04.2014</a:t>
+              <a:t>15.04.2014</a:t>
             </a:fld>
             <a:endParaRPr lang="de-DE"/>
           </a:p>
@@ -3481,11 +3481,6 @@
               </a:rPr>
               <a:t>Zeitplanung</a:t>
             </a:r>
-            <a:endParaRPr lang="de-DE" sz="1400" b="1" dirty="0" smtClean="0">
-              <a:solidFill>
-                <a:schemeClr val="tx2"/>
-              </a:solidFill>
-            </a:endParaRPr>
           </a:p>
         </p:txBody>
       </p:sp>
@@ -3582,11 +3577,6 @@
               </a:rPr>
               <a:t>Schätzung</a:t>
             </a:r>
-            <a:endParaRPr lang="de-DE" sz="1400" b="1" dirty="0" smtClean="0">
-              <a:solidFill>
-                <a:schemeClr val="tx2"/>
-              </a:solidFill>
-            </a:endParaRPr>
           </a:p>
         </p:txBody>
       </p:sp>
@@ -3634,11 +3624,6 @@
               </a:rPr>
               <a:t>Umsetzung des Designs und Einpflegen der fixen Seiteninhalte</a:t>
             </a:r>
-            <a:endParaRPr lang="de-DE" sz="1400" dirty="0" smtClean="0">
-              <a:solidFill>
-                <a:schemeClr val="tx2"/>
-              </a:solidFill>
-            </a:endParaRPr>
           </a:p>
         </p:txBody>
       </p:sp>
@@ -3686,11 +3671,6 @@
               </a:rPr>
               <a:t>3 Wochen</a:t>
             </a:r>
-            <a:endParaRPr lang="de-DE" sz="1400" dirty="0" smtClean="0">
-              <a:solidFill>
-                <a:schemeClr val="tx2"/>
-              </a:solidFill>
-            </a:endParaRPr>
           </a:p>
         </p:txBody>
       </p:sp>
@@ -3738,11 +3718,6 @@
               </a:rPr>
               <a:t>Spielberichte</a:t>
             </a:r>
-            <a:endParaRPr lang="de-DE" sz="1400" dirty="0" smtClean="0">
-              <a:solidFill>
-                <a:schemeClr val="tx2"/>
-              </a:solidFill>
-            </a:endParaRPr>
           </a:p>
         </p:txBody>
       </p:sp>
@@ -3790,11 +3765,6 @@
               </a:rPr>
               <a:t>2 Wochen</a:t>
             </a:r>
-            <a:endParaRPr lang="de-DE" sz="1400" dirty="0" smtClean="0">
-              <a:solidFill>
-                <a:schemeClr val="tx2"/>
-              </a:solidFill>
-            </a:endParaRPr>
           </a:p>
         </p:txBody>
       </p:sp>
@@ -3842,11 +3812,6 @@
               </a:rPr>
               <a:t>Bildergalerie	</a:t>
             </a:r>
-            <a:endParaRPr lang="de-DE" sz="1400" dirty="0" smtClean="0">
-              <a:solidFill>
-                <a:schemeClr val="tx2"/>
-              </a:solidFill>
-            </a:endParaRPr>
           </a:p>
         </p:txBody>
       </p:sp>
@@ -3902,11 +3867,6 @@
               </a:rPr>
               <a:t> Wochen</a:t>
             </a:r>
-            <a:endParaRPr lang="de-DE" sz="1400" dirty="0" smtClean="0">
-              <a:solidFill>
-                <a:schemeClr val="tx2"/>
-              </a:solidFill>
-            </a:endParaRPr>
           </a:p>
         </p:txBody>
       </p:sp>
@@ -3954,11 +3914,6 @@
               </a:rPr>
               <a:t>Forum</a:t>
             </a:r>
-            <a:endParaRPr lang="de-DE" sz="1400" dirty="0" smtClean="0">
-              <a:solidFill>
-                <a:schemeClr val="tx2"/>
-              </a:solidFill>
-            </a:endParaRPr>
           </a:p>
         </p:txBody>
       </p:sp>
@@ -4006,11 +3961,6 @@
               </a:rPr>
               <a:t>3 Wochen</a:t>
             </a:r>
-            <a:endParaRPr lang="de-DE" sz="1400" dirty="0" smtClean="0">
-              <a:solidFill>
-                <a:schemeClr val="tx2"/>
-              </a:solidFill>
-            </a:endParaRPr>
           </a:p>
         </p:txBody>
       </p:sp>
@@ -4058,11 +4008,6 @@
               </a:rPr>
               <a:t>Login und Registrierung</a:t>
             </a:r>
-            <a:endParaRPr lang="de-DE" sz="1400" dirty="0" smtClean="0">
-              <a:solidFill>
-                <a:schemeClr val="tx2"/>
-              </a:solidFill>
-            </a:endParaRPr>
           </a:p>
         </p:txBody>
       </p:sp>
@@ -4118,11 +4063,6 @@
               </a:rPr>
               <a:t> Wochen</a:t>
             </a:r>
-            <a:endParaRPr lang="de-DE" sz="1400" dirty="0" smtClean="0">
-              <a:solidFill>
-                <a:schemeClr val="tx2"/>
-              </a:solidFill>
-            </a:endParaRPr>
           </a:p>
         </p:txBody>
       </p:sp>
@@ -4170,11 +4110,6 @@
               </a:rPr>
               <a:t>Terminplaner und Adressbuch, sowie der Dokumentemanager</a:t>
             </a:r>
-            <a:endParaRPr lang="de-DE" sz="1400" dirty="0" smtClean="0">
-              <a:solidFill>
-                <a:schemeClr val="tx2"/>
-              </a:solidFill>
-            </a:endParaRPr>
           </a:p>
         </p:txBody>
       </p:sp>
@@ -4222,11 +4157,6 @@
               </a:rPr>
               <a:t>3 Wochen</a:t>
             </a:r>
-            <a:endParaRPr lang="de-DE" sz="1400" dirty="0" smtClean="0">
-              <a:solidFill>
-                <a:schemeClr val="tx2"/>
-              </a:solidFill>
-            </a:endParaRPr>
           </a:p>
         </p:txBody>
       </p:sp>
@@ -4274,11 +4204,6 @@
               </a:rPr>
               <a:t>Testen, Überarbeiten, Dokumentation	</a:t>
             </a:r>
-            <a:endParaRPr lang="de-DE" sz="1400" dirty="0" smtClean="0">
-              <a:solidFill>
-                <a:schemeClr val="tx2"/>
-              </a:solidFill>
-            </a:endParaRPr>
           </a:p>
         </p:txBody>
       </p:sp>
@@ -4334,11 +4259,6 @@
               </a:rPr>
               <a:t> Wochen</a:t>
             </a:r>
-            <a:endParaRPr lang="de-DE" sz="1400" dirty="0" smtClean="0">
-              <a:solidFill>
-                <a:schemeClr val="tx2"/>
-              </a:solidFill>
-            </a:endParaRPr>
           </a:p>
         </p:txBody>
       </p:sp>
@@ -4417,11 +4337,6 @@
               </a:rPr>
               <a:t>Aktualisierte Zeitplanung</a:t>
             </a:r>
-            <a:endParaRPr lang="de-DE" sz="1400" b="1" dirty="0" smtClean="0">
-              <a:solidFill>
-                <a:schemeClr val="tx2"/>
-              </a:solidFill>
-            </a:endParaRPr>
           </a:p>
         </p:txBody>
       </p:sp>
@@ -4470,11 +4385,6 @@
               </a:rPr>
               <a:t>Offene Aufgaben</a:t>
             </a:r>
-            <a:endParaRPr lang="de-DE" sz="1400" b="1" dirty="0" smtClean="0">
-              <a:solidFill>
-                <a:schemeClr val="tx2"/>
-              </a:solidFill>
-            </a:endParaRPr>
           </a:p>
         </p:txBody>
       </p:sp>
@@ -4523,11 +4433,6 @@
               </a:rPr>
               <a:t>Beschreibung</a:t>
             </a:r>
-            <a:endParaRPr lang="de-DE" sz="1400" b="1" dirty="0" smtClean="0">
-              <a:solidFill>
-                <a:schemeClr val="tx2"/>
-              </a:solidFill>
-            </a:endParaRPr>
           </a:p>
         </p:txBody>
       </p:sp>
@@ -4576,11 +4481,6 @@
               </a:rPr>
               <a:t>Geschätzte Zeit</a:t>
             </a:r>
-            <a:endParaRPr lang="de-DE" sz="1400" b="1" dirty="0" smtClean="0">
-              <a:solidFill>
-                <a:schemeClr val="tx2"/>
-              </a:solidFill>
-            </a:endParaRPr>
           </a:p>
         </p:txBody>
       </p:sp>
@@ -4628,11 +4528,6 @@
               </a:rPr>
               <a:t>CSS überarbeiten</a:t>
             </a:r>
-            <a:endParaRPr lang="de-DE" sz="1400" dirty="0" smtClean="0">
-              <a:solidFill>
-                <a:schemeClr val="tx2"/>
-              </a:solidFill>
-            </a:endParaRPr>
           </a:p>
         </p:txBody>
       </p:sp>
@@ -4680,11 +4575,6 @@
               </a:rPr>
               <a:t>Responsive Design, Ausbesserung aufgrund der Portierung auf Java</a:t>
             </a:r>
-            <a:endParaRPr lang="de-DE" sz="1400" dirty="0" smtClean="0">
-              <a:solidFill>
-                <a:schemeClr val="tx2"/>
-              </a:solidFill>
-            </a:endParaRPr>
           </a:p>
         </p:txBody>
       </p:sp>
@@ -4732,11 +4622,6 @@
               </a:rPr>
               <a:t>6h</a:t>
             </a:r>
-            <a:endParaRPr lang="de-DE" sz="1400" dirty="0" smtClean="0">
-              <a:solidFill>
-                <a:schemeClr val="tx2"/>
-              </a:solidFill>
-            </a:endParaRPr>
           </a:p>
         </p:txBody>
       </p:sp>
@@ -4784,11 +4669,6 @@
               </a:rPr>
               <a:t>Javascript anpassen</a:t>
             </a:r>
-            <a:endParaRPr lang="de-DE" sz="1400" dirty="0" smtClean="0">
-              <a:solidFill>
-                <a:schemeClr val="tx2"/>
-              </a:solidFill>
-            </a:endParaRPr>
           </a:p>
         </p:txBody>
       </p:sp>
@@ -4836,11 +4716,6 @@
               </a:rPr>
               <a:t>Ausbesserung aufgrund der Portierung auf Java</a:t>
             </a:r>
-            <a:endParaRPr lang="de-DE" sz="1400" dirty="0" smtClean="0">
-              <a:solidFill>
-                <a:schemeClr val="tx2"/>
-              </a:solidFill>
-            </a:endParaRPr>
           </a:p>
         </p:txBody>
       </p:sp>
@@ -4896,11 +4771,6 @@
               </a:rPr>
               <a:t>h</a:t>
             </a:r>
-            <a:endParaRPr lang="de-DE" sz="1400" dirty="0" smtClean="0">
-              <a:solidFill>
-                <a:schemeClr val="tx2"/>
-              </a:solidFill>
-            </a:endParaRPr>
           </a:p>
         </p:txBody>
       </p:sp>
@@ -4948,11 +4818,6 @@
               </a:rPr>
               <a:t>Neue Datenbankanbindung</a:t>
             </a:r>
-            <a:endParaRPr lang="de-DE" sz="1400" dirty="0" smtClean="0">
-              <a:solidFill>
-                <a:schemeClr val="tx2"/>
-              </a:solidFill>
-            </a:endParaRPr>
           </a:p>
         </p:txBody>
       </p:sp>
@@ -5010,11 +4875,6 @@
               </a:rPr>
               <a:t>Einarbeitung in Framework und Anbindung aufsetzen (Einarbeit und Implementierung)</a:t>
             </a:r>
-            <a:endParaRPr lang="de-DE" sz="1400" dirty="0" smtClean="0">
-              <a:solidFill>
-                <a:schemeClr val="tx2"/>
-              </a:solidFill>
-            </a:endParaRPr>
           </a:p>
         </p:txBody>
       </p:sp>
@@ -5062,11 +4922,6 @@
               </a:rPr>
               <a:t>48h</a:t>
             </a:r>
-            <a:endParaRPr lang="de-DE" sz="1400" dirty="0" smtClean="0">
-              <a:solidFill>
-                <a:schemeClr val="tx2"/>
-              </a:solidFill>
-            </a:endParaRPr>
           </a:p>
         </p:txBody>
       </p:sp>
@@ -5114,11 +4969,6 @@
               </a:rPr>
               <a:t>Login / Registrierung</a:t>
             </a:r>
-            <a:endParaRPr lang="de-DE" sz="1400" dirty="0" smtClean="0">
-              <a:solidFill>
-                <a:schemeClr val="tx2"/>
-              </a:solidFill>
-            </a:endParaRPr>
           </a:p>
         </p:txBody>
       </p:sp>
@@ -5166,11 +5016,6 @@
               </a:rPr>
               <a:t>Konzipierung und Implementierung</a:t>
             </a:r>
-            <a:endParaRPr lang="de-DE" sz="1400" dirty="0" smtClean="0">
-              <a:solidFill>
-                <a:schemeClr val="tx2"/>
-              </a:solidFill>
-            </a:endParaRPr>
           </a:p>
         </p:txBody>
       </p:sp>
@@ -5218,11 +5063,6 @@
               </a:rPr>
               <a:t>48h</a:t>
             </a:r>
-            <a:endParaRPr lang="de-DE" sz="1400" dirty="0" smtClean="0">
-              <a:solidFill>
-                <a:schemeClr val="tx2"/>
-              </a:solidFill>
-            </a:endParaRPr>
           </a:p>
         </p:txBody>
       </p:sp>
@@ -5270,11 +5110,6 @@
               </a:rPr>
               <a:t>Schnittstelle Datenbank</a:t>
             </a:r>
-            <a:endParaRPr lang="de-DE" sz="1400" dirty="0" smtClean="0">
-              <a:solidFill>
-                <a:schemeClr val="tx2"/>
-              </a:solidFill>
-            </a:endParaRPr>
           </a:p>
         </p:txBody>
       </p:sp>
@@ -5322,11 +5157,6 @@
               </a:rPr>
               <a:t>Schnittstellen zum Bearbeiten, Editieren und Löschen von Content</a:t>
             </a:r>
-            <a:endParaRPr lang="de-DE" sz="1400" dirty="0" smtClean="0">
-              <a:solidFill>
-                <a:schemeClr val="tx2"/>
-              </a:solidFill>
-            </a:endParaRPr>
           </a:p>
         </p:txBody>
       </p:sp>
@@ -5374,11 +5204,6 @@
               </a:rPr>
               <a:t>6h</a:t>
             </a:r>
-            <a:endParaRPr lang="de-DE" sz="1400" dirty="0" smtClean="0">
-              <a:solidFill>
-                <a:schemeClr val="tx2"/>
-              </a:solidFill>
-            </a:endParaRPr>
           </a:p>
         </p:txBody>
       </p:sp>
@@ -5426,11 +5251,6 @@
               </a:rPr>
               <a:t>Forum</a:t>
             </a:r>
-            <a:endParaRPr lang="de-DE" sz="1400" dirty="0" smtClean="0">
-              <a:solidFill>
-                <a:schemeClr val="tx2"/>
-              </a:solidFill>
-            </a:endParaRPr>
           </a:p>
         </p:txBody>
       </p:sp>
@@ -5525,11 +5345,6 @@
               </a:rPr>
               <a:t>4h</a:t>
             </a:r>
-            <a:endParaRPr lang="de-DE" sz="1400" dirty="0" smtClean="0">
-              <a:solidFill>
-                <a:schemeClr val="tx2"/>
-              </a:solidFill>
-            </a:endParaRPr>
           </a:p>
         </p:txBody>
       </p:sp>
@@ -5577,11 +5392,6 @@
               </a:rPr>
               <a:t>Spielberichte</a:t>
             </a:r>
-            <a:endParaRPr lang="de-DE" sz="1400" dirty="0" smtClean="0">
-              <a:solidFill>
-                <a:schemeClr val="tx2"/>
-              </a:solidFill>
-            </a:endParaRPr>
           </a:p>
         </p:txBody>
       </p:sp>
@@ -5629,11 +5439,6 @@
               </a:rPr>
               <a:t>Verwaltung, Speicherung und Anzeige des Forums</a:t>
             </a:r>
-            <a:endParaRPr lang="de-DE" sz="1400" dirty="0" smtClean="0">
-              <a:solidFill>
-                <a:schemeClr val="tx2"/>
-              </a:solidFill>
-            </a:endParaRPr>
           </a:p>
         </p:txBody>
       </p:sp>
@@ -5689,11 +5494,6 @@
               </a:rPr>
               <a:t>h</a:t>
             </a:r>
-            <a:endParaRPr lang="de-DE" sz="1400" dirty="0" smtClean="0">
-              <a:solidFill>
-                <a:schemeClr val="tx2"/>
-              </a:solidFill>
-            </a:endParaRPr>
           </a:p>
         </p:txBody>
       </p:sp>
@@ -5741,11 +5541,6 @@
               </a:rPr>
               <a:t>Bildergalerie</a:t>
             </a:r>
-            <a:endParaRPr lang="de-DE" sz="1400" dirty="0" smtClean="0">
-              <a:solidFill>
-                <a:schemeClr val="tx2"/>
-              </a:solidFill>
-            </a:endParaRPr>
           </a:p>
         </p:txBody>
       </p:sp>
@@ -5793,11 +5588,6 @@
               </a:rPr>
               <a:t>Speichern und Abrufen der Bilder aus der Bildergalerie</a:t>
             </a:r>
-            <a:endParaRPr lang="de-DE" sz="1400" dirty="0" smtClean="0">
-              <a:solidFill>
-                <a:schemeClr val="tx2"/>
-              </a:solidFill>
-            </a:endParaRPr>
           </a:p>
         </p:txBody>
       </p:sp>
@@ -5853,11 +5643,6 @@
               </a:rPr>
               <a:t>h</a:t>
             </a:r>
-            <a:endParaRPr lang="de-DE" sz="1400" dirty="0" smtClean="0">
-              <a:solidFill>
-                <a:schemeClr val="tx2"/>
-              </a:solidFill>
-            </a:endParaRPr>
           </a:p>
         </p:txBody>
       </p:sp>
@@ -5905,11 +5690,6 @@
               </a:rPr>
               <a:t>Adressbuch</a:t>
             </a:r>
-            <a:endParaRPr lang="de-DE" sz="1400" dirty="0" smtClean="0">
-              <a:solidFill>
-                <a:schemeClr val="tx2"/>
-              </a:solidFill>
-            </a:endParaRPr>
           </a:p>
         </p:txBody>
       </p:sp>
@@ -5957,11 +5737,6 @@
               </a:rPr>
               <a:t>Portierung auf Java</a:t>
             </a:r>
-            <a:endParaRPr lang="de-DE" sz="1400" dirty="0" smtClean="0">
-              <a:solidFill>
-                <a:schemeClr val="tx2"/>
-              </a:solidFill>
-            </a:endParaRPr>
           </a:p>
         </p:txBody>
       </p:sp>
@@ -6007,21 +5782,8 @@
                   <a:schemeClr val="tx2"/>
                 </a:solidFill>
               </a:rPr>
-              <a:t>4</a:t>
-            </a:r>
-            <a:r>
-              <a:rPr lang="de-DE" sz="1400" dirty="0" smtClean="0">
-                <a:solidFill>
-                  <a:schemeClr val="tx2"/>
-                </a:solidFill>
-              </a:rPr>
-              <a:t>h – 8h</a:t>
-            </a:r>
-            <a:endParaRPr lang="de-DE" sz="1400" dirty="0" smtClean="0">
-              <a:solidFill>
-                <a:schemeClr val="tx2"/>
-              </a:solidFill>
-            </a:endParaRPr>
+              <a:t>4h – 8h</a:t>
+            </a:r>
           </a:p>
         </p:txBody>
       </p:sp>
@@ -6069,11 +5831,6 @@
               </a:rPr>
               <a:t>Terminplaner</a:t>
             </a:r>
-            <a:endParaRPr lang="de-DE" sz="1400" dirty="0" smtClean="0">
-              <a:solidFill>
-                <a:schemeClr val="tx2"/>
-              </a:solidFill>
-            </a:endParaRPr>
           </a:p>
         </p:txBody>
       </p:sp>
@@ -6121,11 +5878,6 @@
               </a:rPr>
               <a:t>CSS sowie Implementierung</a:t>
             </a:r>
-            <a:endParaRPr lang="de-DE" sz="1400" dirty="0" smtClean="0">
-              <a:solidFill>
-                <a:schemeClr val="tx2"/>
-              </a:solidFill>
-            </a:endParaRPr>
           </a:p>
         </p:txBody>
       </p:sp>
@@ -6173,11 +5925,6 @@
               </a:rPr>
               <a:t>48h</a:t>
             </a:r>
-            <a:endParaRPr lang="de-DE" sz="1400" dirty="0" smtClean="0">
-              <a:solidFill>
-                <a:schemeClr val="tx2"/>
-              </a:solidFill>
-            </a:endParaRPr>
           </a:p>
         </p:txBody>
       </p:sp>
@@ -6225,11 +5972,6 @@
               </a:rPr>
               <a:t>Dokumenta Manager</a:t>
             </a:r>
-            <a:endParaRPr lang="de-DE" sz="1400" dirty="0" smtClean="0">
-              <a:solidFill>
-                <a:schemeClr val="tx2"/>
-              </a:solidFill>
-            </a:endParaRPr>
           </a:p>
         </p:txBody>
       </p:sp>
@@ -6277,11 +6019,6 @@
               </a:rPr>
               <a:t>CSS sowie Implementierung</a:t>
             </a:r>
-            <a:endParaRPr lang="de-DE" sz="1400" dirty="0" smtClean="0">
-              <a:solidFill>
-                <a:schemeClr val="tx2"/>
-              </a:solidFill>
-            </a:endParaRPr>
           </a:p>
         </p:txBody>
       </p:sp>
@@ -6329,11 +6066,6 @@
               </a:rPr>
               <a:t>3h</a:t>
             </a:r>
-            <a:endParaRPr lang="de-DE" sz="1400" dirty="0" smtClean="0">
-              <a:solidFill>
-                <a:schemeClr val="tx2"/>
-              </a:solidFill>
-            </a:endParaRPr>
           </a:p>
         </p:txBody>
       </p:sp>
@@ -6381,11 +6113,6 @@
               </a:rPr>
               <a:t>Userbezogener Content</a:t>
             </a:r>
-            <a:endParaRPr lang="de-DE" sz="1400" dirty="0" smtClean="0">
-              <a:solidFill>
-                <a:schemeClr val="tx2"/>
-              </a:solidFill>
-            </a:endParaRPr>
           </a:p>
         </p:txBody>
       </p:sp>
@@ -6433,11 +6160,6 @@
               </a:rPr>
               <a:t>Zugriffsrechte und Anpassung der Anzeige je nach Benutzer, bzw. Login-Status und User-Gruppe</a:t>
             </a:r>
-            <a:endParaRPr lang="de-DE" sz="1400" dirty="0" smtClean="0">
-              <a:solidFill>
-                <a:schemeClr val="tx2"/>
-              </a:solidFill>
-            </a:endParaRPr>
           </a:p>
         </p:txBody>
       </p:sp>
@@ -6493,11 +6215,6 @@
               </a:rPr>
               <a:t>h</a:t>
             </a:r>
-            <a:endParaRPr lang="de-DE" sz="1400" dirty="0" smtClean="0">
-              <a:solidFill>
-                <a:schemeClr val="tx2"/>
-              </a:solidFill>
-            </a:endParaRPr>
           </a:p>
         </p:txBody>
       </p:sp>
@@ -6545,11 +6262,6 @@
               </a:rPr>
               <a:t>Testen und Dokumentation</a:t>
             </a:r>
-            <a:endParaRPr lang="de-DE" sz="1400" dirty="0" smtClean="0">
-              <a:solidFill>
-                <a:schemeClr val="tx2"/>
-              </a:solidFill>
-            </a:endParaRPr>
           </a:p>
         </p:txBody>
       </p:sp>
@@ -6597,11 +6309,6 @@
               </a:rPr>
               <a:t>Tests verfassen, Wartung und Fixes</a:t>
             </a:r>
-            <a:endParaRPr lang="de-DE" sz="1400" dirty="0" smtClean="0">
-              <a:solidFill>
-                <a:schemeClr val="tx2"/>
-              </a:solidFill>
-            </a:endParaRPr>
           </a:p>
         </p:txBody>
       </p:sp>
@@ -6649,11 +6356,6 @@
               </a:rPr>
               <a:t>50h</a:t>
             </a:r>
-            <a:endParaRPr lang="de-DE" sz="1400" dirty="0" smtClean="0">
-              <a:solidFill>
-                <a:schemeClr val="tx2"/>
-              </a:solidFill>
-            </a:endParaRPr>
           </a:p>
         </p:txBody>
       </p:sp>
@@ -6732,11 +6434,6 @@
               </a:rPr>
               <a:t>Phaseneinteilung</a:t>
             </a:r>
-            <a:endParaRPr lang="de-DE" sz="1400" b="1" dirty="0" smtClean="0">
-              <a:solidFill>
-                <a:schemeClr val="tx2"/>
-              </a:solidFill>
-            </a:endParaRPr>
           </a:p>
         </p:txBody>
       </p:sp>
@@ -6785,11 +6482,6 @@
               </a:rPr>
               <a:t>Aufgabe</a:t>
             </a:r>
-            <a:endParaRPr lang="de-DE" sz="1400" b="1" dirty="0" smtClean="0">
-              <a:solidFill>
-                <a:schemeClr val="tx2"/>
-              </a:solidFill>
-            </a:endParaRPr>
           </a:p>
         </p:txBody>
       </p:sp>
@@ -6838,11 +6530,6 @@
               </a:rPr>
               <a:t>Phase</a:t>
             </a:r>
-            <a:endParaRPr lang="de-DE" sz="1400" b="1" dirty="0" smtClean="0">
-              <a:solidFill>
-                <a:schemeClr val="tx2"/>
-              </a:solidFill>
-            </a:endParaRPr>
           </a:p>
         </p:txBody>
       </p:sp>
@@ -6890,11 +6577,6 @@
               </a:rPr>
               <a:t>Datenbankanbindung</a:t>
             </a:r>
-            <a:endParaRPr lang="de-DE" sz="1400" dirty="0" smtClean="0">
-              <a:solidFill>
-                <a:schemeClr val="tx2"/>
-              </a:solidFill>
-            </a:endParaRPr>
           </a:p>
         </p:txBody>
       </p:sp>
@@ -6942,11 +6624,6 @@
               </a:rPr>
               <a:t>KW 10 (03.03.-09.03.2014)</a:t>
             </a:r>
-            <a:endParaRPr lang="de-DE" sz="1400" dirty="0" smtClean="0">
-              <a:solidFill>
-                <a:schemeClr val="tx2"/>
-              </a:solidFill>
-            </a:endParaRPr>
           </a:p>
         </p:txBody>
       </p:sp>
@@ -7014,11 +6691,6 @@
               </a:rPr>
               <a:t>Implementierung des Adressbuches</a:t>
             </a:r>
-            <a:endParaRPr lang="de-DE" sz="1400" dirty="0" smtClean="0">
-              <a:solidFill>
-                <a:schemeClr val="tx2"/>
-              </a:solidFill>
-            </a:endParaRPr>
           </a:p>
         </p:txBody>
       </p:sp>
@@ -7066,11 +6738,6 @@
               </a:rPr>
               <a:t>KW 11 (10.03.-16.03.2014)</a:t>
             </a:r>
-            <a:endParaRPr lang="de-DE" sz="1400" dirty="0" smtClean="0">
-              <a:solidFill>
-                <a:schemeClr val="tx2"/>
-              </a:solidFill>
-            </a:endParaRPr>
           </a:p>
         </p:txBody>
       </p:sp>
@@ -7148,11 +6815,6 @@
               </a:rPr>
               <a:t>Beginn des Terminplaners</a:t>
             </a:r>
-            <a:endParaRPr lang="de-DE" sz="1400" dirty="0" smtClean="0">
-              <a:solidFill>
-                <a:schemeClr val="tx2"/>
-              </a:solidFill>
-            </a:endParaRPr>
           </a:p>
         </p:txBody>
       </p:sp>
@@ -7200,11 +6862,6 @@
               </a:rPr>
               <a:t>KW 12 (17.03.-23.03.3014)</a:t>
             </a:r>
-            <a:endParaRPr lang="de-DE" sz="1400" dirty="0" smtClean="0">
-              <a:solidFill>
-                <a:schemeClr val="tx2"/>
-              </a:solidFill>
-            </a:endParaRPr>
           </a:p>
         </p:txBody>
       </p:sp>
@@ -7262,11 +6919,6 @@
               </a:rPr>
               <a:t>Fertigstellen des Terminplaners, sowie des Logins und der Registrierung</a:t>
             </a:r>
-            <a:endParaRPr lang="de-DE" sz="1400" dirty="0" smtClean="0">
-              <a:solidFill>
-                <a:schemeClr val="tx2"/>
-              </a:solidFill>
-            </a:endParaRPr>
           </a:p>
         </p:txBody>
       </p:sp>
@@ -7314,11 +6966,6 @@
               </a:rPr>
               <a:t>KW 13 (24.03.-30.03.2014)</a:t>
             </a:r>
-            <a:endParaRPr lang="de-DE" sz="1400" dirty="0" smtClean="0">
-              <a:solidFill>
-                <a:schemeClr val="tx2"/>
-              </a:solidFill>
-            </a:endParaRPr>
           </a:p>
         </p:txBody>
       </p:sp>
@@ -7366,11 +7013,6 @@
               </a:rPr>
               <a:t>Testen und Dokumentation</a:t>
             </a:r>
-            <a:endParaRPr lang="de-DE" sz="1400" dirty="0" smtClean="0">
-              <a:solidFill>
-                <a:schemeClr val="tx2"/>
-              </a:solidFill>
-            </a:endParaRPr>
           </a:p>
         </p:txBody>
       </p:sp>
@@ -7418,11 +7060,6 @@
               </a:rPr>
               <a:t>KW 14 (31.03.-06.04.2014)</a:t>
             </a:r>
-            <a:endParaRPr lang="de-DE" sz="1400" dirty="0" smtClean="0">
-              <a:solidFill>
-                <a:schemeClr val="tx2"/>
-              </a:solidFill>
-            </a:endParaRPr>
           </a:p>
         </p:txBody>
       </p:sp>
@@ -7470,11 +7107,6 @@
               </a:rPr>
               <a:t>Puffer</a:t>
             </a:r>
-            <a:endParaRPr lang="de-DE" sz="1400" dirty="0" smtClean="0">
-              <a:solidFill>
-                <a:schemeClr val="tx2"/>
-              </a:solidFill>
-            </a:endParaRPr>
           </a:p>
         </p:txBody>
       </p:sp>
@@ -7522,11 +7154,6 @@
               </a:rPr>
               <a:t>KW 15 (07.04.-13.04.2014)</a:t>
             </a:r>
-            <a:endParaRPr lang="de-DE" sz="1400" dirty="0" smtClean="0">
-              <a:solidFill>
-                <a:schemeClr val="tx2"/>
-              </a:solidFill>
-            </a:endParaRPr>
           </a:p>
         </p:txBody>
       </p:sp>
@@ -8156,11 +7783,6 @@
               </a:rPr>
               <a:t>Zeitraum</a:t>
             </a:r>
-            <a:endParaRPr lang="de-DE" sz="1400" dirty="0" smtClean="0">
-              <a:solidFill>
-                <a:schemeClr val="tx2"/>
-              </a:solidFill>
-            </a:endParaRPr>
           </a:p>
         </p:txBody>
       </p:sp>
@@ -10626,7 +10248,7 @@
           <p:spPr>
             <a:xfrm>
               <a:off x="827584" y="1916832"/>
-              <a:ext cx="1440160" cy="1008112"/>
+              <a:ext cx="1440160" cy="504056"/>
             </a:xfrm>
             <a:prstGeom prst="rect">
               <a:avLst/>
@@ -10662,7 +10284,7 @@
                     <a:schemeClr val="tx1"/>
                   </a:solidFill>
                 </a:rPr>
-                <a:t>Timetable</a:t>
+                <a:t>Suche</a:t>
               </a:r>
               <a:endParaRPr lang="de-DE" dirty="0">
                 <a:solidFill>
@@ -10680,8 +10302,8 @@
           </p:nvSpPr>
           <p:spPr>
             <a:xfrm>
-              <a:off x="827584" y="2924944"/>
-              <a:ext cx="1440160" cy="1656184"/>
+              <a:off x="827584" y="2420888"/>
+              <a:ext cx="1440160" cy="2160240"/>
             </a:xfrm>
             <a:prstGeom prst="rect">
               <a:avLst/>
@@ -10692,307 +10314,6 @@
                 <a:lumOff val="80000"/>
               </a:schemeClr>
             </a:solidFill>
-          </p:spPr>
-          <p:style>
-            <a:lnRef idx="2">
-              <a:schemeClr val="accent1">
-                <a:shade val="50000"/>
-              </a:schemeClr>
-            </a:lnRef>
-            <a:fillRef idx="1">
-              <a:schemeClr val="accent1"/>
-            </a:fillRef>
-            <a:effectRef idx="0">
-              <a:schemeClr val="accent1"/>
-            </a:effectRef>
-            <a:fontRef idx="minor">
-              <a:schemeClr val="lt1"/>
-            </a:fontRef>
-          </p:style>
-          <p:txBody>
-            <a:bodyPr rtlCol="0" anchor="ctr"/>
-            <a:lstStyle/>
-            <a:p>
-              <a:pPr algn="ctr"/>
-              <a:r>
-                <a:rPr lang="de-DE" dirty="0" smtClean="0">
-                  <a:solidFill>
-                    <a:schemeClr val="tx1"/>
-                  </a:solidFill>
-                </a:rPr>
-                <a:t>ABC</a:t>
-              </a:r>
-              <a:endParaRPr lang="de-DE" dirty="0">
-                <a:solidFill>
-                  <a:schemeClr val="tx1"/>
-                </a:solidFill>
-              </a:endParaRPr>
-            </a:p>
-          </p:txBody>
-        </p:sp>
-      </p:grpSp>
-      <p:grpSp>
-        <p:nvGrpSpPr>
-          <p:cNvPr id="16" name="Group 15"/>
-          <p:cNvGrpSpPr/>
-          <p:nvPr/>
-        </p:nvGrpSpPr>
-        <p:grpSpPr>
-          <a:xfrm>
-            <a:off x="5652120" y="908720"/>
-            <a:ext cx="1440160" cy="3888432"/>
-            <a:chOff x="5652120" y="908720"/>
-            <a:chExt cx="1440160" cy="3888432"/>
-          </a:xfrm>
-        </p:grpSpPr>
-        <p:sp>
-          <p:nvSpPr>
-            <p:cNvPr id="10" name="Rectangle 9"/>
-            <p:cNvSpPr/>
-            <p:nvPr/>
-          </p:nvSpPr>
-          <p:spPr>
-            <a:xfrm>
-              <a:off x="5652120" y="908720"/>
-              <a:ext cx="1440160" cy="3888432"/>
-            </a:xfrm>
-            <a:prstGeom prst="rect">
-              <a:avLst/>
-            </a:prstGeom>
-            <a:solidFill>
-              <a:schemeClr val="bg1"/>
-            </a:solidFill>
-          </p:spPr>
-          <p:style>
-            <a:lnRef idx="2">
-              <a:schemeClr val="accent1">
-                <a:shade val="50000"/>
-              </a:schemeClr>
-            </a:lnRef>
-            <a:fillRef idx="1">
-              <a:schemeClr val="accent1"/>
-            </a:fillRef>
-            <a:effectRef idx="0">
-              <a:schemeClr val="accent1"/>
-            </a:effectRef>
-            <a:fontRef idx="minor">
-              <a:schemeClr val="lt1"/>
-            </a:fontRef>
-          </p:style>
-          <p:txBody>
-            <a:bodyPr rtlCol="0" anchor="ctr"/>
-            <a:lstStyle/>
-            <a:p>
-              <a:pPr algn="ctr"/>
-              <a:endParaRPr lang="de-DE"/>
-            </a:p>
-          </p:txBody>
-        </p:sp>
-        <p:sp>
-          <p:nvSpPr>
-            <p:cNvPr id="11" name="Rectangle 10"/>
-            <p:cNvSpPr/>
-            <p:nvPr/>
-          </p:nvSpPr>
-          <p:spPr>
-            <a:xfrm>
-              <a:off x="5652120" y="908720"/>
-              <a:ext cx="1440160" cy="360040"/>
-            </a:xfrm>
-            <a:prstGeom prst="rect">
-              <a:avLst/>
-            </a:prstGeom>
-            <a:solidFill>
-              <a:schemeClr val="tx1">
-                <a:lumMod val="50000"/>
-                <a:lumOff val="50000"/>
-              </a:schemeClr>
-            </a:solidFill>
-            <a:ln>
-              <a:solidFill>
-                <a:schemeClr val="tx1"/>
-              </a:solidFill>
-            </a:ln>
-          </p:spPr>
-          <p:style>
-            <a:lnRef idx="2">
-              <a:schemeClr val="accent1">
-                <a:shade val="50000"/>
-              </a:schemeClr>
-            </a:lnRef>
-            <a:fillRef idx="1">
-              <a:schemeClr val="accent1"/>
-            </a:fillRef>
-            <a:effectRef idx="0">
-              <a:schemeClr val="accent1"/>
-            </a:effectRef>
-            <a:fontRef idx="minor">
-              <a:schemeClr val="lt1"/>
-            </a:fontRef>
-          </p:style>
-          <p:txBody>
-            <a:bodyPr rtlCol="0" anchor="ctr"/>
-            <a:lstStyle/>
-            <a:p>
-              <a:pPr algn="ctr"/>
-              <a:r>
-                <a:rPr lang="de-DE" dirty="0" smtClean="0">
-                  <a:solidFill>
-                    <a:schemeClr val="tx1"/>
-                  </a:solidFill>
-                </a:rPr>
-                <a:t>Titel</a:t>
-              </a:r>
-              <a:endParaRPr lang="de-DE" dirty="0">
-                <a:solidFill>
-                  <a:schemeClr val="tx1"/>
-                </a:solidFill>
-              </a:endParaRPr>
-            </a:p>
-          </p:txBody>
-        </p:sp>
-        <p:sp>
-          <p:nvSpPr>
-            <p:cNvPr id="12" name="Rectangle 11"/>
-            <p:cNvSpPr/>
-            <p:nvPr/>
-          </p:nvSpPr>
-          <p:spPr>
-            <a:xfrm>
-              <a:off x="5652120" y="1268760"/>
-              <a:ext cx="1440160" cy="864096"/>
-            </a:xfrm>
-            <a:prstGeom prst="rect">
-              <a:avLst/>
-            </a:prstGeom>
-            <a:solidFill>
-              <a:schemeClr val="bg2"/>
-            </a:solidFill>
-            <a:ln>
-              <a:solidFill>
-                <a:schemeClr val="tx1"/>
-              </a:solidFill>
-            </a:ln>
-          </p:spPr>
-          <p:style>
-            <a:lnRef idx="2">
-              <a:schemeClr val="accent1">
-                <a:shade val="50000"/>
-              </a:schemeClr>
-            </a:lnRef>
-            <a:fillRef idx="1">
-              <a:schemeClr val="accent1"/>
-            </a:fillRef>
-            <a:effectRef idx="0">
-              <a:schemeClr val="accent1"/>
-            </a:effectRef>
-            <a:fontRef idx="minor">
-              <a:schemeClr val="lt1"/>
-            </a:fontRef>
-          </p:style>
-          <p:txBody>
-            <a:bodyPr rtlCol="0" anchor="ctr"/>
-            <a:lstStyle/>
-            <a:p>
-              <a:pPr algn="ctr"/>
-              <a:r>
-                <a:rPr lang="de-DE" dirty="0" smtClean="0">
-                  <a:solidFill>
-                    <a:schemeClr val="tx1"/>
-                  </a:solidFill>
-                </a:rPr>
-                <a:t>Links</a:t>
-              </a:r>
-              <a:endParaRPr lang="de-DE" dirty="0">
-                <a:solidFill>
-                  <a:schemeClr val="tx1"/>
-                </a:solidFill>
-              </a:endParaRPr>
-            </a:p>
-          </p:txBody>
-        </p:sp>
-        <p:sp>
-          <p:nvSpPr>
-            <p:cNvPr id="13" name="Rectangle 12"/>
-            <p:cNvSpPr/>
-            <p:nvPr/>
-          </p:nvSpPr>
-          <p:spPr>
-            <a:xfrm>
-              <a:off x="5652120" y="2132856"/>
-              <a:ext cx="1440160" cy="1008112"/>
-            </a:xfrm>
-            <a:prstGeom prst="rect">
-              <a:avLst/>
-            </a:prstGeom>
-            <a:solidFill>
-              <a:schemeClr val="bg2"/>
-            </a:solidFill>
-            <a:ln>
-              <a:solidFill>
-                <a:schemeClr val="tx1"/>
-              </a:solidFill>
-            </a:ln>
-          </p:spPr>
-          <p:style>
-            <a:lnRef idx="2">
-              <a:schemeClr val="accent1">
-                <a:shade val="50000"/>
-              </a:schemeClr>
-            </a:lnRef>
-            <a:fillRef idx="1">
-              <a:schemeClr val="accent1"/>
-            </a:fillRef>
-            <a:effectRef idx="0">
-              <a:schemeClr val="accent1"/>
-            </a:effectRef>
-            <a:fontRef idx="minor">
-              <a:schemeClr val="lt1"/>
-            </a:fontRef>
-          </p:style>
-          <p:txBody>
-            <a:bodyPr rtlCol="0" anchor="ctr"/>
-            <a:lstStyle/>
-            <a:p>
-              <a:pPr algn="ctr"/>
-              <a:r>
-                <a:rPr lang="de-DE" dirty="0" smtClean="0">
-                  <a:solidFill>
-                    <a:schemeClr val="tx1"/>
-                  </a:solidFill>
-                </a:rPr>
-                <a:t>Timetable</a:t>
-              </a:r>
-              <a:endParaRPr lang="de-DE" dirty="0">
-                <a:solidFill>
-                  <a:schemeClr val="tx1"/>
-                </a:solidFill>
-              </a:endParaRPr>
-            </a:p>
-          </p:txBody>
-        </p:sp>
-        <p:sp>
-          <p:nvSpPr>
-            <p:cNvPr id="14" name="Rectangle 13"/>
-            <p:cNvSpPr/>
-            <p:nvPr/>
-          </p:nvSpPr>
-          <p:spPr>
-            <a:xfrm>
-              <a:off x="5652120" y="3140968"/>
-              <a:ext cx="1440160" cy="1656184"/>
-            </a:xfrm>
-            <a:prstGeom prst="rect">
-              <a:avLst/>
-            </a:prstGeom>
-            <a:solidFill>
-              <a:schemeClr val="bg2"/>
-            </a:solidFill>
-            <a:ln>
-              <a:solidFill>
-                <a:schemeClr val="tx1"/>
-              </a:solidFill>
-            </a:ln>
           </p:spPr>
           <p:style>
             <a:lnRef idx="2">

--- a/Doku/Grafiken.pptx
+++ b/Doku/Grafiken.pptx
@@ -5970,7 +5970,15 @@
                   <a:schemeClr val="tx2"/>
                 </a:solidFill>
               </a:rPr>
-              <a:t>Dokumenta Manager</a:t>
+              <a:t>Dokumente </a:t>
+            </a:r>
+            <a:r>
+              <a:rPr lang="de-DE" sz="1400" dirty="0" smtClean="0">
+                <a:solidFill>
+                  <a:schemeClr val="tx2"/>
+                </a:solidFill>
+              </a:rPr>
+              <a:t>Manager</a:t>
             </a:r>
           </a:p>
         </p:txBody>
@@ -15223,8 +15231,8 @@
         </p:nvSpPr>
         <p:spPr>
           <a:xfrm>
-            <a:off x="1187624" y="476672"/>
-            <a:ext cx="7776864" cy="288032"/>
+            <a:off x="755576" y="476672"/>
+            <a:ext cx="8280920" cy="288032"/>
           </a:xfrm>
           <a:prstGeom prst="rect">
             <a:avLst/>
@@ -15271,8 +15279,248 @@
         </p:nvSpPr>
         <p:spPr>
           <a:xfrm>
+            <a:off x="1979712" y="764704"/>
+            <a:ext cx="504056" cy="360040"/>
+          </a:xfrm>
+          <a:prstGeom prst="rect">
+            <a:avLst/>
+          </a:prstGeom>
+          <a:noFill/>
+        </p:spPr>
+        <p:style>
+          <a:lnRef idx="2">
+            <a:schemeClr val="accent1">
+              <a:shade val="50000"/>
+            </a:schemeClr>
+          </a:lnRef>
+          <a:fillRef idx="1">
+            <a:schemeClr val="accent1"/>
+          </a:fillRef>
+          <a:effectRef idx="0">
+            <a:schemeClr val="accent1"/>
+          </a:effectRef>
+          <a:fontRef idx="minor">
+            <a:schemeClr val="lt1"/>
+          </a:fontRef>
+        </p:style>
+        <p:txBody>
+          <a:bodyPr rtlCol="0" anchor="ctr"/>
+          <a:lstStyle/>
+          <a:p>
+            <a:pPr algn="ctr"/>
+            <a:r>
+              <a:rPr lang="de-DE" sz="1000" dirty="0" smtClean="0">
+                <a:solidFill>
+                  <a:schemeClr val="tx2"/>
+                </a:solidFill>
+              </a:rPr>
+              <a:t>Über Uns</a:t>
+            </a:r>
+          </a:p>
+        </p:txBody>
+      </p:sp>
+      <p:sp>
+        <p:nvSpPr>
+          <p:cNvPr id="5" name="Rectangle 4"/>
+          <p:cNvSpPr/>
+          <p:nvPr/>
+        </p:nvSpPr>
+        <p:spPr>
+          <a:xfrm>
+            <a:off x="755576" y="764704"/>
+            <a:ext cx="576064" cy="360040"/>
+          </a:xfrm>
+          <a:prstGeom prst="rect">
+            <a:avLst/>
+          </a:prstGeom>
+          <a:noFill/>
+        </p:spPr>
+        <p:style>
+          <a:lnRef idx="2">
+            <a:schemeClr val="accent1">
+              <a:shade val="50000"/>
+            </a:schemeClr>
+          </a:lnRef>
+          <a:fillRef idx="1">
+            <a:schemeClr val="accent1"/>
+          </a:fillRef>
+          <a:effectRef idx="0">
+            <a:schemeClr val="accent1"/>
+          </a:effectRef>
+          <a:fontRef idx="minor">
+            <a:schemeClr val="lt1"/>
+          </a:fontRef>
+        </p:style>
+        <p:txBody>
+          <a:bodyPr rtlCol="0" anchor="ctr"/>
+          <a:lstStyle/>
+          <a:p>
+            <a:pPr algn="ctr"/>
+            <a:r>
+              <a:rPr lang="de-DE" sz="1000" dirty="0" smtClean="0">
+                <a:solidFill>
+                  <a:schemeClr val="tx2"/>
+                </a:solidFill>
+              </a:rPr>
+              <a:t>Design</a:t>
+            </a:r>
+          </a:p>
+        </p:txBody>
+      </p:sp>
+      <p:sp>
+        <p:nvSpPr>
+          <p:cNvPr id="6" name="Rectangle 5"/>
+          <p:cNvSpPr/>
+          <p:nvPr/>
+        </p:nvSpPr>
+        <p:spPr>
+          <a:xfrm>
+            <a:off x="1331640" y="764704"/>
+            <a:ext cx="648072" cy="360040"/>
+          </a:xfrm>
+          <a:prstGeom prst="rect">
+            <a:avLst/>
+          </a:prstGeom>
+          <a:noFill/>
+        </p:spPr>
+        <p:style>
+          <a:lnRef idx="2">
+            <a:schemeClr val="accent1">
+              <a:shade val="50000"/>
+            </a:schemeClr>
+          </a:lnRef>
+          <a:fillRef idx="1">
+            <a:schemeClr val="accent1"/>
+          </a:fillRef>
+          <a:effectRef idx="0">
+            <a:schemeClr val="accent1"/>
+          </a:effectRef>
+          <a:fontRef idx="minor">
+            <a:schemeClr val="lt1"/>
+          </a:fontRef>
+        </p:style>
+        <p:txBody>
+          <a:bodyPr rtlCol="0" anchor="ctr"/>
+          <a:lstStyle/>
+          <a:p>
+            <a:pPr algn="ctr"/>
+            <a:r>
+              <a:rPr lang="de-DE" sz="1000" dirty="0" smtClean="0">
+                <a:solidFill>
+                  <a:schemeClr val="tx2"/>
+                </a:solidFill>
+              </a:rPr>
+              <a:t>Landing-Pages</a:t>
+            </a:r>
+          </a:p>
+        </p:txBody>
+      </p:sp>
+      <p:sp>
+        <p:nvSpPr>
+          <p:cNvPr id="7" name="Rectangle 6"/>
+          <p:cNvSpPr/>
+          <p:nvPr/>
+        </p:nvSpPr>
+        <p:spPr>
+          <a:xfrm>
+            <a:off x="2987824" y="764704"/>
+            <a:ext cx="648072" cy="360040"/>
+          </a:xfrm>
+          <a:prstGeom prst="rect">
+            <a:avLst/>
+          </a:prstGeom>
+          <a:noFill/>
+        </p:spPr>
+        <p:style>
+          <a:lnRef idx="2">
+            <a:schemeClr val="accent1">
+              <a:shade val="50000"/>
+            </a:schemeClr>
+          </a:lnRef>
+          <a:fillRef idx="1">
+            <a:schemeClr val="accent1"/>
+          </a:fillRef>
+          <a:effectRef idx="0">
+            <a:schemeClr val="accent1"/>
+          </a:effectRef>
+          <a:fontRef idx="minor">
+            <a:schemeClr val="lt1"/>
+          </a:fontRef>
+        </p:style>
+        <p:txBody>
+          <a:bodyPr rtlCol="0" anchor="ctr"/>
+          <a:lstStyle/>
+          <a:p>
+            <a:pPr algn="ctr"/>
+            <a:r>
+              <a:rPr lang="de-DE" sz="1000" dirty="0" smtClean="0">
+                <a:solidFill>
+                  <a:schemeClr val="tx2"/>
+                </a:solidFill>
+              </a:rPr>
+              <a:t>Berichte</a:t>
+            </a:r>
+          </a:p>
+        </p:txBody>
+      </p:sp>
+      <p:sp>
+        <p:nvSpPr>
+          <p:cNvPr id="8" name="Rectangle 7"/>
+          <p:cNvSpPr/>
+          <p:nvPr/>
+        </p:nvSpPr>
+        <p:spPr>
+          <a:xfrm>
+            <a:off x="3635896" y="764704"/>
+            <a:ext cx="576064" cy="360040"/>
+          </a:xfrm>
+          <a:prstGeom prst="rect">
+            <a:avLst/>
+          </a:prstGeom>
+          <a:noFill/>
+        </p:spPr>
+        <p:style>
+          <a:lnRef idx="2">
+            <a:schemeClr val="accent1">
+              <a:shade val="50000"/>
+            </a:schemeClr>
+          </a:lnRef>
+          <a:fillRef idx="1">
+            <a:schemeClr val="accent1"/>
+          </a:fillRef>
+          <a:effectRef idx="0">
+            <a:schemeClr val="accent1"/>
+          </a:effectRef>
+          <a:fontRef idx="minor">
+            <a:schemeClr val="lt1"/>
+          </a:fontRef>
+        </p:style>
+        <p:txBody>
+          <a:bodyPr rtlCol="0" anchor="ctr"/>
+          <a:lstStyle/>
+          <a:p>
+            <a:pPr algn="ctr"/>
+            <a:r>
+              <a:rPr lang="de-DE" sz="1000" dirty="0" smtClean="0">
+                <a:solidFill>
+                  <a:schemeClr val="tx2"/>
+                </a:solidFill>
+              </a:rPr>
+              <a:t>Galerie</a:t>
+            </a:r>
+          </a:p>
+        </p:txBody>
+      </p:sp>
+      <p:sp>
+        <p:nvSpPr>
+          <p:cNvPr id="9" name="Rectangle 8"/>
+          <p:cNvSpPr/>
+          <p:nvPr/>
+        </p:nvSpPr>
+        <p:spPr>
+          <a:xfrm>
             <a:off x="2483768" y="764704"/>
-            <a:ext cx="648072" cy="360040"/>
+            <a:ext cx="504056" cy="360040"/>
           </a:xfrm>
           <a:prstGeom prst="rect">
             <a:avLst/>
@@ -15306,21 +15554,21 @@
                   <a:schemeClr val="tx2"/>
                 </a:solidFill>
               </a:rPr>
-              <a:t>Über Uns</a:t>
-            </a:r>
-          </a:p>
-        </p:txBody>
-      </p:sp>
-      <p:sp>
-        <p:nvSpPr>
-          <p:cNvPr id="5" name="Rectangle 4"/>
-          <p:cNvSpPr/>
-          <p:nvPr/>
-        </p:nvSpPr>
-        <p:spPr>
-          <a:xfrm>
-            <a:off x="1187624" y="764704"/>
-            <a:ext cx="648072" cy="360040"/>
+              <a:t>Links</a:t>
+            </a:r>
+          </a:p>
+        </p:txBody>
+      </p:sp>
+      <p:sp>
+        <p:nvSpPr>
+          <p:cNvPr id="10" name="Rectangle 9"/>
+          <p:cNvSpPr/>
+          <p:nvPr/>
+        </p:nvSpPr>
+        <p:spPr>
+          <a:xfrm>
+            <a:off x="4211960" y="764704"/>
+            <a:ext cx="576064" cy="360040"/>
           </a:xfrm>
           <a:prstGeom prst="rect">
             <a:avLst/>
@@ -15354,21 +15602,21 @@
                   <a:schemeClr val="tx2"/>
                 </a:solidFill>
               </a:rPr>
-              <a:t>Design</a:t>
-            </a:r>
-          </a:p>
-        </p:txBody>
-      </p:sp>
-      <p:sp>
-        <p:nvSpPr>
-          <p:cNvPr id="6" name="Rectangle 5"/>
-          <p:cNvSpPr/>
-          <p:nvPr/>
-        </p:nvSpPr>
-        <p:spPr>
-          <a:xfrm>
-            <a:off x="1835696" y="764704"/>
-            <a:ext cx="648072" cy="360040"/>
+              <a:t>Forum</a:t>
+            </a:r>
+          </a:p>
+        </p:txBody>
+      </p:sp>
+      <p:sp>
+        <p:nvSpPr>
+          <p:cNvPr id="11" name="Rectangle 10"/>
+          <p:cNvSpPr/>
+          <p:nvPr/>
+        </p:nvSpPr>
+        <p:spPr>
+          <a:xfrm>
+            <a:off x="5940152" y="764704"/>
+            <a:ext cx="576064" cy="360040"/>
           </a:xfrm>
           <a:prstGeom prst="rect">
             <a:avLst/>
@@ -15402,21 +15650,26 @@
                   <a:schemeClr val="tx2"/>
                 </a:solidFill>
               </a:rPr>
-              <a:t>Landing-Pages</a:t>
-            </a:r>
-          </a:p>
-        </p:txBody>
-      </p:sp>
-      <p:sp>
-        <p:nvSpPr>
-          <p:cNvPr id="7" name="Rectangle 6"/>
-          <p:cNvSpPr/>
-          <p:nvPr/>
-        </p:nvSpPr>
-        <p:spPr>
-          <a:xfrm>
-            <a:off x="3779912" y="764704"/>
-            <a:ext cx="648072" cy="360040"/>
+              <a:t>Regist-rierung</a:t>
+            </a:r>
+            <a:endParaRPr lang="de-DE" sz="1000" dirty="0" smtClean="0">
+              <a:solidFill>
+                <a:schemeClr val="tx2"/>
+              </a:solidFill>
+            </a:endParaRPr>
+          </a:p>
+        </p:txBody>
+      </p:sp>
+      <p:sp>
+        <p:nvSpPr>
+          <p:cNvPr id="12" name="Rectangle 11"/>
+          <p:cNvSpPr/>
+          <p:nvPr/>
+        </p:nvSpPr>
+        <p:spPr>
+          <a:xfrm>
+            <a:off x="5364088" y="764704"/>
+            <a:ext cx="576064" cy="360040"/>
           </a:xfrm>
           <a:prstGeom prst="rect">
             <a:avLst/>
@@ -15450,21 +15703,21 @@
                   <a:schemeClr val="tx2"/>
                 </a:solidFill>
               </a:rPr>
-              <a:t>Berichte</a:t>
-            </a:r>
-          </a:p>
-        </p:txBody>
-      </p:sp>
-      <p:sp>
-        <p:nvSpPr>
-          <p:cNvPr id="8" name="Rectangle 7"/>
-          <p:cNvSpPr/>
-          <p:nvPr/>
-        </p:nvSpPr>
-        <p:spPr>
-          <a:xfrm>
-            <a:off x="4427984" y="764704"/>
-            <a:ext cx="648072" cy="360040"/>
+              <a:t>Termin-planer</a:t>
+            </a:r>
+          </a:p>
+        </p:txBody>
+      </p:sp>
+      <p:sp>
+        <p:nvSpPr>
+          <p:cNvPr id="13" name="Rectangle 12"/>
+          <p:cNvSpPr/>
+          <p:nvPr/>
+        </p:nvSpPr>
+        <p:spPr>
+          <a:xfrm>
+            <a:off x="4788024" y="764704"/>
+            <a:ext cx="576064" cy="360040"/>
           </a:xfrm>
           <a:prstGeom prst="rect">
             <a:avLst/>
@@ -15498,21 +15751,21 @@
                   <a:schemeClr val="tx2"/>
                 </a:solidFill>
               </a:rPr>
-              <a:t>Galerie</a:t>
-            </a:r>
-          </a:p>
-        </p:txBody>
-      </p:sp>
-      <p:sp>
-        <p:nvSpPr>
-          <p:cNvPr id="9" name="Rectangle 8"/>
-          <p:cNvSpPr/>
-          <p:nvPr/>
-        </p:nvSpPr>
-        <p:spPr>
-          <a:xfrm>
-            <a:off x="3131840" y="764704"/>
-            <a:ext cx="648072" cy="360040"/>
+              <a:t>Adress-buch</a:t>
+            </a:r>
+          </a:p>
+        </p:txBody>
+      </p:sp>
+      <p:sp>
+        <p:nvSpPr>
+          <p:cNvPr id="14" name="Rectangle 13"/>
+          <p:cNvSpPr/>
+          <p:nvPr/>
+        </p:nvSpPr>
+        <p:spPr>
+          <a:xfrm>
+            <a:off x="6518498" y="764704"/>
+            <a:ext cx="504056" cy="360040"/>
           </a:xfrm>
           <a:prstGeom prst="rect">
             <a:avLst/>
@@ -15546,21 +15799,21 @@
                   <a:schemeClr val="tx2"/>
                 </a:solidFill>
               </a:rPr>
-              <a:t>Links</a:t>
-            </a:r>
-          </a:p>
-        </p:txBody>
-      </p:sp>
-      <p:sp>
-        <p:nvSpPr>
-          <p:cNvPr id="10" name="Rectangle 9"/>
-          <p:cNvSpPr/>
-          <p:nvPr/>
-        </p:nvSpPr>
-        <p:spPr>
-          <a:xfrm>
-            <a:off x="5076056" y="764704"/>
-            <a:ext cx="648072" cy="360040"/>
+              <a:t>Login</a:t>
+            </a:r>
+          </a:p>
+        </p:txBody>
+      </p:sp>
+      <p:sp>
+        <p:nvSpPr>
+          <p:cNvPr id="15" name="Rectangle 14"/>
+          <p:cNvSpPr/>
+          <p:nvPr/>
+        </p:nvSpPr>
+        <p:spPr>
+          <a:xfrm>
+            <a:off x="7022554" y="764704"/>
+            <a:ext cx="576064" cy="360040"/>
           </a:xfrm>
           <a:prstGeom prst="rect">
             <a:avLst/>
@@ -15594,21 +15847,21 @@
                   <a:schemeClr val="tx2"/>
                 </a:solidFill>
               </a:rPr>
-              <a:t>Forum</a:t>
-            </a:r>
-          </a:p>
-        </p:txBody>
-      </p:sp>
-      <p:sp>
-        <p:nvSpPr>
-          <p:cNvPr id="11" name="Rectangle 10"/>
-          <p:cNvSpPr/>
-          <p:nvPr/>
-        </p:nvSpPr>
-        <p:spPr>
-          <a:xfrm>
-            <a:off x="7020272" y="764704"/>
-            <a:ext cx="648072" cy="360040"/>
+              <a:t>Logout</a:t>
+            </a:r>
+          </a:p>
+        </p:txBody>
+      </p:sp>
+      <p:sp>
+        <p:nvSpPr>
+          <p:cNvPr id="16" name="Rectangle 15"/>
+          <p:cNvSpPr/>
+          <p:nvPr/>
+        </p:nvSpPr>
+        <p:spPr>
+          <a:xfrm>
+            <a:off x="107504" y="1124744"/>
+            <a:ext cx="648072" cy="288032"/>
           </a:xfrm>
           <a:prstGeom prst="rect">
             <a:avLst/>
@@ -15637,26 +15890,26 @@
           <a:p>
             <a:pPr algn="ctr"/>
             <a:r>
-              <a:rPr lang="de-DE" sz="1000" dirty="0" smtClean="0">
-                <a:solidFill>
-                  <a:schemeClr val="tx2"/>
-                </a:solidFill>
-              </a:rPr>
-              <a:t>Registrierung</a:t>
-            </a:r>
-          </a:p>
-        </p:txBody>
-      </p:sp>
-      <p:sp>
-        <p:nvSpPr>
-          <p:cNvPr id="12" name="Rectangle 11"/>
-          <p:cNvSpPr/>
-          <p:nvPr/>
-        </p:nvSpPr>
-        <p:spPr>
-          <a:xfrm>
-            <a:off x="6372200" y="764704"/>
-            <a:ext cx="648072" cy="360040"/>
+              <a:rPr lang="de-DE" sz="1400" dirty="0" smtClean="0">
+                <a:solidFill>
+                  <a:schemeClr val="tx2"/>
+                </a:solidFill>
+              </a:rPr>
+              <a:t>Ellen</a:t>
+            </a:r>
+          </a:p>
+        </p:txBody>
+      </p:sp>
+      <p:sp>
+        <p:nvSpPr>
+          <p:cNvPr id="17" name="Rectangle 16"/>
+          <p:cNvSpPr/>
+          <p:nvPr/>
+        </p:nvSpPr>
+        <p:spPr>
+          <a:xfrm>
+            <a:off x="107504" y="1412776"/>
+            <a:ext cx="648072" cy="288032"/>
           </a:xfrm>
           <a:prstGeom prst="rect">
             <a:avLst/>
@@ -15685,251 +15938,11 @@
           <a:p>
             <a:pPr algn="ctr"/>
             <a:r>
-              <a:rPr lang="de-DE" sz="1000" dirty="0" smtClean="0">
-                <a:solidFill>
-                  <a:schemeClr val="tx2"/>
-                </a:solidFill>
-              </a:rPr>
-              <a:t>Termin-planer</a:t>
-            </a:r>
-          </a:p>
-        </p:txBody>
-      </p:sp>
-      <p:sp>
-        <p:nvSpPr>
-          <p:cNvPr id="13" name="Rectangle 12"/>
-          <p:cNvSpPr/>
-          <p:nvPr/>
-        </p:nvSpPr>
-        <p:spPr>
-          <a:xfrm>
-            <a:off x="5724128" y="764704"/>
-            <a:ext cx="648072" cy="360040"/>
-          </a:xfrm>
-          <a:prstGeom prst="rect">
-            <a:avLst/>
-          </a:prstGeom>
-          <a:noFill/>
-        </p:spPr>
-        <p:style>
-          <a:lnRef idx="2">
-            <a:schemeClr val="accent1">
-              <a:shade val="50000"/>
-            </a:schemeClr>
-          </a:lnRef>
-          <a:fillRef idx="1">
-            <a:schemeClr val="accent1"/>
-          </a:fillRef>
-          <a:effectRef idx="0">
-            <a:schemeClr val="accent1"/>
-          </a:effectRef>
-          <a:fontRef idx="minor">
-            <a:schemeClr val="lt1"/>
-          </a:fontRef>
-        </p:style>
-        <p:txBody>
-          <a:bodyPr rtlCol="0" anchor="ctr"/>
-          <a:lstStyle/>
-          <a:p>
-            <a:pPr algn="ctr"/>
-            <a:r>
-              <a:rPr lang="de-DE" sz="1000" dirty="0" smtClean="0">
-                <a:solidFill>
-                  <a:schemeClr val="tx2"/>
-                </a:solidFill>
-              </a:rPr>
-              <a:t>Adress-buch</a:t>
-            </a:r>
-          </a:p>
-        </p:txBody>
-      </p:sp>
-      <p:sp>
-        <p:nvSpPr>
-          <p:cNvPr id="14" name="Rectangle 13"/>
-          <p:cNvSpPr/>
-          <p:nvPr/>
-        </p:nvSpPr>
-        <p:spPr>
-          <a:xfrm>
-            <a:off x="7668344" y="764704"/>
-            <a:ext cx="648072" cy="360040"/>
-          </a:xfrm>
-          <a:prstGeom prst="rect">
-            <a:avLst/>
-          </a:prstGeom>
-          <a:noFill/>
-        </p:spPr>
-        <p:style>
-          <a:lnRef idx="2">
-            <a:schemeClr val="accent1">
-              <a:shade val="50000"/>
-            </a:schemeClr>
-          </a:lnRef>
-          <a:fillRef idx="1">
-            <a:schemeClr val="accent1"/>
-          </a:fillRef>
-          <a:effectRef idx="0">
-            <a:schemeClr val="accent1"/>
-          </a:effectRef>
-          <a:fontRef idx="minor">
-            <a:schemeClr val="lt1"/>
-          </a:fontRef>
-        </p:style>
-        <p:txBody>
-          <a:bodyPr rtlCol="0" anchor="ctr"/>
-          <a:lstStyle/>
-          <a:p>
-            <a:pPr algn="ctr"/>
-            <a:r>
-              <a:rPr lang="de-DE" sz="1000" dirty="0" smtClean="0">
-                <a:solidFill>
-                  <a:schemeClr val="tx2"/>
-                </a:solidFill>
-              </a:rPr>
-              <a:t>Login</a:t>
-            </a:r>
-          </a:p>
-        </p:txBody>
-      </p:sp>
-      <p:sp>
-        <p:nvSpPr>
-          <p:cNvPr id="15" name="Rectangle 14"/>
-          <p:cNvSpPr/>
-          <p:nvPr/>
-        </p:nvSpPr>
-        <p:spPr>
-          <a:xfrm>
-            <a:off x="8316416" y="764704"/>
-            <a:ext cx="648072" cy="360040"/>
-          </a:xfrm>
-          <a:prstGeom prst="rect">
-            <a:avLst/>
-          </a:prstGeom>
-          <a:noFill/>
-        </p:spPr>
-        <p:style>
-          <a:lnRef idx="2">
-            <a:schemeClr val="accent1">
-              <a:shade val="50000"/>
-            </a:schemeClr>
-          </a:lnRef>
-          <a:fillRef idx="1">
-            <a:schemeClr val="accent1"/>
-          </a:fillRef>
-          <a:effectRef idx="0">
-            <a:schemeClr val="accent1"/>
-          </a:effectRef>
-          <a:fontRef idx="minor">
-            <a:schemeClr val="lt1"/>
-          </a:fontRef>
-        </p:style>
-        <p:txBody>
-          <a:bodyPr rtlCol="0" anchor="ctr"/>
-          <a:lstStyle/>
-          <a:p>
-            <a:pPr algn="ctr"/>
-            <a:r>
-              <a:rPr lang="de-DE" sz="1000" dirty="0" smtClean="0">
-                <a:solidFill>
-                  <a:schemeClr val="tx2"/>
-                </a:solidFill>
-              </a:rPr>
-              <a:t>Logout</a:t>
-            </a:r>
-          </a:p>
-        </p:txBody>
-      </p:sp>
-      <p:sp>
-        <p:nvSpPr>
-          <p:cNvPr id="16" name="Rectangle 15"/>
-          <p:cNvSpPr/>
-          <p:nvPr/>
-        </p:nvSpPr>
-        <p:spPr>
-          <a:xfrm>
-            <a:off x="107504" y="1124744"/>
-            <a:ext cx="1080120" cy="288032"/>
-          </a:xfrm>
-          <a:prstGeom prst="rect">
-            <a:avLst/>
-          </a:prstGeom>
-          <a:noFill/>
-        </p:spPr>
-        <p:style>
-          <a:lnRef idx="2">
-            <a:schemeClr val="accent1">
-              <a:shade val="50000"/>
-            </a:schemeClr>
-          </a:lnRef>
-          <a:fillRef idx="1">
-            <a:schemeClr val="accent1"/>
-          </a:fillRef>
-          <a:effectRef idx="0">
-            <a:schemeClr val="accent1"/>
-          </a:effectRef>
-          <a:fontRef idx="minor">
-            <a:schemeClr val="lt1"/>
-          </a:fontRef>
-        </p:style>
-        <p:txBody>
-          <a:bodyPr rtlCol="0" anchor="ctr"/>
-          <a:lstStyle/>
-          <a:p>
-            <a:pPr algn="ctr"/>
-            <a:r>
               <a:rPr lang="de-DE" sz="1400" dirty="0" smtClean="0">
                 <a:solidFill>
                   <a:schemeClr val="tx2"/>
                 </a:solidFill>
               </a:rPr>
-              <a:t>Ellen</a:t>
-            </a:r>
-          </a:p>
-        </p:txBody>
-      </p:sp>
-      <p:sp>
-        <p:nvSpPr>
-          <p:cNvPr id="17" name="Rectangle 16"/>
-          <p:cNvSpPr/>
-          <p:nvPr/>
-        </p:nvSpPr>
-        <p:spPr>
-          <a:xfrm>
-            <a:off x="107504" y="1412776"/>
-            <a:ext cx="1080120" cy="288032"/>
-          </a:xfrm>
-          <a:prstGeom prst="rect">
-            <a:avLst/>
-          </a:prstGeom>
-          <a:noFill/>
-        </p:spPr>
-        <p:style>
-          <a:lnRef idx="2">
-            <a:schemeClr val="accent1">
-              <a:shade val="50000"/>
-            </a:schemeClr>
-          </a:lnRef>
-          <a:fillRef idx="1">
-            <a:schemeClr val="accent1"/>
-          </a:fillRef>
-          <a:effectRef idx="0">
-            <a:schemeClr val="accent1"/>
-          </a:effectRef>
-          <a:fontRef idx="minor">
-            <a:schemeClr val="lt1"/>
-          </a:fontRef>
-        </p:style>
-        <p:txBody>
-          <a:bodyPr rtlCol="0" anchor="ctr"/>
-          <a:lstStyle/>
-          <a:p>
-            <a:pPr algn="ctr"/>
-            <a:r>
-              <a:rPr lang="de-DE" sz="1400" dirty="0" smtClean="0">
-                <a:solidFill>
-                  <a:schemeClr val="tx2"/>
-                </a:solidFill>
-              </a:rPr>
               <a:t>Julia</a:t>
             </a:r>
           </a:p>
@@ -15943,8 +15956,8 @@
         </p:nvSpPr>
         <p:spPr>
           <a:xfrm>
-            <a:off x="1187624" y="1124744"/>
-            <a:ext cx="648072" cy="288032"/>
+            <a:off x="755576" y="1124744"/>
+            <a:ext cx="576064" cy="288032"/>
           </a:xfrm>
           <a:prstGeom prst="rect">
             <a:avLst/>
@@ -15996,7 +16009,7 @@
         </p:nvSpPr>
         <p:spPr>
           <a:xfrm>
-            <a:off x="1835696" y="1124744"/>
+            <a:off x="1331640" y="1124744"/>
             <a:ext cx="648072" cy="288032"/>
           </a:xfrm>
           <a:prstGeom prst="rect">
@@ -16044,8 +16057,8 @@
         </p:nvSpPr>
         <p:spPr>
           <a:xfrm>
-            <a:off x="2483768" y="1124744"/>
-            <a:ext cx="648072" cy="288032"/>
+            <a:off x="1979712" y="1124744"/>
+            <a:ext cx="504056" cy="288032"/>
           </a:xfrm>
           <a:prstGeom prst="rect">
             <a:avLst/>
@@ -16097,8 +16110,8 @@
         </p:nvSpPr>
         <p:spPr>
           <a:xfrm>
-            <a:off x="3131840" y="1124744"/>
-            <a:ext cx="648072" cy="288032"/>
+            <a:off x="2483768" y="1124744"/>
+            <a:ext cx="504056" cy="288032"/>
           </a:xfrm>
           <a:prstGeom prst="rect">
             <a:avLst/>
@@ -16145,7 +16158,7 @@
         </p:nvSpPr>
         <p:spPr>
           <a:xfrm>
-            <a:off x="3779912" y="1124744"/>
+            <a:off x="2987824" y="1124744"/>
             <a:ext cx="648072" cy="288032"/>
           </a:xfrm>
           <a:prstGeom prst="rect">
@@ -16198,8 +16211,8 @@
         </p:nvSpPr>
         <p:spPr>
           <a:xfrm>
-            <a:off x="4427984" y="1124744"/>
-            <a:ext cx="648072" cy="288032"/>
+            <a:off x="3635896" y="1124744"/>
+            <a:ext cx="576064" cy="288032"/>
           </a:xfrm>
           <a:prstGeom prst="rect">
             <a:avLst/>
@@ -16251,8 +16264,8 @@
         </p:nvSpPr>
         <p:spPr>
           <a:xfrm>
-            <a:off x="5076056" y="1124744"/>
-            <a:ext cx="648072" cy="288032"/>
+            <a:off x="4211960" y="1124744"/>
+            <a:ext cx="576064" cy="288032"/>
           </a:xfrm>
           <a:prstGeom prst="rect">
             <a:avLst/>
@@ -16304,8 +16317,8 @@
         </p:nvSpPr>
         <p:spPr>
           <a:xfrm>
-            <a:off x="5724128" y="1124744"/>
-            <a:ext cx="648072" cy="288032"/>
+            <a:off x="4788024" y="1124744"/>
+            <a:ext cx="576064" cy="288032"/>
           </a:xfrm>
           <a:prstGeom prst="rect">
             <a:avLst/>
@@ -16349,8 +16362,8 @@
         </p:nvSpPr>
         <p:spPr>
           <a:xfrm>
-            <a:off x="6372200" y="1124744"/>
-            <a:ext cx="648072" cy="288032"/>
+            <a:off x="5364088" y="1124744"/>
+            <a:ext cx="576064" cy="288032"/>
           </a:xfrm>
           <a:prstGeom prst="rect">
             <a:avLst/>
@@ -16394,8 +16407,8 @@
         </p:nvSpPr>
         <p:spPr>
           <a:xfrm>
-            <a:off x="7020272" y="1124744"/>
-            <a:ext cx="648072" cy="288032"/>
+            <a:off x="5940152" y="1124744"/>
+            <a:ext cx="576064" cy="288032"/>
           </a:xfrm>
           <a:prstGeom prst="rect">
             <a:avLst/>
@@ -16447,8 +16460,8 @@
         </p:nvSpPr>
         <p:spPr>
           <a:xfrm>
-            <a:off x="7668344" y="1124744"/>
-            <a:ext cx="648072" cy="288032"/>
+            <a:off x="6518498" y="1124744"/>
+            <a:ext cx="504056" cy="288032"/>
           </a:xfrm>
           <a:prstGeom prst="rect">
             <a:avLst/>
@@ -16500,8 +16513,8 @@
         </p:nvSpPr>
         <p:spPr>
           <a:xfrm>
-            <a:off x="8316416" y="1124744"/>
-            <a:ext cx="648072" cy="288032"/>
+            <a:off x="7022554" y="1124744"/>
+            <a:ext cx="576064" cy="288032"/>
           </a:xfrm>
           <a:prstGeom prst="rect">
             <a:avLst/>
@@ -16553,8 +16566,8 @@
         </p:nvSpPr>
         <p:spPr>
           <a:xfrm>
-            <a:off x="1187624" y="1412776"/>
-            <a:ext cx="648072" cy="288032"/>
+            <a:off x="755576" y="1412776"/>
+            <a:ext cx="576064" cy="288032"/>
           </a:xfrm>
           <a:prstGeom prst="rect">
             <a:avLst/>
@@ -16606,7 +16619,7 @@
         </p:nvSpPr>
         <p:spPr>
           <a:xfrm>
-            <a:off x="1835696" y="1412776"/>
+            <a:off x="1331640" y="1412776"/>
             <a:ext cx="648072" cy="288032"/>
           </a:xfrm>
           <a:prstGeom prst="rect">
@@ -16651,8 +16664,8 @@
         </p:nvSpPr>
         <p:spPr>
           <a:xfrm>
-            <a:off x="2483768" y="1412776"/>
-            <a:ext cx="648072" cy="288032"/>
+            <a:off x="1979712" y="1412776"/>
+            <a:ext cx="504056" cy="288032"/>
           </a:xfrm>
           <a:prstGeom prst="rect">
             <a:avLst/>
@@ -16696,8 +16709,8 @@
         </p:nvSpPr>
         <p:spPr>
           <a:xfrm>
-            <a:off x="3131840" y="1412776"/>
-            <a:ext cx="648072" cy="288032"/>
+            <a:off x="2483768" y="1412776"/>
+            <a:ext cx="504056" cy="288032"/>
           </a:xfrm>
           <a:prstGeom prst="rect">
             <a:avLst/>
@@ -16741,7 +16754,7 @@
         </p:nvSpPr>
         <p:spPr>
           <a:xfrm>
-            <a:off x="3779912" y="1412776"/>
+            <a:off x="2987824" y="1412776"/>
             <a:ext cx="648072" cy="288032"/>
           </a:xfrm>
           <a:prstGeom prst="rect">
@@ -16786,8 +16799,8 @@
         </p:nvSpPr>
         <p:spPr>
           <a:xfrm>
-            <a:off x="4427984" y="1412776"/>
-            <a:ext cx="648072" cy="288032"/>
+            <a:off x="3635896" y="1412776"/>
+            <a:ext cx="576064" cy="288032"/>
           </a:xfrm>
           <a:prstGeom prst="rect">
             <a:avLst/>
@@ -16831,8 +16844,8 @@
         </p:nvSpPr>
         <p:spPr>
           <a:xfrm>
-            <a:off x="5076056" y="1412776"/>
-            <a:ext cx="648072" cy="288032"/>
+            <a:off x="4211960" y="1412776"/>
+            <a:ext cx="576064" cy="288032"/>
           </a:xfrm>
           <a:prstGeom prst="rect">
             <a:avLst/>
@@ -16876,8 +16889,8 @@
         </p:nvSpPr>
         <p:spPr>
           <a:xfrm>
-            <a:off x="5724128" y="1412776"/>
-            <a:ext cx="648072" cy="288032"/>
+            <a:off x="4788024" y="1412776"/>
+            <a:ext cx="576064" cy="288032"/>
           </a:xfrm>
           <a:prstGeom prst="rect">
             <a:avLst/>
@@ -16924,8 +16937,8 @@
         </p:nvSpPr>
         <p:spPr>
           <a:xfrm>
-            <a:off x="6372200" y="1412776"/>
-            <a:ext cx="648072" cy="288032"/>
+            <a:off x="5364088" y="1412776"/>
+            <a:ext cx="576064" cy="288032"/>
           </a:xfrm>
           <a:prstGeom prst="rect">
             <a:avLst/>
@@ -16972,8 +16985,8 @@
         </p:nvSpPr>
         <p:spPr>
           <a:xfrm>
-            <a:off x="7020272" y="1412776"/>
-            <a:ext cx="648072" cy="288032"/>
+            <a:off x="5940152" y="1412776"/>
+            <a:ext cx="576064" cy="288032"/>
           </a:xfrm>
           <a:prstGeom prst="rect">
             <a:avLst/>
@@ -17017,8 +17030,8 @@
         </p:nvSpPr>
         <p:spPr>
           <a:xfrm>
-            <a:off x="7668344" y="1412776"/>
-            <a:ext cx="648072" cy="288032"/>
+            <a:off x="6518498" y="1412776"/>
+            <a:ext cx="504056" cy="288032"/>
           </a:xfrm>
           <a:prstGeom prst="rect">
             <a:avLst/>
@@ -17062,8 +17075,8 @@
         </p:nvSpPr>
         <p:spPr>
           <a:xfrm>
-            <a:off x="8316416" y="1412776"/>
-            <a:ext cx="648072" cy="288032"/>
+            <a:off x="7022554" y="1412776"/>
+            <a:ext cx="576064" cy="288032"/>
           </a:xfrm>
           <a:prstGeom prst="rect">
             <a:avLst/>
@@ -17107,7 +17120,166 @@
         </p:nvSpPr>
         <p:spPr>
           <a:xfrm>
-            <a:off x="2483768" y="1700808"/>
+            <a:off x="2771800" y="1700808"/>
+            <a:ext cx="792088" cy="360040"/>
+          </a:xfrm>
+          <a:prstGeom prst="rect">
+            <a:avLst/>
+          </a:prstGeom>
+          <a:noFill/>
+        </p:spPr>
+        <p:style>
+          <a:lnRef idx="2">
+            <a:schemeClr val="accent1">
+              <a:shade val="50000"/>
+            </a:schemeClr>
+          </a:lnRef>
+          <a:fillRef idx="1">
+            <a:schemeClr val="accent1"/>
+          </a:fillRef>
+          <a:effectRef idx="0">
+            <a:schemeClr val="accent1"/>
+          </a:effectRef>
+          <a:fontRef idx="minor">
+            <a:schemeClr val="lt1"/>
+          </a:fontRef>
+        </p:style>
+        <p:txBody>
+          <a:bodyPr rtlCol="0" anchor="ctr"/>
+          <a:lstStyle/>
+          <a:p>
+            <a:pPr algn="ctr"/>
+            <a:r>
+              <a:rPr lang="de-DE" sz="1000" dirty="0" smtClean="0">
+                <a:solidFill>
+                  <a:schemeClr val="tx2"/>
+                </a:solidFill>
+              </a:rPr>
+              <a:t>Dokumen-tation</a:t>
+            </a:r>
+            <a:endParaRPr lang="de-DE" sz="1000" dirty="0" smtClean="0">
+              <a:solidFill>
+                <a:schemeClr val="tx2"/>
+              </a:solidFill>
+            </a:endParaRPr>
+          </a:p>
+        </p:txBody>
+      </p:sp>
+      <p:sp>
+        <p:nvSpPr>
+          <p:cNvPr id="57" name="Rectangle 56"/>
+          <p:cNvSpPr/>
+          <p:nvPr/>
+        </p:nvSpPr>
+        <p:spPr>
+          <a:xfrm>
+            <a:off x="755576" y="1700808"/>
+            <a:ext cx="1224136" cy="360040"/>
+          </a:xfrm>
+          <a:prstGeom prst="rect">
+            <a:avLst/>
+          </a:prstGeom>
+          <a:noFill/>
+        </p:spPr>
+        <p:style>
+          <a:lnRef idx="2">
+            <a:schemeClr val="accent1">
+              <a:shade val="50000"/>
+            </a:schemeClr>
+          </a:lnRef>
+          <a:fillRef idx="1">
+            <a:schemeClr val="accent1"/>
+          </a:fillRef>
+          <a:effectRef idx="0">
+            <a:schemeClr val="accent1"/>
+          </a:effectRef>
+          <a:fontRef idx="minor">
+            <a:schemeClr val="lt1"/>
+          </a:fontRef>
+        </p:style>
+        <p:txBody>
+          <a:bodyPr rtlCol="0" anchor="ctr"/>
+          <a:lstStyle/>
+          <a:p>
+            <a:pPr algn="ctr"/>
+            <a:r>
+              <a:rPr lang="de-DE" sz="1000" dirty="0" smtClean="0">
+                <a:solidFill>
+                  <a:schemeClr val="tx2"/>
+                </a:solidFill>
+              </a:rPr>
+              <a:t>Datenbank-Anbindung</a:t>
+            </a:r>
+            <a:endParaRPr lang="de-DE" sz="1000" dirty="0" smtClean="0">
+              <a:solidFill>
+                <a:schemeClr val="tx2"/>
+              </a:solidFill>
+            </a:endParaRPr>
+          </a:p>
+        </p:txBody>
+      </p:sp>
+      <p:sp>
+        <p:nvSpPr>
+          <p:cNvPr id="58" name="Rectangle 57"/>
+          <p:cNvSpPr/>
+          <p:nvPr/>
+        </p:nvSpPr>
+        <p:spPr>
+          <a:xfrm>
+            <a:off x="1979712" y="1700808"/>
+            <a:ext cx="792088" cy="360040"/>
+          </a:xfrm>
+          <a:prstGeom prst="rect">
+            <a:avLst/>
+          </a:prstGeom>
+          <a:noFill/>
+        </p:spPr>
+        <p:style>
+          <a:lnRef idx="2">
+            <a:schemeClr val="accent1">
+              <a:shade val="50000"/>
+            </a:schemeClr>
+          </a:lnRef>
+          <a:fillRef idx="1">
+            <a:schemeClr val="accent1"/>
+          </a:fillRef>
+          <a:effectRef idx="0">
+            <a:schemeClr val="accent1"/>
+          </a:effectRef>
+          <a:fontRef idx="minor">
+            <a:schemeClr val="lt1"/>
+          </a:fontRef>
+        </p:style>
+        <p:txBody>
+          <a:bodyPr rtlCol="0" anchor="ctr"/>
+          <a:lstStyle/>
+          <a:p>
+            <a:pPr algn="ctr"/>
+            <a:r>
+              <a:rPr lang="de-DE" sz="1000" dirty="0" smtClean="0">
+                <a:solidFill>
+                  <a:schemeClr val="tx2"/>
+                </a:solidFill>
+              </a:rPr>
+              <a:t>Exceptions</a:t>
+            </a:r>
+            <a:endParaRPr lang="de-DE" sz="1000" dirty="0" smtClean="0">
+              <a:solidFill>
+                <a:schemeClr val="tx2"/>
+              </a:solidFill>
+            </a:endParaRPr>
+          </a:p>
+        </p:txBody>
+      </p:sp>
+      <p:sp>
+        <p:nvSpPr>
+          <p:cNvPr id="59" name="Rectangle 58"/>
+          <p:cNvSpPr/>
+          <p:nvPr/>
+        </p:nvSpPr>
+        <p:spPr>
+          <a:xfrm>
+            <a:off x="8388424" y="764704"/>
             <a:ext cx="648072" cy="360040"/>
           </a:xfrm>
           <a:prstGeom prst="rect">
@@ -17142,21 +17314,21 @@
                   <a:schemeClr val="tx2"/>
                 </a:solidFill>
               </a:rPr>
-              <a:t>Doku</a:t>
-            </a:r>
-          </a:p>
-        </p:txBody>
-      </p:sp>
-      <p:sp>
-        <p:nvSpPr>
-          <p:cNvPr id="57" name="Rectangle 56"/>
-          <p:cNvSpPr/>
-          <p:nvPr/>
-        </p:nvSpPr>
-        <p:spPr>
-          <a:xfrm>
-            <a:off x="1187624" y="1700808"/>
-            <a:ext cx="648072" cy="360040"/>
+              <a:t>Security</a:t>
+            </a:r>
+          </a:p>
+        </p:txBody>
+      </p:sp>
+      <p:sp>
+        <p:nvSpPr>
+          <p:cNvPr id="60" name="Rectangle 59"/>
+          <p:cNvSpPr/>
+          <p:nvPr/>
+        </p:nvSpPr>
+        <p:spPr>
+          <a:xfrm>
+            <a:off x="4283968" y="1700808"/>
+            <a:ext cx="1008112" cy="360040"/>
           </a:xfrm>
           <a:prstGeom prst="rect">
             <a:avLst/>
@@ -17190,21 +17362,26 @@
                   <a:schemeClr val="tx2"/>
                 </a:solidFill>
               </a:rPr>
-              <a:t>DB An-bindung</a:t>
-            </a:r>
-          </a:p>
-        </p:txBody>
-      </p:sp>
-      <p:sp>
-        <p:nvSpPr>
-          <p:cNvPr id="58" name="Rectangle 57"/>
-          <p:cNvSpPr/>
-          <p:nvPr/>
-        </p:nvSpPr>
-        <p:spPr>
-          <a:xfrm>
-            <a:off x="1835696" y="1700808"/>
-            <a:ext cx="648072" cy="360040"/>
+              <a:t>Userspezifische Inhalte</a:t>
+            </a:r>
+            <a:endParaRPr lang="de-DE" sz="1000" dirty="0" smtClean="0">
+              <a:solidFill>
+                <a:schemeClr val="tx2"/>
+              </a:solidFill>
+            </a:endParaRPr>
+          </a:p>
+        </p:txBody>
+      </p:sp>
+      <p:sp>
+        <p:nvSpPr>
+          <p:cNvPr id="61" name="Rectangle 60"/>
+          <p:cNvSpPr/>
+          <p:nvPr/>
+        </p:nvSpPr>
+        <p:spPr>
+          <a:xfrm>
+            <a:off x="3563888" y="1700808"/>
+            <a:ext cx="720080" cy="360040"/>
           </a:xfrm>
           <a:prstGeom prst="rect">
             <a:avLst/>
@@ -17238,21 +17415,26 @@
                   <a:schemeClr val="tx2"/>
                 </a:solidFill>
               </a:rPr>
-              <a:t>Excep-tion</a:t>
-            </a:r>
-          </a:p>
-        </p:txBody>
-      </p:sp>
-      <p:sp>
-        <p:nvSpPr>
-          <p:cNvPr id="59" name="Rectangle 58"/>
-          <p:cNvSpPr/>
-          <p:nvPr/>
-        </p:nvSpPr>
-        <p:spPr>
-          <a:xfrm>
-            <a:off x="3779912" y="1700808"/>
-            <a:ext cx="648072" cy="360040"/>
+              <a:t>Fehlerbe-handlung</a:t>
+            </a:r>
+            <a:endParaRPr lang="de-DE" sz="1000" dirty="0" smtClean="0">
+              <a:solidFill>
+                <a:schemeClr val="tx2"/>
+              </a:solidFill>
+            </a:endParaRPr>
+          </a:p>
+        </p:txBody>
+      </p:sp>
+      <p:sp>
+        <p:nvSpPr>
+          <p:cNvPr id="62" name="Rectangle 61"/>
+          <p:cNvSpPr/>
+          <p:nvPr/>
+        </p:nvSpPr>
+        <p:spPr>
+          <a:xfrm>
+            <a:off x="5292080" y="1700808"/>
+            <a:ext cx="576064" cy="360040"/>
           </a:xfrm>
           <a:prstGeom prst="rect">
             <a:avLst/>
@@ -17286,21 +17468,21 @@
                   <a:schemeClr val="tx2"/>
                 </a:solidFill>
               </a:rPr>
-              <a:t>Security</a:t>
-            </a:r>
-          </a:p>
-        </p:txBody>
-      </p:sp>
-      <p:sp>
-        <p:nvSpPr>
-          <p:cNvPr id="60" name="Rectangle 59"/>
-          <p:cNvSpPr/>
-          <p:nvPr/>
-        </p:nvSpPr>
-        <p:spPr>
-          <a:xfrm>
-            <a:off x="4427984" y="1700808"/>
-            <a:ext cx="648072" cy="360040"/>
+              <a:t>JQuery</a:t>
+            </a:r>
+          </a:p>
+        </p:txBody>
+      </p:sp>
+      <p:sp>
+        <p:nvSpPr>
+          <p:cNvPr id="63" name="Rectangle 62"/>
+          <p:cNvSpPr/>
+          <p:nvPr/>
+        </p:nvSpPr>
+        <p:spPr>
+          <a:xfrm>
+            <a:off x="7308304" y="1700808"/>
+            <a:ext cx="936104" cy="360040"/>
           </a:xfrm>
           <a:prstGeom prst="rect">
             <a:avLst/>
@@ -17334,21 +17516,26 @@
                   <a:schemeClr val="tx2"/>
                 </a:solidFill>
               </a:rPr>
-              <a:t>Userspezifik</a:t>
-            </a:r>
-          </a:p>
-        </p:txBody>
-      </p:sp>
-      <p:sp>
-        <p:nvSpPr>
-          <p:cNvPr id="61" name="Rectangle 60"/>
-          <p:cNvSpPr/>
-          <p:nvPr/>
-        </p:nvSpPr>
-        <p:spPr>
-          <a:xfrm>
-            <a:off x="3131840" y="1700808"/>
-            <a:ext cx="648072" cy="360040"/>
+              <a:t>HTML Grundgerüst</a:t>
+            </a:r>
+            <a:endParaRPr lang="de-DE" sz="1000" dirty="0" smtClean="0">
+              <a:solidFill>
+                <a:schemeClr val="tx2"/>
+              </a:solidFill>
+            </a:endParaRPr>
+          </a:p>
+        </p:txBody>
+      </p:sp>
+      <p:sp>
+        <p:nvSpPr>
+          <p:cNvPr id="65" name="Rectangle 64"/>
+          <p:cNvSpPr/>
+          <p:nvPr/>
+        </p:nvSpPr>
+        <p:spPr>
+          <a:xfrm>
+            <a:off x="5868144" y="1700808"/>
+            <a:ext cx="1440160" cy="360040"/>
           </a:xfrm>
           <a:prstGeom prst="rect">
             <a:avLst/>
@@ -17382,21 +17569,34 @@
                   <a:schemeClr val="tx2"/>
                 </a:solidFill>
               </a:rPr>
-              <a:t>Fehlerbehandl.</a:t>
-            </a:r>
-          </a:p>
-        </p:txBody>
-      </p:sp>
-      <p:sp>
-        <p:nvSpPr>
-          <p:cNvPr id="62" name="Rectangle 61"/>
-          <p:cNvSpPr/>
-          <p:nvPr/>
-        </p:nvSpPr>
-        <p:spPr>
-          <a:xfrm>
-            <a:off x="5076056" y="1700808"/>
-            <a:ext cx="648072" cy="360040"/>
+              <a:t>Bearbeitungsschnitt-stelle </a:t>
+            </a:r>
+            <a:r>
+              <a:rPr lang="de-DE" sz="1000" dirty="0" smtClean="0">
+                <a:solidFill>
+                  <a:schemeClr val="tx2"/>
+                </a:solidFill>
+              </a:rPr>
+              <a:t>Info-Content</a:t>
+            </a:r>
+            <a:endParaRPr lang="de-DE" sz="1000" dirty="0" smtClean="0">
+              <a:solidFill>
+                <a:schemeClr val="tx2"/>
+              </a:solidFill>
+            </a:endParaRPr>
+          </a:p>
+        </p:txBody>
+      </p:sp>
+      <p:sp>
+        <p:nvSpPr>
+          <p:cNvPr id="66" name="Rectangle 65"/>
+          <p:cNvSpPr/>
+          <p:nvPr/>
+        </p:nvSpPr>
+        <p:spPr>
+          <a:xfrm>
+            <a:off x="8244408" y="1700808"/>
+            <a:ext cx="792088" cy="360040"/>
           </a:xfrm>
           <a:prstGeom prst="rect">
             <a:avLst/>
@@ -17430,21 +17630,26 @@
                   <a:schemeClr val="tx2"/>
                 </a:solidFill>
               </a:rPr>
-              <a:t>JQuery</a:t>
-            </a:r>
-          </a:p>
-        </p:txBody>
-      </p:sp>
-      <p:sp>
-        <p:nvSpPr>
-          <p:cNvPr id="63" name="Rectangle 62"/>
-          <p:cNvSpPr/>
-          <p:nvPr/>
-        </p:nvSpPr>
-        <p:spPr>
-          <a:xfrm>
-            <a:off x="7020272" y="1700808"/>
-            <a:ext cx="648072" cy="360040"/>
+              <a:t>Responsive Design</a:t>
+            </a:r>
+            <a:endParaRPr lang="de-DE" sz="1000" dirty="0" smtClean="0">
+              <a:solidFill>
+                <a:schemeClr val="tx2"/>
+              </a:solidFill>
+            </a:endParaRPr>
+          </a:p>
+        </p:txBody>
+      </p:sp>
+      <p:sp>
+        <p:nvSpPr>
+          <p:cNvPr id="67" name="Rectangle 66"/>
+          <p:cNvSpPr/>
+          <p:nvPr/>
+        </p:nvSpPr>
+        <p:spPr>
+          <a:xfrm>
+            <a:off x="7601669" y="764704"/>
+            <a:ext cx="792088" cy="360040"/>
           </a:xfrm>
           <a:prstGeom prst="rect">
             <a:avLst/>
@@ -17478,21 +17683,26 @@
                   <a:schemeClr val="tx2"/>
                 </a:solidFill>
               </a:rPr>
-              <a:t>-</a:t>
-            </a:r>
-          </a:p>
-        </p:txBody>
-      </p:sp>
-      <p:sp>
-        <p:nvSpPr>
-          <p:cNvPr id="65" name="Rectangle 64"/>
-          <p:cNvSpPr/>
-          <p:nvPr/>
-        </p:nvSpPr>
-        <p:spPr>
-          <a:xfrm>
-            <a:off x="5724128" y="1700808"/>
-            <a:ext cx="1296144" cy="360040"/>
+              <a:t>Dokumente Manager</a:t>
+            </a:r>
+            <a:endParaRPr lang="de-DE" sz="1000" dirty="0" smtClean="0">
+              <a:solidFill>
+                <a:schemeClr val="tx2"/>
+              </a:solidFill>
+            </a:endParaRPr>
+          </a:p>
+        </p:txBody>
+      </p:sp>
+      <p:sp>
+        <p:nvSpPr>
+          <p:cNvPr id="68" name="Rectangle 67"/>
+          <p:cNvSpPr/>
+          <p:nvPr/>
+        </p:nvSpPr>
+        <p:spPr>
+          <a:xfrm>
+            <a:off x="107504" y="2060848"/>
+            <a:ext cx="648072" cy="288032"/>
           </a:xfrm>
           <a:prstGeom prst="rect">
             <a:avLst/>
@@ -17521,26 +17731,26 @@
           <a:p>
             <a:pPr algn="ctr"/>
             <a:r>
-              <a:rPr lang="de-DE" sz="1000" dirty="0" smtClean="0">
-                <a:solidFill>
-                  <a:schemeClr val="tx2"/>
-                </a:solidFill>
-              </a:rPr>
-              <a:t>Bearbeitungsschnitt-stelle static Content</a:t>
-            </a:r>
-          </a:p>
-        </p:txBody>
-      </p:sp>
-      <p:sp>
-        <p:nvSpPr>
-          <p:cNvPr id="66" name="Rectangle 65"/>
-          <p:cNvSpPr/>
-          <p:nvPr/>
-        </p:nvSpPr>
-        <p:spPr>
-          <a:xfrm>
-            <a:off x="7668344" y="1700808"/>
-            <a:ext cx="648072" cy="360040"/>
+              <a:rPr lang="de-DE" sz="1400" dirty="0" smtClean="0">
+                <a:solidFill>
+                  <a:schemeClr val="tx2"/>
+                </a:solidFill>
+              </a:rPr>
+              <a:t>Ellen</a:t>
+            </a:r>
+          </a:p>
+        </p:txBody>
+      </p:sp>
+      <p:sp>
+        <p:nvSpPr>
+          <p:cNvPr id="69" name="Rectangle 68"/>
+          <p:cNvSpPr/>
+          <p:nvPr/>
+        </p:nvSpPr>
+        <p:spPr>
+          <a:xfrm>
+            <a:off x="107504" y="2348880"/>
+            <a:ext cx="648072" cy="288032"/>
           </a:xfrm>
           <a:prstGeom prst="rect">
             <a:avLst/>
@@ -17569,26 +17779,26 @@
           <a:p>
             <a:pPr algn="ctr"/>
             <a:r>
-              <a:rPr lang="de-DE" sz="1000" dirty="0" smtClean="0">
-                <a:solidFill>
-                  <a:schemeClr val="tx2"/>
-                </a:solidFill>
-              </a:rPr>
-              <a:t>-</a:t>
-            </a:r>
-          </a:p>
-        </p:txBody>
-      </p:sp>
-      <p:sp>
-        <p:nvSpPr>
-          <p:cNvPr id="67" name="Rectangle 66"/>
-          <p:cNvSpPr/>
-          <p:nvPr/>
-        </p:nvSpPr>
-        <p:spPr>
-          <a:xfrm>
-            <a:off x="8316416" y="1700808"/>
-            <a:ext cx="648072" cy="360040"/>
+              <a:rPr lang="de-DE" sz="1400" dirty="0" smtClean="0">
+                <a:solidFill>
+                  <a:schemeClr val="tx2"/>
+                </a:solidFill>
+              </a:rPr>
+              <a:t>Julia</a:t>
+            </a:r>
+          </a:p>
+        </p:txBody>
+      </p:sp>
+      <p:sp>
+        <p:nvSpPr>
+          <p:cNvPr id="70" name="Rectangle 69"/>
+          <p:cNvSpPr/>
+          <p:nvPr/>
+        </p:nvSpPr>
+        <p:spPr>
+          <a:xfrm>
+            <a:off x="755576" y="2060848"/>
+            <a:ext cx="1224136" cy="288032"/>
           </a:xfrm>
           <a:prstGeom prst="rect">
             <a:avLst/>
@@ -17617,155 +17827,11 @@
           <a:p>
             <a:pPr algn="ctr"/>
             <a:r>
-              <a:rPr lang="de-DE" sz="1000" dirty="0" smtClean="0">
-                <a:solidFill>
-                  <a:schemeClr val="tx2"/>
-                </a:solidFill>
-              </a:rPr>
-              <a:t>-</a:t>
-            </a:r>
-          </a:p>
-        </p:txBody>
-      </p:sp>
-      <p:sp>
-        <p:nvSpPr>
-          <p:cNvPr id="68" name="Rectangle 67"/>
-          <p:cNvSpPr/>
-          <p:nvPr/>
-        </p:nvSpPr>
-        <p:spPr>
-          <a:xfrm>
-            <a:off x="107504" y="2060848"/>
-            <a:ext cx="1080120" cy="288032"/>
-          </a:xfrm>
-          <a:prstGeom prst="rect">
-            <a:avLst/>
-          </a:prstGeom>
-          <a:noFill/>
-        </p:spPr>
-        <p:style>
-          <a:lnRef idx="2">
-            <a:schemeClr val="accent1">
-              <a:shade val="50000"/>
-            </a:schemeClr>
-          </a:lnRef>
-          <a:fillRef idx="1">
-            <a:schemeClr val="accent1"/>
-          </a:fillRef>
-          <a:effectRef idx="0">
-            <a:schemeClr val="accent1"/>
-          </a:effectRef>
-          <a:fontRef idx="minor">
-            <a:schemeClr val="lt1"/>
-          </a:fontRef>
-        </p:style>
-        <p:txBody>
-          <a:bodyPr rtlCol="0" anchor="ctr"/>
-          <a:lstStyle/>
-          <a:p>
-            <a:pPr algn="ctr"/>
-            <a:r>
               <a:rPr lang="de-DE" sz="1400" dirty="0" smtClean="0">
                 <a:solidFill>
                   <a:schemeClr val="tx2"/>
                 </a:solidFill>
               </a:rPr>
-              <a:t>Ellen</a:t>
-            </a:r>
-          </a:p>
-        </p:txBody>
-      </p:sp>
-      <p:sp>
-        <p:nvSpPr>
-          <p:cNvPr id="69" name="Rectangle 68"/>
-          <p:cNvSpPr/>
-          <p:nvPr/>
-        </p:nvSpPr>
-        <p:spPr>
-          <a:xfrm>
-            <a:off x="107504" y="2348880"/>
-            <a:ext cx="1080120" cy="288032"/>
-          </a:xfrm>
-          <a:prstGeom prst="rect">
-            <a:avLst/>
-          </a:prstGeom>
-          <a:noFill/>
-        </p:spPr>
-        <p:style>
-          <a:lnRef idx="2">
-            <a:schemeClr val="accent1">
-              <a:shade val="50000"/>
-            </a:schemeClr>
-          </a:lnRef>
-          <a:fillRef idx="1">
-            <a:schemeClr val="accent1"/>
-          </a:fillRef>
-          <a:effectRef idx="0">
-            <a:schemeClr val="accent1"/>
-          </a:effectRef>
-          <a:fontRef idx="minor">
-            <a:schemeClr val="lt1"/>
-          </a:fontRef>
-        </p:style>
-        <p:txBody>
-          <a:bodyPr rtlCol="0" anchor="ctr"/>
-          <a:lstStyle/>
-          <a:p>
-            <a:pPr algn="ctr"/>
-            <a:r>
-              <a:rPr lang="de-DE" sz="1400" dirty="0" smtClean="0">
-                <a:solidFill>
-                  <a:schemeClr val="tx2"/>
-                </a:solidFill>
-              </a:rPr>
-              <a:t>Julia</a:t>
-            </a:r>
-          </a:p>
-        </p:txBody>
-      </p:sp>
-      <p:sp>
-        <p:nvSpPr>
-          <p:cNvPr id="70" name="Rectangle 69"/>
-          <p:cNvSpPr/>
-          <p:nvPr/>
-        </p:nvSpPr>
-        <p:spPr>
-          <a:xfrm>
-            <a:off x="1187624" y="2060848"/>
-            <a:ext cx="648072" cy="288032"/>
-          </a:xfrm>
-          <a:prstGeom prst="rect">
-            <a:avLst/>
-          </a:prstGeom>
-          <a:noFill/>
-        </p:spPr>
-        <p:style>
-          <a:lnRef idx="2">
-            <a:schemeClr val="accent1">
-              <a:shade val="50000"/>
-            </a:schemeClr>
-          </a:lnRef>
-          <a:fillRef idx="1">
-            <a:schemeClr val="accent1"/>
-          </a:fillRef>
-          <a:effectRef idx="0">
-            <a:schemeClr val="accent1"/>
-          </a:effectRef>
-          <a:fontRef idx="minor">
-            <a:schemeClr val="lt1"/>
-          </a:fontRef>
-        </p:style>
-        <p:txBody>
-          <a:bodyPr rtlCol="0" anchor="ctr"/>
-          <a:lstStyle/>
-          <a:p>
-            <a:pPr algn="ctr"/>
-            <a:r>
-              <a:rPr lang="de-DE" sz="1400" dirty="0" smtClean="0">
-                <a:solidFill>
-                  <a:schemeClr val="tx2"/>
-                </a:solidFill>
-              </a:rPr>
               <a:t>Java</a:t>
             </a:r>
           </a:p>
@@ -17779,8 +17845,8 @@
         </p:nvSpPr>
         <p:spPr>
           <a:xfrm>
-            <a:off x="1835696" y="2060848"/>
-            <a:ext cx="648072" cy="288032"/>
+            <a:off x="1979712" y="2060848"/>
+            <a:ext cx="792088" cy="288032"/>
           </a:xfrm>
           <a:prstGeom prst="rect">
             <a:avLst/>
@@ -17832,8 +17898,8 @@
         </p:nvSpPr>
         <p:spPr>
           <a:xfrm>
-            <a:off x="2483768" y="2060848"/>
-            <a:ext cx="648072" cy="288032"/>
+            <a:off x="2771800" y="2060848"/>
+            <a:ext cx="792088" cy="288032"/>
           </a:xfrm>
           <a:prstGeom prst="rect">
             <a:avLst/>
@@ -17885,8 +17951,8 @@
         </p:nvSpPr>
         <p:spPr>
           <a:xfrm>
-            <a:off x="3131840" y="2060848"/>
-            <a:ext cx="648072" cy="288032"/>
+            <a:off x="3563888" y="2060848"/>
+            <a:ext cx="720080" cy="288032"/>
           </a:xfrm>
           <a:prstGeom prst="rect">
             <a:avLst/>
@@ -17938,7 +18004,7 @@
         </p:nvSpPr>
         <p:spPr>
           <a:xfrm>
-            <a:off x="3779912" y="2060848"/>
+            <a:off x="8388424" y="1124744"/>
             <a:ext cx="648072" cy="288032"/>
           </a:xfrm>
           <a:prstGeom prst="rect">
@@ -17991,8 +18057,8 @@
         </p:nvSpPr>
         <p:spPr>
           <a:xfrm>
-            <a:off x="4427984" y="2060848"/>
-            <a:ext cx="648072" cy="288032"/>
+            <a:off x="4283968" y="2060848"/>
+            <a:ext cx="1008112" cy="288032"/>
           </a:xfrm>
           <a:prstGeom prst="rect">
             <a:avLst/>
@@ -18044,8 +18110,8 @@
         </p:nvSpPr>
         <p:spPr>
           <a:xfrm>
-            <a:off x="5076056" y="2060848"/>
-            <a:ext cx="648072" cy="288032"/>
+            <a:off x="5292080" y="2060848"/>
+            <a:ext cx="576064" cy="288032"/>
           </a:xfrm>
           <a:prstGeom prst="rect">
             <a:avLst/>
@@ -18092,8 +18158,8 @@
         </p:nvSpPr>
         <p:spPr>
           <a:xfrm>
-            <a:off x="5724128" y="2060848"/>
-            <a:ext cx="1296144" cy="288032"/>
+            <a:off x="5868144" y="2060848"/>
+            <a:ext cx="1440160" cy="288032"/>
           </a:xfrm>
           <a:prstGeom prst="rect">
             <a:avLst/>
@@ -18140,8 +18206,8 @@
         </p:nvSpPr>
         <p:spPr>
           <a:xfrm>
-            <a:off x="7020272" y="2060848"/>
-            <a:ext cx="648072" cy="288032"/>
+            <a:off x="7308304" y="2060848"/>
+            <a:ext cx="936104" cy="288032"/>
           </a:xfrm>
           <a:prstGeom prst="rect">
             <a:avLst/>
@@ -18185,8 +18251,8 @@
         </p:nvSpPr>
         <p:spPr>
           <a:xfrm>
-            <a:off x="7668344" y="2060848"/>
-            <a:ext cx="648072" cy="288032"/>
+            <a:off x="8244408" y="2060848"/>
+            <a:ext cx="792088" cy="288032"/>
           </a:xfrm>
           <a:prstGeom prst="rect">
             <a:avLst/>
@@ -18230,8 +18296,8 @@
         </p:nvSpPr>
         <p:spPr>
           <a:xfrm>
-            <a:off x="8316416" y="2060848"/>
-            <a:ext cx="648072" cy="288032"/>
+            <a:off x="7601669" y="1124744"/>
+            <a:ext cx="792088" cy="288032"/>
           </a:xfrm>
           <a:prstGeom prst="rect">
             <a:avLst/>
@@ -18275,8 +18341,8 @@
         </p:nvSpPr>
         <p:spPr>
           <a:xfrm>
-            <a:off x="1187624" y="2348880"/>
-            <a:ext cx="648072" cy="288032"/>
+            <a:off x="755576" y="2348880"/>
+            <a:ext cx="1224136" cy="288032"/>
           </a:xfrm>
           <a:prstGeom prst="rect">
             <a:avLst/>
@@ -18323,7 +18389,156 @@
         </p:nvSpPr>
         <p:spPr>
           <a:xfrm>
-            <a:off x="1835696" y="2348880"/>
+            <a:off x="1979712" y="2348880"/>
+            <a:ext cx="792088" cy="288032"/>
+          </a:xfrm>
+          <a:prstGeom prst="rect">
+            <a:avLst/>
+          </a:prstGeom>
+          <a:noFill/>
+        </p:spPr>
+        <p:style>
+          <a:lnRef idx="2">
+            <a:schemeClr val="accent1">
+              <a:shade val="50000"/>
+            </a:schemeClr>
+          </a:lnRef>
+          <a:fillRef idx="1">
+            <a:schemeClr val="accent1"/>
+          </a:fillRef>
+          <a:effectRef idx="0">
+            <a:schemeClr val="accent1"/>
+          </a:effectRef>
+          <a:fontRef idx="minor">
+            <a:schemeClr val="lt1"/>
+          </a:fontRef>
+        </p:style>
+        <p:txBody>
+          <a:bodyPr rtlCol="0" anchor="ctr"/>
+          <a:lstStyle/>
+          <a:p>
+            <a:pPr algn="ctr"/>
+            <a:r>
+              <a:rPr lang="de-DE" sz="1400" dirty="0" smtClean="0">
+                <a:solidFill>
+                  <a:schemeClr val="tx2"/>
+                </a:solidFill>
+              </a:rPr>
+              <a:t>x</a:t>
+            </a:r>
+            <a:endParaRPr lang="de-DE" sz="1400" dirty="0" smtClean="0">
+              <a:solidFill>
+                <a:schemeClr val="tx2"/>
+              </a:solidFill>
+            </a:endParaRPr>
+          </a:p>
+        </p:txBody>
+      </p:sp>
+      <p:sp>
+        <p:nvSpPr>
+          <p:cNvPr id="84" name="Rectangle 83"/>
+          <p:cNvSpPr/>
+          <p:nvPr/>
+        </p:nvSpPr>
+        <p:spPr>
+          <a:xfrm>
+            <a:off x="2771800" y="2348880"/>
+            <a:ext cx="792088" cy="288032"/>
+          </a:xfrm>
+          <a:prstGeom prst="rect">
+            <a:avLst/>
+          </a:prstGeom>
+          <a:noFill/>
+        </p:spPr>
+        <p:style>
+          <a:lnRef idx="2">
+            <a:schemeClr val="accent1">
+              <a:shade val="50000"/>
+            </a:schemeClr>
+          </a:lnRef>
+          <a:fillRef idx="1">
+            <a:schemeClr val="accent1"/>
+          </a:fillRef>
+          <a:effectRef idx="0">
+            <a:schemeClr val="accent1"/>
+          </a:effectRef>
+          <a:fontRef idx="minor">
+            <a:schemeClr val="lt1"/>
+          </a:fontRef>
+        </p:style>
+        <p:txBody>
+          <a:bodyPr rtlCol="0" anchor="ctr"/>
+          <a:lstStyle/>
+          <a:p>
+            <a:pPr algn="ctr"/>
+            <a:r>
+              <a:rPr lang="de-DE" sz="1400" dirty="0" smtClean="0">
+                <a:solidFill>
+                  <a:schemeClr val="tx2"/>
+                </a:solidFill>
+              </a:rPr>
+              <a:t>x</a:t>
+            </a:r>
+          </a:p>
+        </p:txBody>
+      </p:sp>
+      <p:sp>
+        <p:nvSpPr>
+          <p:cNvPr id="85" name="Rectangle 84"/>
+          <p:cNvSpPr/>
+          <p:nvPr/>
+        </p:nvSpPr>
+        <p:spPr>
+          <a:xfrm>
+            <a:off x="3563888" y="2348880"/>
+            <a:ext cx="720080" cy="288032"/>
+          </a:xfrm>
+          <a:prstGeom prst="rect">
+            <a:avLst/>
+          </a:prstGeom>
+          <a:noFill/>
+        </p:spPr>
+        <p:style>
+          <a:lnRef idx="2">
+            <a:schemeClr val="accent1">
+              <a:shade val="50000"/>
+            </a:schemeClr>
+          </a:lnRef>
+          <a:fillRef idx="1">
+            <a:schemeClr val="accent1"/>
+          </a:fillRef>
+          <a:effectRef idx="0">
+            <a:schemeClr val="accent1"/>
+          </a:effectRef>
+          <a:fontRef idx="minor">
+            <a:schemeClr val="lt1"/>
+          </a:fontRef>
+        </p:style>
+        <p:txBody>
+          <a:bodyPr rtlCol="0" anchor="ctr"/>
+          <a:lstStyle/>
+          <a:p>
+            <a:pPr algn="ctr"/>
+            <a:r>
+              <a:rPr lang="de-DE" sz="1400" dirty="0" smtClean="0">
+                <a:solidFill>
+                  <a:schemeClr val="tx2"/>
+                </a:solidFill>
+              </a:rPr>
+              <a:t>x</a:t>
+            </a:r>
+          </a:p>
+        </p:txBody>
+      </p:sp>
+      <p:sp>
+        <p:nvSpPr>
+          <p:cNvPr id="86" name="Rectangle 85"/>
+          <p:cNvSpPr/>
+          <p:nvPr/>
+        </p:nvSpPr>
+        <p:spPr>
+          <a:xfrm>
+            <a:off x="8388424" y="1412776"/>
             <a:ext cx="648072" cy="288032"/>
           </a:xfrm>
           <a:prstGeom prst="rect">
@@ -18362,110 +18577,14 @@
       </p:sp>
       <p:sp>
         <p:nvSpPr>
-          <p:cNvPr id="84" name="Rectangle 83"/>
-          <p:cNvSpPr/>
-          <p:nvPr/>
-        </p:nvSpPr>
-        <p:spPr>
-          <a:xfrm>
-            <a:off x="2483768" y="2348880"/>
-            <a:ext cx="648072" cy="288032"/>
-          </a:xfrm>
-          <a:prstGeom prst="rect">
-            <a:avLst/>
-          </a:prstGeom>
-          <a:noFill/>
-        </p:spPr>
-        <p:style>
-          <a:lnRef idx="2">
-            <a:schemeClr val="accent1">
-              <a:shade val="50000"/>
-            </a:schemeClr>
-          </a:lnRef>
-          <a:fillRef idx="1">
-            <a:schemeClr val="accent1"/>
-          </a:fillRef>
-          <a:effectRef idx="0">
-            <a:schemeClr val="accent1"/>
-          </a:effectRef>
-          <a:fontRef idx="minor">
-            <a:schemeClr val="lt1"/>
-          </a:fontRef>
-        </p:style>
-        <p:txBody>
-          <a:bodyPr rtlCol="0" anchor="ctr"/>
-          <a:lstStyle/>
-          <a:p>
-            <a:pPr algn="ctr"/>
-            <a:r>
-              <a:rPr lang="de-DE" sz="1400" dirty="0" smtClean="0">
-                <a:solidFill>
-                  <a:schemeClr val="tx2"/>
-                </a:solidFill>
-              </a:rPr>
-              <a:t>x</a:t>
-            </a:r>
-          </a:p>
-        </p:txBody>
-      </p:sp>
-      <p:sp>
-        <p:nvSpPr>
-          <p:cNvPr id="85" name="Rectangle 84"/>
-          <p:cNvSpPr/>
-          <p:nvPr/>
-        </p:nvSpPr>
-        <p:spPr>
-          <a:xfrm>
-            <a:off x="3131840" y="2348880"/>
-            <a:ext cx="648072" cy="288032"/>
-          </a:xfrm>
-          <a:prstGeom prst="rect">
-            <a:avLst/>
-          </a:prstGeom>
-          <a:noFill/>
-        </p:spPr>
-        <p:style>
-          <a:lnRef idx="2">
-            <a:schemeClr val="accent1">
-              <a:shade val="50000"/>
-            </a:schemeClr>
-          </a:lnRef>
-          <a:fillRef idx="1">
-            <a:schemeClr val="accent1"/>
-          </a:fillRef>
-          <a:effectRef idx="0">
-            <a:schemeClr val="accent1"/>
-          </a:effectRef>
-          <a:fontRef idx="minor">
-            <a:schemeClr val="lt1"/>
-          </a:fontRef>
-        </p:style>
-        <p:txBody>
-          <a:bodyPr rtlCol="0" anchor="ctr"/>
-          <a:lstStyle/>
-          <a:p>
-            <a:pPr algn="ctr"/>
-            <a:r>
-              <a:rPr lang="de-DE" sz="1400" dirty="0" smtClean="0">
-                <a:solidFill>
-                  <a:schemeClr val="tx2"/>
-                </a:solidFill>
-              </a:rPr>
-              <a:t>x</a:t>
-            </a:r>
-          </a:p>
-        </p:txBody>
-      </p:sp>
-      <p:sp>
-        <p:nvSpPr>
-          <p:cNvPr id="86" name="Rectangle 85"/>
-          <p:cNvSpPr/>
-          <p:nvPr/>
-        </p:nvSpPr>
-        <p:spPr>
-          <a:xfrm>
-            <a:off x="3779912" y="2348880"/>
-            <a:ext cx="648072" cy="288032"/>
+          <p:cNvPr id="87" name="Rectangle 86"/>
+          <p:cNvSpPr/>
+          <p:nvPr/>
+        </p:nvSpPr>
+        <p:spPr>
+          <a:xfrm>
+            <a:off x="4283968" y="2348880"/>
+            <a:ext cx="1008112" cy="288032"/>
           </a:xfrm>
           <a:prstGeom prst="rect">
             <a:avLst/>
@@ -18503,14 +18622,62 @@
       </p:sp>
       <p:sp>
         <p:nvSpPr>
-          <p:cNvPr id="87" name="Rectangle 86"/>
-          <p:cNvSpPr/>
-          <p:nvPr/>
-        </p:nvSpPr>
-        <p:spPr>
-          <a:xfrm>
-            <a:off x="4427984" y="2348880"/>
-            <a:ext cx="648072" cy="288032"/>
+          <p:cNvPr id="88" name="Rectangle 87"/>
+          <p:cNvSpPr/>
+          <p:nvPr/>
+        </p:nvSpPr>
+        <p:spPr>
+          <a:xfrm>
+            <a:off x="5292080" y="2348880"/>
+            <a:ext cx="576064" cy="288032"/>
+          </a:xfrm>
+          <a:prstGeom prst="rect">
+            <a:avLst/>
+          </a:prstGeom>
+          <a:noFill/>
+        </p:spPr>
+        <p:style>
+          <a:lnRef idx="2">
+            <a:schemeClr val="accent1">
+              <a:shade val="50000"/>
+            </a:schemeClr>
+          </a:lnRef>
+          <a:fillRef idx="1">
+            <a:schemeClr val="accent1"/>
+          </a:fillRef>
+          <a:effectRef idx="0">
+            <a:schemeClr val="accent1"/>
+          </a:effectRef>
+          <a:fontRef idx="minor">
+            <a:schemeClr val="lt1"/>
+          </a:fontRef>
+        </p:style>
+        <p:txBody>
+          <a:bodyPr rtlCol="0" anchor="ctr"/>
+          <a:lstStyle/>
+          <a:p>
+            <a:pPr algn="ctr"/>
+            <a:r>
+              <a:rPr lang="de-DE" sz="1400" dirty="0" smtClean="0">
+                <a:solidFill>
+                  <a:schemeClr val="tx2"/>
+                </a:solidFill>
+              </a:rPr>
+              <a:t>x</a:t>
+            </a:r>
+          </a:p>
+        </p:txBody>
+      </p:sp>
+      <p:sp>
+        <p:nvSpPr>
+          <p:cNvPr id="89" name="Rectangle 88"/>
+          <p:cNvSpPr/>
+          <p:nvPr/>
+        </p:nvSpPr>
+        <p:spPr>
+          <a:xfrm>
+            <a:off x="5868183" y="2348880"/>
+            <a:ext cx="1439774" cy="288032"/>
           </a:xfrm>
           <a:prstGeom prst="rect">
             <a:avLst/>
@@ -18548,14 +18715,14 @@
       </p:sp>
       <p:sp>
         <p:nvSpPr>
-          <p:cNvPr id="88" name="Rectangle 87"/>
-          <p:cNvSpPr/>
-          <p:nvPr/>
-        </p:nvSpPr>
-        <p:spPr>
-          <a:xfrm>
-            <a:off x="5076056" y="2348880"/>
-            <a:ext cx="648072" cy="288032"/>
+          <p:cNvPr id="91" name="Rectangle 90"/>
+          <p:cNvSpPr/>
+          <p:nvPr/>
+        </p:nvSpPr>
+        <p:spPr>
+          <a:xfrm>
+            <a:off x="7308304" y="2348880"/>
+            <a:ext cx="936104" cy="288032"/>
           </a:xfrm>
           <a:prstGeom prst="rect">
             <a:avLst/>
@@ -18591,46 +18758,6 @@
               </a:rPr>
               <a:t>x</a:t>
             </a:r>
-          </a:p>
-        </p:txBody>
-      </p:sp>
-      <p:sp>
-        <p:nvSpPr>
-          <p:cNvPr id="89" name="Rectangle 88"/>
-          <p:cNvSpPr/>
-          <p:nvPr/>
-        </p:nvSpPr>
-        <p:spPr>
-          <a:xfrm>
-            <a:off x="5724127" y="2348880"/>
-            <a:ext cx="1295797" cy="288032"/>
-          </a:xfrm>
-          <a:prstGeom prst="rect">
-            <a:avLst/>
-          </a:prstGeom>
-          <a:noFill/>
-        </p:spPr>
-        <p:style>
-          <a:lnRef idx="2">
-            <a:schemeClr val="accent1">
-              <a:shade val="50000"/>
-            </a:schemeClr>
-          </a:lnRef>
-          <a:fillRef idx="1">
-            <a:schemeClr val="accent1"/>
-          </a:fillRef>
-          <a:effectRef idx="0">
-            <a:schemeClr val="accent1"/>
-          </a:effectRef>
-          <a:fontRef idx="minor">
-            <a:schemeClr val="lt1"/>
-          </a:fontRef>
-        </p:style>
-        <p:txBody>
-          <a:bodyPr rtlCol="0" anchor="ctr"/>
-          <a:lstStyle/>
-          <a:p>
-            <a:pPr algn="ctr"/>
             <a:endParaRPr lang="de-DE" sz="1400" dirty="0" smtClean="0">
               <a:solidFill>
                 <a:schemeClr val="tx2"/>
@@ -18641,14 +18768,14 @@
       </p:sp>
       <p:sp>
         <p:nvSpPr>
-          <p:cNvPr id="91" name="Rectangle 90"/>
-          <p:cNvSpPr/>
-          <p:nvPr/>
-        </p:nvSpPr>
-        <p:spPr>
-          <a:xfrm>
-            <a:off x="7020272" y="2348880"/>
-            <a:ext cx="648072" cy="288032"/>
+          <p:cNvPr id="92" name="Rectangle 91"/>
+          <p:cNvSpPr/>
+          <p:nvPr/>
+        </p:nvSpPr>
+        <p:spPr>
+          <a:xfrm>
+            <a:off x="8244408" y="2348880"/>
+            <a:ext cx="792088" cy="288032"/>
           </a:xfrm>
           <a:prstGeom prst="rect">
             <a:avLst/>
@@ -18676,6 +18803,14 @@
           <a:lstStyle/>
           <a:p>
             <a:pPr algn="ctr"/>
+            <a:r>
+              <a:rPr lang="de-DE" sz="1400" dirty="0" smtClean="0">
+                <a:solidFill>
+                  <a:schemeClr val="tx2"/>
+                </a:solidFill>
+              </a:rPr>
+              <a:t>x</a:t>
+            </a:r>
             <a:endParaRPr lang="de-DE" sz="1400" dirty="0" smtClean="0">
               <a:solidFill>
                 <a:schemeClr val="tx2"/>
@@ -18686,14 +18821,14 @@
       </p:sp>
       <p:sp>
         <p:nvSpPr>
-          <p:cNvPr id="92" name="Rectangle 91"/>
-          <p:cNvSpPr/>
-          <p:nvPr/>
-        </p:nvSpPr>
-        <p:spPr>
-          <a:xfrm>
-            <a:off x="7668344" y="2348880"/>
-            <a:ext cx="648072" cy="288032"/>
+          <p:cNvPr id="93" name="Rectangle 92"/>
+          <p:cNvSpPr/>
+          <p:nvPr/>
+        </p:nvSpPr>
+        <p:spPr>
+          <a:xfrm>
+            <a:off x="7601669" y="1412776"/>
+            <a:ext cx="792088" cy="288032"/>
           </a:xfrm>
           <a:prstGeom prst="rect">
             <a:avLst/>
@@ -18721,51 +18856,14 @@
           <a:lstStyle/>
           <a:p>
             <a:pPr algn="ctr"/>
-            <a:endParaRPr lang="de-DE" sz="1400" dirty="0" smtClean="0">
-              <a:solidFill>
-                <a:schemeClr val="tx2"/>
-              </a:solidFill>
-            </a:endParaRPr>
-          </a:p>
-        </p:txBody>
-      </p:sp>
-      <p:sp>
-        <p:nvSpPr>
-          <p:cNvPr id="93" name="Rectangle 92"/>
-          <p:cNvSpPr/>
-          <p:nvPr/>
-        </p:nvSpPr>
-        <p:spPr>
-          <a:xfrm>
-            <a:off x="8316416" y="2348880"/>
-            <a:ext cx="648072" cy="288032"/>
-          </a:xfrm>
-          <a:prstGeom prst="rect">
-            <a:avLst/>
-          </a:prstGeom>
-          <a:noFill/>
-        </p:spPr>
-        <p:style>
-          <a:lnRef idx="2">
-            <a:schemeClr val="accent1">
-              <a:shade val="50000"/>
-            </a:schemeClr>
-          </a:lnRef>
-          <a:fillRef idx="1">
-            <a:schemeClr val="accent1"/>
-          </a:fillRef>
-          <a:effectRef idx="0">
-            <a:schemeClr val="accent1"/>
-          </a:effectRef>
-          <a:fontRef idx="minor">
-            <a:schemeClr val="lt1"/>
-          </a:fontRef>
-        </p:style>
-        <p:txBody>
-          <a:bodyPr rtlCol="0" anchor="ctr"/>
-          <a:lstStyle/>
-          <a:p>
-            <a:pPr algn="ctr"/>
+            <a:r>
+              <a:rPr lang="de-DE" sz="1400" dirty="0" smtClean="0">
+                <a:solidFill>
+                  <a:schemeClr val="tx2"/>
+                </a:solidFill>
+              </a:rPr>
+              <a:t>x</a:t>
+            </a:r>
             <a:endParaRPr lang="de-DE" sz="1400" dirty="0" smtClean="0">
               <a:solidFill>
                 <a:schemeClr val="tx2"/>
@@ -19630,6 +19728,7 @@
             <a:solidFill>
               <a:schemeClr val="tx2"/>
             </a:solidFill>
+            <a:prstDash val="dash"/>
             <a:tailEnd type="arrow"/>
           </a:ln>
         </p:spPr>

--- a/Doku/Grafiken.pptx
+++ b/Doku/Grafiken.pptx
@@ -11881,7 +11881,7 @@
         </p:nvSpPr>
         <p:spPr>
           <a:xfrm>
-            <a:off x="755576" y="5388074"/>
+            <a:off x="755576" y="5024606"/>
             <a:ext cx="2736304" cy="360040"/>
           </a:xfrm>
           <a:prstGeom prst="rect">
@@ -12145,7 +12145,7 @@
         </p:nvSpPr>
         <p:spPr>
           <a:xfrm>
-            <a:off x="755576" y="6108154"/>
+            <a:off x="755576" y="5744686"/>
             <a:ext cx="2736304" cy="360040"/>
           </a:xfrm>
           <a:prstGeom prst="rect">
@@ -12458,20 +12458,20 @@
           <a:lstStyle/>
           <a:p>
             <a:r>
-              <a:rPr lang="de-DE" sz="1400" dirty="0">
-                <a:solidFill>
-                  <a:schemeClr val="tx2"/>
-                </a:solidFill>
-              </a:rPr>
-              <a:t>2</a:t>
-            </a:r>
-            <a:r>
               <a:rPr lang="de-DE" sz="1400" dirty="0" smtClean="0">
                 <a:solidFill>
                   <a:schemeClr val="tx2"/>
                 </a:solidFill>
               </a:rPr>
-              <a:t>.5h</a:t>
+              <a:t>8</a:t>
+            </a:r>
+            <a:r>
+              <a:rPr lang="de-DE" sz="1400" dirty="0" smtClean="0">
+                <a:solidFill>
+                  <a:schemeClr val="tx2"/>
+                </a:solidFill>
+              </a:rPr>
+              <a:t>h</a:t>
             </a:r>
             <a:endParaRPr lang="de-DE" sz="1400" dirty="0" smtClean="0">
               <a:solidFill>
@@ -12697,7 +12697,7 @@
         </p:nvSpPr>
         <p:spPr>
           <a:xfrm>
-            <a:off x="4499992" y="5388074"/>
+            <a:off x="4499992" y="5024606"/>
             <a:ext cx="1008112" cy="360040"/>
           </a:xfrm>
           <a:prstGeom prst="rect">
@@ -12731,7 +12731,7 @@
                   <a:schemeClr val="tx2"/>
                 </a:solidFill>
               </a:rPr>
-              <a:t>12h</a:t>
+              <a:t>20h</a:t>
             </a:r>
             <a:endParaRPr lang="de-DE" sz="1400" dirty="0" smtClean="0">
               <a:solidFill>
@@ -12749,7 +12749,7 @@
         </p:nvSpPr>
         <p:spPr>
           <a:xfrm>
-            <a:off x="4499992" y="6108154"/>
+            <a:off x="4499992" y="5744686"/>
             <a:ext cx="1008112" cy="360040"/>
           </a:xfrm>
           <a:prstGeom prst="rect">
@@ -12783,15 +12783,7 @@
                   <a:schemeClr val="tx2"/>
                 </a:solidFill>
               </a:rPr>
-              <a:t>12</a:t>
-            </a:r>
-            <a:r>
-              <a:rPr lang="de-DE" sz="1400" dirty="0" smtClean="0">
-                <a:solidFill>
-                  <a:schemeClr val="tx2"/>
-                </a:solidFill>
-              </a:rPr>
-              <a:t>h</a:t>
+              <a:t>20h</a:t>
             </a:r>
             <a:endParaRPr lang="de-DE" sz="1400" dirty="0" smtClean="0">
               <a:solidFill>
@@ -12843,7 +12835,15 @@
                   <a:schemeClr val="tx2"/>
                 </a:solidFill>
               </a:rPr>
-              <a:t>h</a:t>
+              <a:t>24</a:t>
+            </a:r>
+            <a:r>
+              <a:rPr lang="de-DE" sz="1400" dirty="0" smtClean="0">
+                <a:solidFill>
+                  <a:schemeClr val="tx2"/>
+                </a:solidFill>
+              </a:rPr>
+              <a:t>.5h</a:t>
             </a:r>
             <a:endParaRPr lang="de-DE" sz="1400" dirty="0" smtClean="0">
               <a:solidFill>
@@ -13103,7 +13103,7 @@
                   <a:schemeClr val="tx2"/>
                 </a:solidFill>
               </a:rPr>
-              <a:t>h</a:t>
+              <a:t>30h</a:t>
             </a:r>
             <a:endParaRPr lang="de-DE" sz="1400" dirty="0" smtClean="0">
               <a:solidFill>
@@ -13155,7 +13155,7 @@
                   <a:schemeClr val="tx2"/>
                 </a:solidFill>
               </a:rPr>
-              <a:t>h</a:t>
+              <a:t>4.5h</a:t>
             </a:r>
             <a:endParaRPr lang="de-DE" sz="1400" dirty="0" smtClean="0">
               <a:solidFill>
@@ -13207,7 +13207,7 @@
                   <a:schemeClr val="tx2"/>
                 </a:solidFill>
               </a:rPr>
-              <a:t>h</a:t>
+              <a:t>10h</a:t>
             </a:r>
             <a:endParaRPr lang="de-DE" sz="1400" dirty="0" smtClean="0">
               <a:solidFill>
@@ -13277,7 +13277,7 @@
         </p:nvSpPr>
         <p:spPr>
           <a:xfrm>
-            <a:off x="5508104" y="5388074"/>
+            <a:off x="5508104" y="5024606"/>
             <a:ext cx="1008112" cy="360040"/>
           </a:xfrm>
           <a:prstGeom prst="rect">
@@ -13311,7 +13311,7 @@
                   <a:schemeClr val="tx2"/>
                 </a:solidFill>
               </a:rPr>
-              <a:t>h</a:t>
+              <a:t>5h</a:t>
             </a:r>
             <a:endParaRPr lang="de-DE" sz="1400" dirty="0" smtClean="0">
               <a:solidFill>
@@ -13329,7 +13329,7 @@
         </p:nvSpPr>
         <p:spPr>
           <a:xfrm>
-            <a:off x="5508104" y="6108154"/>
+            <a:off x="5508104" y="5744686"/>
             <a:ext cx="1008112" cy="360040"/>
           </a:xfrm>
           <a:prstGeom prst="rect">
@@ -13363,7 +13363,7 @@
                   <a:schemeClr val="tx2"/>
                 </a:solidFill>
               </a:rPr>
-              <a:t>h</a:t>
+              <a:t>13.5h</a:t>
             </a:r>
             <a:endParaRPr lang="de-DE" sz="1400" dirty="0" smtClean="0">
               <a:solidFill>
@@ -13415,7 +13415,7 @@
                   <a:schemeClr val="tx2"/>
                 </a:solidFill>
               </a:rPr>
-              <a:t>h</a:t>
+              <a:t>50.5h</a:t>
             </a:r>
             <a:endParaRPr lang="de-DE" sz="1400" dirty="0" smtClean="0">
               <a:solidFill>
@@ -13467,7 +13467,7 @@
                   <a:schemeClr val="tx2"/>
                 </a:solidFill>
               </a:rPr>
-              <a:t>h</a:t>
+              <a:t>9.5h</a:t>
             </a:r>
             <a:endParaRPr lang="de-DE" sz="1400" dirty="0" smtClean="0">
               <a:solidFill>
@@ -13519,7 +13519,7 @@
                   <a:schemeClr val="tx2"/>
                 </a:solidFill>
               </a:rPr>
-              <a:t>h</a:t>
+              <a:t>13.5h</a:t>
             </a:r>
             <a:endParaRPr lang="de-DE" sz="1400" dirty="0" smtClean="0">
               <a:solidFill>
@@ -13571,7 +13571,7 @@
                   <a:schemeClr val="tx2"/>
                 </a:solidFill>
               </a:rPr>
-              <a:t>h</a:t>
+              <a:t>15h</a:t>
             </a:r>
             <a:endParaRPr lang="de-DE" sz="1400" dirty="0" smtClean="0">
               <a:solidFill>
@@ -13623,7 +13623,7 @@
                   <a:schemeClr val="tx2"/>
                 </a:solidFill>
               </a:rPr>
-              <a:t>h</a:t>
+              <a:t>8h</a:t>
             </a:r>
             <a:endParaRPr lang="de-DE" sz="1400" dirty="0" smtClean="0">
               <a:solidFill>
@@ -13675,7 +13675,7 @@
                   <a:schemeClr val="tx2"/>
                 </a:solidFill>
               </a:rPr>
-              <a:t>h</a:t>
+              <a:t>30h</a:t>
             </a:r>
             <a:endParaRPr lang="de-DE" sz="1400" dirty="0" smtClean="0">
               <a:solidFill>
@@ -13727,7 +13727,7 @@
                   <a:schemeClr val="tx2"/>
                 </a:solidFill>
               </a:rPr>
-              <a:t>h</a:t>
+              <a:t>4.5h</a:t>
             </a:r>
             <a:endParaRPr lang="de-DE" sz="1400" dirty="0" smtClean="0">
               <a:solidFill>
@@ -13779,7 +13779,7 @@
                   <a:schemeClr val="tx2"/>
                 </a:solidFill>
               </a:rPr>
-              <a:t>h</a:t>
+              <a:t>10h</a:t>
             </a:r>
             <a:endParaRPr lang="de-DE" sz="1400" dirty="0" smtClean="0">
               <a:solidFill>
@@ -13831,7 +13831,7 @@
                   <a:schemeClr val="tx2"/>
                 </a:solidFill>
               </a:rPr>
-              <a:t>h</a:t>
+              <a:t>3h</a:t>
             </a:r>
             <a:endParaRPr lang="de-DE" sz="1400" dirty="0" smtClean="0">
               <a:solidFill>
@@ -13849,7 +13849,7 @@
         </p:nvSpPr>
         <p:spPr>
           <a:xfrm>
-            <a:off x="6516216" y="5388074"/>
+            <a:off x="6516216" y="5024606"/>
             <a:ext cx="1008112" cy="360040"/>
           </a:xfrm>
           <a:prstGeom prst="rect">
@@ -13883,7 +13883,7 @@
                   <a:schemeClr val="tx2"/>
                 </a:solidFill>
               </a:rPr>
-              <a:t>h</a:t>
+              <a:t>25h</a:t>
             </a:r>
             <a:endParaRPr lang="de-DE" sz="1400" dirty="0" smtClean="0">
               <a:solidFill>
@@ -13901,7 +13901,7 @@
         </p:nvSpPr>
         <p:spPr>
           <a:xfrm>
-            <a:off x="6516216" y="6108154"/>
+            <a:off x="6516216" y="5744686"/>
             <a:ext cx="1008112" cy="360040"/>
           </a:xfrm>
           <a:prstGeom prst="rect">
@@ -13935,7 +13935,7 @@
                   <a:schemeClr val="tx2"/>
                 </a:solidFill>
               </a:rPr>
-              <a:t>h</a:t>
+              <a:t>33.5h</a:t>
             </a:r>
             <a:endParaRPr lang="de-DE" sz="1400" dirty="0" smtClean="0">
               <a:solidFill>
@@ -13982,12 +13982,592 @@
           <a:lstStyle/>
           <a:p>
             <a:r>
+              <a:rPr lang="de-DE" sz="1400" b="1" dirty="0" smtClean="0">
+                <a:solidFill>
+                  <a:schemeClr val="accent2"/>
+                </a:solidFill>
+              </a:rPr>
+              <a:t>+5.5h</a:t>
+            </a:r>
+            <a:endParaRPr lang="de-DE" sz="1400" b="1" dirty="0" smtClean="0">
+              <a:solidFill>
+                <a:schemeClr val="accent2"/>
+              </a:solidFill>
+            </a:endParaRPr>
+          </a:p>
+        </p:txBody>
+      </p:sp>
+      <p:sp>
+        <p:nvSpPr>
+          <p:cNvPr id="130" name="Rectangle 129"/>
+          <p:cNvSpPr/>
+          <p:nvPr/>
+        </p:nvSpPr>
+        <p:spPr>
+          <a:xfrm>
+            <a:off x="7524328" y="1700808"/>
+            <a:ext cx="1008112" cy="360040"/>
+          </a:xfrm>
+          <a:prstGeom prst="rect">
+            <a:avLst/>
+          </a:prstGeom>
+          <a:noFill/>
+        </p:spPr>
+        <p:style>
+          <a:lnRef idx="2">
+            <a:schemeClr val="accent1">
+              <a:shade val="50000"/>
+            </a:schemeClr>
+          </a:lnRef>
+          <a:fillRef idx="1">
+            <a:schemeClr val="accent1"/>
+          </a:fillRef>
+          <a:effectRef idx="0">
+            <a:schemeClr val="accent1"/>
+          </a:effectRef>
+          <a:fontRef idx="minor">
+            <a:schemeClr val="lt1"/>
+          </a:fontRef>
+        </p:style>
+        <p:txBody>
+          <a:bodyPr rtlCol="0" anchor="ctr"/>
+          <a:lstStyle/>
+          <a:p>
+            <a:r>
+              <a:rPr lang="de-DE" sz="1400" b="1" dirty="0" smtClean="0">
+                <a:solidFill>
+                  <a:schemeClr val="accent3"/>
+                </a:solidFill>
+              </a:rPr>
+              <a:t>-20.5h</a:t>
+            </a:r>
+            <a:endParaRPr lang="de-DE" sz="1400" b="1" dirty="0" smtClean="0">
+              <a:solidFill>
+                <a:schemeClr val="accent3"/>
+              </a:solidFill>
+            </a:endParaRPr>
+          </a:p>
+        </p:txBody>
+      </p:sp>
+      <p:sp>
+        <p:nvSpPr>
+          <p:cNvPr id="131" name="Rectangle 130"/>
+          <p:cNvSpPr/>
+          <p:nvPr/>
+        </p:nvSpPr>
+        <p:spPr>
+          <a:xfrm>
+            <a:off x="7524328" y="2060848"/>
+            <a:ext cx="1008112" cy="360040"/>
+          </a:xfrm>
+          <a:prstGeom prst="rect">
+            <a:avLst/>
+          </a:prstGeom>
+          <a:noFill/>
+        </p:spPr>
+        <p:style>
+          <a:lnRef idx="2">
+            <a:schemeClr val="accent1">
+              <a:shade val="50000"/>
+            </a:schemeClr>
+          </a:lnRef>
+          <a:fillRef idx="1">
+            <a:schemeClr val="accent1"/>
+          </a:fillRef>
+          <a:effectRef idx="0">
+            <a:schemeClr val="accent1"/>
+          </a:effectRef>
+          <a:fontRef idx="minor">
+            <a:schemeClr val="lt1"/>
+          </a:fontRef>
+        </p:style>
+        <p:txBody>
+          <a:bodyPr rtlCol="0" anchor="ctr"/>
+          <a:lstStyle/>
+          <a:p>
+            <a:r>
+              <a:rPr lang="de-DE" sz="1400" b="1" dirty="0" smtClean="0">
+                <a:solidFill>
+                  <a:schemeClr val="accent3"/>
+                </a:solidFill>
+              </a:rPr>
+              <a:t>-31.5h</a:t>
+            </a:r>
+            <a:endParaRPr lang="de-DE" sz="1400" b="1" dirty="0" smtClean="0">
+              <a:solidFill>
+                <a:schemeClr val="accent3"/>
+              </a:solidFill>
+            </a:endParaRPr>
+          </a:p>
+        </p:txBody>
+      </p:sp>
+      <p:sp>
+        <p:nvSpPr>
+          <p:cNvPr id="132" name="Rectangle 131"/>
+          <p:cNvSpPr/>
+          <p:nvPr/>
+        </p:nvSpPr>
+        <p:spPr>
+          <a:xfrm>
+            <a:off x="7524328" y="2420888"/>
+            <a:ext cx="1008112" cy="360040"/>
+          </a:xfrm>
+          <a:prstGeom prst="rect">
+            <a:avLst/>
+          </a:prstGeom>
+          <a:noFill/>
+        </p:spPr>
+        <p:style>
+          <a:lnRef idx="2">
+            <a:schemeClr val="accent1">
+              <a:shade val="50000"/>
+            </a:schemeClr>
+          </a:lnRef>
+          <a:fillRef idx="1">
+            <a:schemeClr val="accent1"/>
+          </a:fillRef>
+          <a:effectRef idx="0">
+            <a:schemeClr val="accent1"/>
+          </a:effectRef>
+          <a:fontRef idx="minor">
+            <a:schemeClr val="lt1"/>
+          </a:fontRef>
+        </p:style>
+        <p:txBody>
+          <a:bodyPr rtlCol="0" anchor="ctr"/>
+          <a:lstStyle/>
+          <a:p>
+            <a:r>
+              <a:rPr lang="de-DE" sz="1400" b="1" dirty="0" smtClean="0">
+                <a:solidFill>
+                  <a:schemeClr val="accent3"/>
+                </a:solidFill>
+              </a:rPr>
+              <a:t>-15h</a:t>
+            </a:r>
+            <a:endParaRPr lang="de-DE" sz="1400" b="1" dirty="0" smtClean="0">
+              <a:solidFill>
+                <a:schemeClr val="accent3"/>
+              </a:solidFill>
+            </a:endParaRPr>
+          </a:p>
+        </p:txBody>
+      </p:sp>
+      <p:sp>
+        <p:nvSpPr>
+          <p:cNvPr id="133" name="Rectangle 132"/>
+          <p:cNvSpPr/>
+          <p:nvPr/>
+        </p:nvSpPr>
+        <p:spPr>
+          <a:xfrm>
+            <a:off x="7524328" y="2780928"/>
+            <a:ext cx="1008112" cy="360040"/>
+          </a:xfrm>
+          <a:prstGeom prst="rect">
+            <a:avLst/>
+          </a:prstGeom>
+          <a:noFill/>
+        </p:spPr>
+        <p:style>
+          <a:lnRef idx="2">
+            <a:schemeClr val="accent1">
+              <a:shade val="50000"/>
+            </a:schemeClr>
+          </a:lnRef>
+          <a:fillRef idx="1">
+            <a:schemeClr val="accent1"/>
+          </a:fillRef>
+          <a:effectRef idx="0">
+            <a:schemeClr val="accent1"/>
+          </a:effectRef>
+          <a:fontRef idx="minor">
+            <a:schemeClr val="lt1"/>
+          </a:fontRef>
+        </p:style>
+        <p:txBody>
+          <a:bodyPr rtlCol="0" anchor="ctr"/>
+          <a:lstStyle/>
+          <a:p>
+            <a:r>
+              <a:rPr lang="de-DE" sz="1400" b="1" dirty="0" smtClean="0">
+                <a:solidFill>
+                  <a:schemeClr val="accent3"/>
+                </a:solidFill>
+              </a:rPr>
+              <a:t>-22h</a:t>
+            </a:r>
+            <a:endParaRPr lang="de-DE" sz="1400" b="1" dirty="0" smtClean="0">
+              <a:solidFill>
+                <a:schemeClr val="accent3"/>
+              </a:solidFill>
+            </a:endParaRPr>
+          </a:p>
+        </p:txBody>
+      </p:sp>
+      <p:sp>
+        <p:nvSpPr>
+          <p:cNvPr id="135" name="Rectangle 134"/>
+          <p:cNvSpPr/>
+          <p:nvPr/>
+        </p:nvSpPr>
+        <p:spPr>
+          <a:xfrm>
+            <a:off x="7524328" y="3140968"/>
+            <a:ext cx="1008112" cy="360040"/>
+          </a:xfrm>
+          <a:prstGeom prst="rect">
+            <a:avLst/>
+          </a:prstGeom>
+          <a:noFill/>
+        </p:spPr>
+        <p:style>
+          <a:lnRef idx="2">
+            <a:schemeClr val="accent1">
+              <a:shade val="50000"/>
+            </a:schemeClr>
+          </a:lnRef>
+          <a:fillRef idx="1">
+            <a:schemeClr val="accent1"/>
+          </a:fillRef>
+          <a:effectRef idx="0">
+            <a:schemeClr val="accent1"/>
+          </a:effectRef>
+          <a:fontRef idx="minor">
+            <a:schemeClr val="lt1"/>
+          </a:fontRef>
+        </p:style>
+        <p:txBody>
+          <a:bodyPr rtlCol="0" anchor="ctr"/>
+          <a:lstStyle/>
+          <a:p>
+            <a:r>
+              <a:rPr lang="de-DE" sz="1400" b="1" dirty="0" smtClean="0">
+                <a:solidFill>
+                  <a:schemeClr val="accent2"/>
+                </a:solidFill>
+              </a:rPr>
+              <a:t>+15</a:t>
+            </a:r>
+            <a:r>
+              <a:rPr lang="de-DE" sz="1400" b="1" dirty="0" smtClean="0">
+                <a:solidFill>
+                  <a:schemeClr val="accent2"/>
+                </a:solidFill>
+              </a:rPr>
+              <a:t>h</a:t>
+            </a:r>
+            <a:endParaRPr lang="de-DE" sz="1400" b="1" dirty="0" smtClean="0">
+              <a:solidFill>
+                <a:schemeClr val="accent2"/>
+              </a:solidFill>
+            </a:endParaRPr>
+          </a:p>
+        </p:txBody>
+      </p:sp>
+      <p:sp>
+        <p:nvSpPr>
+          <p:cNvPr id="136" name="Rectangle 135"/>
+          <p:cNvSpPr/>
+          <p:nvPr/>
+        </p:nvSpPr>
+        <p:spPr>
+          <a:xfrm>
+            <a:off x="7524328" y="3501008"/>
+            <a:ext cx="1008112" cy="360040"/>
+          </a:xfrm>
+          <a:prstGeom prst="rect">
+            <a:avLst/>
+          </a:prstGeom>
+          <a:noFill/>
+        </p:spPr>
+        <p:style>
+          <a:lnRef idx="2">
+            <a:schemeClr val="accent1">
+              <a:shade val="50000"/>
+            </a:schemeClr>
+          </a:lnRef>
+          <a:fillRef idx="1">
+            <a:schemeClr val="accent1"/>
+          </a:fillRef>
+          <a:effectRef idx="0">
+            <a:schemeClr val="accent1"/>
+          </a:effectRef>
+          <a:fontRef idx="minor">
+            <a:schemeClr val="lt1"/>
+          </a:fontRef>
+        </p:style>
+        <p:txBody>
+          <a:bodyPr rtlCol="0" anchor="ctr"/>
+          <a:lstStyle/>
+          <a:p>
+            <a:r>
+              <a:rPr lang="de-DE" sz="1400" b="1" dirty="0" smtClean="0">
+                <a:solidFill>
+                  <a:schemeClr val="accent3"/>
+                </a:solidFill>
+              </a:rPr>
+              <a:t>-10.5h</a:t>
+            </a:r>
+            <a:endParaRPr lang="de-DE" sz="1400" b="1" dirty="0" smtClean="0">
+              <a:solidFill>
+                <a:schemeClr val="accent3"/>
+              </a:solidFill>
+            </a:endParaRPr>
+          </a:p>
+        </p:txBody>
+      </p:sp>
+      <p:sp>
+        <p:nvSpPr>
+          <p:cNvPr id="137" name="Rectangle 136"/>
+          <p:cNvSpPr/>
+          <p:nvPr/>
+        </p:nvSpPr>
+        <p:spPr>
+          <a:xfrm>
+            <a:off x="7524328" y="3861048"/>
+            <a:ext cx="1008112" cy="360040"/>
+          </a:xfrm>
+          <a:prstGeom prst="rect">
+            <a:avLst/>
+          </a:prstGeom>
+          <a:noFill/>
+        </p:spPr>
+        <p:style>
+          <a:lnRef idx="2">
+            <a:schemeClr val="accent1">
+              <a:shade val="50000"/>
+            </a:schemeClr>
+          </a:lnRef>
+          <a:fillRef idx="1">
+            <a:schemeClr val="accent1"/>
+          </a:fillRef>
+          <a:effectRef idx="0">
+            <a:schemeClr val="accent1"/>
+          </a:effectRef>
+          <a:fontRef idx="minor">
+            <a:schemeClr val="lt1"/>
+          </a:fontRef>
+        </p:style>
+        <p:txBody>
+          <a:bodyPr rtlCol="0" anchor="ctr"/>
+          <a:lstStyle/>
+          <a:p>
+            <a:r>
+              <a:rPr lang="de-DE" sz="1400" b="1" dirty="0" smtClean="0">
+                <a:solidFill>
+                  <a:schemeClr val="accent3"/>
+                </a:solidFill>
+              </a:rPr>
+              <a:t>-5h</a:t>
+            </a:r>
+            <a:endParaRPr lang="de-DE" sz="1400" b="1" dirty="0" smtClean="0">
+              <a:solidFill>
+                <a:schemeClr val="accent3"/>
+              </a:solidFill>
+            </a:endParaRPr>
+          </a:p>
+        </p:txBody>
+      </p:sp>
+      <p:sp>
+        <p:nvSpPr>
+          <p:cNvPr id="138" name="Rectangle 137"/>
+          <p:cNvSpPr/>
+          <p:nvPr/>
+        </p:nvSpPr>
+        <p:spPr>
+          <a:xfrm>
+            <a:off x="7524328" y="4653136"/>
+            <a:ext cx="1008112" cy="374898"/>
+          </a:xfrm>
+          <a:prstGeom prst="rect">
+            <a:avLst/>
+          </a:prstGeom>
+          <a:noFill/>
+        </p:spPr>
+        <p:style>
+          <a:lnRef idx="2">
+            <a:schemeClr val="accent1">
+              <a:shade val="50000"/>
+            </a:schemeClr>
+          </a:lnRef>
+          <a:fillRef idx="1">
+            <a:schemeClr val="accent1"/>
+          </a:fillRef>
+          <a:effectRef idx="0">
+            <a:schemeClr val="accent1"/>
+          </a:effectRef>
+          <a:fontRef idx="minor">
+            <a:schemeClr val="lt1"/>
+          </a:fontRef>
+        </p:style>
+        <p:txBody>
+          <a:bodyPr rtlCol="0" anchor="ctr"/>
+          <a:lstStyle/>
+          <a:p>
+            <a:r>
+              <a:rPr lang="de-DE" sz="1400" b="1" dirty="0" smtClean="0">
+                <a:solidFill>
+                  <a:schemeClr val="tx2"/>
+                </a:solidFill>
+              </a:rPr>
+              <a:t>0h</a:t>
+            </a:r>
+            <a:endParaRPr lang="de-DE" sz="1400" b="1" dirty="0" smtClean="0">
+              <a:solidFill>
+                <a:schemeClr val="tx2"/>
+              </a:solidFill>
+            </a:endParaRPr>
+          </a:p>
+        </p:txBody>
+      </p:sp>
+      <p:sp>
+        <p:nvSpPr>
+          <p:cNvPr id="139" name="Rectangle 138"/>
+          <p:cNvSpPr/>
+          <p:nvPr/>
+        </p:nvSpPr>
+        <p:spPr>
+          <a:xfrm>
+            <a:off x="7524328" y="5024606"/>
+            <a:ext cx="1008112" cy="360040"/>
+          </a:xfrm>
+          <a:prstGeom prst="rect">
+            <a:avLst/>
+          </a:prstGeom>
+          <a:noFill/>
+        </p:spPr>
+        <p:style>
+          <a:lnRef idx="2">
+            <a:schemeClr val="accent1">
+              <a:shade val="50000"/>
+            </a:schemeClr>
+          </a:lnRef>
+          <a:fillRef idx="1">
+            <a:schemeClr val="accent1"/>
+          </a:fillRef>
+          <a:effectRef idx="0">
+            <a:schemeClr val="accent1"/>
+          </a:effectRef>
+          <a:fontRef idx="minor">
+            <a:schemeClr val="lt1"/>
+          </a:fontRef>
+        </p:style>
+        <p:txBody>
+          <a:bodyPr rtlCol="0" anchor="ctr"/>
+          <a:lstStyle/>
+          <a:p>
+            <a:r>
+              <a:rPr lang="de-DE" sz="1400" b="1" dirty="0" smtClean="0">
+                <a:solidFill>
+                  <a:schemeClr val="accent3"/>
+                </a:solidFill>
+              </a:rPr>
+              <a:t>-20h</a:t>
+            </a:r>
+            <a:endParaRPr lang="de-DE" sz="1400" b="1" dirty="0" smtClean="0">
+              <a:solidFill>
+                <a:schemeClr val="accent3"/>
+              </a:solidFill>
+            </a:endParaRPr>
+          </a:p>
+        </p:txBody>
+      </p:sp>
+      <p:sp>
+        <p:nvSpPr>
+          <p:cNvPr id="140" name="Rectangle 139"/>
+          <p:cNvSpPr/>
+          <p:nvPr/>
+        </p:nvSpPr>
+        <p:spPr>
+          <a:xfrm>
+            <a:off x="7524328" y="5744686"/>
+            <a:ext cx="1008112" cy="360040"/>
+          </a:xfrm>
+          <a:prstGeom prst="rect">
+            <a:avLst/>
+          </a:prstGeom>
+          <a:noFill/>
+        </p:spPr>
+        <p:style>
+          <a:lnRef idx="2">
+            <a:schemeClr val="accent1">
+              <a:shade val="50000"/>
+            </a:schemeClr>
+          </a:lnRef>
+          <a:fillRef idx="1">
+            <a:schemeClr val="accent1"/>
+          </a:fillRef>
+          <a:effectRef idx="0">
+            <a:schemeClr val="accent1"/>
+          </a:effectRef>
+          <a:fontRef idx="minor">
+            <a:schemeClr val="lt1"/>
+          </a:fontRef>
+        </p:style>
+        <p:txBody>
+          <a:bodyPr rtlCol="0" anchor="ctr"/>
+          <a:lstStyle/>
+          <a:p>
+            <a:r>
+              <a:rPr lang="de-DE" sz="1400" b="1" dirty="0" smtClean="0">
+                <a:solidFill>
+                  <a:schemeClr val="accent2"/>
+                </a:solidFill>
+              </a:rPr>
+              <a:t>+3.5h</a:t>
+            </a:r>
+            <a:endParaRPr lang="de-DE" sz="1400" b="1" dirty="0" smtClean="0">
+              <a:solidFill>
+                <a:schemeClr val="accent2"/>
+              </a:solidFill>
+            </a:endParaRPr>
+          </a:p>
+        </p:txBody>
+      </p:sp>
+      <p:sp>
+        <p:nvSpPr>
+          <p:cNvPr id="141" name="Rectangle 140"/>
+          <p:cNvSpPr/>
+          <p:nvPr/>
+        </p:nvSpPr>
+        <p:spPr>
+          <a:xfrm>
+            <a:off x="3497208" y="620688"/>
+            <a:ext cx="1008112" cy="360040"/>
+          </a:xfrm>
+          <a:prstGeom prst="rect">
+            <a:avLst/>
+          </a:prstGeom>
+          <a:noFill/>
+        </p:spPr>
+        <p:style>
+          <a:lnRef idx="2">
+            <a:schemeClr val="accent1">
+              <a:shade val="50000"/>
+            </a:schemeClr>
+          </a:lnRef>
+          <a:fillRef idx="1">
+            <a:schemeClr val="accent1"/>
+          </a:fillRef>
+          <a:effectRef idx="0">
+            <a:schemeClr val="accent1"/>
+          </a:effectRef>
+          <a:fontRef idx="minor">
+            <a:schemeClr val="lt1"/>
+          </a:fontRef>
+        </p:style>
+        <p:txBody>
+          <a:bodyPr rtlCol="0" anchor="ctr"/>
+          <a:lstStyle/>
+          <a:p>
+            <a:r>
               <a:rPr lang="de-DE" sz="1400" dirty="0" smtClean="0">
                 <a:solidFill>
                   <a:schemeClr val="tx2"/>
                 </a:solidFill>
               </a:rPr>
-              <a:t>h</a:t>
+              <a:t>45h</a:t>
             </a:r>
             <a:endParaRPr lang="de-DE" sz="1400" dirty="0" smtClean="0">
               <a:solidFill>
@@ -13999,13 +14579,13 @@
       </p:sp>
       <p:sp>
         <p:nvSpPr>
-          <p:cNvPr id="130" name="Rectangle 129"/>
-          <p:cNvSpPr/>
-          <p:nvPr/>
-        </p:nvSpPr>
-        <p:spPr>
-          <a:xfrm>
-            <a:off x="7524328" y="1700808"/>
+          <p:cNvPr id="142" name="Rectangle 141"/>
+          <p:cNvSpPr/>
+          <p:nvPr/>
+        </p:nvSpPr>
+        <p:spPr>
+          <a:xfrm>
+            <a:off x="3497208" y="1700808"/>
             <a:ext cx="1008112" cy="360040"/>
           </a:xfrm>
           <a:prstGeom prst="rect">
@@ -14039,7 +14619,7 @@
                   <a:schemeClr val="tx2"/>
                 </a:solidFill>
               </a:rPr>
-              <a:t>h</a:t>
+              <a:t>30h</a:t>
             </a:r>
             <a:endParaRPr lang="de-DE" sz="1400" dirty="0" smtClean="0">
               <a:solidFill>
@@ -14051,13 +14631,13 @@
       </p:sp>
       <p:sp>
         <p:nvSpPr>
-          <p:cNvPr id="131" name="Rectangle 130"/>
-          <p:cNvSpPr/>
-          <p:nvPr/>
-        </p:nvSpPr>
-        <p:spPr>
-          <a:xfrm>
-            <a:off x="7524328" y="2060848"/>
+          <p:cNvPr id="143" name="Rectangle 142"/>
+          <p:cNvSpPr/>
+          <p:nvPr/>
+        </p:nvSpPr>
+        <p:spPr>
+          <a:xfrm>
+            <a:off x="3497208" y="2060848"/>
             <a:ext cx="1008112" cy="360040"/>
           </a:xfrm>
           <a:prstGeom prst="rect">
@@ -14091,7 +14671,7 @@
                   <a:schemeClr val="tx2"/>
                 </a:solidFill>
               </a:rPr>
-              <a:t>h</a:t>
+              <a:t>45h</a:t>
             </a:r>
             <a:endParaRPr lang="de-DE" sz="1400" dirty="0" smtClean="0">
               <a:solidFill>
@@ -14103,13 +14683,13 @@
       </p:sp>
       <p:sp>
         <p:nvSpPr>
-          <p:cNvPr id="132" name="Rectangle 131"/>
-          <p:cNvSpPr/>
-          <p:nvPr/>
-        </p:nvSpPr>
-        <p:spPr>
-          <a:xfrm>
-            <a:off x="7524328" y="2420888"/>
+          <p:cNvPr id="144" name="Rectangle 143"/>
+          <p:cNvSpPr/>
+          <p:nvPr/>
+        </p:nvSpPr>
+        <p:spPr>
+          <a:xfrm>
+            <a:off x="3497208" y="2420888"/>
             <a:ext cx="1008112" cy="360040"/>
           </a:xfrm>
           <a:prstGeom prst="rect">
@@ -14143,7 +14723,7 @@
                   <a:schemeClr val="tx2"/>
                 </a:solidFill>
               </a:rPr>
-              <a:t>h</a:t>
+              <a:t>30h</a:t>
             </a:r>
             <a:endParaRPr lang="de-DE" sz="1400" dirty="0" smtClean="0">
               <a:solidFill>
@@ -14155,13 +14735,13 @@
       </p:sp>
       <p:sp>
         <p:nvSpPr>
-          <p:cNvPr id="133" name="Rectangle 132"/>
-          <p:cNvSpPr/>
-          <p:nvPr/>
-        </p:nvSpPr>
-        <p:spPr>
-          <a:xfrm>
-            <a:off x="7524328" y="2780928"/>
+          <p:cNvPr id="145" name="Rectangle 144"/>
+          <p:cNvSpPr/>
+          <p:nvPr/>
+        </p:nvSpPr>
+        <p:spPr>
+          <a:xfrm>
+            <a:off x="3497208" y="2780928"/>
             <a:ext cx="1008112" cy="360040"/>
           </a:xfrm>
           <a:prstGeom prst="rect">
@@ -14195,7 +14775,7 @@
                   <a:schemeClr val="tx2"/>
                 </a:solidFill>
               </a:rPr>
-              <a:t>h</a:t>
+              <a:t>30h</a:t>
             </a:r>
             <a:endParaRPr lang="de-DE" sz="1400" dirty="0" smtClean="0">
               <a:solidFill>
@@ -14207,13 +14787,13 @@
       </p:sp>
       <p:sp>
         <p:nvSpPr>
-          <p:cNvPr id="135" name="Rectangle 134"/>
-          <p:cNvSpPr/>
-          <p:nvPr/>
-        </p:nvSpPr>
-        <p:spPr>
-          <a:xfrm>
-            <a:off x="7524328" y="3140968"/>
+          <p:cNvPr id="147" name="Rectangle 146"/>
+          <p:cNvSpPr/>
+          <p:nvPr/>
+        </p:nvSpPr>
+        <p:spPr>
+          <a:xfrm>
+            <a:off x="3497208" y="3140968"/>
             <a:ext cx="1008112" cy="360040"/>
           </a:xfrm>
           <a:prstGeom prst="rect">
@@ -14241,6 +14821,14 @@
           <a:bodyPr rtlCol="0" anchor="ctr"/>
           <a:lstStyle/>
           <a:p>
+            <a:r>
+              <a:rPr lang="de-DE" sz="1400" dirty="0" smtClean="0">
+                <a:solidFill>
+                  <a:schemeClr val="tx2"/>
+                </a:solidFill>
+              </a:rPr>
+              <a:t>15</a:t>
+            </a:r>
             <a:r>
               <a:rPr lang="de-DE" sz="1400" dirty="0" smtClean="0">
                 <a:solidFill>
@@ -14259,13 +14847,13 @@
       </p:sp>
       <p:sp>
         <p:nvSpPr>
-          <p:cNvPr id="136" name="Rectangle 135"/>
-          <p:cNvSpPr/>
-          <p:nvPr/>
-        </p:nvSpPr>
-        <p:spPr>
-          <a:xfrm>
-            <a:off x="7524328" y="3501008"/>
+          <p:cNvPr id="148" name="Rectangle 147"/>
+          <p:cNvSpPr/>
+          <p:nvPr/>
+        </p:nvSpPr>
+        <p:spPr>
+          <a:xfrm>
+            <a:off x="3497208" y="3501008"/>
             <a:ext cx="1008112" cy="360040"/>
           </a:xfrm>
           <a:prstGeom prst="rect">
@@ -14293,6 +14881,14 @@
           <a:bodyPr rtlCol="0" anchor="ctr"/>
           <a:lstStyle/>
           <a:p>
+            <a:r>
+              <a:rPr lang="de-DE" sz="1400" dirty="0" smtClean="0">
+                <a:solidFill>
+                  <a:schemeClr val="tx2"/>
+                </a:solidFill>
+              </a:rPr>
+              <a:t>15</a:t>
+            </a:r>
             <a:r>
               <a:rPr lang="de-DE" sz="1400" dirty="0" smtClean="0">
                 <a:solidFill>
@@ -14311,13 +14907,13 @@
       </p:sp>
       <p:sp>
         <p:nvSpPr>
-          <p:cNvPr id="137" name="Rectangle 136"/>
-          <p:cNvSpPr/>
-          <p:nvPr/>
-        </p:nvSpPr>
-        <p:spPr>
-          <a:xfrm>
-            <a:off x="7524328" y="3861048"/>
+          <p:cNvPr id="149" name="Rectangle 148"/>
+          <p:cNvSpPr/>
+          <p:nvPr/>
+        </p:nvSpPr>
+        <p:spPr>
+          <a:xfrm>
+            <a:off x="3497208" y="3861048"/>
             <a:ext cx="1008112" cy="360040"/>
           </a:xfrm>
           <a:prstGeom prst="rect">
@@ -14351,7 +14947,7 @@
                   <a:schemeClr val="tx2"/>
                 </a:solidFill>
               </a:rPr>
-              <a:t>h</a:t>
+              <a:t>15h</a:t>
             </a:r>
             <a:endParaRPr lang="de-DE" sz="1400" dirty="0" smtClean="0">
               <a:solidFill>
@@ -14363,13 +14959,13 @@
       </p:sp>
       <p:sp>
         <p:nvSpPr>
-          <p:cNvPr id="138" name="Rectangle 137"/>
-          <p:cNvSpPr/>
-          <p:nvPr/>
-        </p:nvSpPr>
-        <p:spPr>
-          <a:xfrm>
-            <a:off x="7524328" y="4653136"/>
+          <p:cNvPr id="150" name="Rectangle 149"/>
+          <p:cNvSpPr/>
+          <p:nvPr/>
+        </p:nvSpPr>
+        <p:spPr>
+          <a:xfrm>
+            <a:off x="3497208" y="4653136"/>
             <a:ext cx="1008112" cy="374898"/>
           </a:xfrm>
           <a:prstGeom prst="rect">
@@ -14403,7 +14999,7 @@
                   <a:schemeClr val="tx2"/>
                 </a:solidFill>
               </a:rPr>
-              <a:t>h</a:t>
+              <a:t>3h</a:t>
             </a:r>
             <a:endParaRPr lang="de-DE" sz="1400" dirty="0" smtClean="0">
               <a:solidFill>
@@ -14415,13 +15011,13 @@
       </p:sp>
       <p:sp>
         <p:nvSpPr>
-          <p:cNvPr id="139" name="Rectangle 138"/>
-          <p:cNvSpPr/>
-          <p:nvPr/>
-        </p:nvSpPr>
-        <p:spPr>
-          <a:xfrm>
-            <a:off x="7524328" y="5388074"/>
+          <p:cNvPr id="151" name="Rectangle 150"/>
+          <p:cNvSpPr/>
+          <p:nvPr/>
+        </p:nvSpPr>
+        <p:spPr>
+          <a:xfrm>
+            <a:off x="3497208" y="5024606"/>
             <a:ext cx="1008112" cy="360040"/>
           </a:xfrm>
           <a:prstGeom prst="rect">
@@ -14449,6 +15045,14 @@
           <a:bodyPr rtlCol="0" anchor="ctr"/>
           <a:lstStyle/>
           <a:p>
+            <a:r>
+              <a:rPr lang="de-DE" sz="1400" dirty="0" smtClean="0">
+                <a:solidFill>
+                  <a:schemeClr val="tx2"/>
+                </a:solidFill>
+              </a:rPr>
+              <a:t>45</a:t>
+            </a:r>
             <a:r>
               <a:rPr lang="de-DE" sz="1400" dirty="0" smtClean="0">
                 <a:solidFill>
@@ -14467,13 +15071,13 @@
       </p:sp>
       <p:sp>
         <p:nvSpPr>
-          <p:cNvPr id="140" name="Rectangle 139"/>
-          <p:cNvSpPr/>
-          <p:nvPr/>
-        </p:nvSpPr>
-        <p:spPr>
-          <a:xfrm>
-            <a:off x="7524328" y="6108154"/>
+          <p:cNvPr id="152" name="Rectangle 151"/>
+          <p:cNvSpPr/>
+          <p:nvPr/>
+        </p:nvSpPr>
+        <p:spPr>
+          <a:xfrm>
+            <a:off x="3497208" y="5744686"/>
             <a:ext cx="1008112" cy="360040"/>
           </a:xfrm>
           <a:prstGeom prst="rect">
@@ -14507,7 +15111,7 @@
                   <a:schemeClr val="tx2"/>
                 </a:solidFill>
               </a:rPr>
-              <a:t>h</a:t>
+              <a:t>30h</a:t>
             </a:r>
             <a:endParaRPr lang="de-DE" sz="1400" dirty="0" smtClean="0">
               <a:solidFill>
@@ -14519,14 +15123,14 @@
       </p:sp>
       <p:sp>
         <p:nvSpPr>
-          <p:cNvPr id="141" name="Rectangle 140"/>
-          <p:cNvSpPr/>
-          <p:nvPr/>
-        </p:nvSpPr>
-        <p:spPr>
-          <a:xfrm>
-            <a:off x="3485778" y="620688"/>
-            <a:ext cx="1008112" cy="360040"/>
+          <p:cNvPr id="153" name="Rectangle 152"/>
+          <p:cNvSpPr/>
+          <p:nvPr/>
+        </p:nvSpPr>
+        <p:spPr>
+          <a:xfrm>
+            <a:off x="755576" y="6104726"/>
+            <a:ext cx="2736304" cy="360040"/>
           </a:xfrm>
           <a:prstGeom prst="rect">
             <a:avLst/>
@@ -14559,7 +15163,7 @@
                   <a:schemeClr val="tx2"/>
                 </a:solidFill>
               </a:rPr>
-              <a:t>45h</a:t>
+              <a:t>Sonstiges (Puffer)</a:t>
             </a:r>
             <a:endParaRPr lang="de-DE" sz="1400" dirty="0" smtClean="0">
               <a:solidFill>
@@ -14571,13 +15175,13 @@
       </p:sp>
       <p:sp>
         <p:nvSpPr>
-          <p:cNvPr id="142" name="Rectangle 141"/>
-          <p:cNvSpPr/>
-          <p:nvPr/>
-        </p:nvSpPr>
-        <p:spPr>
-          <a:xfrm>
-            <a:off x="3485778" y="1700808"/>
+          <p:cNvPr id="154" name="Rectangle 153"/>
+          <p:cNvSpPr/>
+          <p:nvPr/>
+        </p:nvSpPr>
+        <p:spPr>
+          <a:xfrm>
+            <a:off x="4499992" y="6104726"/>
             <a:ext cx="1008112" cy="360040"/>
           </a:xfrm>
           <a:prstGeom prst="rect">
@@ -14611,7 +15215,7 @@
                   <a:schemeClr val="tx2"/>
                 </a:solidFill>
               </a:rPr>
-              <a:t>30h</a:t>
+              <a:t>150h</a:t>
             </a:r>
             <a:endParaRPr lang="de-DE" sz="1400" dirty="0" smtClean="0">
               <a:solidFill>
@@ -14623,13 +15227,13 @@
       </p:sp>
       <p:sp>
         <p:nvSpPr>
-          <p:cNvPr id="143" name="Rectangle 142"/>
-          <p:cNvSpPr/>
-          <p:nvPr/>
-        </p:nvSpPr>
-        <p:spPr>
-          <a:xfrm>
-            <a:off x="3485778" y="2060848"/>
+          <p:cNvPr id="155" name="Rectangle 154"/>
+          <p:cNvSpPr/>
+          <p:nvPr/>
+        </p:nvSpPr>
+        <p:spPr>
+          <a:xfrm>
+            <a:off x="5508104" y="6104726"/>
             <a:ext cx="1008112" cy="360040"/>
           </a:xfrm>
           <a:prstGeom prst="rect">
@@ -14663,7 +15267,7 @@
                   <a:schemeClr val="tx2"/>
                 </a:solidFill>
               </a:rPr>
-              <a:t>45h</a:t>
+              <a:t>107h</a:t>
             </a:r>
             <a:endParaRPr lang="de-DE" sz="1400" dirty="0" smtClean="0">
               <a:solidFill>
@@ -14675,13 +15279,13 @@
       </p:sp>
       <p:sp>
         <p:nvSpPr>
-          <p:cNvPr id="144" name="Rectangle 143"/>
-          <p:cNvSpPr/>
-          <p:nvPr/>
-        </p:nvSpPr>
-        <p:spPr>
-          <a:xfrm>
-            <a:off x="3485778" y="2420888"/>
+          <p:cNvPr id="156" name="Rectangle 155"/>
+          <p:cNvSpPr/>
+          <p:nvPr/>
+        </p:nvSpPr>
+        <p:spPr>
+          <a:xfrm>
+            <a:off x="6516216" y="6104726"/>
             <a:ext cx="1008112" cy="360040"/>
           </a:xfrm>
           <a:prstGeom prst="rect">
@@ -14715,7 +15319,7 @@
                   <a:schemeClr val="tx2"/>
                 </a:solidFill>
               </a:rPr>
-              <a:t>30h</a:t>
+              <a:t>257h</a:t>
             </a:r>
             <a:endParaRPr lang="de-DE" sz="1400" dirty="0" smtClean="0">
               <a:solidFill>
@@ -14727,13 +15331,65 @@
       </p:sp>
       <p:sp>
         <p:nvSpPr>
-          <p:cNvPr id="145" name="Rectangle 144"/>
-          <p:cNvSpPr/>
-          <p:nvPr/>
-        </p:nvSpPr>
-        <p:spPr>
-          <a:xfrm>
-            <a:off x="3485778" y="2780928"/>
+          <p:cNvPr id="157" name="Rectangle 156"/>
+          <p:cNvSpPr/>
+          <p:nvPr/>
+        </p:nvSpPr>
+        <p:spPr>
+          <a:xfrm>
+            <a:off x="7524328" y="6104726"/>
+            <a:ext cx="1008112" cy="360040"/>
+          </a:xfrm>
+          <a:prstGeom prst="rect">
+            <a:avLst/>
+          </a:prstGeom>
+          <a:noFill/>
+        </p:spPr>
+        <p:style>
+          <a:lnRef idx="2">
+            <a:schemeClr val="accent1">
+              <a:shade val="50000"/>
+            </a:schemeClr>
+          </a:lnRef>
+          <a:fillRef idx="1">
+            <a:schemeClr val="accent1"/>
+          </a:fillRef>
+          <a:effectRef idx="0">
+            <a:schemeClr val="accent1"/>
+          </a:effectRef>
+          <a:fontRef idx="minor">
+            <a:schemeClr val="lt1"/>
+          </a:fontRef>
+        </p:style>
+        <p:txBody>
+          <a:bodyPr rtlCol="0" anchor="ctr"/>
+          <a:lstStyle/>
+          <a:p>
+            <a:r>
+              <a:rPr lang="de-DE" sz="1400" b="1" dirty="0" smtClean="0">
+                <a:solidFill>
+                  <a:schemeClr val="accent2"/>
+                </a:solidFill>
+              </a:rPr>
+              <a:t>+227h</a:t>
+            </a:r>
+            <a:endParaRPr lang="de-DE" sz="1400" b="1" dirty="0" smtClean="0">
+              <a:solidFill>
+                <a:schemeClr val="accent2"/>
+              </a:solidFill>
+            </a:endParaRPr>
+          </a:p>
+        </p:txBody>
+      </p:sp>
+      <p:sp>
+        <p:nvSpPr>
+          <p:cNvPr id="158" name="Rectangle 157"/>
+          <p:cNvSpPr/>
+          <p:nvPr/>
+        </p:nvSpPr>
+        <p:spPr>
+          <a:xfrm>
+            <a:off x="3497208" y="6104726"/>
             <a:ext cx="1008112" cy="360040"/>
           </a:xfrm>
           <a:prstGeom prst="rect">
@@ -14779,14 +15435,14 @@
       </p:sp>
       <p:sp>
         <p:nvSpPr>
-          <p:cNvPr id="147" name="Rectangle 146"/>
-          <p:cNvSpPr/>
-          <p:nvPr/>
-        </p:nvSpPr>
-        <p:spPr>
-          <a:xfrm>
-            <a:off x="3485778" y="3140968"/>
-            <a:ext cx="1008112" cy="360040"/>
+          <p:cNvPr id="159" name="Rectangle 158"/>
+          <p:cNvSpPr/>
+          <p:nvPr/>
+        </p:nvSpPr>
+        <p:spPr>
+          <a:xfrm>
+            <a:off x="755576" y="980728"/>
+            <a:ext cx="2736304" cy="360040"/>
           </a:xfrm>
           <a:prstGeom prst="rect">
             <a:avLst/>
@@ -14819,15 +15475,7 @@
                   <a:schemeClr val="tx2"/>
                 </a:solidFill>
               </a:rPr>
-              <a:t>15</a:t>
-            </a:r>
-            <a:r>
-              <a:rPr lang="de-DE" sz="1400" dirty="0" smtClean="0">
-                <a:solidFill>
-                  <a:schemeClr val="tx2"/>
-                </a:solidFill>
-              </a:rPr>
-              <a:t>h</a:t>
+              <a:t>Datenbankanbindung</a:t>
             </a:r>
             <a:endParaRPr lang="de-DE" sz="1400" dirty="0" smtClean="0">
               <a:solidFill>
@@ -14839,13 +15487,13 @@
       </p:sp>
       <p:sp>
         <p:nvSpPr>
-          <p:cNvPr id="148" name="Rectangle 147"/>
-          <p:cNvSpPr/>
-          <p:nvPr/>
-        </p:nvSpPr>
-        <p:spPr>
-          <a:xfrm>
-            <a:off x="3485778" y="3501008"/>
+          <p:cNvPr id="160" name="Rectangle 159"/>
+          <p:cNvSpPr/>
+          <p:nvPr/>
+        </p:nvSpPr>
+        <p:spPr>
+          <a:xfrm>
+            <a:off x="4499992" y="980728"/>
             <a:ext cx="1008112" cy="360040"/>
           </a:xfrm>
           <a:prstGeom prst="rect">
@@ -14879,15 +15527,7 @@
                   <a:schemeClr val="tx2"/>
                 </a:solidFill>
               </a:rPr>
-              <a:t>15</a:t>
-            </a:r>
-            <a:r>
-              <a:rPr lang="de-DE" sz="1400" dirty="0" smtClean="0">
-                <a:solidFill>
-                  <a:schemeClr val="tx2"/>
-                </a:solidFill>
-              </a:rPr>
-              <a:t>h</a:t>
+              <a:t>13h (JAVA)</a:t>
             </a:r>
             <a:endParaRPr lang="de-DE" sz="1400" dirty="0" smtClean="0">
               <a:solidFill>
@@ -14899,13 +15539,13 @@
       </p:sp>
       <p:sp>
         <p:nvSpPr>
-          <p:cNvPr id="149" name="Rectangle 148"/>
-          <p:cNvSpPr/>
-          <p:nvPr/>
-        </p:nvSpPr>
-        <p:spPr>
-          <a:xfrm>
-            <a:off x="3485778" y="3861048"/>
+          <p:cNvPr id="161" name="Rectangle 160"/>
+          <p:cNvSpPr/>
+          <p:nvPr/>
+        </p:nvSpPr>
+        <p:spPr>
+          <a:xfrm>
+            <a:off x="5508104" y="980728"/>
             <a:ext cx="1008112" cy="360040"/>
           </a:xfrm>
           <a:prstGeom prst="rect">
@@ -14939,7 +15579,7 @@
                   <a:schemeClr val="tx2"/>
                 </a:solidFill>
               </a:rPr>
-              <a:t>15h</a:t>
+              <a:t>17h (PHP)</a:t>
             </a:r>
             <a:endParaRPr lang="de-DE" sz="1400" dirty="0" smtClean="0">
               <a:solidFill>
@@ -14951,14 +15591,14 @@
       </p:sp>
       <p:sp>
         <p:nvSpPr>
-          <p:cNvPr id="150" name="Rectangle 149"/>
-          <p:cNvSpPr/>
-          <p:nvPr/>
-        </p:nvSpPr>
-        <p:spPr>
-          <a:xfrm>
-            <a:off x="3485778" y="4653136"/>
-            <a:ext cx="1008112" cy="374898"/>
+          <p:cNvPr id="162" name="Rectangle 161"/>
+          <p:cNvSpPr/>
+          <p:nvPr/>
+        </p:nvSpPr>
+        <p:spPr>
+          <a:xfrm>
+            <a:off x="6516216" y="980728"/>
+            <a:ext cx="1008112" cy="360040"/>
           </a:xfrm>
           <a:prstGeom prst="rect">
             <a:avLst/>
@@ -14991,7 +15631,7 @@
                   <a:schemeClr val="tx2"/>
                 </a:solidFill>
               </a:rPr>
-              <a:t>3h</a:t>
+              <a:t>30h</a:t>
             </a:r>
             <a:endParaRPr lang="de-DE" sz="1400" dirty="0" smtClean="0">
               <a:solidFill>
@@ -15003,13 +15643,13 @@
       </p:sp>
       <p:sp>
         <p:nvSpPr>
-          <p:cNvPr id="151" name="Rectangle 150"/>
-          <p:cNvSpPr/>
-          <p:nvPr/>
-        </p:nvSpPr>
-        <p:spPr>
-          <a:xfrm>
-            <a:off x="3485778" y="5388074"/>
+          <p:cNvPr id="163" name="Rectangle 162"/>
+          <p:cNvSpPr/>
+          <p:nvPr/>
+        </p:nvSpPr>
+        <p:spPr>
+          <a:xfrm>
+            <a:off x="7524328" y="980728"/>
             <a:ext cx="1008112" cy="360040"/>
           </a:xfrm>
           <a:prstGeom prst="rect">
@@ -15038,12 +15678,64 @@
           <a:lstStyle/>
           <a:p>
             <a:r>
+              <a:rPr lang="de-DE" sz="1400" b="1" dirty="0" smtClean="0">
+                <a:solidFill>
+                  <a:schemeClr val="accent3"/>
+                </a:solidFill>
+              </a:rPr>
+              <a:t>-18h</a:t>
+            </a:r>
+            <a:endParaRPr lang="de-DE" sz="1400" b="1" dirty="0" smtClean="0">
+              <a:solidFill>
+                <a:schemeClr val="accent3"/>
+              </a:solidFill>
+            </a:endParaRPr>
+          </a:p>
+        </p:txBody>
+      </p:sp>
+      <p:sp>
+        <p:nvSpPr>
+          <p:cNvPr id="164" name="Rectangle 163"/>
+          <p:cNvSpPr/>
+          <p:nvPr/>
+        </p:nvSpPr>
+        <p:spPr>
+          <a:xfrm>
+            <a:off x="3497208" y="980728"/>
+            <a:ext cx="1008112" cy="360040"/>
+          </a:xfrm>
+          <a:prstGeom prst="rect">
+            <a:avLst/>
+          </a:prstGeom>
+          <a:noFill/>
+        </p:spPr>
+        <p:style>
+          <a:lnRef idx="2">
+            <a:schemeClr val="accent1">
+              <a:shade val="50000"/>
+            </a:schemeClr>
+          </a:lnRef>
+          <a:fillRef idx="1">
+            <a:schemeClr val="accent1"/>
+          </a:fillRef>
+          <a:effectRef idx="0">
+            <a:schemeClr val="accent1"/>
+          </a:effectRef>
+          <a:fontRef idx="minor">
+            <a:schemeClr val="lt1"/>
+          </a:fontRef>
+        </p:style>
+        <p:txBody>
+          <a:bodyPr rtlCol="0" anchor="ctr"/>
+          <a:lstStyle/>
+          <a:p>
+            <a:r>
               <a:rPr lang="de-DE" sz="1400" dirty="0" smtClean="0">
                 <a:solidFill>
                   <a:schemeClr val="tx2"/>
                 </a:solidFill>
               </a:rPr>
-              <a:t>45</a:t>
+              <a:t>48</a:t>
             </a:r>
             <a:r>
               <a:rPr lang="de-DE" sz="1400" dirty="0" smtClean="0">
@@ -15063,14 +15755,14 @@
       </p:sp>
       <p:sp>
         <p:nvSpPr>
-          <p:cNvPr id="152" name="Rectangle 151"/>
-          <p:cNvSpPr/>
-          <p:nvPr/>
-        </p:nvSpPr>
-        <p:spPr>
-          <a:xfrm>
-            <a:off x="3485778" y="6108154"/>
-            <a:ext cx="1008112" cy="360040"/>
+          <p:cNvPr id="165" name="Rectangle 164"/>
+          <p:cNvSpPr/>
+          <p:nvPr/>
+        </p:nvSpPr>
+        <p:spPr>
+          <a:xfrm>
+            <a:off x="755576" y="1340768"/>
+            <a:ext cx="2736304" cy="360040"/>
           </a:xfrm>
           <a:prstGeom prst="rect">
             <a:avLst/>
@@ -15103,7 +15795,7 @@
                   <a:schemeClr val="tx2"/>
                 </a:solidFill>
               </a:rPr>
-              <a:t>30h</a:t>
+              <a:t>Javascript und CSS anpassen</a:t>
             </a:r>
             <a:endParaRPr lang="de-DE" sz="1400" dirty="0" smtClean="0">
               <a:solidFill>
@@ -15115,47 +15807,55 @@
       </p:sp>
       <p:sp>
         <p:nvSpPr>
-          <p:cNvPr id="153" name="Rectangle 152"/>
-          <p:cNvSpPr/>
-          <p:nvPr/>
-        </p:nvSpPr>
-        <p:spPr>
-          <a:xfrm>
-            <a:off x="755576" y="6468194"/>
-            <a:ext cx="2736304" cy="360040"/>
-          </a:xfrm>
-          <a:prstGeom prst="rect">
-            <a:avLst/>
-          </a:prstGeom>
-          <a:noFill/>
-        </p:spPr>
-        <p:style>
-          <a:lnRef idx="2">
-            <a:schemeClr val="accent1">
-              <a:shade val="50000"/>
-            </a:schemeClr>
-          </a:lnRef>
-          <a:fillRef idx="1">
-            <a:schemeClr val="accent1"/>
-          </a:fillRef>
-          <a:effectRef idx="0">
-            <a:schemeClr val="accent1"/>
-          </a:effectRef>
-          <a:fontRef idx="minor">
-            <a:schemeClr val="lt1"/>
-          </a:fontRef>
-        </p:style>
-        <p:txBody>
-          <a:bodyPr rtlCol="0" anchor="ctr"/>
-          <a:lstStyle/>
-          <a:p>
+          <p:cNvPr id="166" name="Rectangle 165"/>
+          <p:cNvSpPr/>
+          <p:nvPr/>
+        </p:nvSpPr>
+        <p:spPr>
+          <a:xfrm>
+            <a:off x="4499992" y="1340768"/>
+            <a:ext cx="1008112" cy="360040"/>
+          </a:xfrm>
+          <a:prstGeom prst="rect">
+            <a:avLst/>
+          </a:prstGeom>
+          <a:noFill/>
+        </p:spPr>
+        <p:style>
+          <a:lnRef idx="2">
+            <a:schemeClr val="accent1">
+              <a:shade val="50000"/>
+            </a:schemeClr>
+          </a:lnRef>
+          <a:fillRef idx="1">
+            <a:schemeClr val="accent1"/>
+          </a:fillRef>
+          <a:effectRef idx="0">
+            <a:schemeClr val="accent1"/>
+          </a:effectRef>
+          <a:fontRef idx="minor">
+            <a:schemeClr val="lt1"/>
+          </a:fontRef>
+        </p:style>
+        <p:txBody>
+          <a:bodyPr rtlCol="0" anchor="ctr"/>
+          <a:lstStyle/>
+          <a:p>
+            <a:r>
+              <a:rPr lang="de-DE" sz="1400" dirty="0">
+                <a:solidFill>
+                  <a:schemeClr val="tx2"/>
+                </a:solidFill>
+              </a:rPr>
+              <a:t>1</a:t>
+            </a:r>
             <a:r>
               <a:rPr lang="de-DE" sz="1400" dirty="0" smtClean="0">
                 <a:solidFill>
                   <a:schemeClr val="tx2"/>
                 </a:solidFill>
               </a:rPr>
-              <a:t>Sonstiges (Puffer)</a:t>
+              <a:t>h</a:t>
             </a:r>
             <a:endParaRPr lang="de-DE" sz="1400" dirty="0" smtClean="0">
               <a:solidFill>
@@ -15167,13 +15867,13 @@
       </p:sp>
       <p:sp>
         <p:nvSpPr>
-          <p:cNvPr id="154" name="Rectangle 153"/>
-          <p:cNvSpPr/>
-          <p:nvPr/>
-        </p:nvSpPr>
-        <p:spPr>
-          <a:xfrm>
-            <a:off x="4499992" y="6468194"/>
+          <p:cNvPr id="167" name="Rectangle 166"/>
+          <p:cNvSpPr/>
+          <p:nvPr/>
+        </p:nvSpPr>
+        <p:spPr>
+          <a:xfrm>
+            <a:off x="5508104" y="1340768"/>
             <a:ext cx="1008112" cy="360040"/>
           </a:xfrm>
           <a:prstGeom prst="rect">
@@ -15207,15 +15907,7 @@
                   <a:schemeClr val="tx2"/>
                 </a:solidFill>
               </a:rPr>
-              <a:t>88</a:t>
-            </a:r>
-            <a:r>
-              <a:rPr lang="de-DE" sz="1400" dirty="0" smtClean="0">
-                <a:solidFill>
-                  <a:schemeClr val="tx2"/>
-                </a:solidFill>
-              </a:rPr>
-              <a:t>h</a:t>
+              <a:t>1h</a:t>
             </a:r>
             <a:endParaRPr lang="de-DE" sz="1400" dirty="0" smtClean="0">
               <a:solidFill>
@@ -15227,13 +15919,13 @@
       </p:sp>
       <p:sp>
         <p:nvSpPr>
-          <p:cNvPr id="155" name="Rectangle 154"/>
-          <p:cNvSpPr/>
-          <p:nvPr/>
-        </p:nvSpPr>
-        <p:spPr>
-          <a:xfrm>
-            <a:off x="5508104" y="6468194"/>
+          <p:cNvPr id="168" name="Rectangle 167"/>
+          <p:cNvSpPr/>
+          <p:nvPr/>
+        </p:nvSpPr>
+        <p:spPr>
+          <a:xfrm>
+            <a:off x="6516216" y="1340768"/>
             <a:ext cx="1008112" cy="360040"/>
           </a:xfrm>
           <a:prstGeom prst="rect">
@@ -15267,7 +15959,7 @@
                   <a:schemeClr val="tx2"/>
                 </a:solidFill>
               </a:rPr>
-              <a:t>h</a:t>
+              <a:t>2h</a:t>
             </a:r>
             <a:endParaRPr lang="de-DE" sz="1400" dirty="0" smtClean="0">
               <a:solidFill>
@@ -15279,13 +15971,13 @@
       </p:sp>
       <p:sp>
         <p:nvSpPr>
-          <p:cNvPr id="156" name="Rectangle 155"/>
-          <p:cNvSpPr/>
-          <p:nvPr/>
-        </p:nvSpPr>
-        <p:spPr>
-          <a:xfrm>
-            <a:off x="6516216" y="6468194"/>
+          <p:cNvPr id="169" name="Rectangle 168"/>
+          <p:cNvSpPr/>
+          <p:nvPr/>
+        </p:nvSpPr>
+        <p:spPr>
+          <a:xfrm>
+            <a:off x="7524328" y="1340768"/>
             <a:ext cx="1008112" cy="360040"/>
           </a:xfrm>
           <a:prstGeom prst="rect">
@@ -15313,6 +16005,66 @@
           <a:bodyPr rtlCol="0" anchor="ctr"/>
           <a:lstStyle/>
           <a:p>
+            <a:r>
+              <a:rPr lang="de-DE" sz="1400" b="1" dirty="0" smtClean="0">
+                <a:solidFill>
+                  <a:schemeClr val="accent3"/>
+                </a:solidFill>
+              </a:rPr>
+              <a:t>-6h</a:t>
+            </a:r>
+            <a:endParaRPr lang="de-DE" sz="1400" b="1" dirty="0" smtClean="0">
+              <a:solidFill>
+                <a:schemeClr val="accent3"/>
+              </a:solidFill>
+            </a:endParaRPr>
+          </a:p>
+        </p:txBody>
+      </p:sp>
+      <p:sp>
+        <p:nvSpPr>
+          <p:cNvPr id="170" name="Rectangle 169"/>
+          <p:cNvSpPr/>
+          <p:nvPr/>
+        </p:nvSpPr>
+        <p:spPr>
+          <a:xfrm>
+            <a:off x="3497208" y="1340768"/>
+            <a:ext cx="1008112" cy="360040"/>
+          </a:xfrm>
+          <a:prstGeom prst="rect">
+            <a:avLst/>
+          </a:prstGeom>
+          <a:noFill/>
+        </p:spPr>
+        <p:style>
+          <a:lnRef idx="2">
+            <a:schemeClr val="accent1">
+              <a:shade val="50000"/>
+            </a:schemeClr>
+          </a:lnRef>
+          <a:fillRef idx="1">
+            <a:schemeClr val="accent1"/>
+          </a:fillRef>
+          <a:effectRef idx="0">
+            <a:schemeClr val="accent1"/>
+          </a:effectRef>
+          <a:fontRef idx="minor">
+            <a:schemeClr val="lt1"/>
+          </a:fontRef>
+        </p:style>
+        <p:txBody>
+          <a:bodyPr rtlCol="0" anchor="ctr"/>
+          <a:lstStyle/>
+          <a:p>
+            <a:r>
+              <a:rPr lang="de-DE" sz="1400" dirty="0">
+                <a:solidFill>
+                  <a:schemeClr val="tx2"/>
+                </a:solidFill>
+              </a:rPr>
+              <a:t>8</a:t>
+            </a:r>
             <a:r>
               <a:rPr lang="de-DE" sz="1400" dirty="0" smtClean="0">
                 <a:solidFill>
@@ -15331,14 +16083,14 @@
       </p:sp>
       <p:sp>
         <p:nvSpPr>
-          <p:cNvPr id="157" name="Rectangle 156"/>
-          <p:cNvSpPr/>
-          <p:nvPr/>
-        </p:nvSpPr>
-        <p:spPr>
-          <a:xfrm>
-            <a:off x="7524328" y="6468194"/>
-            <a:ext cx="1008112" cy="360040"/>
+          <p:cNvPr id="171" name="Rectangle 170"/>
+          <p:cNvSpPr/>
+          <p:nvPr/>
+        </p:nvSpPr>
+        <p:spPr>
+          <a:xfrm>
+            <a:off x="755576" y="5384646"/>
+            <a:ext cx="2736304" cy="360040"/>
           </a:xfrm>
           <a:prstGeom prst="rect">
             <a:avLst/>
@@ -15371,7 +16123,7 @@
                   <a:schemeClr val="tx2"/>
                 </a:solidFill>
               </a:rPr>
-              <a:t>h</a:t>
+              <a:t>Dokumentation</a:t>
             </a:r>
             <a:endParaRPr lang="de-DE" sz="1400" dirty="0" smtClean="0">
               <a:solidFill>
@@ -15383,13 +16135,13 @@
       </p:sp>
       <p:sp>
         <p:nvSpPr>
-          <p:cNvPr id="158" name="Rectangle 157"/>
-          <p:cNvSpPr/>
-          <p:nvPr/>
-        </p:nvSpPr>
-        <p:spPr>
-          <a:xfrm>
-            <a:off x="3485778" y="6468194"/>
+          <p:cNvPr id="172" name="Rectangle 171"/>
+          <p:cNvSpPr/>
+          <p:nvPr/>
+        </p:nvSpPr>
+        <p:spPr>
+          <a:xfrm>
+            <a:off x="4499992" y="5384646"/>
             <a:ext cx="1008112" cy="360040"/>
           </a:xfrm>
           <a:prstGeom prst="rect">
@@ -15435,14 +16187,14 @@
       </p:sp>
       <p:sp>
         <p:nvSpPr>
-          <p:cNvPr id="159" name="Rectangle 158"/>
-          <p:cNvSpPr/>
-          <p:nvPr/>
-        </p:nvSpPr>
-        <p:spPr>
-          <a:xfrm>
-            <a:off x="755576" y="980728"/>
-            <a:ext cx="2736304" cy="360040"/>
+          <p:cNvPr id="173" name="Rectangle 172"/>
+          <p:cNvSpPr/>
+          <p:nvPr/>
+        </p:nvSpPr>
+        <p:spPr>
+          <a:xfrm>
+            <a:off x="5508104" y="5384646"/>
+            <a:ext cx="1008112" cy="360040"/>
           </a:xfrm>
           <a:prstGeom prst="rect">
             <a:avLst/>
@@ -15475,7 +16227,7 @@
                   <a:schemeClr val="tx2"/>
                 </a:solidFill>
               </a:rPr>
-              <a:t>(neue) Datenbankanbindung</a:t>
+              <a:t>4h</a:t>
             </a:r>
             <a:endParaRPr lang="de-DE" sz="1400" dirty="0" smtClean="0">
               <a:solidFill>
@@ -15487,13 +16239,13 @@
       </p:sp>
       <p:sp>
         <p:nvSpPr>
-          <p:cNvPr id="160" name="Rectangle 159"/>
-          <p:cNvSpPr/>
-          <p:nvPr/>
-        </p:nvSpPr>
-        <p:spPr>
-          <a:xfrm>
-            <a:off x="4499992" y="980728"/>
+          <p:cNvPr id="174" name="Rectangle 173"/>
+          <p:cNvSpPr/>
+          <p:nvPr/>
+        </p:nvSpPr>
+        <p:spPr>
+          <a:xfrm>
+            <a:off x="6516216" y="5384646"/>
             <a:ext cx="1008112" cy="360040"/>
           </a:xfrm>
           <a:prstGeom prst="rect">
@@ -15527,7 +16279,7 @@
                   <a:schemeClr val="tx2"/>
                 </a:solidFill>
               </a:rPr>
-              <a:t>13h</a:t>
+              <a:t>34h</a:t>
             </a:r>
             <a:endParaRPr lang="de-DE" sz="1400" dirty="0" smtClean="0">
               <a:solidFill>
@@ -15539,13 +16291,13 @@
       </p:sp>
       <p:sp>
         <p:nvSpPr>
-          <p:cNvPr id="161" name="Rectangle 160"/>
-          <p:cNvSpPr/>
-          <p:nvPr/>
-        </p:nvSpPr>
-        <p:spPr>
-          <a:xfrm>
-            <a:off x="5508104" y="980728"/>
+          <p:cNvPr id="175" name="Rectangle 174"/>
+          <p:cNvSpPr/>
+          <p:nvPr/>
+        </p:nvSpPr>
+        <p:spPr>
+          <a:xfrm>
+            <a:off x="7524328" y="5384646"/>
             <a:ext cx="1008112" cy="360040"/>
           </a:xfrm>
           <a:prstGeom prst="rect">
@@ -15574,12 +16326,72 @@
           <a:lstStyle/>
           <a:p>
             <a:r>
-              <a:rPr lang="de-DE" sz="1400" dirty="0">
-                <a:solidFill>
-                  <a:schemeClr val="tx2"/>
-                </a:solidFill>
-              </a:rPr>
-              <a:t>-</a:t>
+              <a:rPr lang="de-DE" sz="1400" b="1" dirty="0" smtClean="0">
+                <a:solidFill>
+                  <a:schemeClr val="accent3"/>
+                </a:solidFill>
+              </a:rPr>
+              <a:t>-11h</a:t>
+            </a:r>
+            <a:endParaRPr lang="de-DE" sz="1400" b="1" dirty="0" smtClean="0">
+              <a:solidFill>
+                <a:schemeClr val="accent3"/>
+              </a:solidFill>
+            </a:endParaRPr>
+          </a:p>
+        </p:txBody>
+      </p:sp>
+      <p:sp>
+        <p:nvSpPr>
+          <p:cNvPr id="176" name="Rectangle 175"/>
+          <p:cNvSpPr/>
+          <p:nvPr/>
+        </p:nvSpPr>
+        <p:spPr>
+          <a:xfrm>
+            <a:off x="3497208" y="5384646"/>
+            <a:ext cx="1008112" cy="360040"/>
+          </a:xfrm>
+          <a:prstGeom prst="rect">
+            <a:avLst/>
+          </a:prstGeom>
+          <a:noFill/>
+        </p:spPr>
+        <p:style>
+          <a:lnRef idx="2">
+            <a:schemeClr val="accent1">
+              <a:shade val="50000"/>
+            </a:schemeClr>
+          </a:lnRef>
+          <a:fillRef idx="1">
+            <a:schemeClr val="accent1"/>
+          </a:fillRef>
+          <a:effectRef idx="0">
+            <a:schemeClr val="accent1"/>
+          </a:effectRef>
+          <a:fontRef idx="minor">
+            <a:schemeClr val="lt1"/>
+          </a:fontRef>
+        </p:style>
+        <p:txBody>
+          <a:bodyPr rtlCol="0" anchor="ctr"/>
+          <a:lstStyle/>
+          <a:p>
+            <a:r>
+              <a:rPr lang="de-DE" sz="1400" dirty="0" smtClean="0">
+                <a:solidFill>
+                  <a:schemeClr val="tx2"/>
+                </a:solidFill>
+              </a:rPr>
+              <a:t>45</a:t>
+            </a:r>
+            <a:r>
+              <a:rPr lang="de-DE" sz="1400" dirty="0" smtClean="0">
+                <a:solidFill>
+                  <a:schemeClr val="tx2"/>
+                </a:solidFill>
+              </a:rPr>
+              <a:t>h</a:t>
             </a:r>
             <a:endParaRPr lang="de-DE" sz="1400" dirty="0" smtClean="0">
               <a:solidFill>
@@ -15591,14 +16403,14 @@
       </p:sp>
       <p:sp>
         <p:nvSpPr>
-          <p:cNvPr id="162" name="Rectangle 161"/>
-          <p:cNvSpPr/>
-          <p:nvPr/>
-        </p:nvSpPr>
-        <p:spPr>
-          <a:xfrm>
-            <a:off x="6516216" y="980728"/>
-            <a:ext cx="1008112" cy="360040"/>
+          <p:cNvPr id="183" name="Rectangle 182"/>
+          <p:cNvSpPr/>
+          <p:nvPr/>
+        </p:nvSpPr>
+        <p:spPr>
+          <a:xfrm>
+            <a:off x="755576" y="4221088"/>
+            <a:ext cx="2736304" cy="432048"/>
           </a:xfrm>
           <a:prstGeom prst="rect">
             <a:avLst/>
@@ -15631,7 +16443,7 @@
                   <a:schemeClr val="tx2"/>
                 </a:solidFill>
               </a:rPr>
-              <a:t>h</a:t>
+              <a:t>Bearbeitungsschnittstelle Informationsseiten (z.B. Über Uns)</a:t>
             </a:r>
             <a:endParaRPr lang="de-DE" sz="1400" dirty="0" smtClean="0">
               <a:solidFill>
@@ -15643,14 +16455,14 @@
       </p:sp>
       <p:sp>
         <p:nvSpPr>
-          <p:cNvPr id="163" name="Rectangle 162"/>
-          <p:cNvSpPr/>
-          <p:nvPr/>
-        </p:nvSpPr>
-        <p:spPr>
-          <a:xfrm>
-            <a:off x="7524328" y="980728"/>
-            <a:ext cx="1008112" cy="360040"/>
+          <p:cNvPr id="184" name="Rectangle 183"/>
+          <p:cNvSpPr/>
+          <p:nvPr/>
+        </p:nvSpPr>
+        <p:spPr>
+          <a:xfrm>
+            <a:off x="4499992" y="4221088"/>
+            <a:ext cx="1008112" cy="432048"/>
           </a:xfrm>
           <a:prstGeom prst="rect">
             <a:avLst/>
@@ -15683,7 +16495,7 @@
                   <a:schemeClr val="tx2"/>
                 </a:solidFill>
               </a:rPr>
-              <a:t>h</a:t>
+              <a:t>5h</a:t>
             </a:r>
             <a:endParaRPr lang="de-DE" sz="1400" dirty="0" smtClean="0">
               <a:solidFill>
@@ -15695,55 +16507,47 @@
       </p:sp>
       <p:sp>
         <p:nvSpPr>
-          <p:cNvPr id="164" name="Rectangle 163"/>
-          <p:cNvSpPr/>
-          <p:nvPr/>
-        </p:nvSpPr>
-        <p:spPr>
-          <a:xfrm>
-            <a:off x="3485778" y="980728"/>
-            <a:ext cx="1008112" cy="360040"/>
-          </a:xfrm>
-          <a:prstGeom prst="rect">
-            <a:avLst/>
-          </a:prstGeom>
-          <a:noFill/>
-        </p:spPr>
-        <p:style>
-          <a:lnRef idx="2">
-            <a:schemeClr val="accent1">
-              <a:shade val="50000"/>
-            </a:schemeClr>
-          </a:lnRef>
-          <a:fillRef idx="1">
-            <a:schemeClr val="accent1"/>
-          </a:fillRef>
-          <a:effectRef idx="0">
-            <a:schemeClr val="accent1"/>
-          </a:effectRef>
-          <a:fontRef idx="minor">
-            <a:schemeClr val="lt1"/>
-          </a:fontRef>
-        </p:style>
-        <p:txBody>
-          <a:bodyPr rtlCol="0" anchor="ctr"/>
-          <a:lstStyle/>
-          <a:p>
-            <a:r>
-              <a:rPr lang="de-DE" sz="1400" dirty="0" smtClean="0">
-                <a:solidFill>
-                  <a:schemeClr val="tx2"/>
-                </a:solidFill>
-              </a:rPr>
-              <a:t>48</a:t>
-            </a:r>
-            <a:r>
-              <a:rPr lang="de-DE" sz="1400" dirty="0" smtClean="0">
-                <a:solidFill>
-                  <a:schemeClr val="tx2"/>
-                </a:solidFill>
-              </a:rPr>
-              <a:t>h</a:t>
+          <p:cNvPr id="185" name="Rectangle 184"/>
+          <p:cNvSpPr/>
+          <p:nvPr/>
+        </p:nvSpPr>
+        <p:spPr>
+          <a:xfrm>
+            <a:off x="5508104" y="4221088"/>
+            <a:ext cx="1008112" cy="432048"/>
+          </a:xfrm>
+          <a:prstGeom prst="rect">
+            <a:avLst/>
+          </a:prstGeom>
+          <a:noFill/>
+        </p:spPr>
+        <p:style>
+          <a:lnRef idx="2">
+            <a:schemeClr val="accent1">
+              <a:shade val="50000"/>
+            </a:schemeClr>
+          </a:lnRef>
+          <a:fillRef idx="1">
+            <a:schemeClr val="accent1"/>
+          </a:fillRef>
+          <a:effectRef idx="0">
+            <a:schemeClr val="accent1"/>
+          </a:effectRef>
+          <a:fontRef idx="minor">
+            <a:schemeClr val="lt1"/>
+          </a:fontRef>
+        </p:style>
+        <p:txBody>
+          <a:bodyPr rtlCol="0" anchor="ctr"/>
+          <a:lstStyle/>
+          <a:p>
+            <a:r>
+              <a:rPr lang="de-DE" sz="1400" dirty="0">
+                <a:solidFill>
+                  <a:schemeClr val="tx2"/>
+                </a:solidFill>
+              </a:rPr>
+              <a:t>-</a:t>
             </a:r>
             <a:endParaRPr lang="de-DE" sz="1400" dirty="0" smtClean="0">
               <a:solidFill>
@@ -15755,14 +16559,14 @@
       </p:sp>
       <p:sp>
         <p:nvSpPr>
-          <p:cNvPr id="165" name="Rectangle 164"/>
-          <p:cNvSpPr/>
-          <p:nvPr/>
-        </p:nvSpPr>
-        <p:spPr>
-          <a:xfrm>
-            <a:off x="755576" y="1340768"/>
-            <a:ext cx="2736304" cy="360040"/>
+          <p:cNvPr id="186" name="Rectangle 185"/>
+          <p:cNvSpPr/>
+          <p:nvPr/>
+        </p:nvSpPr>
+        <p:spPr>
+          <a:xfrm>
+            <a:off x="6516216" y="4221088"/>
+            <a:ext cx="1008112" cy="432048"/>
           </a:xfrm>
           <a:prstGeom prst="rect">
             <a:avLst/>
@@ -15795,7 +16599,7 @@
                   <a:schemeClr val="tx2"/>
                 </a:solidFill>
               </a:rPr>
-              <a:t>Javascript und CSS anpassen</a:t>
+              <a:t>5h</a:t>
             </a:r>
             <a:endParaRPr lang="de-DE" sz="1400" dirty="0" smtClean="0">
               <a:solidFill>
@@ -15807,14 +16611,66 @@
       </p:sp>
       <p:sp>
         <p:nvSpPr>
-          <p:cNvPr id="166" name="Rectangle 165"/>
-          <p:cNvSpPr/>
-          <p:nvPr/>
-        </p:nvSpPr>
-        <p:spPr>
-          <a:xfrm>
-            <a:off x="4499992" y="1340768"/>
-            <a:ext cx="1008112" cy="360040"/>
+          <p:cNvPr id="187" name="Rectangle 186"/>
+          <p:cNvSpPr/>
+          <p:nvPr/>
+        </p:nvSpPr>
+        <p:spPr>
+          <a:xfrm>
+            <a:off x="7524328" y="4221088"/>
+            <a:ext cx="1008112" cy="432048"/>
+          </a:xfrm>
+          <a:prstGeom prst="rect">
+            <a:avLst/>
+          </a:prstGeom>
+          <a:noFill/>
+        </p:spPr>
+        <p:style>
+          <a:lnRef idx="2">
+            <a:schemeClr val="accent1">
+              <a:shade val="50000"/>
+            </a:schemeClr>
+          </a:lnRef>
+          <a:fillRef idx="1">
+            <a:schemeClr val="accent1"/>
+          </a:fillRef>
+          <a:effectRef idx="0">
+            <a:schemeClr val="accent1"/>
+          </a:effectRef>
+          <a:fontRef idx="minor">
+            <a:schemeClr val="lt1"/>
+          </a:fontRef>
+        </p:style>
+        <p:txBody>
+          <a:bodyPr rtlCol="0" anchor="ctr"/>
+          <a:lstStyle/>
+          <a:p>
+            <a:r>
+              <a:rPr lang="de-DE" sz="1400" b="1" dirty="0" smtClean="0">
+                <a:solidFill>
+                  <a:schemeClr val="accent3"/>
+                </a:solidFill>
+              </a:rPr>
+              <a:t>-1h</a:t>
+            </a:r>
+            <a:endParaRPr lang="de-DE" sz="1400" b="1" dirty="0" smtClean="0">
+              <a:solidFill>
+                <a:schemeClr val="accent3"/>
+              </a:solidFill>
+            </a:endParaRPr>
+          </a:p>
+        </p:txBody>
+      </p:sp>
+      <p:sp>
+        <p:nvSpPr>
+          <p:cNvPr id="188" name="Rectangle 187"/>
+          <p:cNvSpPr/>
+          <p:nvPr/>
+        </p:nvSpPr>
+        <p:spPr>
+          <a:xfrm>
+            <a:off x="3497208" y="4221088"/>
+            <a:ext cx="1008112" cy="432048"/>
           </a:xfrm>
           <a:prstGeom prst="rect">
             <a:avLst/>
@@ -15847,7 +16703,7 @@
                   <a:schemeClr val="tx2"/>
                 </a:solidFill>
               </a:rPr>
-              <a:t>1</a:t>
+              <a:t>6</a:t>
             </a:r>
             <a:r>
               <a:rPr lang="de-DE" sz="1400" dirty="0" smtClean="0">
@@ -15867,13 +16723,13 @@
       </p:sp>
       <p:sp>
         <p:nvSpPr>
-          <p:cNvPr id="167" name="Rectangle 166"/>
-          <p:cNvSpPr/>
-          <p:nvPr/>
-        </p:nvSpPr>
-        <p:spPr>
-          <a:xfrm>
-            <a:off x="5508104" y="1340768"/>
+          <p:cNvPr id="190" name="Rectangle 189"/>
+          <p:cNvSpPr/>
+          <p:nvPr/>
+        </p:nvSpPr>
+        <p:spPr>
+          <a:xfrm>
+            <a:off x="4494664" y="6472768"/>
             <a:ext cx="1008112" cy="360040"/>
           </a:xfrm>
           <a:prstGeom prst="rect">
@@ -15902,14 +16758,14 @@
           <a:lstStyle/>
           <a:p>
             <a:r>
-              <a:rPr lang="de-DE" sz="1400" dirty="0">
-                <a:solidFill>
-                  <a:schemeClr val="tx2"/>
-                </a:solidFill>
-              </a:rPr>
-              <a:t>-</a:t>
-            </a:r>
-            <a:endParaRPr lang="de-DE" sz="1400" dirty="0" smtClean="0">
+              <a:rPr lang="de-DE" sz="1400" b="1" dirty="0" smtClean="0">
+                <a:solidFill>
+                  <a:schemeClr val="tx2"/>
+                </a:solidFill>
+              </a:rPr>
+              <a:t>314h</a:t>
+            </a:r>
+            <a:endParaRPr lang="de-DE" sz="1400" b="1" dirty="0" smtClean="0">
               <a:solidFill>
                 <a:schemeClr val="tx2"/>
               </a:solidFill>
@@ -15919,13 +16775,13 @@
       </p:sp>
       <p:sp>
         <p:nvSpPr>
-          <p:cNvPr id="168" name="Rectangle 167"/>
-          <p:cNvSpPr/>
-          <p:nvPr/>
-        </p:nvSpPr>
-        <p:spPr>
-          <a:xfrm>
-            <a:off x="6516216" y="1340768"/>
+          <p:cNvPr id="191" name="Rectangle 190"/>
+          <p:cNvSpPr/>
+          <p:nvPr/>
+        </p:nvSpPr>
+        <p:spPr>
+          <a:xfrm>
+            <a:off x="5502776" y="6472768"/>
             <a:ext cx="1008112" cy="360040"/>
           </a:xfrm>
           <a:prstGeom prst="rect">
@@ -15954,14 +16810,14 @@
           <a:lstStyle/>
           <a:p>
             <a:r>
-              <a:rPr lang="de-DE" sz="1400" dirty="0" smtClean="0">
-                <a:solidFill>
-                  <a:schemeClr val="tx2"/>
-                </a:solidFill>
-              </a:rPr>
-              <a:t>h</a:t>
-            </a:r>
-            <a:endParaRPr lang="de-DE" sz="1400" dirty="0" smtClean="0">
+              <a:rPr lang="de-DE" sz="1400" b="1" dirty="0" smtClean="0">
+                <a:solidFill>
+                  <a:schemeClr val="tx2"/>
+                </a:solidFill>
+              </a:rPr>
+              <a:t>216.5</a:t>
+            </a:r>
+            <a:endParaRPr lang="de-DE" sz="1400" b="1" dirty="0" smtClean="0">
               <a:solidFill>
                 <a:schemeClr val="tx2"/>
               </a:solidFill>
@@ -15971,13 +16827,13 @@
       </p:sp>
       <p:sp>
         <p:nvSpPr>
-          <p:cNvPr id="169" name="Rectangle 168"/>
-          <p:cNvSpPr/>
-          <p:nvPr/>
-        </p:nvSpPr>
-        <p:spPr>
-          <a:xfrm>
-            <a:off x="7524328" y="1340768"/>
+          <p:cNvPr id="192" name="Rectangle 191"/>
+          <p:cNvSpPr/>
+          <p:nvPr/>
+        </p:nvSpPr>
+        <p:spPr>
+          <a:xfrm>
+            <a:off x="6510888" y="6472768"/>
             <a:ext cx="1008112" cy="360040"/>
           </a:xfrm>
           <a:prstGeom prst="rect">
@@ -16006,14 +16862,14 @@
           <a:lstStyle/>
           <a:p>
             <a:r>
-              <a:rPr lang="de-DE" sz="1400" dirty="0" smtClean="0">
-                <a:solidFill>
-                  <a:schemeClr val="tx2"/>
-                </a:solidFill>
-              </a:rPr>
-              <a:t>h</a:t>
-            </a:r>
-            <a:endParaRPr lang="de-DE" sz="1400" dirty="0" smtClean="0">
+              <a:rPr lang="de-DE" sz="1400" b="1" dirty="0" smtClean="0">
+                <a:solidFill>
+                  <a:schemeClr val="tx2"/>
+                </a:solidFill>
+              </a:rPr>
+              <a:t>530.5h</a:t>
+            </a:r>
+            <a:endParaRPr lang="de-DE" sz="1400" b="1" dirty="0" smtClean="0">
               <a:solidFill>
                 <a:schemeClr val="tx2"/>
               </a:solidFill>
@@ -16023,13 +16879,13 @@
       </p:sp>
       <p:sp>
         <p:nvSpPr>
-          <p:cNvPr id="170" name="Rectangle 169"/>
-          <p:cNvSpPr/>
-          <p:nvPr/>
-        </p:nvSpPr>
-        <p:spPr>
-          <a:xfrm>
-            <a:off x="3485778" y="1340768"/>
+          <p:cNvPr id="193" name="Rectangle 192"/>
+          <p:cNvSpPr/>
+          <p:nvPr/>
+        </p:nvSpPr>
+        <p:spPr>
+          <a:xfrm>
+            <a:off x="7519000" y="6472768"/>
             <a:ext cx="1008112" cy="360040"/>
           </a:xfrm>
           <a:prstGeom prst="rect">
@@ -16058,24 +16914,16 @@
           <a:lstStyle/>
           <a:p>
             <a:r>
-              <a:rPr lang="de-DE" sz="1400" dirty="0">
-                <a:solidFill>
-                  <a:schemeClr val="tx2"/>
-                </a:solidFill>
-              </a:rPr>
-              <a:t>8</a:t>
-            </a:r>
-            <a:r>
-              <a:rPr lang="de-DE" sz="1400" dirty="0" smtClean="0">
-                <a:solidFill>
-                  <a:schemeClr val="tx2"/>
-                </a:solidFill>
-              </a:rPr>
-              <a:t>h</a:t>
-            </a:r>
-            <a:endParaRPr lang="de-DE" sz="1400" dirty="0" smtClean="0">
+              <a:rPr lang="de-DE" sz="1400" b="1" dirty="0" smtClean="0">
+                <a:solidFill>
+                  <a:schemeClr val="accent2"/>
+                </a:solidFill>
+              </a:rPr>
+              <a:t>+90.5h</a:t>
+            </a:r>
+            <a:endParaRPr lang="de-DE" sz="1400" b="1" dirty="0" smtClean="0">
               <a:solidFill>
-                <a:schemeClr val="tx2"/>
+                <a:schemeClr val="accent2"/>
               </a:solidFill>
             </a:endParaRPr>
           </a:p>
@@ -16083,65 +16931,13 @@
       </p:sp>
       <p:sp>
         <p:nvSpPr>
-          <p:cNvPr id="171" name="Rectangle 170"/>
-          <p:cNvSpPr/>
-          <p:nvPr/>
-        </p:nvSpPr>
-        <p:spPr>
-          <a:xfrm>
-            <a:off x="755576" y="5748114"/>
-            <a:ext cx="2736304" cy="360040"/>
-          </a:xfrm>
-          <a:prstGeom prst="rect">
-            <a:avLst/>
-          </a:prstGeom>
-          <a:noFill/>
-        </p:spPr>
-        <p:style>
-          <a:lnRef idx="2">
-            <a:schemeClr val="accent1">
-              <a:shade val="50000"/>
-            </a:schemeClr>
-          </a:lnRef>
-          <a:fillRef idx="1">
-            <a:schemeClr val="accent1"/>
-          </a:fillRef>
-          <a:effectRef idx="0">
-            <a:schemeClr val="accent1"/>
-          </a:effectRef>
-          <a:fontRef idx="minor">
-            <a:schemeClr val="lt1"/>
-          </a:fontRef>
-        </p:style>
-        <p:txBody>
-          <a:bodyPr rtlCol="0" anchor="ctr"/>
-          <a:lstStyle/>
-          <a:p>
-            <a:r>
-              <a:rPr lang="de-DE" sz="1400" dirty="0" smtClean="0">
-                <a:solidFill>
-                  <a:schemeClr val="tx2"/>
-                </a:solidFill>
-              </a:rPr>
-              <a:t>Dokumentation</a:t>
-            </a:r>
-            <a:endParaRPr lang="de-DE" sz="1400" dirty="0" smtClean="0">
-              <a:solidFill>
-                <a:schemeClr val="tx2"/>
-              </a:solidFill>
-            </a:endParaRPr>
-          </a:p>
-        </p:txBody>
-      </p:sp>
-      <p:sp>
-        <p:nvSpPr>
-          <p:cNvPr id="172" name="Rectangle 171"/>
-          <p:cNvSpPr/>
-          <p:nvPr/>
-        </p:nvSpPr>
-        <p:spPr>
-          <a:xfrm>
-            <a:off x="4499992" y="5748114"/>
+          <p:cNvPr id="194" name="Rectangle 193"/>
+          <p:cNvSpPr/>
+          <p:nvPr/>
+        </p:nvSpPr>
+        <p:spPr>
+          <a:xfrm>
+            <a:off x="3480450" y="6472768"/>
             <a:ext cx="1008112" cy="360040"/>
           </a:xfrm>
           <a:prstGeom prst="rect">
@@ -16170,870 +16966,14 @@
           <a:lstStyle/>
           <a:p>
             <a:r>
-              <a:rPr lang="de-DE" sz="1400" dirty="0" smtClean="0">
-                <a:solidFill>
-                  <a:schemeClr val="tx2"/>
-                </a:solidFill>
-              </a:rPr>
-              <a:t>30h</a:t>
-            </a:r>
-            <a:endParaRPr lang="de-DE" sz="1400" dirty="0" smtClean="0">
-              <a:solidFill>
-                <a:schemeClr val="tx2"/>
-              </a:solidFill>
-            </a:endParaRPr>
-          </a:p>
-        </p:txBody>
-      </p:sp>
-      <p:sp>
-        <p:nvSpPr>
-          <p:cNvPr id="173" name="Rectangle 172"/>
-          <p:cNvSpPr/>
-          <p:nvPr/>
-        </p:nvSpPr>
-        <p:spPr>
-          <a:xfrm>
-            <a:off x="5508104" y="5748114"/>
-            <a:ext cx="1008112" cy="360040"/>
-          </a:xfrm>
-          <a:prstGeom prst="rect">
-            <a:avLst/>
-          </a:prstGeom>
-          <a:noFill/>
-        </p:spPr>
-        <p:style>
-          <a:lnRef idx="2">
-            <a:schemeClr val="accent1">
-              <a:shade val="50000"/>
-            </a:schemeClr>
-          </a:lnRef>
-          <a:fillRef idx="1">
-            <a:schemeClr val="accent1"/>
-          </a:fillRef>
-          <a:effectRef idx="0">
-            <a:schemeClr val="accent1"/>
-          </a:effectRef>
-          <a:fontRef idx="minor">
-            <a:schemeClr val="lt1"/>
-          </a:fontRef>
-        </p:style>
-        <p:txBody>
-          <a:bodyPr rtlCol="0" anchor="ctr"/>
-          <a:lstStyle/>
-          <a:p>
-            <a:r>
-              <a:rPr lang="de-DE" sz="1400" dirty="0" smtClean="0">
-                <a:solidFill>
-                  <a:schemeClr val="tx2"/>
-                </a:solidFill>
-              </a:rPr>
-              <a:t>h</a:t>
-            </a:r>
-            <a:endParaRPr lang="de-DE" sz="1400" dirty="0" smtClean="0">
-              <a:solidFill>
-                <a:schemeClr val="tx2"/>
-              </a:solidFill>
-            </a:endParaRPr>
-          </a:p>
-        </p:txBody>
-      </p:sp>
-      <p:sp>
-        <p:nvSpPr>
-          <p:cNvPr id="174" name="Rectangle 173"/>
-          <p:cNvSpPr/>
-          <p:nvPr/>
-        </p:nvSpPr>
-        <p:spPr>
-          <a:xfrm>
-            <a:off x="6516216" y="5748114"/>
-            <a:ext cx="1008112" cy="360040"/>
-          </a:xfrm>
-          <a:prstGeom prst="rect">
-            <a:avLst/>
-          </a:prstGeom>
-          <a:noFill/>
-        </p:spPr>
-        <p:style>
-          <a:lnRef idx="2">
-            <a:schemeClr val="accent1">
-              <a:shade val="50000"/>
-            </a:schemeClr>
-          </a:lnRef>
-          <a:fillRef idx="1">
-            <a:schemeClr val="accent1"/>
-          </a:fillRef>
-          <a:effectRef idx="0">
-            <a:schemeClr val="accent1"/>
-          </a:effectRef>
-          <a:fontRef idx="minor">
-            <a:schemeClr val="lt1"/>
-          </a:fontRef>
-        </p:style>
-        <p:txBody>
-          <a:bodyPr rtlCol="0" anchor="ctr"/>
-          <a:lstStyle/>
-          <a:p>
-            <a:r>
-              <a:rPr lang="de-DE" sz="1400" dirty="0" smtClean="0">
-                <a:solidFill>
-                  <a:schemeClr val="tx2"/>
-                </a:solidFill>
-              </a:rPr>
-              <a:t>h</a:t>
-            </a:r>
-            <a:endParaRPr lang="de-DE" sz="1400" dirty="0" smtClean="0">
-              <a:solidFill>
-                <a:schemeClr val="tx2"/>
-              </a:solidFill>
-            </a:endParaRPr>
-          </a:p>
-        </p:txBody>
-      </p:sp>
-      <p:sp>
-        <p:nvSpPr>
-          <p:cNvPr id="175" name="Rectangle 174"/>
-          <p:cNvSpPr/>
-          <p:nvPr/>
-        </p:nvSpPr>
-        <p:spPr>
-          <a:xfrm>
-            <a:off x="7524328" y="5748114"/>
-            <a:ext cx="1008112" cy="360040"/>
-          </a:xfrm>
-          <a:prstGeom prst="rect">
-            <a:avLst/>
-          </a:prstGeom>
-          <a:noFill/>
-        </p:spPr>
-        <p:style>
-          <a:lnRef idx="2">
-            <a:schemeClr val="accent1">
-              <a:shade val="50000"/>
-            </a:schemeClr>
-          </a:lnRef>
-          <a:fillRef idx="1">
-            <a:schemeClr val="accent1"/>
-          </a:fillRef>
-          <a:effectRef idx="0">
-            <a:schemeClr val="accent1"/>
-          </a:effectRef>
-          <a:fontRef idx="minor">
-            <a:schemeClr val="lt1"/>
-          </a:fontRef>
-        </p:style>
-        <p:txBody>
-          <a:bodyPr rtlCol="0" anchor="ctr"/>
-          <a:lstStyle/>
-          <a:p>
-            <a:r>
-              <a:rPr lang="de-DE" sz="1400" dirty="0" smtClean="0">
-                <a:solidFill>
-                  <a:schemeClr val="tx2"/>
-                </a:solidFill>
-              </a:rPr>
-              <a:t>h</a:t>
-            </a:r>
-            <a:endParaRPr lang="de-DE" sz="1400" dirty="0" smtClean="0">
-              <a:solidFill>
-                <a:schemeClr val="tx2"/>
-              </a:solidFill>
-            </a:endParaRPr>
-          </a:p>
-        </p:txBody>
-      </p:sp>
-      <p:sp>
-        <p:nvSpPr>
-          <p:cNvPr id="176" name="Rectangle 175"/>
-          <p:cNvSpPr/>
-          <p:nvPr/>
-        </p:nvSpPr>
-        <p:spPr>
-          <a:xfrm>
-            <a:off x="3485778" y="5748114"/>
-            <a:ext cx="1008112" cy="360040"/>
-          </a:xfrm>
-          <a:prstGeom prst="rect">
-            <a:avLst/>
-          </a:prstGeom>
-          <a:noFill/>
-        </p:spPr>
-        <p:style>
-          <a:lnRef idx="2">
-            <a:schemeClr val="accent1">
-              <a:shade val="50000"/>
-            </a:schemeClr>
-          </a:lnRef>
-          <a:fillRef idx="1">
-            <a:schemeClr val="accent1"/>
-          </a:fillRef>
-          <a:effectRef idx="0">
-            <a:schemeClr val="accent1"/>
-          </a:effectRef>
-          <a:fontRef idx="minor">
-            <a:schemeClr val="lt1"/>
-          </a:fontRef>
-        </p:style>
-        <p:txBody>
-          <a:bodyPr rtlCol="0" anchor="ctr"/>
-          <a:lstStyle/>
-          <a:p>
-            <a:r>
-              <a:rPr lang="de-DE" sz="1400" dirty="0" smtClean="0">
-                <a:solidFill>
-                  <a:schemeClr val="tx2"/>
-                </a:solidFill>
-              </a:rPr>
-              <a:t>45</a:t>
-            </a:r>
-            <a:r>
-              <a:rPr lang="de-DE" sz="1400" dirty="0" smtClean="0">
-                <a:solidFill>
-                  <a:schemeClr val="tx2"/>
-                </a:solidFill>
-              </a:rPr>
-              <a:t>h</a:t>
-            </a:r>
-            <a:endParaRPr lang="de-DE" sz="1400" dirty="0" smtClean="0">
-              <a:solidFill>
-                <a:schemeClr val="tx2"/>
-              </a:solidFill>
-            </a:endParaRPr>
-          </a:p>
-        </p:txBody>
-      </p:sp>
-      <p:sp>
-        <p:nvSpPr>
-          <p:cNvPr id="177" name="Rectangle 176"/>
-          <p:cNvSpPr/>
-          <p:nvPr/>
-        </p:nvSpPr>
-        <p:spPr>
-          <a:xfrm>
-            <a:off x="755576" y="5028034"/>
-            <a:ext cx="2736304" cy="360040"/>
-          </a:xfrm>
-          <a:prstGeom prst="rect">
-            <a:avLst/>
-          </a:prstGeom>
-          <a:noFill/>
-        </p:spPr>
-        <p:style>
-          <a:lnRef idx="2">
-            <a:schemeClr val="accent1">
-              <a:shade val="50000"/>
-            </a:schemeClr>
-          </a:lnRef>
-          <a:fillRef idx="1">
-            <a:schemeClr val="accent1"/>
-          </a:fillRef>
-          <a:effectRef idx="0">
-            <a:schemeClr val="accent1"/>
-          </a:effectRef>
-          <a:fontRef idx="minor">
-            <a:schemeClr val="lt1"/>
-          </a:fontRef>
-        </p:style>
-        <p:txBody>
-          <a:bodyPr rtlCol="0" anchor="ctr"/>
-          <a:lstStyle/>
-          <a:p>
-            <a:r>
-              <a:rPr lang="de-DE" sz="1400" dirty="0" smtClean="0">
-                <a:solidFill>
-                  <a:schemeClr val="tx2"/>
-                </a:solidFill>
-              </a:rPr>
-              <a:t>Fehlerbehandlung</a:t>
-            </a:r>
-            <a:endParaRPr lang="de-DE" sz="1400" dirty="0" smtClean="0">
-              <a:solidFill>
-                <a:schemeClr val="tx2"/>
-              </a:solidFill>
-            </a:endParaRPr>
-          </a:p>
-        </p:txBody>
-      </p:sp>
-      <p:sp>
-        <p:nvSpPr>
-          <p:cNvPr id="178" name="Rectangle 177"/>
-          <p:cNvSpPr/>
-          <p:nvPr/>
-        </p:nvSpPr>
-        <p:spPr>
-          <a:xfrm>
-            <a:off x="4499992" y="5028034"/>
-            <a:ext cx="1008112" cy="360040"/>
-          </a:xfrm>
-          <a:prstGeom prst="rect">
-            <a:avLst/>
-          </a:prstGeom>
-          <a:noFill/>
-        </p:spPr>
-        <p:style>
-          <a:lnRef idx="2">
-            <a:schemeClr val="accent1">
-              <a:shade val="50000"/>
-            </a:schemeClr>
-          </a:lnRef>
-          <a:fillRef idx="1">
-            <a:schemeClr val="accent1"/>
-          </a:fillRef>
-          <a:effectRef idx="0">
-            <a:schemeClr val="accent1"/>
-          </a:effectRef>
-          <a:fontRef idx="minor">
-            <a:schemeClr val="lt1"/>
-          </a:fontRef>
-        </p:style>
-        <p:txBody>
-          <a:bodyPr rtlCol="0" anchor="ctr"/>
-          <a:lstStyle/>
-          <a:p>
-            <a:r>
-              <a:rPr lang="de-DE" sz="1400" dirty="0">
-                <a:solidFill>
-                  <a:schemeClr val="tx2"/>
-                </a:solidFill>
-              </a:rPr>
-              <a:t>2</a:t>
-            </a:r>
-            <a:r>
-              <a:rPr lang="de-DE" sz="1400" dirty="0" smtClean="0">
-                <a:solidFill>
-                  <a:schemeClr val="tx2"/>
-                </a:solidFill>
-              </a:rPr>
-              <a:t>h</a:t>
-            </a:r>
-            <a:endParaRPr lang="de-DE" sz="1400" dirty="0" smtClean="0">
-              <a:solidFill>
-                <a:schemeClr val="tx2"/>
-              </a:solidFill>
-            </a:endParaRPr>
-          </a:p>
-        </p:txBody>
-      </p:sp>
-      <p:sp>
-        <p:nvSpPr>
-          <p:cNvPr id="179" name="Rectangle 178"/>
-          <p:cNvSpPr/>
-          <p:nvPr/>
-        </p:nvSpPr>
-        <p:spPr>
-          <a:xfrm>
-            <a:off x="5508104" y="5028034"/>
-            <a:ext cx="1008112" cy="360040"/>
-          </a:xfrm>
-          <a:prstGeom prst="rect">
-            <a:avLst/>
-          </a:prstGeom>
-          <a:noFill/>
-        </p:spPr>
-        <p:style>
-          <a:lnRef idx="2">
-            <a:schemeClr val="accent1">
-              <a:shade val="50000"/>
-            </a:schemeClr>
-          </a:lnRef>
-          <a:fillRef idx="1">
-            <a:schemeClr val="accent1"/>
-          </a:fillRef>
-          <a:effectRef idx="0">
-            <a:schemeClr val="accent1"/>
-          </a:effectRef>
-          <a:fontRef idx="minor">
-            <a:schemeClr val="lt1"/>
-          </a:fontRef>
-        </p:style>
-        <p:txBody>
-          <a:bodyPr rtlCol="0" anchor="ctr"/>
-          <a:lstStyle/>
-          <a:p>
-            <a:r>
-              <a:rPr lang="de-DE" sz="1400" dirty="0" smtClean="0">
-                <a:solidFill>
-                  <a:schemeClr val="tx2"/>
-                </a:solidFill>
-              </a:rPr>
-              <a:t>h</a:t>
-            </a:r>
-            <a:endParaRPr lang="de-DE" sz="1400" dirty="0" smtClean="0">
-              <a:solidFill>
-                <a:schemeClr val="tx2"/>
-              </a:solidFill>
-            </a:endParaRPr>
-          </a:p>
-        </p:txBody>
-      </p:sp>
-      <p:sp>
-        <p:nvSpPr>
-          <p:cNvPr id="180" name="Rectangle 179"/>
-          <p:cNvSpPr/>
-          <p:nvPr/>
-        </p:nvSpPr>
-        <p:spPr>
-          <a:xfrm>
-            <a:off x="6516216" y="5028034"/>
-            <a:ext cx="1008112" cy="360040"/>
-          </a:xfrm>
-          <a:prstGeom prst="rect">
-            <a:avLst/>
-          </a:prstGeom>
-          <a:noFill/>
-        </p:spPr>
-        <p:style>
-          <a:lnRef idx="2">
-            <a:schemeClr val="accent1">
-              <a:shade val="50000"/>
-            </a:schemeClr>
-          </a:lnRef>
-          <a:fillRef idx="1">
-            <a:schemeClr val="accent1"/>
-          </a:fillRef>
-          <a:effectRef idx="0">
-            <a:schemeClr val="accent1"/>
-          </a:effectRef>
-          <a:fontRef idx="minor">
-            <a:schemeClr val="lt1"/>
-          </a:fontRef>
-        </p:style>
-        <p:txBody>
-          <a:bodyPr rtlCol="0" anchor="ctr"/>
-          <a:lstStyle/>
-          <a:p>
-            <a:r>
-              <a:rPr lang="de-DE" sz="1400" dirty="0" smtClean="0">
-                <a:solidFill>
-                  <a:schemeClr val="tx2"/>
-                </a:solidFill>
-              </a:rPr>
-              <a:t>h</a:t>
-            </a:r>
-            <a:endParaRPr lang="de-DE" sz="1400" dirty="0" smtClean="0">
-              <a:solidFill>
-                <a:schemeClr val="tx2"/>
-              </a:solidFill>
-            </a:endParaRPr>
-          </a:p>
-        </p:txBody>
-      </p:sp>
-      <p:sp>
-        <p:nvSpPr>
-          <p:cNvPr id="181" name="Rectangle 180"/>
-          <p:cNvSpPr/>
-          <p:nvPr/>
-        </p:nvSpPr>
-        <p:spPr>
-          <a:xfrm>
-            <a:off x="7524328" y="5028034"/>
-            <a:ext cx="1008112" cy="360040"/>
-          </a:xfrm>
-          <a:prstGeom prst="rect">
-            <a:avLst/>
-          </a:prstGeom>
-          <a:noFill/>
-        </p:spPr>
-        <p:style>
-          <a:lnRef idx="2">
-            <a:schemeClr val="accent1">
-              <a:shade val="50000"/>
-            </a:schemeClr>
-          </a:lnRef>
-          <a:fillRef idx="1">
-            <a:schemeClr val="accent1"/>
-          </a:fillRef>
-          <a:effectRef idx="0">
-            <a:schemeClr val="accent1"/>
-          </a:effectRef>
-          <a:fontRef idx="minor">
-            <a:schemeClr val="lt1"/>
-          </a:fontRef>
-        </p:style>
-        <p:txBody>
-          <a:bodyPr rtlCol="0" anchor="ctr"/>
-          <a:lstStyle/>
-          <a:p>
-            <a:r>
-              <a:rPr lang="de-DE" sz="1400" dirty="0" smtClean="0">
-                <a:solidFill>
-                  <a:schemeClr val="tx2"/>
-                </a:solidFill>
-              </a:rPr>
-              <a:t>h</a:t>
-            </a:r>
-            <a:endParaRPr lang="de-DE" sz="1400" dirty="0" smtClean="0">
-              <a:solidFill>
-                <a:schemeClr val="tx2"/>
-              </a:solidFill>
-            </a:endParaRPr>
-          </a:p>
-        </p:txBody>
-      </p:sp>
-      <p:sp>
-        <p:nvSpPr>
-          <p:cNvPr id="182" name="Rectangle 181"/>
-          <p:cNvSpPr/>
-          <p:nvPr/>
-        </p:nvSpPr>
-        <p:spPr>
-          <a:xfrm>
-            <a:off x="3485778" y="5028034"/>
-            <a:ext cx="1008112" cy="360040"/>
-          </a:xfrm>
-          <a:prstGeom prst="rect">
-            <a:avLst/>
-          </a:prstGeom>
-          <a:noFill/>
-        </p:spPr>
-        <p:style>
-          <a:lnRef idx="2">
-            <a:schemeClr val="accent1">
-              <a:shade val="50000"/>
-            </a:schemeClr>
-          </a:lnRef>
-          <a:fillRef idx="1">
-            <a:schemeClr val="accent1"/>
-          </a:fillRef>
-          <a:effectRef idx="0">
-            <a:schemeClr val="accent1"/>
-          </a:effectRef>
-          <a:fontRef idx="minor">
-            <a:schemeClr val="lt1"/>
-          </a:fontRef>
-        </p:style>
-        <p:txBody>
-          <a:bodyPr rtlCol="0" anchor="ctr"/>
-          <a:lstStyle/>
-          <a:p>
-            <a:r>
-              <a:rPr lang="de-DE" sz="1400" dirty="0">
-                <a:solidFill>
-                  <a:schemeClr val="tx2"/>
-                </a:solidFill>
-              </a:rPr>
-              <a:t>-</a:t>
-            </a:r>
-            <a:endParaRPr lang="de-DE" sz="1400" dirty="0" smtClean="0">
-              <a:solidFill>
-                <a:schemeClr val="tx2"/>
-              </a:solidFill>
-            </a:endParaRPr>
-          </a:p>
-        </p:txBody>
-      </p:sp>
-      <p:sp>
-        <p:nvSpPr>
-          <p:cNvPr id="183" name="Rectangle 182"/>
-          <p:cNvSpPr/>
-          <p:nvPr/>
-        </p:nvSpPr>
-        <p:spPr>
-          <a:xfrm>
-            <a:off x="755576" y="4221088"/>
-            <a:ext cx="2736304" cy="432048"/>
-          </a:xfrm>
-          <a:prstGeom prst="rect">
-            <a:avLst/>
-          </a:prstGeom>
-          <a:noFill/>
-        </p:spPr>
-        <p:style>
-          <a:lnRef idx="2">
-            <a:schemeClr val="accent1">
-              <a:shade val="50000"/>
-            </a:schemeClr>
-          </a:lnRef>
-          <a:fillRef idx="1">
-            <a:schemeClr val="accent1"/>
-          </a:fillRef>
-          <a:effectRef idx="0">
-            <a:schemeClr val="accent1"/>
-          </a:effectRef>
-          <a:fontRef idx="minor">
-            <a:schemeClr val="lt1"/>
-          </a:fontRef>
-        </p:style>
-        <p:txBody>
-          <a:bodyPr rtlCol="0" anchor="ctr"/>
-          <a:lstStyle/>
-          <a:p>
-            <a:r>
-              <a:rPr lang="de-DE" sz="1400" dirty="0" smtClean="0">
-                <a:solidFill>
-                  <a:schemeClr val="tx2"/>
-                </a:solidFill>
-              </a:rPr>
-              <a:t>Bearbeitungsschnittstelle Informationsseiten (z.B. Über Uns)</a:t>
-            </a:r>
-            <a:endParaRPr lang="de-DE" sz="1400" dirty="0" smtClean="0">
-              <a:solidFill>
-                <a:schemeClr val="tx2"/>
-              </a:solidFill>
-            </a:endParaRPr>
-          </a:p>
-        </p:txBody>
-      </p:sp>
-      <p:sp>
-        <p:nvSpPr>
-          <p:cNvPr id="184" name="Rectangle 183"/>
-          <p:cNvSpPr/>
-          <p:nvPr/>
-        </p:nvSpPr>
-        <p:spPr>
-          <a:xfrm>
-            <a:off x="4499992" y="4221088"/>
-            <a:ext cx="1008112" cy="432048"/>
-          </a:xfrm>
-          <a:prstGeom prst="rect">
-            <a:avLst/>
-          </a:prstGeom>
-          <a:noFill/>
-        </p:spPr>
-        <p:style>
-          <a:lnRef idx="2">
-            <a:schemeClr val="accent1">
-              <a:shade val="50000"/>
-            </a:schemeClr>
-          </a:lnRef>
-          <a:fillRef idx="1">
-            <a:schemeClr val="accent1"/>
-          </a:fillRef>
-          <a:effectRef idx="0">
-            <a:schemeClr val="accent1"/>
-          </a:effectRef>
-          <a:fontRef idx="minor">
-            <a:schemeClr val="lt1"/>
-          </a:fontRef>
-        </p:style>
-        <p:txBody>
-          <a:bodyPr rtlCol="0" anchor="ctr"/>
-          <a:lstStyle/>
-          <a:p>
-            <a:r>
-              <a:rPr lang="de-DE" sz="1400" dirty="0" smtClean="0">
-                <a:solidFill>
-                  <a:schemeClr val="tx2"/>
-                </a:solidFill>
-              </a:rPr>
-              <a:t>5h</a:t>
-            </a:r>
-            <a:endParaRPr lang="de-DE" sz="1400" dirty="0" smtClean="0">
-              <a:solidFill>
-                <a:schemeClr val="tx2"/>
-              </a:solidFill>
-            </a:endParaRPr>
-          </a:p>
-        </p:txBody>
-      </p:sp>
-      <p:sp>
-        <p:nvSpPr>
-          <p:cNvPr id="185" name="Rectangle 184"/>
-          <p:cNvSpPr/>
-          <p:nvPr/>
-        </p:nvSpPr>
-        <p:spPr>
-          <a:xfrm>
-            <a:off x="5508104" y="4221088"/>
-            <a:ext cx="1008112" cy="432048"/>
-          </a:xfrm>
-          <a:prstGeom prst="rect">
-            <a:avLst/>
-          </a:prstGeom>
-          <a:noFill/>
-        </p:spPr>
-        <p:style>
-          <a:lnRef idx="2">
-            <a:schemeClr val="accent1">
-              <a:shade val="50000"/>
-            </a:schemeClr>
-          </a:lnRef>
-          <a:fillRef idx="1">
-            <a:schemeClr val="accent1"/>
-          </a:fillRef>
-          <a:effectRef idx="0">
-            <a:schemeClr val="accent1"/>
-          </a:effectRef>
-          <a:fontRef idx="minor">
-            <a:schemeClr val="lt1"/>
-          </a:fontRef>
-        </p:style>
-        <p:txBody>
-          <a:bodyPr rtlCol="0" anchor="ctr"/>
-          <a:lstStyle/>
-          <a:p>
-            <a:r>
-              <a:rPr lang="de-DE" sz="1400" dirty="0">
-                <a:solidFill>
-                  <a:schemeClr val="tx2"/>
-                </a:solidFill>
-              </a:rPr>
-              <a:t>-</a:t>
-            </a:r>
-            <a:endParaRPr lang="de-DE" sz="1400" dirty="0" smtClean="0">
-              <a:solidFill>
-                <a:schemeClr val="tx2"/>
-              </a:solidFill>
-            </a:endParaRPr>
-          </a:p>
-        </p:txBody>
-      </p:sp>
-      <p:sp>
-        <p:nvSpPr>
-          <p:cNvPr id="186" name="Rectangle 185"/>
-          <p:cNvSpPr/>
-          <p:nvPr/>
-        </p:nvSpPr>
-        <p:spPr>
-          <a:xfrm>
-            <a:off x="6516216" y="4221088"/>
-            <a:ext cx="1008112" cy="432048"/>
-          </a:xfrm>
-          <a:prstGeom prst="rect">
-            <a:avLst/>
-          </a:prstGeom>
-          <a:noFill/>
-        </p:spPr>
-        <p:style>
-          <a:lnRef idx="2">
-            <a:schemeClr val="accent1">
-              <a:shade val="50000"/>
-            </a:schemeClr>
-          </a:lnRef>
-          <a:fillRef idx="1">
-            <a:schemeClr val="accent1"/>
-          </a:fillRef>
-          <a:effectRef idx="0">
-            <a:schemeClr val="accent1"/>
-          </a:effectRef>
-          <a:fontRef idx="minor">
-            <a:schemeClr val="lt1"/>
-          </a:fontRef>
-        </p:style>
-        <p:txBody>
-          <a:bodyPr rtlCol="0" anchor="ctr"/>
-          <a:lstStyle/>
-          <a:p>
-            <a:r>
-              <a:rPr lang="de-DE" sz="1400" dirty="0" smtClean="0">
-                <a:solidFill>
-                  <a:schemeClr val="tx2"/>
-                </a:solidFill>
-              </a:rPr>
-              <a:t>h</a:t>
-            </a:r>
-            <a:endParaRPr lang="de-DE" sz="1400" dirty="0" smtClean="0">
-              <a:solidFill>
-                <a:schemeClr val="tx2"/>
-              </a:solidFill>
-            </a:endParaRPr>
-          </a:p>
-        </p:txBody>
-      </p:sp>
-      <p:sp>
-        <p:nvSpPr>
-          <p:cNvPr id="187" name="Rectangle 186"/>
-          <p:cNvSpPr/>
-          <p:nvPr/>
-        </p:nvSpPr>
-        <p:spPr>
-          <a:xfrm>
-            <a:off x="7524328" y="4221088"/>
-            <a:ext cx="1008112" cy="432048"/>
-          </a:xfrm>
-          <a:prstGeom prst="rect">
-            <a:avLst/>
-          </a:prstGeom>
-          <a:noFill/>
-        </p:spPr>
-        <p:style>
-          <a:lnRef idx="2">
-            <a:schemeClr val="accent1">
-              <a:shade val="50000"/>
-            </a:schemeClr>
-          </a:lnRef>
-          <a:fillRef idx="1">
-            <a:schemeClr val="accent1"/>
-          </a:fillRef>
-          <a:effectRef idx="0">
-            <a:schemeClr val="accent1"/>
-          </a:effectRef>
-          <a:fontRef idx="minor">
-            <a:schemeClr val="lt1"/>
-          </a:fontRef>
-        </p:style>
-        <p:txBody>
-          <a:bodyPr rtlCol="0" anchor="ctr"/>
-          <a:lstStyle/>
-          <a:p>
-            <a:r>
-              <a:rPr lang="de-DE" sz="1400" dirty="0" smtClean="0">
-                <a:solidFill>
-                  <a:schemeClr val="tx2"/>
-                </a:solidFill>
-              </a:rPr>
-              <a:t>h</a:t>
-            </a:r>
-            <a:endParaRPr lang="de-DE" sz="1400" dirty="0" smtClean="0">
-              <a:solidFill>
-                <a:schemeClr val="tx2"/>
-              </a:solidFill>
-            </a:endParaRPr>
-          </a:p>
-        </p:txBody>
-      </p:sp>
-      <p:sp>
-        <p:nvSpPr>
-          <p:cNvPr id="188" name="Rectangle 187"/>
-          <p:cNvSpPr/>
-          <p:nvPr/>
-        </p:nvSpPr>
-        <p:spPr>
-          <a:xfrm>
-            <a:off x="3485778" y="4221088"/>
-            <a:ext cx="1008112" cy="432048"/>
-          </a:xfrm>
-          <a:prstGeom prst="rect">
-            <a:avLst/>
-          </a:prstGeom>
-          <a:noFill/>
-        </p:spPr>
-        <p:style>
-          <a:lnRef idx="2">
-            <a:schemeClr val="accent1">
-              <a:shade val="50000"/>
-            </a:schemeClr>
-          </a:lnRef>
-          <a:fillRef idx="1">
-            <a:schemeClr val="accent1"/>
-          </a:fillRef>
-          <a:effectRef idx="0">
-            <a:schemeClr val="accent1"/>
-          </a:effectRef>
-          <a:fontRef idx="minor">
-            <a:schemeClr val="lt1"/>
-          </a:fontRef>
-        </p:style>
-        <p:txBody>
-          <a:bodyPr rtlCol="0" anchor="ctr"/>
-          <a:lstStyle/>
-          <a:p>
-            <a:r>
-              <a:rPr lang="de-DE" sz="1400" dirty="0">
-                <a:solidFill>
-                  <a:schemeClr val="tx2"/>
-                </a:solidFill>
-              </a:rPr>
-              <a:t>6</a:t>
-            </a:r>
-            <a:r>
-              <a:rPr lang="de-DE" sz="1400" dirty="0" smtClean="0">
-                <a:solidFill>
-                  <a:schemeClr val="tx2"/>
-                </a:solidFill>
-              </a:rPr>
-              <a:t>h</a:t>
-            </a:r>
-            <a:endParaRPr lang="de-DE" sz="1400" dirty="0" smtClean="0">
+              <a:rPr lang="de-DE" sz="1400" b="1" dirty="0" smtClean="0">
+                <a:solidFill>
+                  <a:schemeClr val="tx2"/>
+                </a:solidFill>
+              </a:rPr>
+              <a:t>440h</a:t>
+            </a:r>
+            <a:endParaRPr lang="de-DE" sz="1400" b="1" dirty="0" smtClean="0">
               <a:solidFill>
                 <a:schemeClr val="tx2"/>
               </a:solidFill>
@@ -17861,84 +17801,6 @@
           <a:xfrm rot="5400000">
             <a:off x="2717794" y="1106742"/>
             <a:ext cx="792088" cy="396044"/>
-          </a:xfrm>
-          <a:prstGeom prst="bentConnector3">
-            <a:avLst/>
-          </a:prstGeom>
-          <a:ln w="28575">
-            <a:solidFill>
-              <a:schemeClr val="accent3"/>
-            </a:solidFill>
-            <a:tailEnd type="arrow"/>
-          </a:ln>
-        </p:spPr>
-        <p:style>
-          <a:lnRef idx="1">
-            <a:schemeClr val="accent1"/>
-          </a:lnRef>
-          <a:fillRef idx="0">
-            <a:schemeClr val="accent1"/>
-          </a:fillRef>
-          <a:effectRef idx="0">
-            <a:schemeClr val="accent1"/>
-          </a:effectRef>
-          <a:fontRef idx="minor">
-            <a:schemeClr val="tx1"/>
-          </a:fontRef>
-        </p:style>
-      </p:cxnSp>
-      <p:cxnSp>
-        <p:nvCxnSpPr>
-          <p:cNvPr id="25" name="Elbow Connector 24"/>
-          <p:cNvCxnSpPr>
-            <a:stCxn id="2" idx="2"/>
-            <a:endCxn id="8" idx="0"/>
-          </p:cNvCxnSpPr>
-          <p:nvPr/>
-        </p:nvCxnSpPr>
-        <p:spPr>
-          <a:xfrm rot="16200000" flipH="1">
-            <a:off x="3113838" y="1106742"/>
-            <a:ext cx="792088" cy="396044"/>
-          </a:xfrm>
-          <a:prstGeom prst="bentConnector3">
-            <a:avLst/>
-          </a:prstGeom>
-          <a:ln w="28575">
-            <a:solidFill>
-              <a:schemeClr val="accent3"/>
-            </a:solidFill>
-            <a:tailEnd type="arrow"/>
-          </a:ln>
-        </p:spPr>
-        <p:style>
-          <a:lnRef idx="1">
-            <a:schemeClr val="accent1"/>
-          </a:lnRef>
-          <a:fillRef idx="0">
-            <a:schemeClr val="accent1"/>
-          </a:fillRef>
-          <a:effectRef idx="0">
-            <a:schemeClr val="accent1"/>
-          </a:effectRef>
-          <a:fontRef idx="minor">
-            <a:schemeClr val="tx1"/>
-          </a:fontRef>
-        </p:style>
-      </p:cxnSp>
-      <p:cxnSp>
-        <p:nvCxnSpPr>
-          <p:cNvPr id="27" name="Elbow Connector 26"/>
-          <p:cNvCxnSpPr>
-            <a:stCxn id="2" idx="2"/>
-            <a:endCxn id="7" idx="0"/>
-          </p:cNvCxnSpPr>
-          <p:nvPr/>
-        </p:nvCxnSpPr>
-        <p:spPr>
-          <a:xfrm rot="16200000" flipH="1">
-            <a:off x="3509882" y="710698"/>
-            <a:ext cx="792088" cy="1188132"/>
           </a:xfrm>
           <a:prstGeom prst="bentConnector3">
             <a:avLst/>
